--- a/AdvanceJavaScript.pptx
+++ b/AdvanceJavaScript.pptx
@@ -14,8 +14,11 @@
     <p:sldId id="262" r:id="rId8"/>
     <p:sldId id="263" r:id="rId9"/>
     <p:sldId id="264" r:id="rId10"/>
-    <p:sldId id="265" r:id="rId11"/>
+    <p:sldId id="267" r:id="rId11"/>
     <p:sldId id="266" r:id="rId12"/>
+    <p:sldId id="265" r:id="rId13"/>
+    <p:sldId id="268" r:id="rId14"/>
+    <p:sldId id="269" r:id="rId15"/>
   </p:sldIdLst>
   <p:sldSz cx="12192000" cy="6858000"/>
   <p:notesSz cx="6858000" cy="9144000"/>
@@ -269,7 +272,7 @@
           <a:p>
             <a:fld id="{BC5A2644-DC23-4ADD-9DCB-84DBCEFE5469}" type="datetimeFigureOut">
               <a:rPr lang="en-US" smtClean="0"/>
-              <a:t>2/17/2023</a:t>
+              <a:t>2/22/2023</a:t>
             </a:fld>
             <a:endParaRPr lang="en-US"/>
           </a:p>
@@ -467,7 +470,7 @@
           <a:p>
             <a:fld id="{BC5A2644-DC23-4ADD-9DCB-84DBCEFE5469}" type="datetimeFigureOut">
               <a:rPr lang="en-US" smtClean="0"/>
-              <a:t>2/17/2023</a:t>
+              <a:t>2/22/2023</a:t>
             </a:fld>
             <a:endParaRPr lang="en-US"/>
           </a:p>
@@ -675,7 +678,7 @@
           <a:p>
             <a:fld id="{BC5A2644-DC23-4ADD-9DCB-84DBCEFE5469}" type="datetimeFigureOut">
               <a:rPr lang="en-US" smtClean="0"/>
-              <a:t>2/17/2023</a:t>
+              <a:t>2/22/2023</a:t>
             </a:fld>
             <a:endParaRPr lang="en-US"/>
           </a:p>
@@ -873,7 +876,7 @@
           <a:p>
             <a:fld id="{BC5A2644-DC23-4ADD-9DCB-84DBCEFE5469}" type="datetimeFigureOut">
               <a:rPr lang="en-US" smtClean="0"/>
-              <a:t>2/17/2023</a:t>
+              <a:t>2/22/2023</a:t>
             </a:fld>
             <a:endParaRPr lang="en-US"/>
           </a:p>
@@ -1148,7 +1151,7 @@
           <a:p>
             <a:fld id="{BC5A2644-DC23-4ADD-9DCB-84DBCEFE5469}" type="datetimeFigureOut">
               <a:rPr lang="en-US" smtClean="0"/>
-              <a:t>2/17/2023</a:t>
+              <a:t>2/22/2023</a:t>
             </a:fld>
             <a:endParaRPr lang="en-US"/>
           </a:p>
@@ -1413,7 +1416,7 @@
           <a:p>
             <a:fld id="{BC5A2644-DC23-4ADD-9DCB-84DBCEFE5469}" type="datetimeFigureOut">
               <a:rPr lang="en-US" smtClean="0"/>
-              <a:t>2/17/2023</a:t>
+              <a:t>2/22/2023</a:t>
             </a:fld>
             <a:endParaRPr lang="en-US"/>
           </a:p>
@@ -1825,7 +1828,7 @@
           <a:p>
             <a:fld id="{BC5A2644-DC23-4ADD-9DCB-84DBCEFE5469}" type="datetimeFigureOut">
               <a:rPr lang="en-US" smtClean="0"/>
-              <a:t>2/17/2023</a:t>
+              <a:t>2/22/2023</a:t>
             </a:fld>
             <a:endParaRPr lang="en-US"/>
           </a:p>
@@ -1966,7 +1969,7 @@
           <a:p>
             <a:fld id="{BC5A2644-DC23-4ADD-9DCB-84DBCEFE5469}" type="datetimeFigureOut">
               <a:rPr lang="en-US" smtClean="0"/>
-              <a:t>2/17/2023</a:t>
+              <a:t>2/22/2023</a:t>
             </a:fld>
             <a:endParaRPr lang="en-US"/>
           </a:p>
@@ -2079,7 +2082,7 @@
           <a:p>
             <a:fld id="{BC5A2644-DC23-4ADD-9DCB-84DBCEFE5469}" type="datetimeFigureOut">
               <a:rPr lang="en-US" smtClean="0"/>
-              <a:t>2/17/2023</a:t>
+              <a:t>2/22/2023</a:t>
             </a:fld>
             <a:endParaRPr lang="en-US"/>
           </a:p>
@@ -2390,7 +2393,7 @@
           <a:p>
             <a:fld id="{BC5A2644-DC23-4ADD-9DCB-84DBCEFE5469}" type="datetimeFigureOut">
               <a:rPr lang="en-US" smtClean="0"/>
-              <a:t>2/17/2023</a:t>
+              <a:t>2/22/2023</a:t>
             </a:fld>
             <a:endParaRPr lang="en-US"/>
           </a:p>
@@ -2678,7 +2681,7 @@
           <a:p>
             <a:fld id="{BC5A2644-DC23-4ADD-9DCB-84DBCEFE5469}" type="datetimeFigureOut">
               <a:rPr lang="en-US" smtClean="0"/>
-              <a:t>2/17/2023</a:t>
+              <a:t>2/22/2023</a:t>
             </a:fld>
             <a:endParaRPr lang="en-US"/>
           </a:p>
@@ -2919,7 +2922,7 @@
           <a:p>
             <a:fld id="{BC5A2644-DC23-4ADD-9DCB-84DBCEFE5469}" type="datetimeFigureOut">
               <a:rPr lang="en-US" smtClean="0"/>
-              <a:t>2/17/2023</a:t>
+              <a:t>2/22/2023</a:t>
             </a:fld>
             <a:endParaRPr lang="en-US"/>
           </a:p>
@@ -3970,7 +3973,7 @@
           <p:cNvPr id="2" name="Title 1">
             <a:extLst>
               <a:ext uri="{FF2B5EF4-FFF2-40B4-BE49-F238E27FC236}">
-                <a16:creationId xmlns:a16="http://schemas.microsoft.com/office/drawing/2014/main" id="{512243D3-C398-F2F5-A31F-0E6844135DC7}"/>
+                <a16:creationId xmlns:a16="http://schemas.microsoft.com/office/drawing/2014/main" id="{32335F30-8219-AC0B-D199-336D32028435}"/>
               </a:ext>
             </a:extLst>
           </p:cNvPr>
@@ -3988,8 +3991,13 @@
           <a:p>
             <a:r>
               <a:rPr lang="en-US" dirty="0"/>
-              <a:t>ADJS: Object Literals</a:t>
-            </a:r>
+              <a:t>SQL vs </a:t>
+            </a:r>
+            <a:r>
+              <a:rPr lang="en-US" dirty="0" err="1"/>
+              <a:t>NoSql</a:t>
+            </a:r>
+            <a:endParaRPr lang="en-US" dirty="0"/>
           </a:p>
         </p:txBody>
       </p:sp>
@@ -3998,7 +4006,7 @@
           <p:cNvPr id="3" name="Content Placeholder 2">
             <a:extLst>
               <a:ext uri="{FF2B5EF4-FFF2-40B4-BE49-F238E27FC236}">
-                <a16:creationId xmlns:a16="http://schemas.microsoft.com/office/drawing/2014/main" id="{63268668-8ACD-44F1-27B3-435EC612BFB6}"/>
+                <a16:creationId xmlns:a16="http://schemas.microsoft.com/office/drawing/2014/main" id="{950C6426-E497-7034-286F-9C03D769ECCA}"/>
               </a:ext>
             </a:extLst>
           </p:cNvPr>
@@ -4019,67 +4027,7 @@
             </a:pPr>
             <a:r>
               <a:rPr lang="en-US" dirty="0"/>
-              <a:t>Let name = “Ram Sharma”;</a:t>
-            </a:r>
-          </a:p>
-          <a:p>
-            <a:pPr marL="0" indent="0">
-              <a:buNone/>
-            </a:pPr>
-            <a:r>
-              <a:rPr lang="en-US" dirty="0"/>
-              <a:t>Let obj = {</a:t>
-            </a:r>
-          </a:p>
-          <a:p>
-            <a:pPr marL="0" indent="0">
-              <a:buNone/>
-            </a:pPr>
-            <a:r>
-              <a:rPr lang="en-US" dirty="0"/>
-              <a:t>name: name</a:t>
-            </a:r>
-          </a:p>
-          <a:p>
-            <a:pPr marL="0" indent="0">
-              <a:buNone/>
-            </a:pPr>
-            <a:r>
-              <a:rPr lang="en-US" dirty="0"/>
-              <a:t>}</a:t>
-            </a:r>
-          </a:p>
-          <a:p>
-            <a:pPr marL="0" indent="0">
-              <a:buNone/>
-            </a:pPr>
-            <a:endParaRPr lang="en-US" dirty="0"/>
-          </a:p>
-          <a:p>
-            <a:pPr marL="0" indent="0">
-              <a:buNone/>
-            </a:pPr>
-            <a:r>
-              <a:rPr lang="en-US" dirty="0"/>
-              <a:t>Let obj = {</a:t>
-            </a:r>
-          </a:p>
-          <a:p>
-            <a:pPr marL="0" indent="0">
-              <a:buNone/>
-            </a:pPr>
-            <a:r>
-              <a:rPr lang="en-US" dirty="0"/>
-              <a:t>name</a:t>
-            </a:r>
-          </a:p>
-          <a:p>
-            <a:pPr marL="0" indent="0">
-              <a:buNone/>
-            </a:pPr>
-            <a:r>
-              <a:rPr lang="en-US" dirty="0"/>
-              <a:t>}</a:t>
+              <a:t>JSON</a:t>
             </a:r>
           </a:p>
           <a:p>
@@ -4093,7 +4041,7 @@
     </p:spTree>
     <p:extLst>
       <p:ext uri="{BB962C8B-B14F-4D97-AF65-F5344CB8AC3E}">
-        <p14:creationId xmlns:p14="http://schemas.microsoft.com/office/powerpoint/2010/main" val="3100715497"/>
+        <p14:creationId xmlns:p14="http://schemas.microsoft.com/office/powerpoint/2010/main" val="1954758264"/>
       </p:ext>
     </p:extLst>
   </p:cSld>
@@ -4216,6 +4164,925 @@
     <p:extLst>
       <p:ext uri="{BB962C8B-B14F-4D97-AF65-F5344CB8AC3E}">
         <p14:creationId xmlns:p14="http://schemas.microsoft.com/office/powerpoint/2010/main" val="2825256557"/>
+      </p:ext>
+    </p:extLst>
+  </p:cSld>
+  <p:clrMapOvr>
+    <a:masterClrMapping/>
+  </p:clrMapOvr>
+</p:sld>
+</file>
+
+<file path=ppt/slides/slide12.xml><?xml version="1.0" encoding="utf-8"?>
+<p:sld xmlns:a="http://schemas.openxmlformats.org/drawingml/2006/main" xmlns:r="http://schemas.openxmlformats.org/officeDocument/2006/relationships" xmlns:p="http://schemas.openxmlformats.org/presentationml/2006/main">
+  <p:cSld>
+    <p:spTree>
+      <p:nvGrpSpPr>
+        <p:cNvPr id="1" name=""/>
+        <p:cNvGrpSpPr/>
+        <p:nvPr/>
+      </p:nvGrpSpPr>
+      <p:grpSpPr>
+        <a:xfrm>
+          <a:off x="0" y="0"/>
+          <a:ext cx="0" cy="0"/>
+          <a:chOff x="0" y="0"/>
+          <a:chExt cx="0" cy="0"/>
+        </a:xfrm>
+      </p:grpSpPr>
+      <p:sp>
+        <p:nvSpPr>
+          <p:cNvPr id="2" name="Title 1">
+            <a:extLst>
+              <a:ext uri="{FF2B5EF4-FFF2-40B4-BE49-F238E27FC236}">
+                <a16:creationId xmlns:a16="http://schemas.microsoft.com/office/drawing/2014/main" id="{512243D3-C398-F2F5-A31F-0E6844135DC7}"/>
+              </a:ext>
+            </a:extLst>
+          </p:cNvPr>
+          <p:cNvSpPr>
+            <a:spLocks noGrp="1"/>
+          </p:cNvSpPr>
+          <p:nvPr>
+            <p:ph type="title"/>
+          </p:nvPr>
+        </p:nvSpPr>
+        <p:spPr/>
+        <p:txBody>
+          <a:bodyPr/>
+          <a:lstStyle/>
+          <a:p>
+            <a:r>
+              <a:rPr lang="en-US" dirty="0"/>
+              <a:t>ADJS: Object Literals</a:t>
+            </a:r>
+          </a:p>
+        </p:txBody>
+      </p:sp>
+      <p:sp>
+        <p:nvSpPr>
+          <p:cNvPr id="3" name="Content Placeholder 2">
+            <a:extLst>
+              <a:ext uri="{FF2B5EF4-FFF2-40B4-BE49-F238E27FC236}">
+                <a16:creationId xmlns:a16="http://schemas.microsoft.com/office/drawing/2014/main" id="{63268668-8ACD-44F1-27B3-435EC612BFB6}"/>
+              </a:ext>
+            </a:extLst>
+          </p:cNvPr>
+          <p:cNvSpPr>
+            <a:spLocks noGrp="1"/>
+          </p:cNvSpPr>
+          <p:nvPr>
+            <p:ph idx="1"/>
+          </p:nvPr>
+        </p:nvSpPr>
+        <p:spPr>
+          <a:xfrm>
+            <a:off x="838200" y="1690688"/>
+            <a:ext cx="10515600" cy="4351338"/>
+          </a:xfrm>
+        </p:spPr>
+        <p:txBody>
+          <a:bodyPr>
+            <a:normAutofit lnSpcReduction="10000"/>
+          </a:bodyPr>
+          <a:lstStyle/>
+          <a:p>
+            <a:pPr marL="0" indent="0">
+              <a:buNone/>
+            </a:pPr>
+            <a:r>
+              <a:rPr lang="en-US" dirty="0"/>
+              <a:t>Let name = “Ram Sharma”;</a:t>
+            </a:r>
+          </a:p>
+          <a:p>
+            <a:pPr marL="0" indent="0">
+              <a:buNone/>
+            </a:pPr>
+            <a:r>
+              <a:rPr lang="en-US" dirty="0"/>
+              <a:t>Let obj = {</a:t>
+            </a:r>
+          </a:p>
+          <a:p>
+            <a:pPr marL="0" indent="0">
+              <a:buNone/>
+            </a:pPr>
+            <a:r>
+              <a:rPr lang="en-US" dirty="0"/>
+              <a:t>name: name</a:t>
+            </a:r>
+          </a:p>
+          <a:p>
+            <a:pPr marL="0" indent="0">
+              <a:buNone/>
+            </a:pPr>
+            <a:r>
+              <a:rPr lang="en-US" dirty="0"/>
+              <a:t>Age: age</a:t>
+            </a:r>
+          </a:p>
+          <a:p>
+            <a:pPr marL="0" indent="0">
+              <a:buNone/>
+            </a:pPr>
+            <a:r>
+              <a:rPr lang="en-US" dirty="0"/>
+              <a:t>}</a:t>
+            </a:r>
+          </a:p>
+          <a:p>
+            <a:pPr marL="0" indent="0">
+              <a:buNone/>
+            </a:pPr>
+            <a:endParaRPr lang="en-US" dirty="0"/>
+          </a:p>
+          <a:p>
+            <a:pPr marL="0" indent="0">
+              <a:buNone/>
+            </a:pPr>
+            <a:r>
+              <a:rPr lang="en-US" dirty="0"/>
+              <a:t>Let obj = {</a:t>
+            </a:r>
+          </a:p>
+          <a:p>
+            <a:pPr marL="0" indent="0">
+              <a:buNone/>
+            </a:pPr>
+            <a:r>
+              <a:rPr lang="en-US" dirty="0"/>
+              <a:t>name</a:t>
+            </a:r>
+          </a:p>
+          <a:p>
+            <a:pPr marL="0" indent="0">
+              <a:buNone/>
+            </a:pPr>
+            <a:r>
+              <a:rPr lang="en-US" dirty="0"/>
+              <a:t>}</a:t>
+            </a:r>
+          </a:p>
+          <a:p>
+            <a:pPr marL="0" indent="0">
+              <a:buNone/>
+            </a:pPr>
+            <a:endParaRPr lang="en-US" dirty="0"/>
+          </a:p>
+        </p:txBody>
+      </p:sp>
+    </p:spTree>
+    <p:extLst>
+      <p:ext uri="{BB962C8B-B14F-4D97-AF65-F5344CB8AC3E}">
+        <p14:creationId xmlns:p14="http://schemas.microsoft.com/office/powerpoint/2010/main" val="3100715497"/>
+      </p:ext>
+    </p:extLst>
+  </p:cSld>
+  <p:clrMapOvr>
+    <a:masterClrMapping/>
+  </p:clrMapOvr>
+</p:sld>
+</file>
+
+<file path=ppt/slides/slide13.xml><?xml version="1.0" encoding="utf-8"?>
+<p:sld xmlns:a="http://schemas.openxmlformats.org/drawingml/2006/main" xmlns:r="http://schemas.openxmlformats.org/officeDocument/2006/relationships" xmlns:p="http://schemas.openxmlformats.org/presentationml/2006/main">
+  <p:cSld>
+    <p:spTree>
+      <p:nvGrpSpPr>
+        <p:cNvPr id="1" name=""/>
+        <p:cNvGrpSpPr/>
+        <p:nvPr/>
+      </p:nvGrpSpPr>
+      <p:grpSpPr>
+        <a:xfrm>
+          <a:off x="0" y="0"/>
+          <a:ext cx="0" cy="0"/>
+          <a:chOff x="0" y="0"/>
+          <a:chExt cx="0" cy="0"/>
+        </a:xfrm>
+      </p:grpSpPr>
+      <p:sp>
+        <p:nvSpPr>
+          <p:cNvPr id="2" name="Title 1">
+            <a:extLst>
+              <a:ext uri="{FF2B5EF4-FFF2-40B4-BE49-F238E27FC236}">
+                <a16:creationId xmlns:a16="http://schemas.microsoft.com/office/drawing/2014/main" id="{38040A2D-3AC1-74EA-486B-5B399FBEC76B}"/>
+              </a:ext>
+            </a:extLst>
+          </p:cNvPr>
+          <p:cNvSpPr>
+            <a:spLocks noGrp="1"/>
+          </p:cNvSpPr>
+          <p:nvPr>
+            <p:ph type="title"/>
+          </p:nvPr>
+        </p:nvSpPr>
+        <p:spPr/>
+        <p:txBody>
+          <a:bodyPr/>
+          <a:lstStyle/>
+          <a:p>
+            <a:r>
+              <a:rPr lang="en-US" dirty="0"/>
+              <a:t>ADJS: Destructuring Array</a:t>
+            </a:r>
+          </a:p>
+        </p:txBody>
+      </p:sp>
+      <p:sp>
+        <p:nvSpPr>
+          <p:cNvPr id="3" name="Content Placeholder 2">
+            <a:extLst>
+              <a:ext uri="{FF2B5EF4-FFF2-40B4-BE49-F238E27FC236}">
+                <a16:creationId xmlns:a16="http://schemas.microsoft.com/office/drawing/2014/main" id="{C05F6538-AAB4-EBB1-F702-0A3B2F58AC86}"/>
+              </a:ext>
+            </a:extLst>
+          </p:cNvPr>
+          <p:cNvSpPr>
+            <a:spLocks noGrp="1"/>
+          </p:cNvSpPr>
+          <p:nvPr>
+            <p:ph idx="1"/>
+          </p:nvPr>
+        </p:nvSpPr>
+        <p:spPr>
+          <a:xfrm>
+            <a:off x="838200" y="1825625"/>
+            <a:ext cx="4793343" cy="4351338"/>
+          </a:xfrm>
+        </p:spPr>
+        <p:txBody>
+          <a:bodyPr/>
+          <a:lstStyle/>
+          <a:p>
+            <a:pPr marL="0" indent="0">
+              <a:buNone/>
+            </a:pPr>
+            <a:r>
+              <a:rPr lang="en-US" dirty="0"/>
+              <a:t>Let user = [“Ram Sharma”,25]</a:t>
+            </a:r>
+          </a:p>
+          <a:p>
+            <a:pPr marL="0" indent="0">
+              <a:buNone/>
+            </a:pPr>
+            <a:endParaRPr lang="en-US" dirty="0"/>
+          </a:p>
+          <a:p>
+            <a:pPr marL="0" indent="0">
+              <a:buNone/>
+            </a:pPr>
+            <a:r>
+              <a:rPr lang="en-US" dirty="0"/>
+              <a:t>Let name = user[0];</a:t>
+            </a:r>
+          </a:p>
+          <a:p>
+            <a:pPr marL="0" indent="0">
+              <a:buNone/>
+            </a:pPr>
+            <a:endParaRPr lang="en-US" dirty="0"/>
+          </a:p>
+          <a:p>
+            <a:pPr marL="0" indent="0">
+              <a:buNone/>
+            </a:pPr>
+            <a:r>
+              <a:rPr lang="en-US" dirty="0"/>
+              <a:t>Let age = user[1];</a:t>
+            </a:r>
+          </a:p>
+          <a:p>
+            <a:pPr marL="0" indent="0">
+              <a:buNone/>
+            </a:pPr>
+            <a:endParaRPr lang="en-US" dirty="0"/>
+          </a:p>
+        </p:txBody>
+      </p:sp>
+      <p:cxnSp>
+        <p:nvCxnSpPr>
+          <p:cNvPr id="5" name="Straight Connector 4">
+            <a:extLst>
+              <a:ext uri="{FF2B5EF4-FFF2-40B4-BE49-F238E27FC236}">
+                <a16:creationId xmlns:a16="http://schemas.microsoft.com/office/drawing/2014/main" id="{259D7E3A-5601-B319-9FB2-C5BE5E3CB6A3}"/>
+              </a:ext>
+            </a:extLst>
+          </p:cNvPr>
+          <p:cNvCxnSpPr>
+            <a:stCxn id="2" idx="2"/>
+          </p:cNvCxnSpPr>
+          <p:nvPr/>
+        </p:nvCxnSpPr>
+        <p:spPr>
+          <a:xfrm>
+            <a:off x="6096000" y="1690688"/>
+            <a:ext cx="0" cy="4013426"/>
+          </a:xfrm>
+          <a:prstGeom prst="line">
+            <a:avLst/>
+          </a:prstGeom>
+        </p:spPr>
+        <p:style>
+          <a:lnRef idx="1">
+            <a:schemeClr val="accent1"/>
+          </a:lnRef>
+          <a:fillRef idx="0">
+            <a:schemeClr val="accent1"/>
+          </a:fillRef>
+          <a:effectRef idx="0">
+            <a:schemeClr val="accent1"/>
+          </a:effectRef>
+          <a:fontRef idx="minor">
+            <a:schemeClr val="tx1"/>
+          </a:fontRef>
+        </p:style>
+      </p:cxnSp>
+      <p:sp>
+        <p:nvSpPr>
+          <p:cNvPr id="6" name="Content Placeholder 2">
+            <a:extLst>
+              <a:ext uri="{FF2B5EF4-FFF2-40B4-BE49-F238E27FC236}">
+                <a16:creationId xmlns:a16="http://schemas.microsoft.com/office/drawing/2014/main" id="{F6A0AB02-EF7D-4F34-D74C-C464091517AC}"/>
+              </a:ext>
+            </a:extLst>
+          </p:cNvPr>
+          <p:cNvSpPr txBox="1">
+            <a:spLocks/>
+          </p:cNvSpPr>
+          <p:nvPr/>
+        </p:nvSpPr>
+        <p:spPr>
+          <a:xfrm>
+            <a:off x="6672942" y="1825625"/>
+            <a:ext cx="4793343" cy="4351338"/>
+          </a:xfrm>
+          <a:prstGeom prst="rect">
+            <a:avLst/>
+          </a:prstGeom>
+        </p:spPr>
+        <p:txBody>
+          <a:bodyPr vert="horz" lIns="91440" tIns="45720" rIns="91440" bIns="45720" rtlCol="0">
+            <a:normAutofit/>
+          </a:bodyPr>
+          <a:lstStyle>
+            <a:lvl1pPr marL="228600" indent="-228600" algn="l" defTabSz="914400" rtl="0" eaLnBrk="1" latinLnBrk="0" hangingPunct="1">
+              <a:lnSpc>
+                <a:spcPct val="90000"/>
+              </a:lnSpc>
+              <a:spcBef>
+                <a:spcPts val="1000"/>
+              </a:spcBef>
+              <a:buFont typeface="Arial" panose="020B0604020202020204" pitchFamily="34" charset="0"/>
+              <a:buChar char="•"/>
+              <a:defRPr sz="2800" kern="1200">
+                <a:solidFill>
+                  <a:schemeClr val="tx1"/>
+                </a:solidFill>
+                <a:latin typeface="+mn-lt"/>
+                <a:ea typeface="+mn-ea"/>
+                <a:cs typeface="+mn-cs"/>
+              </a:defRPr>
+            </a:lvl1pPr>
+            <a:lvl2pPr marL="685800" indent="-228600" algn="l" defTabSz="914400" rtl="0" eaLnBrk="1" latinLnBrk="0" hangingPunct="1">
+              <a:lnSpc>
+                <a:spcPct val="90000"/>
+              </a:lnSpc>
+              <a:spcBef>
+                <a:spcPts val="500"/>
+              </a:spcBef>
+              <a:buFont typeface="Arial" panose="020B0604020202020204" pitchFamily="34" charset="0"/>
+              <a:buChar char="•"/>
+              <a:defRPr sz="2400" kern="1200">
+                <a:solidFill>
+                  <a:schemeClr val="tx1"/>
+                </a:solidFill>
+                <a:latin typeface="+mn-lt"/>
+                <a:ea typeface="+mn-ea"/>
+                <a:cs typeface="+mn-cs"/>
+              </a:defRPr>
+            </a:lvl2pPr>
+            <a:lvl3pPr marL="1143000" indent="-228600" algn="l" defTabSz="914400" rtl="0" eaLnBrk="1" latinLnBrk="0" hangingPunct="1">
+              <a:lnSpc>
+                <a:spcPct val="90000"/>
+              </a:lnSpc>
+              <a:spcBef>
+                <a:spcPts val="500"/>
+              </a:spcBef>
+              <a:buFont typeface="Arial" panose="020B0604020202020204" pitchFamily="34" charset="0"/>
+              <a:buChar char="•"/>
+              <a:defRPr sz="2000" kern="1200">
+                <a:solidFill>
+                  <a:schemeClr val="tx1"/>
+                </a:solidFill>
+                <a:latin typeface="+mn-lt"/>
+                <a:ea typeface="+mn-ea"/>
+                <a:cs typeface="+mn-cs"/>
+              </a:defRPr>
+            </a:lvl3pPr>
+            <a:lvl4pPr marL="1600200" indent="-228600" algn="l" defTabSz="914400" rtl="0" eaLnBrk="1" latinLnBrk="0" hangingPunct="1">
+              <a:lnSpc>
+                <a:spcPct val="90000"/>
+              </a:lnSpc>
+              <a:spcBef>
+                <a:spcPts val="500"/>
+              </a:spcBef>
+              <a:buFont typeface="Arial" panose="020B0604020202020204" pitchFamily="34" charset="0"/>
+              <a:buChar char="•"/>
+              <a:defRPr sz="1800" kern="1200">
+                <a:solidFill>
+                  <a:schemeClr val="tx1"/>
+                </a:solidFill>
+                <a:latin typeface="+mn-lt"/>
+                <a:ea typeface="+mn-ea"/>
+                <a:cs typeface="+mn-cs"/>
+              </a:defRPr>
+            </a:lvl4pPr>
+            <a:lvl5pPr marL="2057400" indent="-228600" algn="l" defTabSz="914400" rtl="0" eaLnBrk="1" latinLnBrk="0" hangingPunct="1">
+              <a:lnSpc>
+                <a:spcPct val="90000"/>
+              </a:lnSpc>
+              <a:spcBef>
+                <a:spcPts val="500"/>
+              </a:spcBef>
+              <a:buFont typeface="Arial" panose="020B0604020202020204" pitchFamily="34" charset="0"/>
+              <a:buChar char="•"/>
+              <a:defRPr sz="1800" kern="1200">
+                <a:solidFill>
+                  <a:schemeClr val="tx1"/>
+                </a:solidFill>
+                <a:latin typeface="+mn-lt"/>
+                <a:ea typeface="+mn-ea"/>
+                <a:cs typeface="+mn-cs"/>
+              </a:defRPr>
+            </a:lvl5pPr>
+            <a:lvl6pPr marL="2514600" indent="-228600" algn="l" defTabSz="914400" rtl="0" eaLnBrk="1" latinLnBrk="0" hangingPunct="1">
+              <a:lnSpc>
+                <a:spcPct val="90000"/>
+              </a:lnSpc>
+              <a:spcBef>
+                <a:spcPts val="500"/>
+              </a:spcBef>
+              <a:buFont typeface="Arial" panose="020B0604020202020204" pitchFamily="34" charset="0"/>
+              <a:buChar char="•"/>
+              <a:defRPr sz="1800" kern="1200">
+                <a:solidFill>
+                  <a:schemeClr val="tx1"/>
+                </a:solidFill>
+                <a:latin typeface="+mn-lt"/>
+                <a:ea typeface="+mn-ea"/>
+                <a:cs typeface="+mn-cs"/>
+              </a:defRPr>
+            </a:lvl6pPr>
+            <a:lvl7pPr marL="2971800" indent="-228600" algn="l" defTabSz="914400" rtl="0" eaLnBrk="1" latinLnBrk="0" hangingPunct="1">
+              <a:lnSpc>
+                <a:spcPct val="90000"/>
+              </a:lnSpc>
+              <a:spcBef>
+                <a:spcPts val="500"/>
+              </a:spcBef>
+              <a:buFont typeface="Arial" panose="020B0604020202020204" pitchFamily="34" charset="0"/>
+              <a:buChar char="•"/>
+              <a:defRPr sz="1800" kern="1200">
+                <a:solidFill>
+                  <a:schemeClr val="tx1"/>
+                </a:solidFill>
+                <a:latin typeface="+mn-lt"/>
+                <a:ea typeface="+mn-ea"/>
+                <a:cs typeface="+mn-cs"/>
+              </a:defRPr>
+            </a:lvl7pPr>
+            <a:lvl8pPr marL="3429000" indent="-228600" algn="l" defTabSz="914400" rtl="0" eaLnBrk="1" latinLnBrk="0" hangingPunct="1">
+              <a:lnSpc>
+                <a:spcPct val="90000"/>
+              </a:lnSpc>
+              <a:spcBef>
+                <a:spcPts val="500"/>
+              </a:spcBef>
+              <a:buFont typeface="Arial" panose="020B0604020202020204" pitchFamily="34" charset="0"/>
+              <a:buChar char="•"/>
+              <a:defRPr sz="1800" kern="1200">
+                <a:solidFill>
+                  <a:schemeClr val="tx1"/>
+                </a:solidFill>
+                <a:latin typeface="+mn-lt"/>
+                <a:ea typeface="+mn-ea"/>
+                <a:cs typeface="+mn-cs"/>
+              </a:defRPr>
+            </a:lvl8pPr>
+            <a:lvl9pPr marL="3886200" indent="-228600" algn="l" defTabSz="914400" rtl="0" eaLnBrk="1" latinLnBrk="0" hangingPunct="1">
+              <a:lnSpc>
+                <a:spcPct val="90000"/>
+              </a:lnSpc>
+              <a:spcBef>
+                <a:spcPts val="500"/>
+              </a:spcBef>
+              <a:buFont typeface="Arial" panose="020B0604020202020204" pitchFamily="34" charset="0"/>
+              <a:buChar char="•"/>
+              <a:defRPr sz="1800" kern="1200">
+                <a:solidFill>
+                  <a:schemeClr val="tx1"/>
+                </a:solidFill>
+                <a:latin typeface="+mn-lt"/>
+                <a:ea typeface="+mn-ea"/>
+                <a:cs typeface="+mn-cs"/>
+              </a:defRPr>
+            </a:lvl9pPr>
+          </a:lstStyle>
+          <a:p>
+            <a:pPr marL="0" indent="0">
+              <a:buFont typeface="Arial" panose="020B0604020202020204" pitchFamily="34" charset="0"/>
+              <a:buNone/>
+            </a:pPr>
+            <a:r>
+              <a:rPr lang="en-US" dirty="0"/>
+              <a:t>Let [</a:t>
+            </a:r>
+            <a:r>
+              <a:rPr lang="en-US" dirty="0" err="1"/>
+              <a:t>name,age</a:t>
+            </a:r>
+            <a:r>
+              <a:rPr lang="en-US" dirty="0"/>
+              <a:t>] = user;</a:t>
+            </a:r>
+          </a:p>
+        </p:txBody>
+      </p:sp>
+    </p:spTree>
+    <p:extLst>
+      <p:ext uri="{BB962C8B-B14F-4D97-AF65-F5344CB8AC3E}">
+        <p14:creationId xmlns:p14="http://schemas.microsoft.com/office/powerpoint/2010/main" val="3533073290"/>
+      </p:ext>
+    </p:extLst>
+  </p:cSld>
+  <p:clrMapOvr>
+    <a:masterClrMapping/>
+  </p:clrMapOvr>
+</p:sld>
+</file>
+
+<file path=ppt/slides/slide14.xml><?xml version="1.0" encoding="utf-8"?>
+<p:sld xmlns:a="http://schemas.openxmlformats.org/drawingml/2006/main" xmlns:r="http://schemas.openxmlformats.org/officeDocument/2006/relationships" xmlns:p="http://schemas.openxmlformats.org/presentationml/2006/main">
+  <p:cSld>
+    <p:spTree>
+      <p:nvGrpSpPr>
+        <p:cNvPr id="1" name=""/>
+        <p:cNvGrpSpPr/>
+        <p:nvPr/>
+      </p:nvGrpSpPr>
+      <p:grpSpPr>
+        <a:xfrm>
+          <a:off x="0" y="0"/>
+          <a:ext cx="0" cy="0"/>
+          <a:chOff x="0" y="0"/>
+          <a:chExt cx="0" cy="0"/>
+        </a:xfrm>
+      </p:grpSpPr>
+      <p:sp>
+        <p:nvSpPr>
+          <p:cNvPr id="2" name="Title 1">
+            <a:extLst>
+              <a:ext uri="{FF2B5EF4-FFF2-40B4-BE49-F238E27FC236}">
+                <a16:creationId xmlns:a16="http://schemas.microsoft.com/office/drawing/2014/main" id="{20DABDC7-0DAE-3ED4-F9FB-98470968C96A}"/>
+              </a:ext>
+            </a:extLst>
+          </p:cNvPr>
+          <p:cNvSpPr>
+            <a:spLocks noGrp="1"/>
+          </p:cNvSpPr>
+          <p:nvPr>
+            <p:ph type="title"/>
+          </p:nvPr>
+        </p:nvSpPr>
+        <p:spPr/>
+        <p:txBody>
+          <a:bodyPr/>
+          <a:lstStyle/>
+          <a:p>
+            <a:r>
+              <a:rPr lang="en-US" dirty="0"/>
+              <a:t>Destructuring object</a:t>
+            </a:r>
+          </a:p>
+        </p:txBody>
+      </p:sp>
+      <p:sp>
+        <p:nvSpPr>
+          <p:cNvPr id="3" name="Content Placeholder 2">
+            <a:extLst>
+              <a:ext uri="{FF2B5EF4-FFF2-40B4-BE49-F238E27FC236}">
+                <a16:creationId xmlns:a16="http://schemas.microsoft.com/office/drawing/2014/main" id="{D1F20B02-A174-47F1-1CDD-DFD88D8017E7}"/>
+              </a:ext>
+            </a:extLst>
+          </p:cNvPr>
+          <p:cNvSpPr>
+            <a:spLocks noGrp="1"/>
+          </p:cNvSpPr>
+          <p:nvPr>
+            <p:ph idx="1"/>
+          </p:nvPr>
+        </p:nvSpPr>
+        <p:spPr>
+          <a:xfrm>
+            <a:off x="838200" y="1825625"/>
+            <a:ext cx="3487057" cy="4351338"/>
+          </a:xfrm>
+        </p:spPr>
+        <p:txBody>
+          <a:bodyPr/>
+          <a:lstStyle/>
+          <a:p>
+            <a:pPr marL="0" indent="0">
+              <a:buNone/>
+            </a:pPr>
+            <a:r>
+              <a:rPr lang="en-US" dirty="0"/>
+              <a:t>Let user = [“Ram”,25];</a:t>
+            </a:r>
+          </a:p>
+          <a:p>
+            <a:pPr marL="0" indent="0">
+              <a:buNone/>
+            </a:pPr>
+            <a:r>
+              <a:rPr lang="en-US" dirty="0"/>
+              <a:t>Let [</a:t>
+            </a:r>
+            <a:r>
+              <a:rPr lang="en-US" dirty="0" err="1"/>
+              <a:t>name,age</a:t>
+            </a:r>
+            <a:r>
+              <a:rPr lang="en-US" dirty="0"/>
+              <a:t>] = user;</a:t>
+            </a:r>
+          </a:p>
+        </p:txBody>
+      </p:sp>
+      <p:sp>
+        <p:nvSpPr>
+          <p:cNvPr id="4" name="Content Placeholder 2">
+            <a:extLst>
+              <a:ext uri="{FF2B5EF4-FFF2-40B4-BE49-F238E27FC236}">
+                <a16:creationId xmlns:a16="http://schemas.microsoft.com/office/drawing/2014/main" id="{138E0D00-1C4D-C657-8563-3CFBADF4EF3F}"/>
+              </a:ext>
+            </a:extLst>
+          </p:cNvPr>
+          <p:cNvSpPr txBox="1">
+            <a:spLocks/>
+          </p:cNvSpPr>
+          <p:nvPr/>
+        </p:nvSpPr>
+        <p:spPr>
+          <a:xfrm>
+            <a:off x="6368143" y="1690688"/>
+            <a:ext cx="5228771" cy="4351338"/>
+          </a:xfrm>
+          <a:prstGeom prst="rect">
+            <a:avLst/>
+          </a:prstGeom>
+        </p:spPr>
+        <p:txBody>
+          <a:bodyPr vert="horz" lIns="91440" tIns="45720" rIns="91440" bIns="45720" rtlCol="0">
+            <a:normAutofit/>
+          </a:bodyPr>
+          <a:lstStyle>
+            <a:lvl1pPr marL="228600" indent="-228600" algn="l" defTabSz="914400" rtl="0" eaLnBrk="1" latinLnBrk="0" hangingPunct="1">
+              <a:lnSpc>
+                <a:spcPct val="90000"/>
+              </a:lnSpc>
+              <a:spcBef>
+                <a:spcPts val="1000"/>
+              </a:spcBef>
+              <a:buFont typeface="Arial" panose="020B0604020202020204" pitchFamily="34" charset="0"/>
+              <a:buChar char="•"/>
+              <a:defRPr sz="2800" kern="1200">
+                <a:solidFill>
+                  <a:schemeClr val="tx1"/>
+                </a:solidFill>
+                <a:latin typeface="+mn-lt"/>
+                <a:ea typeface="+mn-ea"/>
+                <a:cs typeface="+mn-cs"/>
+              </a:defRPr>
+            </a:lvl1pPr>
+            <a:lvl2pPr marL="685800" indent="-228600" algn="l" defTabSz="914400" rtl="0" eaLnBrk="1" latinLnBrk="0" hangingPunct="1">
+              <a:lnSpc>
+                <a:spcPct val="90000"/>
+              </a:lnSpc>
+              <a:spcBef>
+                <a:spcPts val="500"/>
+              </a:spcBef>
+              <a:buFont typeface="Arial" panose="020B0604020202020204" pitchFamily="34" charset="0"/>
+              <a:buChar char="•"/>
+              <a:defRPr sz="2400" kern="1200">
+                <a:solidFill>
+                  <a:schemeClr val="tx1"/>
+                </a:solidFill>
+                <a:latin typeface="+mn-lt"/>
+                <a:ea typeface="+mn-ea"/>
+                <a:cs typeface="+mn-cs"/>
+              </a:defRPr>
+            </a:lvl2pPr>
+            <a:lvl3pPr marL="1143000" indent="-228600" algn="l" defTabSz="914400" rtl="0" eaLnBrk="1" latinLnBrk="0" hangingPunct="1">
+              <a:lnSpc>
+                <a:spcPct val="90000"/>
+              </a:lnSpc>
+              <a:spcBef>
+                <a:spcPts val="500"/>
+              </a:spcBef>
+              <a:buFont typeface="Arial" panose="020B0604020202020204" pitchFamily="34" charset="0"/>
+              <a:buChar char="•"/>
+              <a:defRPr sz="2000" kern="1200">
+                <a:solidFill>
+                  <a:schemeClr val="tx1"/>
+                </a:solidFill>
+                <a:latin typeface="+mn-lt"/>
+                <a:ea typeface="+mn-ea"/>
+                <a:cs typeface="+mn-cs"/>
+              </a:defRPr>
+            </a:lvl3pPr>
+            <a:lvl4pPr marL="1600200" indent="-228600" algn="l" defTabSz="914400" rtl="0" eaLnBrk="1" latinLnBrk="0" hangingPunct="1">
+              <a:lnSpc>
+                <a:spcPct val="90000"/>
+              </a:lnSpc>
+              <a:spcBef>
+                <a:spcPts val="500"/>
+              </a:spcBef>
+              <a:buFont typeface="Arial" panose="020B0604020202020204" pitchFamily="34" charset="0"/>
+              <a:buChar char="•"/>
+              <a:defRPr sz="1800" kern="1200">
+                <a:solidFill>
+                  <a:schemeClr val="tx1"/>
+                </a:solidFill>
+                <a:latin typeface="+mn-lt"/>
+                <a:ea typeface="+mn-ea"/>
+                <a:cs typeface="+mn-cs"/>
+              </a:defRPr>
+            </a:lvl4pPr>
+            <a:lvl5pPr marL="2057400" indent="-228600" algn="l" defTabSz="914400" rtl="0" eaLnBrk="1" latinLnBrk="0" hangingPunct="1">
+              <a:lnSpc>
+                <a:spcPct val="90000"/>
+              </a:lnSpc>
+              <a:spcBef>
+                <a:spcPts val="500"/>
+              </a:spcBef>
+              <a:buFont typeface="Arial" panose="020B0604020202020204" pitchFamily="34" charset="0"/>
+              <a:buChar char="•"/>
+              <a:defRPr sz="1800" kern="1200">
+                <a:solidFill>
+                  <a:schemeClr val="tx1"/>
+                </a:solidFill>
+                <a:latin typeface="+mn-lt"/>
+                <a:ea typeface="+mn-ea"/>
+                <a:cs typeface="+mn-cs"/>
+              </a:defRPr>
+            </a:lvl5pPr>
+            <a:lvl6pPr marL="2514600" indent="-228600" algn="l" defTabSz="914400" rtl="0" eaLnBrk="1" latinLnBrk="0" hangingPunct="1">
+              <a:lnSpc>
+                <a:spcPct val="90000"/>
+              </a:lnSpc>
+              <a:spcBef>
+                <a:spcPts val="500"/>
+              </a:spcBef>
+              <a:buFont typeface="Arial" panose="020B0604020202020204" pitchFamily="34" charset="0"/>
+              <a:buChar char="•"/>
+              <a:defRPr sz="1800" kern="1200">
+                <a:solidFill>
+                  <a:schemeClr val="tx1"/>
+                </a:solidFill>
+                <a:latin typeface="+mn-lt"/>
+                <a:ea typeface="+mn-ea"/>
+                <a:cs typeface="+mn-cs"/>
+              </a:defRPr>
+            </a:lvl6pPr>
+            <a:lvl7pPr marL="2971800" indent="-228600" algn="l" defTabSz="914400" rtl="0" eaLnBrk="1" latinLnBrk="0" hangingPunct="1">
+              <a:lnSpc>
+                <a:spcPct val="90000"/>
+              </a:lnSpc>
+              <a:spcBef>
+                <a:spcPts val="500"/>
+              </a:spcBef>
+              <a:buFont typeface="Arial" panose="020B0604020202020204" pitchFamily="34" charset="0"/>
+              <a:buChar char="•"/>
+              <a:defRPr sz="1800" kern="1200">
+                <a:solidFill>
+                  <a:schemeClr val="tx1"/>
+                </a:solidFill>
+                <a:latin typeface="+mn-lt"/>
+                <a:ea typeface="+mn-ea"/>
+                <a:cs typeface="+mn-cs"/>
+              </a:defRPr>
+            </a:lvl7pPr>
+            <a:lvl8pPr marL="3429000" indent="-228600" algn="l" defTabSz="914400" rtl="0" eaLnBrk="1" latinLnBrk="0" hangingPunct="1">
+              <a:lnSpc>
+                <a:spcPct val="90000"/>
+              </a:lnSpc>
+              <a:spcBef>
+                <a:spcPts val="500"/>
+              </a:spcBef>
+              <a:buFont typeface="Arial" panose="020B0604020202020204" pitchFamily="34" charset="0"/>
+              <a:buChar char="•"/>
+              <a:defRPr sz="1800" kern="1200">
+                <a:solidFill>
+                  <a:schemeClr val="tx1"/>
+                </a:solidFill>
+                <a:latin typeface="+mn-lt"/>
+                <a:ea typeface="+mn-ea"/>
+                <a:cs typeface="+mn-cs"/>
+              </a:defRPr>
+            </a:lvl8pPr>
+            <a:lvl9pPr marL="3886200" indent="-228600" algn="l" defTabSz="914400" rtl="0" eaLnBrk="1" latinLnBrk="0" hangingPunct="1">
+              <a:lnSpc>
+                <a:spcPct val="90000"/>
+              </a:lnSpc>
+              <a:spcBef>
+                <a:spcPts val="500"/>
+              </a:spcBef>
+              <a:buFont typeface="Arial" panose="020B0604020202020204" pitchFamily="34" charset="0"/>
+              <a:buChar char="•"/>
+              <a:defRPr sz="1800" kern="1200">
+                <a:solidFill>
+                  <a:schemeClr val="tx1"/>
+                </a:solidFill>
+                <a:latin typeface="+mn-lt"/>
+                <a:ea typeface="+mn-ea"/>
+                <a:cs typeface="+mn-cs"/>
+              </a:defRPr>
+            </a:lvl9pPr>
+          </a:lstStyle>
+          <a:p>
+            <a:pPr marL="0" indent="0">
+              <a:buFont typeface="Arial" panose="020B0604020202020204" pitchFamily="34" charset="0"/>
+              <a:buNone/>
+            </a:pPr>
+            <a:r>
+              <a:rPr lang="en-US" dirty="0"/>
+              <a:t>Let user = {</a:t>
+            </a:r>
+          </a:p>
+          <a:p>
+            <a:pPr marL="0" indent="0">
+              <a:buFont typeface="Arial" panose="020B0604020202020204" pitchFamily="34" charset="0"/>
+              <a:buNone/>
+            </a:pPr>
+            <a:r>
+              <a:rPr lang="en-US" dirty="0"/>
+              <a:t>	name: “Ram”,</a:t>
+            </a:r>
+          </a:p>
+          <a:p>
+            <a:pPr marL="0" indent="0">
+              <a:buFont typeface="Arial" panose="020B0604020202020204" pitchFamily="34" charset="0"/>
+              <a:buNone/>
+            </a:pPr>
+            <a:r>
+              <a:rPr lang="en-US" dirty="0"/>
+              <a:t>	age: 25</a:t>
+            </a:r>
+          </a:p>
+          <a:p>
+            <a:pPr marL="0" indent="0">
+              <a:buFont typeface="Arial" panose="020B0604020202020204" pitchFamily="34" charset="0"/>
+              <a:buNone/>
+            </a:pPr>
+            <a:r>
+              <a:rPr lang="en-US" dirty="0"/>
+              <a:t>};</a:t>
+            </a:r>
+          </a:p>
+          <a:p>
+            <a:pPr marL="0" indent="0">
+              <a:buFont typeface="Arial" panose="020B0604020202020204" pitchFamily="34" charset="0"/>
+              <a:buNone/>
+            </a:pPr>
+            <a:endParaRPr lang="en-US" dirty="0"/>
+          </a:p>
+          <a:p>
+            <a:pPr marL="0" indent="0">
+              <a:buFont typeface="Arial" panose="020B0604020202020204" pitchFamily="34" charset="0"/>
+              <a:buNone/>
+            </a:pPr>
+            <a:r>
+              <a:rPr lang="en-US" dirty="0"/>
+              <a:t>Let {</a:t>
+            </a:r>
+            <a:r>
+              <a:rPr lang="en-US" dirty="0" err="1"/>
+              <a:t>name,age</a:t>
+            </a:r>
+            <a:r>
+              <a:rPr lang="en-US" dirty="0"/>
+              <a:t>} = user;</a:t>
+            </a:r>
+          </a:p>
+        </p:txBody>
+      </p:sp>
+    </p:spTree>
+    <p:extLst>
+      <p:ext uri="{BB962C8B-B14F-4D97-AF65-F5344CB8AC3E}">
+        <p14:creationId xmlns:p14="http://schemas.microsoft.com/office/powerpoint/2010/main" val="3578891445"/>
       </p:ext>
     </p:extLst>
   </p:cSld>

--- a/AdvanceJavaScript.pptx
+++ b/AdvanceJavaScript.pptx
@@ -19,6 +19,13 @@
     <p:sldId id="265" r:id="rId13"/>
     <p:sldId id="268" r:id="rId14"/>
     <p:sldId id="269" r:id="rId15"/>
+    <p:sldId id="270" r:id="rId16"/>
+    <p:sldId id="271" r:id="rId17"/>
+    <p:sldId id="272" r:id="rId18"/>
+    <p:sldId id="273" r:id="rId19"/>
+    <p:sldId id="274" r:id="rId20"/>
+    <p:sldId id="275" r:id="rId21"/>
+    <p:sldId id="276" r:id="rId22"/>
   </p:sldIdLst>
   <p:sldSz cx="12192000" cy="6858000"/>
   <p:notesSz cx="6858000" cy="9144000"/>
@@ -272,7 +279,7 @@
           <a:p>
             <a:fld id="{BC5A2644-DC23-4ADD-9DCB-84DBCEFE5469}" type="datetimeFigureOut">
               <a:rPr lang="en-US" smtClean="0"/>
-              <a:t>2/22/2023</a:t>
+              <a:t>2/24/2023</a:t>
             </a:fld>
             <a:endParaRPr lang="en-US"/>
           </a:p>
@@ -470,7 +477,7 @@
           <a:p>
             <a:fld id="{BC5A2644-DC23-4ADD-9DCB-84DBCEFE5469}" type="datetimeFigureOut">
               <a:rPr lang="en-US" smtClean="0"/>
-              <a:t>2/22/2023</a:t>
+              <a:t>2/24/2023</a:t>
             </a:fld>
             <a:endParaRPr lang="en-US"/>
           </a:p>
@@ -678,7 +685,7 @@
           <a:p>
             <a:fld id="{BC5A2644-DC23-4ADD-9DCB-84DBCEFE5469}" type="datetimeFigureOut">
               <a:rPr lang="en-US" smtClean="0"/>
-              <a:t>2/22/2023</a:t>
+              <a:t>2/24/2023</a:t>
             </a:fld>
             <a:endParaRPr lang="en-US"/>
           </a:p>
@@ -876,7 +883,7 @@
           <a:p>
             <a:fld id="{BC5A2644-DC23-4ADD-9DCB-84DBCEFE5469}" type="datetimeFigureOut">
               <a:rPr lang="en-US" smtClean="0"/>
-              <a:t>2/22/2023</a:t>
+              <a:t>2/24/2023</a:t>
             </a:fld>
             <a:endParaRPr lang="en-US"/>
           </a:p>
@@ -1151,7 +1158,7 @@
           <a:p>
             <a:fld id="{BC5A2644-DC23-4ADD-9DCB-84DBCEFE5469}" type="datetimeFigureOut">
               <a:rPr lang="en-US" smtClean="0"/>
-              <a:t>2/22/2023</a:t>
+              <a:t>2/24/2023</a:t>
             </a:fld>
             <a:endParaRPr lang="en-US"/>
           </a:p>
@@ -1416,7 +1423,7 @@
           <a:p>
             <a:fld id="{BC5A2644-DC23-4ADD-9DCB-84DBCEFE5469}" type="datetimeFigureOut">
               <a:rPr lang="en-US" smtClean="0"/>
-              <a:t>2/22/2023</a:t>
+              <a:t>2/24/2023</a:t>
             </a:fld>
             <a:endParaRPr lang="en-US"/>
           </a:p>
@@ -1828,7 +1835,7 @@
           <a:p>
             <a:fld id="{BC5A2644-DC23-4ADD-9DCB-84DBCEFE5469}" type="datetimeFigureOut">
               <a:rPr lang="en-US" smtClean="0"/>
-              <a:t>2/22/2023</a:t>
+              <a:t>2/24/2023</a:t>
             </a:fld>
             <a:endParaRPr lang="en-US"/>
           </a:p>
@@ -1969,7 +1976,7 @@
           <a:p>
             <a:fld id="{BC5A2644-DC23-4ADD-9DCB-84DBCEFE5469}" type="datetimeFigureOut">
               <a:rPr lang="en-US" smtClean="0"/>
-              <a:t>2/22/2023</a:t>
+              <a:t>2/24/2023</a:t>
             </a:fld>
             <a:endParaRPr lang="en-US"/>
           </a:p>
@@ -2082,7 +2089,7 @@
           <a:p>
             <a:fld id="{BC5A2644-DC23-4ADD-9DCB-84DBCEFE5469}" type="datetimeFigureOut">
               <a:rPr lang="en-US" smtClean="0"/>
-              <a:t>2/22/2023</a:t>
+              <a:t>2/24/2023</a:t>
             </a:fld>
             <a:endParaRPr lang="en-US"/>
           </a:p>
@@ -2393,7 +2400,7 @@
           <a:p>
             <a:fld id="{BC5A2644-DC23-4ADD-9DCB-84DBCEFE5469}" type="datetimeFigureOut">
               <a:rPr lang="en-US" smtClean="0"/>
-              <a:t>2/22/2023</a:t>
+              <a:t>2/24/2023</a:t>
             </a:fld>
             <a:endParaRPr lang="en-US"/>
           </a:p>
@@ -2681,7 +2688,7 @@
           <a:p>
             <a:fld id="{BC5A2644-DC23-4ADD-9DCB-84DBCEFE5469}" type="datetimeFigureOut">
               <a:rPr lang="en-US" smtClean="0"/>
-              <a:t>2/22/2023</a:t>
+              <a:t>2/24/2023</a:t>
             </a:fld>
             <a:endParaRPr lang="en-US"/>
           </a:p>
@@ -2922,7 +2929,7 @@
           <a:p>
             <a:fld id="{BC5A2644-DC23-4ADD-9DCB-84DBCEFE5469}" type="datetimeFigureOut">
               <a:rPr lang="en-US" smtClean="0"/>
-              <a:t>2/22/2023</a:t>
+              <a:t>2/24/2023</a:t>
             </a:fld>
             <a:endParaRPr lang="en-US"/>
           </a:p>
@@ -5092,6 +5099,1898 @@
 </p:sld>
 </file>
 
+<file path=ppt/slides/slide15.xml><?xml version="1.0" encoding="utf-8"?>
+<p:sld xmlns:a="http://schemas.openxmlformats.org/drawingml/2006/main" xmlns:r="http://schemas.openxmlformats.org/officeDocument/2006/relationships" xmlns:p="http://schemas.openxmlformats.org/presentationml/2006/main">
+  <p:cSld>
+    <p:spTree>
+      <p:nvGrpSpPr>
+        <p:cNvPr id="1" name=""/>
+        <p:cNvGrpSpPr/>
+        <p:nvPr/>
+      </p:nvGrpSpPr>
+      <p:grpSpPr>
+        <a:xfrm>
+          <a:off x="0" y="0"/>
+          <a:ext cx="0" cy="0"/>
+          <a:chOff x="0" y="0"/>
+          <a:chExt cx="0" cy="0"/>
+        </a:xfrm>
+      </p:grpSpPr>
+      <p:sp>
+        <p:nvSpPr>
+          <p:cNvPr id="2" name="Title 1">
+            <a:extLst>
+              <a:ext uri="{FF2B5EF4-FFF2-40B4-BE49-F238E27FC236}">
+                <a16:creationId xmlns:a16="http://schemas.microsoft.com/office/drawing/2014/main" id="{9F7DA25A-1D48-D95D-F8C2-AEBE2E07DA2B}"/>
+              </a:ext>
+            </a:extLst>
+          </p:cNvPr>
+          <p:cNvSpPr>
+            <a:spLocks noGrp="1"/>
+          </p:cNvSpPr>
+          <p:nvPr>
+            <p:ph type="title"/>
+          </p:nvPr>
+        </p:nvSpPr>
+        <p:spPr/>
+        <p:txBody>
+          <a:bodyPr/>
+          <a:lstStyle/>
+          <a:p>
+            <a:r>
+              <a:rPr lang="en-US" dirty="0"/>
+              <a:t>ADJS: OOP Introduction</a:t>
+            </a:r>
+          </a:p>
+        </p:txBody>
+      </p:sp>
+      <p:sp>
+        <p:nvSpPr>
+          <p:cNvPr id="4" name="TextBox 3">
+            <a:extLst>
+              <a:ext uri="{FF2B5EF4-FFF2-40B4-BE49-F238E27FC236}">
+                <a16:creationId xmlns:a16="http://schemas.microsoft.com/office/drawing/2014/main" id="{B0026BB8-37C5-D503-D6E9-188840A5DE3C}"/>
+              </a:ext>
+            </a:extLst>
+          </p:cNvPr>
+          <p:cNvSpPr txBox="1"/>
+          <p:nvPr/>
+        </p:nvSpPr>
+        <p:spPr>
+          <a:xfrm>
+            <a:off x="537029" y="1553029"/>
+            <a:ext cx="11364685" cy="4031873"/>
+          </a:xfrm>
+          <a:prstGeom prst="rect">
+            <a:avLst/>
+          </a:prstGeom>
+          <a:noFill/>
+        </p:spPr>
+        <p:txBody>
+          <a:bodyPr wrap="square" rtlCol="0">
+            <a:spAutoFit/>
+          </a:bodyPr>
+          <a:lstStyle/>
+          <a:p>
+            <a:r>
+              <a:rPr lang="en-US" sz="3200" dirty="0"/>
+              <a:t>What is OOP?</a:t>
+            </a:r>
+          </a:p>
+          <a:p>
+            <a:r>
+              <a:rPr lang="en-US" sz="3200" dirty="0"/>
+              <a:t>Object Oriented Programming – ES6 Version</a:t>
+            </a:r>
+          </a:p>
+          <a:p>
+            <a:r>
+              <a:rPr lang="en-US" sz="3200" dirty="0"/>
+              <a:t>Coding methodology/style/pattern</a:t>
+            </a:r>
+          </a:p>
+          <a:p>
+            <a:endParaRPr lang="en-US" sz="3200" dirty="0"/>
+          </a:p>
+          <a:p>
+            <a:pPr marL="342900" indent="-342900">
+              <a:buAutoNum type="arabicPeriod"/>
+            </a:pPr>
+            <a:r>
+              <a:rPr lang="en-US" sz="3200" dirty="0"/>
+              <a:t>Code more Modular and Reusable.</a:t>
+            </a:r>
+          </a:p>
+          <a:p>
+            <a:pPr marL="342900" indent="-342900">
+              <a:buAutoNum type="arabicPeriod"/>
+            </a:pPr>
+            <a:r>
+              <a:rPr lang="en-US" sz="3200" dirty="0"/>
+              <a:t>Well Organized Code.</a:t>
+            </a:r>
+          </a:p>
+          <a:p>
+            <a:pPr marL="342900" indent="-342900">
+              <a:buAutoNum type="arabicPeriod"/>
+            </a:pPr>
+            <a:r>
+              <a:rPr lang="en-US" sz="3200" dirty="0"/>
+              <a:t>Easier to debug</a:t>
+            </a:r>
+          </a:p>
+          <a:p>
+            <a:pPr marL="342900" indent="-342900">
+              <a:buAutoNum type="arabicPeriod"/>
+            </a:pPr>
+            <a:r>
+              <a:rPr lang="en-US" sz="3200" dirty="0"/>
+              <a:t>Best for medium to large website projects</a:t>
+            </a:r>
+          </a:p>
+        </p:txBody>
+      </p:sp>
+      <p:sp>
+        <p:nvSpPr>
+          <p:cNvPr id="5" name="Rectangle 4">
+            <a:extLst>
+              <a:ext uri="{FF2B5EF4-FFF2-40B4-BE49-F238E27FC236}">
+                <a16:creationId xmlns:a16="http://schemas.microsoft.com/office/drawing/2014/main" id="{4372019D-9FA0-03A2-2713-CDCA061D12D9}"/>
+              </a:ext>
+            </a:extLst>
+          </p:cNvPr>
+          <p:cNvSpPr/>
+          <p:nvPr/>
+        </p:nvSpPr>
+        <p:spPr>
+          <a:xfrm>
+            <a:off x="9071429" y="3777342"/>
+            <a:ext cx="2046514" cy="830943"/>
+          </a:xfrm>
+          <a:prstGeom prst="rect">
+            <a:avLst/>
+          </a:prstGeom>
+        </p:spPr>
+        <p:style>
+          <a:lnRef idx="2">
+            <a:schemeClr val="accent1">
+              <a:shade val="50000"/>
+            </a:schemeClr>
+          </a:lnRef>
+          <a:fillRef idx="1">
+            <a:schemeClr val="accent1"/>
+          </a:fillRef>
+          <a:effectRef idx="0">
+            <a:schemeClr val="accent1"/>
+          </a:effectRef>
+          <a:fontRef idx="minor">
+            <a:schemeClr val="lt1"/>
+          </a:fontRef>
+        </p:style>
+        <p:txBody>
+          <a:bodyPr rtlCol="0" anchor="ctr"/>
+          <a:lstStyle/>
+          <a:p>
+            <a:pPr algn="ctr"/>
+            <a:r>
+              <a:rPr lang="en-US" dirty="0"/>
+              <a:t>Object</a:t>
+            </a:r>
+          </a:p>
+        </p:txBody>
+      </p:sp>
+      <p:sp>
+        <p:nvSpPr>
+          <p:cNvPr id="6" name="Rectangle 5">
+            <a:extLst>
+              <a:ext uri="{FF2B5EF4-FFF2-40B4-BE49-F238E27FC236}">
+                <a16:creationId xmlns:a16="http://schemas.microsoft.com/office/drawing/2014/main" id="{C1FA42B2-2CDE-026D-2525-BB5C15D95489}"/>
+              </a:ext>
+            </a:extLst>
+          </p:cNvPr>
+          <p:cNvSpPr/>
+          <p:nvPr/>
+        </p:nvSpPr>
+        <p:spPr>
+          <a:xfrm>
+            <a:off x="9071429" y="2532069"/>
+            <a:ext cx="2046514" cy="830943"/>
+          </a:xfrm>
+          <a:prstGeom prst="rect">
+            <a:avLst/>
+          </a:prstGeom>
+        </p:spPr>
+        <p:style>
+          <a:lnRef idx="2">
+            <a:schemeClr val="accent1">
+              <a:shade val="50000"/>
+            </a:schemeClr>
+          </a:lnRef>
+          <a:fillRef idx="1">
+            <a:schemeClr val="accent1"/>
+          </a:fillRef>
+          <a:effectRef idx="0">
+            <a:schemeClr val="accent1"/>
+          </a:effectRef>
+          <a:fontRef idx="minor">
+            <a:schemeClr val="lt1"/>
+          </a:fontRef>
+        </p:style>
+        <p:txBody>
+          <a:bodyPr rtlCol="0" anchor="ctr"/>
+          <a:lstStyle/>
+          <a:p>
+            <a:pPr algn="ctr"/>
+            <a:r>
+              <a:rPr lang="en-US" dirty="0"/>
+              <a:t>Class</a:t>
+            </a:r>
+          </a:p>
+        </p:txBody>
+      </p:sp>
+    </p:spTree>
+    <p:extLst>
+      <p:ext uri="{BB962C8B-B14F-4D97-AF65-F5344CB8AC3E}">
+        <p14:creationId xmlns:p14="http://schemas.microsoft.com/office/powerpoint/2010/main" val="1364888276"/>
+      </p:ext>
+    </p:extLst>
+  </p:cSld>
+  <p:clrMapOvr>
+    <a:masterClrMapping/>
+  </p:clrMapOvr>
+</p:sld>
+</file>
+
+<file path=ppt/slides/slide16.xml><?xml version="1.0" encoding="utf-8"?>
+<p:sld xmlns:a="http://schemas.openxmlformats.org/drawingml/2006/main" xmlns:r="http://schemas.openxmlformats.org/officeDocument/2006/relationships" xmlns:p="http://schemas.openxmlformats.org/presentationml/2006/main">
+  <p:cSld>
+    <p:spTree>
+      <p:nvGrpSpPr>
+        <p:cNvPr id="1" name=""/>
+        <p:cNvGrpSpPr/>
+        <p:nvPr/>
+      </p:nvGrpSpPr>
+      <p:grpSpPr>
+        <a:xfrm>
+          <a:off x="0" y="0"/>
+          <a:ext cx="0" cy="0"/>
+          <a:chOff x="0" y="0"/>
+          <a:chExt cx="0" cy="0"/>
+        </a:xfrm>
+      </p:grpSpPr>
+      <p:sp>
+        <p:nvSpPr>
+          <p:cNvPr id="2" name="Title 1">
+            <a:extLst>
+              <a:ext uri="{FF2B5EF4-FFF2-40B4-BE49-F238E27FC236}">
+                <a16:creationId xmlns:a16="http://schemas.microsoft.com/office/drawing/2014/main" id="{0A1481F6-F36B-79AF-258A-76F7EEAEE0F0}"/>
+              </a:ext>
+            </a:extLst>
+          </p:cNvPr>
+          <p:cNvSpPr>
+            <a:spLocks noGrp="1"/>
+          </p:cNvSpPr>
+          <p:nvPr>
+            <p:ph type="title"/>
+          </p:nvPr>
+        </p:nvSpPr>
+        <p:spPr/>
+        <p:txBody>
+          <a:bodyPr/>
+          <a:lstStyle/>
+          <a:p>
+            <a:r>
+              <a:rPr lang="en-US" dirty="0"/>
+              <a:t>What is Class &amp; Object?</a:t>
+            </a:r>
+          </a:p>
+        </p:txBody>
+      </p:sp>
+      <p:pic>
+        <p:nvPicPr>
+          <p:cNvPr id="5" name="Picture 4">
+            <a:extLst>
+              <a:ext uri="{FF2B5EF4-FFF2-40B4-BE49-F238E27FC236}">
+                <a16:creationId xmlns:a16="http://schemas.microsoft.com/office/drawing/2014/main" id="{BF27671B-E45D-DDE4-AAC5-F3111C439FD6}"/>
+              </a:ext>
+            </a:extLst>
+          </p:cNvPr>
+          <p:cNvPicPr>
+            <a:picLocks noChangeAspect="1"/>
+          </p:cNvPicPr>
+          <p:nvPr/>
+        </p:nvPicPr>
+        <p:blipFill>
+          <a:blip r:embed="rId2">
+            <a:extLst>
+              <a:ext uri="{28A0092B-C50C-407E-A947-70E740481C1C}">
+                <a14:useLocalDpi xmlns:a14="http://schemas.microsoft.com/office/drawing/2010/main" val="0"/>
+              </a:ext>
+            </a:extLst>
+          </a:blip>
+          <a:stretch>
+            <a:fillRect/>
+          </a:stretch>
+        </p:blipFill>
+        <p:spPr>
+          <a:xfrm>
+            <a:off x="838200" y="2589493"/>
+            <a:ext cx="4998503" cy="3332335"/>
+          </a:xfrm>
+          <a:prstGeom prst="rect">
+            <a:avLst/>
+          </a:prstGeom>
+        </p:spPr>
+      </p:pic>
+      <p:sp>
+        <p:nvSpPr>
+          <p:cNvPr id="6" name="TextBox 5">
+            <a:extLst>
+              <a:ext uri="{FF2B5EF4-FFF2-40B4-BE49-F238E27FC236}">
+                <a16:creationId xmlns:a16="http://schemas.microsoft.com/office/drawing/2014/main" id="{9C64FEE6-1FEC-8994-5DCA-936C91D85F93}"/>
+              </a:ext>
+            </a:extLst>
+          </p:cNvPr>
+          <p:cNvSpPr txBox="1"/>
+          <p:nvPr/>
+        </p:nvSpPr>
+        <p:spPr>
+          <a:xfrm>
+            <a:off x="2554514" y="1872343"/>
+            <a:ext cx="1120820" cy="646331"/>
+          </a:xfrm>
+          <a:prstGeom prst="rect">
+            <a:avLst/>
+          </a:prstGeom>
+          <a:noFill/>
+        </p:spPr>
+        <p:txBody>
+          <a:bodyPr wrap="none" rtlCol="0">
+            <a:spAutoFit/>
+          </a:bodyPr>
+          <a:lstStyle/>
+          <a:p>
+            <a:r>
+              <a:rPr lang="en-US" sz="3600" dirty="0"/>
+              <a:t>Class</a:t>
+            </a:r>
+          </a:p>
+        </p:txBody>
+      </p:sp>
+      <p:pic>
+        <p:nvPicPr>
+          <p:cNvPr id="8" name="Picture 7">
+            <a:extLst>
+              <a:ext uri="{FF2B5EF4-FFF2-40B4-BE49-F238E27FC236}">
+                <a16:creationId xmlns:a16="http://schemas.microsoft.com/office/drawing/2014/main" id="{C745349C-494E-0785-8D40-C81447C62D6F}"/>
+              </a:ext>
+            </a:extLst>
+          </p:cNvPr>
+          <p:cNvPicPr>
+            <a:picLocks noChangeAspect="1"/>
+          </p:cNvPicPr>
+          <p:nvPr/>
+        </p:nvPicPr>
+        <p:blipFill>
+          <a:blip r:embed="rId3">
+            <a:extLst>
+              <a:ext uri="{28A0092B-C50C-407E-A947-70E740481C1C}">
+                <a14:useLocalDpi xmlns:a14="http://schemas.microsoft.com/office/drawing/2010/main" val="0"/>
+              </a:ext>
+            </a:extLst>
+          </a:blip>
+          <a:stretch>
+            <a:fillRect/>
+          </a:stretch>
+        </p:blipFill>
+        <p:spPr>
+          <a:xfrm>
+            <a:off x="6649316" y="4608731"/>
+            <a:ext cx="1450146" cy="1450146"/>
+          </a:xfrm>
+          <a:prstGeom prst="rect">
+            <a:avLst/>
+          </a:prstGeom>
+        </p:spPr>
+      </p:pic>
+      <p:pic>
+        <p:nvPicPr>
+          <p:cNvPr id="9" name="Picture 8">
+            <a:extLst>
+              <a:ext uri="{FF2B5EF4-FFF2-40B4-BE49-F238E27FC236}">
+                <a16:creationId xmlns:a16="http://schemas.microsoft.com/office/drawing/2014/main" id="{877A366F-D881-E870-4427-3249D50A422C}"/>
+              </a:ext>
+            </a:extLst>
+          </p:cNvPr>
+          <p:cNvPicPr>
+            <a:picLocks noChangeAspect="1"/>
+          </p:cNvPicPr>
+          <p:nvPr/>
+        </p:nvPicPr>
+        <p:blipFill>
+          <a:blip r:embed="rId3">
+            <a:extLst>
+              <a:ext uri="{28A0092B-C50C-407E-A947-70E740481C1C}">
+                <a14:useLocalDpi xmlns:a14="http://schemas.microsoft.com/office/drawing/2010/main" val="0"/>
+              </a:ext>
+            </a:extLst>
+          </a:blip>
+          <a:stretch>
+            <a:fillRect/>
+          </a:stretch>
+        </p:blipFill>
+        <p:spPr>
+          <a:xfrm>
+            <a:off x="8579086" y="4608731"/>
+            <a:ext cx="1450146" cy="1450146"/>
+          </a:xfrm>
+          <a:prstGeom prst="rect">
+            <a:avLst/>
+          </a:prstGeom>
+        </p:spPr>
+      </p:pic>
+      <p:pic>
+        <p:nvPicPr>
+          <p:cNvPr id="10" name="Picture 9">
+            <a:extLst>
+              <a:ext uri="{FF2B5EF4-FFF2-40B4-BE49-F238E27FC236}">
+                <a16:creationId xmlns:a16="http://schemas.microsoft.com/office/drawing/2014/main" id="{1B6BB07C-BF8E-B991-8628-F5DD888110C4}"/>
+              </a:ext>
+            </a:extLst>
+          </p:cNvPr>
+          <p:cNvPicPr>
+            <a:picLocks noChangeAspect="1"/>
+          </p:cNvPicPr>
+          <p:nvPr/>
+        </p:nvPicPr>
+        <p:blipFill>
+          <a:blip r:embed="rId3">
+            <a:extLst>
+              <a:ext uri="{28A0092B-C50C-407E-A947-70E740481C1C}">
+                <a14:useLocalDpi xmlns:a14="http://schemas.microsoft.com/office/drawing/2010/main" val="0"/>
+              </a:ext>
+            </a:extLst>
+          </a:blip>
+          <a:stretch>
+            <a:fillRect/>
+          </a:stretch>
+        </p:blipFill>
+        <p:spPr>
+          <a:xfrm>
+            <a:off x="10508856" y="4608731"/>
+            <a:ext cx="1450146" cy="1450146"/>
+          </a:xfrm>
+          <a:prstGeom prst="rect">
+            <a:avLst/>
+          </a:prstGeom>
+        </p:spPr>
+      </p:pic>
+      <p:pic>
+        <p:nvPicPr>
+          <p:cNvPr id="11" name="Picture 10">
+            <a:extLst>
+              <a:ext uri="{FF2B5EF4-FFF2-40B4-BE49-F238E27FC236}">
+                <a16:creationId xmlns:a16="http://schemas.microsoft.com/office/drawing/2014/main" id="{46CE92FD-0F5A-9693-F37E-08466DE55A17}"/>
+              </a:ext>
+            </a:extLst>
+          </p:cNvPr>
+          <p:cNvPicPr>
+            <a:picLocks noChangeAspect="1"/>
+          </p:cNvPicPr>
+          <p:nvPr/>
+        </p:nvPicPr>
+        <p:blipFill>
+          <a:blip r:embed="rId3">
+            <a:extLst>
+              <a:ext uri="{28A0092B-C50C-407E-A947-70E740481C1C}">
+                <a14:useLocalDpi xmlns:a14="http://schemas.microsoft.com/office/drawing/2010/main" val="0"/>
+              </a:ext>
+            </a:extLst>
+          </a:blip>
+          <a:stretch>
+            <a:fillRect/>
+          </a:stretch>
+        </p:blipFill>
+        <p:spPr>
+          <a:xfrm>
+            <a:off x="6649316" y="2518674"/>
+            <a:ext cx="1450146" cy="1450146"/>
+          </a:xfrm>
+          <a:prstGeom prst="rect">
+            <a:avLst/>
+          </a:prstGeom>
+        </p:spPr>
+      </p:pic>
+      <p:pic>
+        <p:nvPicPr>
+          <p:cNvPr id="12" name="Picture 11">
+            <a:extLst>
+              <a:ext uri="{FF2B5EF4-FFF2-40B4-BE49-F238E27FC236}">
+                <a16:creationId xmlns:a16="http://schemas.microsoft.com/office/drawing/2014/main" id="{92F3898B-FA26-3D0A-78EC-0D1712F1DAE8}"/>
+              </a:ext>
+            </a:extLst>
+          </p:cNvPr>
+          <p:cNvPicPr>
+            <a:picLocks noChangeAspect="1"/>
+          </p:cNvPicPr>
+          <p:nvPr/>
+        </p:nvPicPr>
+        <p:blipFill>
+          <a:blip r:embed="rId3">
+            <a:extLst>
+              <a:ext uri="{28A0092B-C50C-407E-A947-70E740481C1C}">
+                <a14:useLocalDpi xmlns:a14="http://schemas.microsoft.com/office/drawing/2010/main" val="0"/>
+              </a:ext>
+            </a:extLst>
+          </a:blip>
+          <a:stretch>
+            <a:fillRect/>
+          </a:stretch>
+        </p:blipFill>
+        <p:spPr>
+          <a:xfrm>
+            <a:off x="8579086" y="2518674"/>
+            <a:ext cx="1450146" cy="1450146"/>
+          </a:xfrm>
+          <a:prstGeom prst="rect">
+            <a:avLst/>
+          </a:prstGeom>
+        </p:spPr>
+      </p:pic>
+      <p:pic>
+        <p:nvPicPr>
+          <p:cNvPr id="13" name="Picture 12">
+            <a:extLst>
+              <a:ext uri="{FF2B5EF4-FFF2-40B4-BE49-F238E27FC236}">
+                <a16:creationId xmlns:a16="http://schemas.microsoft.com/office/drawing/2014/main" id="{FFA67D5E-8CA8-205B-0940-58FD87AF603A}"/>
+              </a:ext>
+            </a:extLst>
+          </p:cNvPr>
+          <p:cNvPicPr>
+            <a:picLocks noChangeAspect="1"/>
+          </p:cNvPicPr>
+          <p:nvPr/>
+        </p:nvPicPr>
+        <p:blipFill>
+          <a:blip r:embed="rId3">
+            <a:extLst>
+              <a:ext uri="{28A0092B-C50C-407E-A947-70E740481C1C}">
+                <a14:useLocalDpi xmlns:a14="http://schemas.microsoft.com/office/drawing/2010/main" val="0"/>
+              </a:ext>
+            </a:extLst>
+          </a:blip>
+          <a:stretch>
+            <a:fillRect/>
+          </a:stretch>
+        </p:blipFill>
+        <p:spPr>
+          <a:xfrm>
+            <a:off x="10508856" y="2518674"/>
+            <a:ext cx="1450146" cy="1450146"/>
+          </a:xfrm>
+          <a:prstGeom prst="rect">
+            <a:avLst/>
+          </a:prstGeom>
+        </p:spPr>
+      </p:pic>
+      <p:sp>
+        <p:nvSpPr>
+          <p:cNvPr id="14" name="TextBox 13">
+            <a:extLst>
+              <a:ext uri="{FF2B5EF4-FFF2-40B4-BE49-F238E27FC236}">
+                <a16:creationId xmlns:a16="http://schemas.microsoft.com/office/drawing/2014/main" id="{2AA02188-BDBF-0278-A12B-0AAFA5019346}"/>
+              </a:ext>
+            </a:extLst>
+          </p:cNvPr>
+          <p:cNvSpPr txBox="1"/>
+          <p:nvPr/>
+        </p:nvSpPr>
+        <p:spPr>
+          <a:xfrm>
+            <a:off x="8743749" y="1781515"/>
+            <a:ext cx="1422184" cy="646331"/>
+          </a:xfrm>
+          <a:prstGeom prst="rect">
+            <a:avLst/>
+          </a:prstGeom>
+          <a:noFill/>
+        </p:spPr>
+        <p:txBody>
+          <a:bodyPr wrap="none" rtlCol="0">
+            <a:spAutoFit/>
+          </a:bodyPr>
+          <a:lstStyle/>
+          <a:p>
+            <a:r>
+              <a:rPr lang="en-US" sz="3600" dirty="0"/>
+              <a:t>Object</a:t>
+            </a:r>
+          </a:p>
+        </p:txBody>
+      </p:sp>
+    </p:spTree>
+    <p:extLst>
+      <p:ext uri="{BB962C8B-B14F-4D97-AF65-F5344CB8AC3E}">
+        <p14:creationId xmlns:p14="http://schemas.microsoft.com/office/powerpoint/2010/main" val="3718304043"/>
+      </p:ext>
+    </p:extLst>
+  </p:cSld>
+  <p:clrMapOvr>
+    <a:masterClrMapping/>
+  </p:clrMapOvr>
+</p:sld>
+</file>
+
+<file path=ppt/slides/slide17.xml><?xml version="1.0" encoding="utf-8"?>
+<p:sld xmlns:a="http://schemas.openxmlformats.org/drawingml/2006/main" xmlns:r="http://schemas.openxmlformats.org/officeDocument/2006/relationships" xmlns:p="http://schemas.openxmlformats.org/presentationml/2006/main">
+  <p:cSld>
+    <p:spTree>
+      <p:nvGrpSpPr>
+        <p:cNvPr id="1" name=""/>
+        <p:cNvGrpSpPr/>
+        <p:nvPr/>
+      </p:nvGrpSpPr>
+      <p:grpSpPr>
+        <a:xfrm>
+          <a:off x="0" y="0"/>
+          <a:ext cx="0" cy="0"/>
+          <a:chOff x="0" y="0"/>
+          <a:chExt cx="0" cy="0"/>
+        </a:xfrm>
+      </p:grpSpPr>
+      <p:sp>
+        <p:nvSpPr>
+          <p:cNvPr id="2" name="Title 1">
+            <a:extLst>
+              <a:ext uri="{FF2B5EF4-FFF2-40B4-BE49-F238E27FC236}">
+                <a16:creationId xmlns:a16="http://schemas.microsoft.com/office/drawing/2014/main" id="{8E866C8C-BE62-7EB5-1D95-60D78CB74524}"/>
+              </a:ext>
+            </a:extLst>
+          </p:cNvPr>
+          <p:cNvSpPr>
+            <a:spLocks noGrp="1"/>
+          </p:cNvSpPr>
+          <p:nvPr>
+            <p:ph type="title"/>
+          </p:nvPr>
+        </p:nvSpPr>
+        <p:spPr/>
+        <p:txBody>
+          <a:bodyPr/>
+          <a:lstStyle/>
+          <a:p>
+            <a:r>
+              <a:rPr lang="en-US" dirty="0"/>
+              <a:t>What is Class &amp; Object?</a:t>
+            </a:r>
+          </a:p>
+        </p:txBody>
+      </p:sp>
+      <p:sp>
+        <p:nvSpPr>
+          <p:cNvPr id="4" name="TextBox 3">
+            <a:extLst>
+              <a:ext uri="{FF2B5EF4-FFF2-40B4-BE49-F238E27FC236}">
+                <a16:creationId xmlns:a16="http://schemas.microsoft.com/office/drawing/2014/main" id="{24475774-FE2F-75DB-0672-2E4BBDC5AA9D}"/>
+              </a:ext>
+            </a:extLst>
+          </p:cNvPr>
+          <p:cNvSpPr txBox="1"/>
+          <p:nvPr/>
+        </p:nvSpPr>
+        <p:spPr>
+          <a:xfrm>
+            <a:off x="449943" y="3222171"/>
+            <a:ext cx="651140" cy="369332"/>
+          </a:xfrm>
+          <a:prstGeom prst="rect">
+            <a:avLst/>
+          </a:prstGeom>
+          <a:noFill/>
+        </p:spPr>
+        <p:txBody>
+          <a:bodyPr wrap="none" rtlCol="0">
+            <a:spAutoFit/>
+          </a:bodyPr>
+          <a:lstStyle/>
+          <a:p>
+            <a:r>
+              <a:rPr lang="en-US" dirty="0"/>
+              <a:t>Class</a:t>
+            </a:r>
+          </a:p>
+        </p:txBody>
+      </p:sp>
+      <p:sp>
+        <p:nvSpPr>
+          <p:cNvPr id="5" name="Rectangle 4">
+            <a:extLst>
+              <a:ext uri="{FF2B5EF4-FFF2-40B4-BE49-F238E27FC236}">
+                <a16:creationId xmlns:a16="http://schemas.microsoft.com/office/drawing/2014/main" id="{E06B6021-4799-F8F6-ECF0-0F60459FD1E5}"/>
+              </a:ext>
+            </a:extLst>
+          </p:cNvPr>
+          <p:cNvSpPr/>
+          <p:nvPr/>
+        </p:nvSpPr>
+        <p:spPr>
+          <a:xfrm>
+            <a:off x="1101083" y="3124200"/>
+            <a:ext cx="916403" cy="609600"/>
+          </a:xfrm>
+          <a:prstGeom prst="rect">
+            <a:avLst/>
+          </a:prstGeom>
+        </p:spPr>
+        <p:style>
+          <a:lnRef idx="2">
+            <a:schemeClr val="accent1">
+              <a:shade val="50000"/>
+            </a:schemeClr>
+          </a:lnRef>
+          <a:fillRef idx="1">
+            <a:schemeClr val="accent1"/>
+          </a:fillRef>
+          <a:effectRef idx="0">
+            <a:schemeClr val="accent1"/>
+          </a:effectRef>
+          <a:fontRef idx="minor">
+            <a:schemeClr val="lt1"/>
+          </a:fontRef>
+        </p:style>
+        <p:txBody>
+          <a:bodyPr rtlCol="0" anchor="ctr"/>
+          <a:lstStyle/>
+          <a:p>
+            <a:pPr algn="ctr"/>
+            <a:r>
+              <a:rPr lang="en-US" dirty="0"/>
+              <a:t>CAR</a:t>
+            </a:r>
+          </a:p>
+        </p:txBody>
+      </p:sp>
+      <p:sp>
+        <p:nvSpPr>
+          <p:cNvPr id="6" name="Oval 5">
+            <a:extLst>
+              <a:ext uri="{FF2B5EF4-FFF2-40B4-BE49-F238E27FC236}">
+                <a16:creationId xmlns:a16="http://schemas.microsoft.com/office/drawing/2014/main" id="{23343396-C14E-1D97-ACE8-B84B8F3E7334}"/>
+              </a:ext>
+            </a:extLst>
+          </p:cNvPr>
+          <p:cNvSpPr/>
+          <p:nvPr/>
+        </p:nvSpPr>
+        <p:spPr>
+          <a:xfrm>
+            <a:off x="2627086" y="1690688"/>
+            <a:ext cx="3178628" cy="791255"/>
+          </a:xfrm>
+          <a:prstGeom prst="ellipse">
+            <a:avLst/>
+          </a:prstGeom>
+        </p:spPr>
+        <p:style>
+          <a:lnRef idx="2">
+            <a:schemeClr val="accent1">
+              <a:shade val="50000"/>
+            </a:schemeClr>
+          </a:lnRef>
+          <a:fillRef idx="1">
+            <a:schemeClr val="accent1"/>
+          </a:fillRef>
+          <a:effectRef idx="0">
+            <a:schemeClr val="accent1"/>
+          </a:effectRef>
+          <a:fontRef idx="minor">
+            <a:schemeClr val="lt1"/>
+          </a:fontRef>
+        </p:style>
+        <p:txBody>
+          <a:bodyPr rtlCol="0" anchor="ctr"/>
+          <a:lstStyle/>
+          <a:p>
+            <a:pPr algn="ctr"/>
+            <a:r>
+              <a:rPr lang="en-US" sz="2800" dirty="0"/>
+              <a:t>Properties</a:t>
+            </a:r>
+          </a:p>
+        </p:txBody>
+      </p:sp>
+      <p:sp>
+        <p:nvSpPr>
+          <p:cNvPr id="7" name="TextBox 6">
+            <a:extLst>
+              <a:ext uri="{FF2B5EF4-FFF2-40B4-BE49-F238E27FC236}">
+                <a16:creationId xmlns:a16="http://schemas.microsoft.com/office/drawing/2014/main" id="{4FF3AAA1-B216-E725-D588-228C90C13FA9}"/>
+              </a:ext>
+            </a:extLst>
+          </p:cNvPr>
+          <p:cNvSpPr txBox="1"/>
+          <p:nvPr/>
+        </p:nvSpPr>
+        <p:spPr>
+          <a:xfrm>
+            <a:off x="3454400" y="2873829"/>
+            <a:ext cx="817853" cy="1477328"/>
+          </a:xfrm>
+          <a:prstGeom prst="rect">
+            <a:avLst/>
+          </a:prstGeom>
+          <a:noFill/>
+        </p:spPr>
+        <p:txBody>
+          <a:bodyPr wrap="none" rtlCol="0">
+            <a:spAutoFit/>
+          </a:bodyPr>
+          <a:lstStyle/>
+          <a:p>
+            <a:r>
+              <a:rPr lang="en-US" dirty="0"/>
+              <a:t>Color</a:t>
+            </a:r>
+          </a:p>
+          <a:p>
+            <a:r>
+              <a:rPr lang="en-US" dirty="0"/>
+              <a:t>Engine</a:t>
+            </a:r>
+          </a:p>
+          <a:p>
+            <a:r>
+              <a:rPr lang="en-US" dirty="0"/>
+              <a:t>Seats</a:t>
+            </a:r>
+          </a:p>
+          <a:p>
+            <a:r>
+              <a:rPr lang="en-US" dirty="0"/>
+              <a:t>Ac</a:t>
+            </a:r>
+          </a:p>
+          <a:p>
+            <a:r>
+              <a:rPr lang="en-US" dirty="0"/>
+              <a:t>Price</a:t>
+            </a:r>
+          </a:p>
+        </p:txBody>
+      </p:sp>
+      <p:cxnSp>
+        <p:nvCxnSpPr>
+          <p:cNvPr id="9" name="Straight Arrow Connector 8">
+            <a:extLst>
+              <a:ext uri="{FF2B5EF4-FFF2-40B4-BE49-F238E27FC236}">
+                <a16:creationId xmlns:a16="http://schemas.microsoft.com/office/drawing/2014/main" id="{622968F8-C8A4-752A-408E-4734E9436964}"/>
+              </a:ext>
+            </a:extLst>
+          </p:cNvPr>
+          <p:cNvCxnSpPr>
+            <a:stCxn id="5" idx="3"/>
+            <a:endCxn id="7" idx="1"/>
+          </p:cNvCxnSpPr>
+          <p:nvPr/>
+        </p:nvCxnSpPr>
+        <p:spPr>
+          <a:xfrm>
+            <a:off x="2017486" y="3429000"/>
+            <a:ext cx="1436914" cy="183493"/>
+          </a:xfrm>
+          <a:prstGeom prst="straightConnector1">
+            <a:avLst/>
+          </a:prstGeom>
+          <a:ln>
+            <a:tailEnd type="triangle"/>
+          </a:ln>
+        </p:spPr>
+        <p:style>
+          <a:lnRef idx="1">
+            <a:schemeClr val="accent1"/>
+          </a:lnRef>
+          <a:fillRef idx="0">
+            <a:schemeClr val="accent1"/>
+          </a:fillRef>
+          <a:effectRef idx="0">
+            <a:schemeClr val="accent1"/>
+          </a:effectRef>
+          <a:fontRef idx="minor">
+            <a:schemeClr val="tx1"/>
+          </a:fontRef>
+        </p:style>
+      </p:cxnSp>
+      <p:graphicFrame>
+        <p:nvGraphicFramePr>
+          <p:cNvPr id="10" name="Table 10">
+            <a:extLst>
+              <a:ext uri="{FF2B5EF4-FFF2-40B4-BE49-F238E27FC236}">
+                <a16:creationId xmlns:a16="http://schemas.microsoft.com/office/drawing/2014/main" id="{53DD2C19-D7E1-86C7-A00D-1BAD9AC07A7B}"/>
+              </a:ext>
+            </a:extLst>
+          </p:cNvPr>
+          <p:cNvGraphicFramePr>
+            <a:graphicFrameLocks noGrp="1"/>
+          </p:cNvGraphicFramePr>
+          <p:nvPr>
+            <p:extLst>
+              <p:ext uri="{D42A27DB-BD31-4B8C-83A1-F6EECF244321}">
+                <p14:modId xmlns:p14="http://schemas.microsoft.com/office/powerpoint/2010/main" val="1892711117"/>
+              </p:ext>
+            </p:extLst>
+          </p:nvPr>
+        </p:nvGraphicFramePr>
+        <p:xfrm>
+          <a:off x="6386288" y="1619939"/>
+          <a:ext cx="5384796" cy="2225040"/>
+        </p:xfrm>
+        <a:graphic>
+          <a:graphicData uri="http://schemas.openxmlformats.org/drawingml/2006/table">
+            <a:tbl>
+              <a:tblPr firstRow="1" bandRow="1">
+                <a:tableStyleId>{5C22544A-7EE6-4342-B048-85BDC9FD1C3A}</a:tableStyleId>
+              </a:tblPr>
+              <a:tblGrid>
+                <a:gridCol w="1794932">
+                  <a:extLst>
+                    <a:ext uri="{9D8B030D-6E8A-4147-A177-3AD203B41FA5}">
+                      <a16:colId xmlns:a16="http://schemas.microsoft.com/office/drawing/2014/main" val="2554072868"/>
+                    </a:ext>
+                  </a:extLst>
+                </a:gridCol>
+                <a:gridCol w="1794932">
+                  <a:extLst>
+                    <a:ext uri="{9D8B030D-6E8A-4147-A177-3AD203B41FA5}">
+                      <a16:colId xmlns:a16="http://schemas.microsoft.com/office/drawing/2014/main" val="2694814113"/>
+                    </a:ext>
+                  </a:extLst>
+                </a:gridCol>
+                <a:gridCol w="1794932">
+                  <a:extLst>
+                    <a:ext uri="{9D8B030D-6E8A-4147-A177-3AD203B41FA5}">
+                      <a16:colId xmlns:a16="http://schemas.microsoft.com/office/drawing/2014/main" val="3408014539"/>
+                    </a:ext>
+                  </a:extLst>
+                </a:gridCol>
+              </a:tblGrid>
+              <a:tr h="370840">
+                <a:tc>
+                  <a:txBody>
+                    <a:bodyPr/>
+                    <a:lstStyle/>
+                    <a:p>
+                      <a:endParaRPr lang="en-US"/>
+                    </a:p>
+                  </a:txBody>
+                  <a:tcPr/>
+                </a:tc>
+                <a:tc>
+                  <a:txBody>
+                    <a:bodyPr/>
+                    <a:lstStyle/>
+                    <a:p>
+                      <a:r>
+                        <a:rPr lang="en-US" dirty="0"/>
+                        <a:t>Maruti Swift</a:t>
+                      </a:r>
+                    </a:p>
+                  </a:txBody>
+                  <a:tcPr/>
+                </a:tc>
+                <a:tc>
+                  <a:txBody>
+                    <a:bodyPr/>
+                    <a:lstStyle/>
+                    <a:p>
+                      <a:r>
+                        <a:rPr lang="en-US" dirty="0"/>
+                        <a:t>Toyota Fortuner</a:t>
+                      </a:r>
+                    </a:p>
+                  </a:txBody>
+                  <a:tcPr/>
+                </a:tc>
+                <a:extLst>
+                  <a:ext uri="{0D108BD9-81ED-4DB2-BD59-A6C34878D82A}">
+                    <a16:rowId xmlns:a16="http://schemas.microsoft.com/office/drawing/2014/main" val="1681599524"/>
+                  </a:ext>
+                </a:extLst>
+              </a:tr>
+              <a:tr h="370840">
+                <a:tc>
+                  <a:txBody>
+                    <a:bodyPr/>
+                    <a:lstStyle/>
+                    <a:p>
+                      <a:r>
+                        <a:rPr lang="en-US" dirty="0"/>
+                        <a:t>Color</a:t>
+                      </a:r>
+                    </a:p>
+                  </a:txBody>
+                  <a:tcPr/>
+                </a:tc>
+                <a:tc>
+                  <a:txBody>
+                    <a:bodyPr/>
+                    <a:lstStyle/>
+                    <a:p>
+                      <a:r>
+                        <a:rPr lang="en-US" dirty="0"/>
+                        <a:t>Black</a:t>
+                      </a:r>
+                    </a:p>
+                  </a:txBody>
+                  <a:tcPr/>
+                </a:tc>
+                <a:tc>
+                  <a:txBody>
+                    <a:bodyPr/>
+                    <a:lstStyle/>
+                    <a:p>
+                      <a:r>
+                        <a:rPr lang="en-US" dirty="0"/>
+                        <a:t>White</a:t>
+                      </a:r>
+                    </a:p>
+                  </a:txBody>
+                  <a:tcPr/>
+                </a:tc>
+                <a:extLst>
+                  <a:ext uri="{0D108BD9-81ED-4DB2-BD59-A6C34878D82A}">
+                    <a16:rowId xmlns:a16="http://schemas.microsoft.com/office/drawing/2014/main" val="1432865952"/>
+                  </a:ext>
+                </a:extLst>
+              </a:tr>
+              <a:tr h="370840">
+                <a:tc>
+                  <a:txBody>
+                    <a:bodyPr/>
+                    <a:lstStyle/>
+                    <a:p>
+                      <a:r>
+                        <a:rPr lang="en-US" dirty="0"/>
+                        <a:t>Engine</a:t>
+                      </a:r>
+                    </a:p>
+                  </a:txBody>
+                  <a:tcPr/>
+                </a:tc>
+                <a:tc>
+                  <a:txBody>
+                    <a:bodyPr/>
+                    <a:lstStyle/>
+                    <a:p>
+                      <a:r>
+                        <a:rPr lang="en-US" dirty="0"/>
+                        <a:t>1200 CC</a:t>
+                      </a:r>
+                    </a:p>
+                  </a:txBody>
+                  <a:tcPr/>
+                </a:tc>
+                <a:tc>
+                  <a:txBody>
+                    <a:bodyPr/>
+                    <a:lstStyle/>
+                    <a:p>
+                      <a:r>
+                        <a:rPr lang="en-US" dirty="0"/>
+                        <a:t>2700 CC</a:t>
+                      </a:r>
+                    </a:p>
+                  </a:txBody>
+                  <a:tcPr/>
+                </a:tc>
+                <a:extLst>
+                  <a:ext uri="{0D108BD9-81ED-4DB2-BD59-A6C34878D82A}">
+                    <a16:rowId xmlns:a16="http://schemas.microsoft.com/office/drawing/2014/main" val="2474129434"/>
+                  </a:ext>
+                </a:extLst>
+              </a:tr>
+              <a:tr h="370840">
+                <a:tc>
+                  <a:txBody>
+                    <a:bodyPr/>
+                    <a:lstStyle/>
+                    <a:p>
+                      <a:r>
+                        <a:rPr lang="en-US" dirty="0"/>
+                        <a:t>Seats</a:t>
+                      </a:r>
+                    </a:p>
+                  </a:txBody>
+                  <a:tcPr/>
+                </a:tc>
+                <a:tc>
+                  <a:txBody>
+                    <a:bodyPr/>
+                    <a:lstStyle/>
+                    <a:p>
+                      <a:r>
+                        <a:rPr lang="en-US" dirty="0"/>
+                        <a:t>5</a:t>
+                      </a:r>
+                    </a:p>
+                  </a:txBody>
+                  <a:tcPr/>
+                </a:tc>
+                <a:tc>
+                  <a:txBody>
+                    <a:bodyPr/>
+                    <a:lstStyle/>
+                    <a:p>
+                      <a:r>
+                        <a:rPr lang="en-US" dirty="0"/>
+                        <a:t>7</a:t>
+                      </a:r>
+                    </a:p>
+                  </a:txBody>
+                  <a:tcPr/>
+                </a:tc>
+                <a:extLst>
+                  <a:ext uri="{0D108BD9-81ED-4DB2-BD59-A6C34878D82A}">
+                    <a16:rowId xmlns:a16="http://schemas.microsoft.com/office/drawing/2014/main" val="878325464"/>
+                  </a:ext>
+                </a:extLst>
+              </a:tr>
+              <a:tr h="370840">
+                <a:tc>
+                  <a:txBody>
+                    <a:bodyPr/>
+                    <a:lstStyle/>
+                    <a:p>
+                      <a:r>
+                        <a:rPr lang="en-US" dirty="0"/>
+                        <a:t>AC</a:t>
+                      </a:r>
+                    </a:p>
+                  </a:txBody>
+                  <a:tcPr/>
+                </a:tc>
+                <a:tc>
+                  <a:txBody>
+                    <a:bodyPr/>
+                    <a:lstStyle/>
+                    <a:p>
+                      <a:r>
+                        <a:rPr lang="en-US" dirty="0"/>
+                        <a:t>Yes</a:t>
+                      </a:r>
+                    </a:p>
+                  </a:txBody>
+                  <a:tcPr/>
+                </a:tc>
+                <a:tc>
+                  <a:txBody>
+                    <a:bodyPr/>
+                    <a:lstStyle/>
+                    <a:p>
+                      <a:r>
+                        <a:rPr lang="en-US" dirty="0"/>
+                        <a:t>Yes</a:t>
+                      </a:r>
+                    </a:p>
+                  </a:txBody>
+                  <a:tcPr/>
+                </a:tc>
+                <a:extLst>
+                  <a:ext uri="{0D108BD9-81ED-4DB2-BD59-A6C34878D82A}">
+                    <a16:rowId xmlns:a16="http://schemas.microsoft.com/office/drawing/2014/main" val="1552379351"/>
+                  </a:ext>
+                </a:extLst>
+              </a:tr>
+              <a:tr h="370840">
+                <a:tc>
+                  <a:txBody>
+                    <a:bodyPr/>
+                    <a:lstStyle/>
+                    <a:p>
+                      <a:r>
+                        <a:rPr lang="en-US" dirty="0"/>
+                        <a:t>Price</a:t>
+                      </a:r>
+                    </a:p>
+                  </a:txBody>
+                  <a:tcPr/>
+                </a:tc>
+                <a:tc>
+                  <a:txBody>
+                    <a:bodyPr/>
+                    <a:lstStyle/>
+                    <a:p>
+                      <a:r>
+                        <a:rPr lang="en-US" dirty="0"/>
+                        <a:t>6,00,000</a:t>
+                      </a:r>
+                    </a:p>
+                  </a:txBody>
+                  <a:tcPr/>
+                </a:tc>
+                <a:tc>
+                  <a:txBody>
+                    <a:bodyPr/>
+                    <a:lstStyle/>
+                    <a:p>
+                      <a:r>
+                        <a:rPr lang="en-US" dirty="0"/>
+                        <a:t>28,00,000</a:t>
+                      </a:r>
+                    </a:p>
+                  </a:txBody>
+                  <a:tcPr/>
+                </a:tc>
+                <a:extLst>
+                  <a:ext uri="{0D108BD9-81ED-4DB2-BD59-A6C34878D82A}">
+                    <a16:rowId xmlns:a16="http://schemas.microsoft.com/office/drawing/2014/main" val="2120512545"/>
+                  </a:ext>
+                </a:extLst>
+              </a:tr>
+            </a:tbl>
+          </a:graphicData>
+        </a:graphic>
+      </p:graphicFrame>
+    </p:spTree>
+    <p:extLst>
+      <p:ext uri="{BB962C8B-B14F-4D97-AF65-F5344CB8AC3E}">
+        <p14:creationId xmlns:p14="http://schemas.microsoft.com/office/powerpoint/2010/main" val="2582404775"/>
+      </p:ext>
+    </p:extLst>
+  </p:cSld>
+  <p:clrMapOvr>
+    <a:masterClrMapping/>
+  </p:clrMapOvr>
+</p:sld>
+</file>
+
+<file path=ppt/slides/slide18.xml><?xml version="1.0" encoding="utf-8"?>
+<p:sld xmlns:a="http://schemas.openxmlformats.org/drawingml/2006/main" xmlns:r="http://schemas.openxmlformats.org/officeDocument/2006/relationships" xmlns:p="http://schemas.openxmlformats.org/presentationml/2006/main">
+  <p:cSld>
+    <p:spTree>
+      <p:nvGrpSpPr>
+        <p:cNvPr id="1" name=""/>
+        <p:cNvGrpSpPr/>
+        <p:nvPr/>
+      </p:nvGrpSpPr>
+      <p:grpSpPr>
+        <a:xfrm>
+          <a:off x="0" y="0"/>
+          <a:ext cx="0" cy="0"/>
+          <a:chOff x="0" y="0"/>
+          <a:chExt cx="0" cy="0"/>
+        </a:xfrm>
+      </p:grpSpPr>
+      <p:sp>
+        <p:nvSpPr>
+          <p:cNvPr id="2" name="Title 1">
+            <a:extLst>
+              <a:ext uri="{FF2B5EF4-FFF2-40B4-BE49-F238E27FC236}">
+                <a16:creationId xmlns:a16="http://schemas.microsoft.com/office/drawing/2014/main" id="{784CF30F-B97F-5C58-0AD7-0807CC3FB616}"/>
+              </a:ext>
+            </a:extLst>
+          </p:cNvPr>
+          <p:cNvSpPr>
+            <a:spLocks noGrp="1"/>
+          </p:cNvSpPr>
+          <p:nvPr>
+            <p:ph type="title"/>
+          </p:nvPr>
+        </p:nvSpPr>
+        <p:spPr/>
+        <p:txBody>
+          <a:bodyPr/>
+          <a:lstStyle/>
+          <a:p>
+            <a:r>
+              <a:rPr lang="en-US" dirty="0"/>
+              <a:t>What is Properties &amp; methods?</a:t>
+            </a:r>
+          </a:p>
+        </p:txBody>
+      </p:sp>
+      <p:sp>
+        <p:nvSpPr>
+          <p:cNvPr id="4" name="Rectangle 3">
+            <a:extLst>
+              <a:ext uri="{FF2B5EF4-FFF2-40B4-BE49-F238E27FC236}">
+                <a16:creationId xmlns:a16="http://schemas.microsoft.com/office/drawing/2014/main" id="{69EE1800-19FF-61E2-AA47-D70B37191FE2}"/>
+              </a:ext>
+            </a:extLst>
+          </p:cNvPr>
+          <p:cNvSpPr/>
+          <p:nvPr/>
+        </p:nvSpPr>
+        <p:spPr>
+          <a:xfrm>
+            <a:off x="3628570" y="1832202"/>
+            <a:ext cx="1611085" cy="499042"/>
+          </a:xfrm>
+          <a:prstGeom prst="rect">
+            <a:avLst/>
+          </a:prstGeom>
+        </p:spPr>
+        <p:style>
+          <a:lnRef idx="2">
+            <a:schemeClr val="accent1">
+              <a:shade val="50000"/>
+            </a:schemeClr>
+          </a:lnRef>
+          <a:fillRef idx="1">
+            <a:schemeClr val="accent1"/>
+          </a:fillRef>
+          <a:effectRef idx="0">
+            <a:schemeClr val="accent1"/>
+          </a:effectRef>
+          <a:fontRef idx="minor">
+            <a:schemeClr val="lt1"/>
+          </a:fontRef>
+        </p:style>
+        <p:txBody>
+          <a:bodyPr rtlCol="0" anchor="ctr"/>
+          <a:lstStyle/>
+          <a:p>
+            <a:pPr algn="ctr"/>
+            <a:r>
+              <a:rPr lang="en-US" dirty="0"/>
+              <a:t>Class</a:t>
+            </a:r>
+          </a:p>
+        </p:txBody>
+      </p:sp>
+      <p:sp>
+        <p:nvSpPr>
+          <p:cNvPr id="5" name="Rectangle 4">
+            <a:extLst>
+              <a:ext uri="{FF2B5EF4-FFF2-40B4-BE49-F238E27FC236}">
+                <a16:creationId xmlns:a16="http://schemas.microsoft.com/office/drawing/2014/main" id="{5598D841-2AD8-E7CA-E345-C6381F2A1D3A}"/>
+              </a:ext>
+            </a:extLst>
+          </p:cNvPr>
+          <p:cNvSpPr/>
+          <p:nvPr/>
+        </p:nvSpPr>
+        <p:spPr>
+          <a:xfrm>
+            <a:off x="2322285" y="2971800"/>
+            <a:ext cx="1306285" cy="457200"/>
+          </a:xfrm>
+          <a:prstGeom prst="rect">
+            <a:avLst/>
+          </a:prstGeom>
+          <a:solidFill>
+            <a:schemeClr val="accent4">
+              <a:lumMod val="50000"/>
+            </a:schemeClr>
+          </a:solidFill>
+        </p:spPr>
+        <p:style>
+          <a:lnRef idx="2">
+            <a:schemeClr val="accent1">
+              <a:shade val="50000"/>
+            </a:schemeClr>
+          </a:lnRef>
+          <a:fillRef idx="1">
+            <a:schemeClr val="accent1"/>
+          </a:fillRef>
+          <a:effectRef idx="0">
+            <a:schemeClr val="accent1"/>
+          </a:effectRef>
+          <a:fontRef idx="minor">
+            <a:schemeClr val="lt1"/>
+          </a:fontRef>
+        </p:style>
+        <p:txBody>
+          <a:bodyPr rtlCol="0" anchor="ctr"/>
+          <a:lstStyle/>
+          <a:p>
+            <a:pPr algn="ctr"/>
+            <a:r>
+              <a:rPr lang="en-US" dirty="0"/>
+              <a:t>Properties</a:t>
+            </a:r>
+          </a:p>
+        </p:txBody>
+      </p:sp>
+      <p:sp>
+        <p:nvSpPr>
+          <p:cNvPr id="6" name="Rectangle 5">
+            <a:extLst>
+              <a:ext uri="{FF2B5EF4-FFF2-40B4-BE49-F238E27FC236}">
+                <a16:creationId xmlns:a16="http://schemas.microsoft.com/office/drawing/2014/main" id="{37399BD1-C20F-5C02-0DF1-92F7CD8CC73B}"/>
+              </a:ext>
+            </a:extLst>
+          </p:cNvPr>
+          <p:cNvSpPr/>
+          <p:nvPr/>
+        </p:nvSpPr>
+        <p:spPr>
+          <a:xfrm>
+            <a:off x="5442857" y="2971800"/>
+            <a:ext cx="1306285" cy="457200"/>
+          </a:xfrm>
+          <a:prstGeom prst="rect">
+            <a:avLst/>
+          </a:prstGeom>
+        </p:spPr>
+        <p:style>
+          <a:lnRef idx="2">
+            <a:schemeClr val="accent1">
+              <a:shade val="50000"/>
+            </a:schemeClr>
+          </a:lnRef>
+          <a:fillRef idx="1">
+            <a:schemeClr val="accent1"/>
+          </a:fillRef>
+          <a:effectRef idx="0">
+            <a:schemeClr val="accent1"/>
+          </a:effectRef>
+          <a:fontRef idx="minor">
+            <a:schemeClr val="lt1"/>
+          </a:fontRef>
+        </p:style>
+        <p:txBody>
+          <a:bodyPr rtlCol="0" anchor="ctr"/>
+          <a:lstStyle/>
+          <a:p>
+            <a:pPr algn="ctr"/>
+            <a:r>
+              <a:rPr lang="en-US" dirty="0"/>
+              <a:t>Methods</a:t>
+            </a:r>
+          </a:p>
+        </p:txBody>
+      </p:sp>
+      <p:cxnSp>
+        <p:nvCxnSpPr>
+          <p:cNvPr id="9" name="Straight Arrow Connector 8">
+            <a:extLst>
+              <a:ext uri="{FF2B5EF4-FFF2-40B4-BE49-F238E27FC236}">
+                <a16:creationId xmlns:a16="http://schemas.microsoft.com/office/drawing/2014/main" id="{DC8E07DB-E7B0-8344-853D-54E8CD4EFDE8}"/>
+              </a:ext>
+            </a:extLst>
+          </p:cNvPr>
+          <p:cNvCxnSpPr>
+            <a:stCxn id="4" idx="2"/>
+          </p:cNvCxnSpPr>
+          <p:nvPr/>
+        </p:nvCxnSpPr>
+        <p:spPr>
+          <a:xfrm flipH="1">
+            <a:off x="3106057" y="2331244"/>
+            <a:ext cx="1328056" cy="640556"/>
+          </a:xfrm>
+          <a:prstGeom prst="straightConnector1">
+            <a:avLst/>
+          </a:prstGeom>
+          <a:ln>
+            <a:tailEnd type="triangle"/>
+          </a:ln>
+        </p:spPr>
+        <p:style>
+          <a:lnRef idx="1">
+            <a:schemeClr val="accent1"/>
+          </a:lnRef>
+          <a:fillRef idx="0">
+            <a:schemeClr val="accent1"/>
+          </a:fillRef>
+          <a:effectRef idx="0">
+            <a:schemeClr val="accent1"/>
+          </a:effectRef>
+          <a:fontRef idx="minor">
+            <a:schemeClr val="tx1"/>
+          </a:fontRef>
+        </p:style>
+      </p:cxnSp>
+      <p:cxnSp>
+        <p:nvCxnSpPr>
+          <p:cNvPr id="11" name="Straight Arrow Connector 10">
+            <a:extLst>
+              <a:ext uri="{FF2B5EF4-FFF2-40B4-BE49-F238E27FC236}">
+                <a16:creationId xmlns:a16="http://schemas.microsoft.com/office/drawing/2014/main" id="{46ED6775-C107-6777-F2D9-12F01529287C}"/>
+              </a:ext>
+            </a:extLst>
+          </p:cNvPr>
+          <p:cNvCxnSpPr>
+            <a:stCxn id="4" idx="2"/>
+            <a:endCxn id="6" idx="0"/>
+          </p:cNvCxnSpPr>
+          <p:nvPr/>
+        </p:nvCxnSpPr>
+        <p:spPr>
+          <a:xfrm>
+            <a:off x="4434113" y="2331244"/>
+            <a:ext cx="1661887" cy="640556"/>
+          </a:xfrm>
+          <a:prstGeom prst="straightConnector1">
+            <a:avLst/>
+          </a:prstGeom>
+          <a:ln>
+            <a:tailEnd type="triangle"/>
+          </a:ln>
+        </p:spPr>
+        <p:style>
+          <a:lnRef idx="1">
+            <a:schemeClr val="accent1"/>
+          </a:lnRef>
+          <a:fillRef idx="0">
+            <a:schemeClr val="accent1"/>
+          </a:fillRef>
+          <a:effectRef idx="0">
+            <a:schemeClr val="accent1"/>
+          </a:effectRef>
+          <a:fontRef idx="minor">
+            <a:schemeClr val="tx1"/>
+          </a:fontRef>
+        </p:style>
+      </p:cxnSp>
+      <p:sp>
+        <p:nvSpPr>
+          <p:cNvPr id="12" name="TextBox 11">
+            <a:extLst>
+              <a:ext uri="{FF2B5EF4-FFF2-40B4-BE49-F238E27FC236}">
+                <a16:creationId xmlns:a16="http://schemas.microsoft.com/office/drawing/2014/main" id="{737BAD23-2D43-06A5-6947-120A0FBB80D3}"/>
+              </a:ext>
+            </a:extLst>
+          </p:cNvPr>
+          <p:cNvSpPr txBox="1"/>
+          <p:nvPr/>
+        </p:nvSpPr>
+        <p:spPr>
+          <a:xfrm>
+            <a:off x="2452914" y="3875314"/>
+            <a:ext cx="710836" cy="923330"/>
+          </a:xfrm>
+          <a:prstGeom prst="rect">
+            <a:avLst/>
+          </a:prstGeom>
+          <a:noFill/>
+        </p:spPr>
+        <p:txBody>
+          <a:bodyPr wrap="none" rtlCol="0">
+            <a:spAutoFit/>
+          </a:bodyPr>
+          <a:lstStyle/>
+          <a:p>
+            <a:r>
+              <a:rPr lang="en-US" dirty="0"/>
+              <a:t>Let a;</a:t>
+            </a:r>
+          </a:p>
+          <a:p>
+            <a:r>
+              <a:rPr lang="en-US" dirty="0"/>
+              <a:t>Let b;</a:t>
+            </a:r>
+          </a:p>
+          <a:p>
+            <a:r>
+              <a:rPr lang="en-US" dirty="0"/>
+              <a:t>Let c;</a:t>
+            </a:r>
+          </a:p>
+        </p:txBody>
+      </p:sp>
+      <p:sp>
+        <p:nvSpPr>
+          <p:cNvPr id="13" name="TextBox 12">
+            <a:extLst>
+              <a:ext uri="{FF2B5EF4-FFF2-40B4-BE49-F238E27FC236}">
+                <a16:creationId xmlns:a16="http://schemas.microsoft.com/office/drawing/2014/main" id="{61200F43-8035-9BFD-D77F-56DA97C038C9}"/>
+              </a:ext>
+            </a:extLst>
+          </p:cNvPr>
+          <p:cNvSpPr txBox="1"/>
+          <p:nvPr/>
+        </p:nvSpPr>
+        <p:spPr>
+          <a:xfrm>
+            <a:off x="5384804" y="1961912"/>
+            <a:ext cx="3135086" cy="369332"/>
+          </a:xfrm>
+          <a:prstGeom prst="rect">
+            <a:avLst/>
+          </a:prstGeom>
+          <a:noFill/>
+        </p:spPr>
+        <p:txBody>
+          <a:bodyPr wrap="square" rtlCol="0">
+            <a:spAutoFit/>
+          </a:bodyPr>
+          <a:lstStyle/>
+          <a:p>
+            <a:r>
+              <a:rPr lang="en-US" dirty="0"/>
+              <a:t>Calculation</a:t>
+            </a:r>
+          </a:p>
+        </p:txBody>
+      </p:sp>
+      <p:sp>
+        <p:nvSpPr>
+          <p:cNvPr id="14" name="TextBox 13">
+            <a:extLst>
+              <a:ext uri="{FF2B5EF4-FFF2-40B4-BE49-F238E27FC236}">
+                <a16:creationId xmlns:a16="http://schemas.microsoft.com/office/drawing/2014/main" id="{3670AF99-582C-F88D-31DB-D354B9B2370E}"/>
+              </a:ext>
+            </a:extLst>
+          </p:cNvPr>
+          <p:cNvSpPr txBox="1"/>
+          <p:nvPr/>
+        </p:nvSpPr>
+        <p:spPr>
+          <a:xfrm>
+            <a:off x="5588000" y="3875314"/>
+            <a:ext cx="1033809" cy="1200329"/>
+          </a:xfrm>
+          <a:prstGeom prst="rect">
+            <a:avLst/>
+          </a:prstGeom>
+          <a:noFill/>
+        </p:spPr>
+        <p:txBody>
+          <a:bodyPr wrap="none" rtlCol="0">
+            <a:spAutoFit/>
+          </a:bodyPr>
+          <a:lstStyle/>
+          <a:p>
+            <a:r>
+              <a:rPr lang="en-US" dirty="0"/>
+              <a:t>Sum(){</a:t>
+            </a:r>
+          </a:p>
+          <a:p>
+            <a:r>
+              <a:rPr lang="en-US" dirty="0"/>
+              <a:t>C = </a:t>
+            </a:r>
+            <a:r>
+              <a:rPr lang="en-US" dirty="0" err="1"/>
+              <a:t>a+b</a:t>
+            </a:r>
+            <a:r>
+              <a:rPr lang="en-US" dirty="0"/>
+              <a:t>;</a:t>
+            </a:r>
+          </a:p>
+          <a:p>
+            <a:r>
+              <a:rPr lang="en-US" dirty="0"/>
+              <a:t>Return c;</a:t>
+            </a:r>
+          </a:p>
+          <a:p>
+            <a:r>
+              <a:rPr lang="en-US" dirty="0"/>
+              <a:t>}</a:t>
+            </a:r>
+          </a:p>
+        </p:txBody>
+      </p:sp>
+      <p:sp>
+        <p:nvSpPr>
+          <p:cNvPr id="15" name="TextBox 14">
+            <a:extLst>
+              <a:ext uri="{FF2B5EF4-FFF2-40B4-BE49-F238E27FC236}">
+                <a16:creationId xmlns:a16="http://schemas.microsoft.com/office/drawing/2014/main" id="{9B216FEC-6561-3816-398B-518B64492058}"/>
+              </a:ext>
+            </a:extLst>
+          </p:cNvPr>
+          <p:cNvSpPr txBox="1"/>
+          <p:nvPr/>
+        </p:nvSpPr>
+        <p:spPr>
+          <a:xfrm>
+            <a:off x="7895772" y="3875314"/>
+            <a:ext cx="1033809" cy="1200329"/>
+          </a:xfrm>
+          <a:prstGeom prst="rect">
+            <a:avLst/>
+          </a:prstGeom>
+          <a:noFill/>
+        </p:spPr>
+        <p:txBody>
+          <a:bodyPr wrap="none" rtlCol="0">
+            <a:spAutoFit/>
+          </a:bodyPr>
+          <a:lstStyle/>
+          <a:p>
+            <a:r>
+              <a:rPr lang="en-US" dirty="0"/>
+              <a:t>Sub(){</a:t>
+            </a:r>
+          </a:p>
+          <a:p>
+            <a:r>
+              <a:rPr lang="en-US" dirty="0"/>
+              <a:t>C = a-b;</a:t>
+            </a:r>
+          </a:p>
+          <a:p>
+            <a:r>
+              <a:rPr lang="en-US" dirty="0"/>
+              <a:t>Return c;</a:t>
+            </a:r>
+          </a:p>
+          <a:p>
+            <a:r>
+              <a:rPr lang="en-US" dirty="0"/>
+              <a:t>}</a:t>
+            </a:r>
+          </a:p>
+        </p:txBody>
+      </p:sp>
+    </p:spTree>
+    <p:extLst>
+      <p:ext uri="{BB962C8B-B14F-4D97-AF65-F5344CB8AC3E}">
+        <p14:creationId xmlns:p14="http://schemas.microsoft.com/office/powerpoint/2010/main" val="807842590"/>
+      </p:ext>
+    </p:extLst>
+  </p:cSld>
+  <p:clrMapOvr>
+    <a:masterClrMapping/>
+  </p:clrMapOvr>
+</p:sld>
+</file>
+
+<file path=ppt/slides/slide19.xml><?xml version="1.0" encoding="utf-8"?>
+<p:sld xmlns:a="http://schemas.openxmlformats.org/drawingml/2006/main" xmlns:r="http://schemas.openxmlformats.org/officeDocument/2006/relationships" xmlns:p="http://schemas.openxmlformats.org/presentationml/2006/main">
+  <p:cSld>
+    <p:spTree>
+      <p:nvGrpSpPr>
+        <p:cNvPr id="1" name=""/>
+        <p:cNvGrpSpPr/>
+        <p:nvPr/>
+      </p:nvGrpSpPr>
+      <p:grpSpPr>
+        <a:xfrm>
+          <a:off x="0" y="0"/>
+          <a:ext cx="0" cy="0"/>
+          <a:chOff x="0" y="0"/>
+          <a:chExt cx="0" cy="0"/>
+        </a:xfrm>
+      </p:grpSpPr>
+      <p:sp>
+        <p:nvSpPr>
+          <p:cNvPr id="2" name="Title 1">
+            <a:extLst>
+              <a:ext uri="{FF2B5EF4-FFF2-40B4-BE49-F238E27FC236}">
+                <a16:creationId xmlns:a16="http://schemas.microsoft.com/office/drawing/2014/main" id="{49D9DCAB-5398-5957-2EC4-5C99CC401770}"/>
+              </a:ext>
+            </a:extLst>
+          </p:cNvPr>
+          <p:cNvSpPr>
+            <a:spLocks noGrp="1"/>
+          </p:cNvSpPr>
+          <p:nvPr>
+            <p:ph type="title"/>
+          </p:nvPr>
+        </p:nvSpPr>
+        <p:spPr/>
+        <p:txBody>
+          <a:bodyPr/>
+          <a:lstStyle/>
+          <a:p>
+            <a:r>
+              <a:rPr lang="en-US" dirty="0"/>
+              <a:t>Class &amp; Object</a:t>
+            </a:r>
+          </a:p>
+        </p:txBody>
+      </p:sp>
+      <p:sp>
+        <p:nvSpPr>
+          <p:cNvPr id="3" name="Content Placeholder 2">
+            <a:extLst>
+              <a:ext uri="{FF2B5EF4-FFF2-40B4-BE49-F238E27FC236}">
+                <a16:creationId xmlns:a16="http://schemas.microsoft.com/office/drawing/2014/main" id="{57A59BED-64B8-7AF8-F3B4-C65E1947E757}"/>
+              </a:ext>
+            </a:extLst>
+          </p:cNvPr>
+          <p:cNvSpPr>
+            <a:spLocks noGrp="1"/>
+          </p:cNvSpPr>
+          <p:nvPr>
+            <p:ph idx="1"/>
+          </p:nvPr>
+        </p:nvSpPr>
+        <p:spPr/>
+        <p:txBody>
+          <a:bodyPr/>
+          <a:lstStyle/>
+          <a:p>
+            <a:pPr marL="0" indent="0">
+              <a:buNone/>
+            </a:pPr>
+            <a:r>
+              <a:rPr lang="en-US" dirty="0"/>
+              <a:t>Class hello{</a:t>
+            </a:r>
+          </a:p>
+          <a:p>
+            <a:pPr marL="0" indent="0">
+              <a:buNone/>
+            </a:pPr>
+            <a:r>
+              <a:rPr lang="en-US" dirty="0"/>
+              <a:t>	Message (){</a:t>
+            </a:r>
+          </a:p>
+          <a:p>
+            <a:pPr marL="0" indent="0">
+              <a:buNone/>
+            </a:pPr>
+            <a:r>
+              <a:rPr lang="en-US" dirty="0"/>
+              <a:t>	Console.log(“Hello Everyone”);</a:t>
+            </a:r>
+          </a:p>
+          <a:p>
+            <a:pPr marL="0" indent="0">
+              <a:buNone/>
+            </a:pPr>
+            <a:r>
+              <a:rPr lang="en-US" dirty="0"/>
+              <a:t>	}</a:t>
+            </a:r>
+          </a:p>
+          <a:p>
+            <a:pPr marL="0" indent="0">
+              <a:buNone/>
+            </a:pPr>
+            <a:r>
+              <a:rPr lang="en-US" dirty="0"/>
+              <a:t>}</a:t>
+            </a:r>
+          </a:p>
+          <a:p>
+            <a:pPr marL="0" indent="0">
+              <a:buNone/>
+            </a:pPr>
+            <a:r>
+              <a:rPr lang="en-US" dirty="0"/>
+              <a:t>Let a = new hello();</a:t>
+            </a:r>
+          </a:p>
+          <a:p>
+            <a:pPr marL="0" indent="0">
+              <a:buNone/>
+            </a:pPr>
+            <a:endParaRPr lang="en-US" dirty="0"/>
+          </a:p>
+          <a:p>
+            <a:pPr marL="0" indent="0">
+              <a:buNone/>
+            </a:pPr>
+            <a:r>
+              <a:rPr lang="en-US" dirty="0" err="1"/>
+              <a:t>a.message</a:t>
+            </a:r>
+            <a:r>
+              <a:rPr lang="en-US" dirty="0"/>
+              <a:t>();</a:t>
+            </a:r>
+          </a:p>
+          <a:p>
+            <a:pPr marL="0" indent="0">
+              <a:buNone/>
+            </a:pPr>
+            <a:endParaRPr lang="en-US" dirty="0"/>
+          </a:p>
+        </p:txBody>
+      </p:sp>
+    </p:spTree>
+    <p:extLst>
+      <p:ext uri="{BB962C8B-B14F-4D97-AF65-F5344CB8AC3E}">
+        <p14:creationId xmlns:p14="http://schemas.microsoft.com/office/powerpoint/2010/main" val="1077925551"/>
+      </p:ext>
+    </p:extLst>
+  </p:cSld>
+  <p:clrMapOvr>
+    <a:masterClrMapping/>
+  </p:clrMapOvr>
+</p:sld>
+</file>
+
 <file path=ppt/slides/slide2.xml><?xml version="1.0" encoding="utf-8"?>
 <p:sld xmlns:a="http://schemas.openxmlformats.org/drawingml/2006/main" xmlns:r="http://schemas.openxmlformats.org/officeDocument/2006/relationships" xmlns:p="http://schemas.openxmlformats.org/presentationml/2006/main">
   <p:cSld>
@@ -5339,6 +7238,211 @@
     <p:extLst>
       <p:ext uri="{BB962C8B-B14F-4D97-AF65-F5344CB8AC3E}">
         <p14:creationId xmlns:p14="http://schemas.microsoft.com/office/powerpoint/2010/main" val="3570995096"/>
+      </p:ext>
+    </p:extLst>
+  </p:cSld>
+  <p:clrMapOvr>
+    <a:masterClrMapping/>
+  </p:clrMapOvr>
+</p:sld>
+</file>
+
+<file path=ppt/slides/slide20.xml><?xml version="1.0" encoding="utf-8"?>
+<p:sld xmlns:a="http://schemas.openxmlformats.org/drawingml/2006/main" xmlns:r="http://schemas.openxmlformats.org/officeDocument/2006/relationships" xmlns:p="http://schemas.openxmlformats.org/presentationml/2006/main">
+  <p:cSld>
+    <p:spTree>
+      <p:nvGrpSpPr>
+        <p:cNvPr id="1" name=""/>
+        <p:cNvGrpSpPr/>
+        <p:nvPr/>
+      </p:nvGrpSpPr>
+      <p:grpSpPr>
+        <a:xfrm>
+          <a:off x="0" y="0"/>
+          <a:ext cx="0" cy="0"/>
+          <a:chOff x="0" y="0"/>
+          <a:chExt cx="0" cy="0"/>
+        </a:xfrm>
+      </p:grpSpPr>
+      <p:sp>
+        <p:nvSpPr>
+          <p:cNvPr id="2" name="Title 1">
+            <a:extLst>
+              <a:ext uri="{FF2B5EF4-FFF2-40B4-BE49-F238E27FC236}">
+                <a16:creationId xmlns:a16="http://schemas.microsoft.com/office/drawing/2014/main" id="{AC116B09-89F3-F841-9F12-3D3C1BA91FB8}"/>
+              </a:ext>
+            </a:extLst>
+          </p:cNvPr>
+          <p:cNvSpPr>
+            <a:spLocks noGrp="1"/>
+          </p:cNvSpPr>
+          <p:nvPr>
+            <p:ph type="title"/>
+          </p:nvPr>
+        </p:nvSpPr>
+        <p:spPr/>
+        <p:txBody>
+          <a:bodyPr/>
+          <a:lstStyle/>
+          <a:p>
+            <a:r>
+              <a:rPr lang="en-US" dirty="0"/>
+              <a:t>Type of Methods:</a:t>
+            </a:r>
+          </a:p>
+        </p:txBody>
+      </p:sp>
+      <p:sp>
+        <p:nvSpPr>
+          <p:cNvPr id="3" name="Content Placeholder 2">
+            <a:extLst>
+              <a:ext uri="{FF2B5EF4-FFF2-40B4-BE49-F238E27FC236}">
+                <a16:creationId xmlns:a16="http://schemas.microsoft.com/office/drawing/2014/main" id="{425515C7-A7EF-6AD7-897E-0CFBD364259C}"/>
+              </a:ext>
+            </a:extLst>
+          </p:cNvPr>
+          <p:cNvSpPr>
+            <a:spLocks noGrp="1"/>
+          </p:cNvSpPr>
+          <p:nvPr>
+            <p:ph idx="1"/>
+          </p:nvPr>
+        </p:nvSpPr>
+        <p:spPr/>
+        <p:txBody>
+          <a:bodyPr/>
+          <a:lstStyle/>
+          <a:p>
+            <a:r>
+              <a:rPr lang="en-US" dirty="0"/>
+              <a:t>Constructor – </a:t>
+            </a:r>
+            <a:r>
+              <a:rPr lang="en-US" dirty="0">
+                <a:solidFill>
+                  <a:srgbClr val="FF0000"/>
+                </a:solidFill>
+              </a:rPr>
+              <a:t>constructor()</a:t>
+            </a:r>
+            <a:r>
+              <a:rPr lang="en-US" dirty="0"/>
+              <a:t>{console.log(“Hello”);}</a:t>
+            </a:r>
+          </a:p>
+          <a:p>
+            <a:r>
+              <a:rPr lang="en-US" dirty="0"/>
+              <a:t>Prototype – message(){console.log(“hello”);}</a:t>
+            </a:r>
+          </a:p>
+          <a:p>
+            <a:r>
+              <a:rPr lang="en-US" dirty="0"/>
+              <a:t>Static – </a:t>
+            </a:r>
+            <a:r>
+              <a:rPr lang="en-US" dirty="0">
+                <a:solidFill>
+                  <a:srgbClr val="FF0000"/>
+                </a:solidFill>
+              </a:rPr>
+              <a:t>static</a:t>
+            </a:r>
+            <a:r>
+              <a:rPr lang="en-US" dirty="0"/>
+              <a:t> name(){console.log(“Hello”);}</a:t>
+            </a:r>
+          </a:p>
+        </p:txBody>
+      </p:sp>
+    </p:spTree>
+    <p:extLst>
+      <p:ext uri="{BB962C8B-B14F-4D97-AF65-F5344CB8AC3E}">
+        <p14:creationId xmlns:p14="http://schemas.microsoft.com/office/powerpoint/2010/main" val="3444219114"/>
+      </p:ext>
+    </p:extLst>
+  </p:cSld>
+  <p:clrMapOvr>
+    <a:masterClrMapping/>
+  </p:clrMapOvr>
+</p:sld>
+</file>
+
+<file path=ppt/slides/slide21.xml><?xml version="1.0" encoding="utf-8"?>
+<p:sld xmlns:a="http://schemas.openxmlformats.org/drawingml/2006/main" xmlns:r="http://schemas.openxmlformats.org/officeDocument/2006/relationships" xmlns:p="http://schemas.openxmlformats.org/presentationml/2006/main">
+  <p:cSld>
+    <p:spTree>
+      <p:nvGrpSpPr>
+        <p:cNvPr id="1" name=""/>
+        <p:cNvGrpSpPr/>
+        <p:nvPr/>
+      </p:nvGrpSpPr>
+      <p:grpSpPr>
+        <a:xfrm>
+          <a:off x="0" y="0"/>
+          <a:ext cx="0" cy="0"/>
+          <a:chOff x="0" y="0"/>
+          <a:chExt cx="0" cy="0"/>
+        </a:xfrm>
+      </p:grpSpPr>
+      <p:sp>
+        <p:nvSpPr>
+          <p:cNvPr id="2" name="Title 1">
+            <a:extLst>
+              <a:ext uri="{FF2B5EF4-FFF2-40B4-BE49-F238E27FC236}">
+                <a16:creationId xmlns:a16="http://schemas.microsoft.com/office/drawing/2014/main" id="{18D3F0B1-C027-BC1D-DA6B-4D88031555A7}"/>
+              </a:ext>
+            </a:extLst>
+          </p:cNvPr>
+          <p:cNvSpPr>
+            <a:spLocks noGrp="1"/>
+          </p:cNvSpPr>
+          <p:nvPr>
+            <p:ph type="title"/>
+          </p:nvPr>
+        </p:nvSpPr>
+        <p:spPr/>
+        <p:txBody>
+          <a:bodyPr/>
+          <a:lstStyle/>
+          <a:p>
+            <a:r>
+              <a:rPr lang="en-US" dirty="0"/>
+              <a:t>ADJS: Inheritance</a:t>
+            </a:r>
+          </a:p>
+        </p:txBody>
+      </p:sp>
+      <p:sp>
+        <p:nvSpPr>
+          <p:cNvPr id="3" name="Content Placeholder 2">
+            <a:extLst>
+              <a:ext uri="{FF2B5EF4-FFF2-40B4-BE49-F238E27FC236}">
+                <a16:creationId xmlns:a16="http://schemas.microsoft.com/office/drawing/2014/main" id="{09B41FF0-9DA1-A60D-74A1-B6874910606C}"/>
+              </a:ext>
+            </a:extLst>
+          </p:cNvPr>
+          <p:cNvSpPr>
+            <a:spLocks noGrp="1"/>
+          </p:cNvSpPr>
+          <p:nvPr>
+            <p:ph idx="1"/>
+          </p:nvPr>
+        </p:nvSpPr>
+        <p:spPr/>
+        <p:txBody>
+          <a:bodyPr/>
+          <a:lstStyle/>
+          <a:p>
+            <a:endParaRPr lang="en-US"/>
+          </a:p>
+        </p:txBody>
+      </p:sp>
+    </p:spTree>
+    <p:extLst>
+      <p:ext uri="{BB962C8B-B14F-4D97-AF65-F5344CB8AC3E}">
+        <p14:creationId xmlns:p14="http://schemas.microsoft.com/office/powerpoint/2010/main" val="3932599308"/>
       </p:ext>
     </p:extLst>
   </p:cSld>

--- a/AdvanceJavaScript.pptx
+++ b/AdvanceJavaScript.pptx
@@ -26,6 +26,7 @@
     <p:sldId id="274" r:id="rId20"/>
     <p:sldId id="275" r:id="rId21"/>
     <p:sldId id="276" r:id="rId22"/>
+    <p:sldId id="277" r:id="rId23"/>
   </p:sldIdLst>
   <p:sldSz cx="12192000" cy="6858000"/>
   <p:notesSz cx="6858000" cy="9144000"/>
@@ -279,7 +280,7 @@
           <a:p>
             <a:fld id="{BC5A2644-DC23-4ADD-9DCB-84DBCEFE5469}" type="datetimeFigureOut">
               <a:rPr lang="en-US" smtClean="0"/>
-              <a:t>2/24/2023</a:t>
+              <a:t>2/28/2023</a:t>
             </a:fld>
             <a:endParaRPr lang="en-US"/>
           </a:p>
@@ -477,7 +478,7 @@
           <a:p>
             <a:fld id="{BC5A2644-DC23-4ADD-9DCB-84DBCEFE5469}" type="datetimeFigureOut">
               <a:rPr lang="en-US" smtClean="0"/>
-              <a:t>2/24/2023</a:t>
+              <a:t>2/28/2023</a:t>
             </a:fld>
             <a:endParaRPr lang="en-US"/>
           </a:p>
@@ -685,7 +686,7 @@
           <a:p>
             <a:fld id="{BC5A2644-DC23-4ADD-9DCB-84DBCEFE5469}" type="datetimeFigureOut">
               <a:rPr lang="en-US" smtClean="0"/>
-              <a:t>2/24/2023</a:t>
+              <a:t>2/28/2023</a:t>
             </a:fld>
             <a:endParaRPr lang="en-US"/>
           </a:p>
@@ -883,7 +884,7 @@
           <a:p>
             <a:fld id="{BC5A2644-DC23-4ADD-9DCB-84DBCEFE5469}" type="datetimeFigureOut">
               <a:rPr lang="en-US" smtClean="0"/>
-              <a:t>2/24/2023</a:t>
+              <a:t>2/28/2023</a:t>
             </a:fld>
             <a:endParaRPr lang="en-US"/>
           </a:p>
@@ -1158,7 +1159,7 @@
           <a:p>
             <a:fld id="{BC5A2644-DC23-4ADD-9DCB-84DBCEFE5469}" type="datetimeFigureOut">
               <a:rPr lang="en-US" smtClean="0"/>
-              <a:t>2/24/2023</a:t>
+              <a:t>2/28/2023</a:t>
             </a:fld>
             <a:endParaRPr lang="en-US"/>
           </a:p>
@@ -1423,7 +1424,7 @@
           <a:p>
             <a:fld id="{BC5A2644-DC23-4ADD-9DCB-84DBCEFE5469}" type="datetimeFigureOut">
               <a:rPr lang="en-US" smtClean="0"/>
-              <a:t>2/24/2023</a:t>
+              <a:t>2/28/2023</a:t>
             </a:fld>
             <a:endParaRPr lang="en-US"/>
           </a:p>
@@ -1835,7 +1836,7 @@
           <a:p>
             <a:fld id="{BC5A2644-DC23-4ADD-9DCB-84DBCEFE5469}" type="datetimeFigureOut">
               <a:rPr lang="en-US" smtClean="0"/>
-              <a:t>2/24/2023</a:t>
+              <a:t>2/28/2023</a:t>
             </a:fld>
             <a:endParaRPr lang="en-US"/>
           </a:p>
@@ -1976,7 +1977,7 @@
           <a:p>
             <a:fld id="{BC5A2644-DC23-4ADD-9DCB-84DBCEFE5469}" type="datetimeFigureOut">
               <a:rPr lang="en-US" smtClean="0"/>
-              <a:t>2/24/2023</a:t>
+              <a:t>2/28/2023</a:t>
             </a:fld>
             <a:endParaRPr lang="en-US"/>
           </a:p>
@@ -2089,7 +2090,7 @@
           <a:p>
             <a:fld id="{BC5A2644-DC23-4ADD-9DCB-84DBCEFE5469}" type="datetimeFigureOut">
               <a:rPr lang="en-US" smtClean="0"/>
-              <a:t>2/24/2023</a:t>
+              <a:t>2/28/2023</a:t>
             </a:fld>
             <a:endParaRPr lang="en-US"/>
           </a:p>
@@ -2400,7 +2401,7 @@
           <a:p>
             <a:fld id="{BC5A2644-DC23-4ADD-9DCB-84DBCEFE5469}" type="datetimeFigureOut">
               <a:rPr lang="en-US" smtClean="0"/>
-              <a:t>2/24/2023</a:t>
+              <a:t>2/28/2023</a:t>
             </a:fld>
             <a:endParaRPr lang="en-US"/>
           </a:p>
@@ -2688,7 +2689,7 @@
           <a:p>
             <a:fld id="{BC5A2644-DC23-4ADD-9DCB-84DBCEFE5469}" type="datetimeFigureOut">
               <a:rPr lang="en-US" smtClean="0"/>
-              <a:t>2/24/2023</a:t>
+              <a:t>2/28/2023</a:t>
             </a:fld>
             <a:endParaRPr lang="en-US"/>
           </a:p>
@@ -2929,7 +2930,7 @@
           <a:p>
             <a:fld id="{BC5A2644-DC23-4ADD-9DCB-84DBCEFE5469}" type="datetimeFigureOut">
               <a:rPr lang="en-US" smtClean="0"/>
-              <a:t>2/24/2023</a:t>
+              <a:t>2/28/2023</a:t>
             </a:fld>
             <a:endParaRPr lang="en-US"/>
           </a:p>
@@ -7416,10 +7417,703 @@
       </p:sp>
       <p:sp>
         <p:nvSpPr>
+          <p:cNvPr id="4" name="Rectangle 3">
+            <a:extLst>
+              <a:ext uri="{FF2B5EF4-FFF2-40B4-BE49-F238E27FC236}">
+                <a16:creationId xmlns:a16="http://schemas.microsoft.com/office/drawing/2014/main" id="{C805A7F2-E68B-169E-149D-AC1B9AE6F766}"/>
+              </a:ext>
+            </a:extLst>
+          </p:cNvPr>
+          <p:cNvSpPr/>
+          <p:nvPr/>
+        </p:nvSpPr>
+        <p:spPr>
+          <a:xfrm>
+            <a:off x="4513943" y="2600438"/>
+            <a:ext cx="1426028" cy="828562"/>
+          </a:xfrm>
+          <a:prstGeom prst="rect">
+            <a:avLst/>
+          </a:prstGeom>
+          <a:solidFill>
+            <a:schemeClr val="accent2"/>
+          </a:solidFill>
+        </p:spPr>
+        <p:style>
+          <a:lnRef idx="2">
+            <a:schemeClr val="accent1">
+              <a:shade val="50000"/>
+            </a:schemeClr>
+          </a:lnRef>
+          <a:fillRef idx="1">
+            <a:schemeClr val="accent1"/>
+          </a:fillRef>
+          <a:effectRef idx="0">
+            <a:schemeClr val="accent1"/>
+          </a:effectRef>
+          <a:fontRef idx="minor">
+            <a:schemeClr val="lt1"/>
+          </a:fontRef>
+        </p:style>
+        <p:txBody>
+          <a:bodyPr rtlCol="0" anchor="ctr"/>
+          <a:lstStyle/>
+          <a:p>
+            <a:pPr algn="ctr"/>
+            <a:r>
+              <a:rPr lang="en-US" dirty="0"/>
+              <a:t>CLASS A</a:t>
+            </a:r>
+          </a:p>
+          <a:p>
+            <a:pPr algn="ctr"/>
+            <a:r>
+              <a:rPr lang="en-US" dirty="0"/>
+              <a:t>(Base Class)</a:t>
+            </a:r>
+          </a:p>
+        </p:txBody>
+      </p:sp>
+      <p:sp>
+        <p:nvSpPr>
+          <p:cNvPr id="5" name="Rectangle: Rounded Corners 4">
+            <a:extLst>
+              <a:ext uri="{FF2B5EF4-FFF2-40B4-BE49-F238E27FC236}">
+                <a16:creationId xmlns:a16="http://schemas.microsoft.com/office/drawing/2014/main" id="{F393A47B-B03A-0CC4-1C52-CC4D39987FEA}"/>
+              </a:ext>
+            </a:extLst>
+          </p:cNvPr>
+          <p:cNvSpPr/>
+          <p:nvPr/>
+        </p:nvSpPr>
+        <p:spPr>
+          <a:xfrm>
+            <a:off x="7199086" y="827314"/>
+            <a:ext cx="1959428" cy="478972"/>
+          </a:xfrm>
+          <a:prstGeom prst="roundRect">
+            <a:avLst/>
+          </a:prstGeom>
+          <a:solidFill>
+            <a:schemeClr val="accent2"/>
+          </a:solidFill>
+        </p:spPr>
+        <p:style>
+          <a:lnRef idx="2">
+            <a:schemeClr val="accent1">
+              <a:shade val="50000"/>
+            </a:schemeClr>
+          </a:lnRef>
+          <a:fillRef idx="1">
+            <a:schemeClr val="accent1"/>
+          </a:fillRef>
+          <a:effectRef idx="0">
+            <a:schemeClr val="accent1"/>
+          </a:effectRef>
+          <a:fontRef idx="minor">
+            <a:schemeClr val="lt1"/>
+          </a:fontRef>
+        </p:style>
+        <p:txBody>
+          <a:bodyPr rtlCol="0" anchor="ctr"/>
+          <a:lstStyle/>
+          <a:p>
+            <a:pPr algn="ctr"/>
+            <a:r>
+              <a:rPr lang="en-US" dirty="0"/>
+              <a:t>Properties</a:t>
+            </a:r>
+          </a:p>
+        </p:txBody>
+      </p:sp>
+      <p:sp>
+        <p:nvSpPr>
+          <p:cNvPr id="6" name="Rectangle: Rounded Corners 5">
+            <a:extLst>
+              <a:ext uri="{FF2B5EF4-FFF2-40B4-BE49-F238E27FC236}">
+                <a16:creationId xmlns:a16="http://schemas.microsoft.com/office/drawing/2014/main" id="{BFB6CB0B-9747-0AD9-7F8B-73076778AD5C}"/>
+              </a:ext>
+            </a:extLst>
+          </p:cNvPr>
+          <p:cNvSpPr/>
+          <p:nvPr/>
+        </p:nvSpPr>
+        <p:spPr>
+          <a:xfrm>
+            <a:off x="7199086" y="1913391"/>
+            <a:ext cx="1959428" cy="478972"/>
+          </a:xfrm>
+          <a:prstGeom prst="roundRect">
+            <a:avLst/>
+          </a:prstGeom>
+          <a:solidFill>
+            <a:schemeClr val="accent2"/>
+          </a:solidFill>
+        </p:spPr>
+        <p:style>
+          <a:lnRef idx="2">
+            <a:schemeClr val="accent1">
+              <a:shade val="50000"/>
+            </a:schemeClr>
+          </a:lnRef>
+          <a:fillRef idx="1">
+            <a:schemeClr val="accent1"/>
+          </a:fillRef>
+          <a:effectRef idx="0">
+            <a:schemeClr val="accent1"/>
+          </a:effectRef>
+          <a:fontRef idx="minor">
+            <a:schemeClr val="lt1"/>
+          </a:fontRef>
+        </p:style>
+        <p:txBody>
+          <a:bodyPr rtlCol="0" anchor="ctr"/>
+          <a:lstStyle/>
+          <a:p>
+            <a:pPr algn="ctr"/>
+            <a:r>
+              <a:rPr lang="en-US" dirty="0"/>
+              <a:t>Methods</a:t>
+            </a:r>
+          </a:p>
+        </p:txBody>
+      </p:sp>
+      <p:cxnSp>
+        <p:nvCxnSpPr>
+          <p:cNvPr id="8" name="Connector: Elbow 7">
+            <a:extLst>
+              <a:ext uri="{FF2B5EF4-FFF2-40B4-BE49-F238E27FC236}">
+                <a16:creationId xmlns:a16="http://schemas.microsoft.com/office/drawing/2014/main" id="{63B63062-D93B-B369-C39F-59CFEAB78DB4}"/>
+              </a:ext>
+            </a:extLst>
+          </p:cNvPr>
+          <p:cNvCxnSpPr>
+            <a:cxnSpLocks/>
+            <a:stCxn id="4" idx="0"/>
+            <a:endCxn id="5" idx="1"/>
+          </p:cNvCxnSpPr>
+          <p:nvPr/>
+        </p:nvCxnSpPr>
+        <p:spPr>
+          <a:xfrm rot="5400000" flipH="1" flipV="1">
+            <a:off x="5446202" y="847555"/>
+            <a:ext cx="1533638" cy="1972129"/>
+          </a:xfrm>
+          <a:prstGeom prst="bentConnector2">
+            <a:avLst/>
+          </a:prstGeom>
+          <a:ln>
+            <a:tailEnd type="triangle"/>
+          </a:ln>
+        </p:spPr>
+        <p:style>
+          <a:lnRef idx="1">
+            <a:schemeClr val="accent1"/>
+          </a:lnRef>
+          <a:fillRef idx="0">
+            <a:schemeClr val="accent1"/>
+          </a:fillRef>
+          <a:effectRef idx="0">
+            <a:schemeClr val="accent1"/>
+          </a:effectRef>
+          <a:fontRef idx="minor">
+            <a:schemeClr val="tx1"/>
+          </a:fontRef>
+        </p:style>
+      </p:cxnSp>
+      <p:cxnSp>
+        <p:nvCxnSpPr>
+          <p:cNvPr id="10" name="Connector: Elbow 9">
+            <a:extLst>
+              <a:ext uri="{FF2B5EF4-FFF2-40B4-BE49-F238E27FC236}">
+                <a16:creationId xmlns:a16="http://schemas.microsoft.com/office/drawing/2014/main" id="{1ADB7103-3EC0-8A8C-22BB-C641F6198E76}"/>
+              </a:ext>
+            </a:extLst>
+          </p:cNvPr>
+          <p:cNvCxnSpPr>
+            <a:cxnSpLocks/>
+            <a:stCxn id="4" idx="3"/>
+            <a:endCxn id="6" idx="1"/>
+          </p:cNvCxnSpPr>
+          <p:nvPr/>
+        </p:nvCxnSpPr>
+        <p:spPr>
+          <a:xfrm flipV="1">
+            <a:off x="5939971" y="2152877"/>
+            <a:ext cx="1259115" cy="861842"/>
+          </a:xfrm>
+          <a:prstGeom prst="bentConnector3">
+            <a:avLst/>
+          </a:prstGeom>
+          <a:ln>
+            <a:tailEnd type="triangle"/>
+          </a:ln>
+        </p:spPr>
+        <p:style>
+          <a:lnRef idx="1">
+            <a:schemeClr val="accent1"/>
+          </a:lnRef>
+          <a:fillRef idx="0">
+            <a:schemeClr val="accent1"/>
+          </a:fillRef>
+          <a:effectRef idx="0">
+            <a:schemeClr val="accent1"/>
+          </a:effectRef>
+          <a:fontRef idx="minor">
+            <a:schemeClr val="tx1"/>
+          </a:fontRef>
+        </p:style>
+      </p:cxnSp>
+      <p:sp>
+        <p:nvSpPr>
+          <p:cNvPr id="11" name="Rectangle 10">
+            <a:extLst>
+              <a:ext uri="{FF2B5EF4-FFF2-40B4-BE49-F238E27FC236}">
+                <a16:creationId xmlns:a16="http://schemas.microsoft.com/office/drawing/2014/main" id="{CB227D24-1E90-B840-1F62-A9CC49CC45F6}"/>
+              </a:ext>
+            </a:extLst>
+          </p:cNvPr>
+          <p:cNvSpPr/>
+          <p:nvPr/>
+        </p:nvSpPr>
+        <p:spPr>
+          <a:xfrm>
+            <a:off x="1309914" y="4182609"/>
+            <a:ext cx="1839685" cy="962591"/>
+          </a:xfrm>
+          <a:prstGeom prst="rect">
+            <a:avLst/>
+          </a:prstGeom>
+          <a:solidFill>
+            <a:srgbClr val="FF0000"/>
+          </a:solidFill>
+        </p:spPr>
+        <p:style>
+          <a:lnRef idx="2">
+            <a:schemeClr val="accent1">
+              <a:shade val="50000"/>
+            </a:schemeClr>
+          </a:lnRef>
+          <a:fillRef idx="1">
+            <a:schemeClr val="accent1"/>
+          </a:fillRef>
+          <a:effectRef idx="0">
+            <a:schemeClr val="accent1"/>
+          </a:effectRef>
+          <a:fontRef idx="minor">
+            <a:schemeClr val="lt1"/>
+          </a:fontRef>
+        </p:style>
+        <p:txBody>
+          <a:bodyPr rtlCol="0" anchor="ctr"/>
+          <a:lstStyle/>
+          <a:p>
+            <a:pPr algn="ctr"/>
+            <a:r>
+              <a:rPr lang="en-US" dirty="0"/>
+              <a:t>CLASS B</a:t>
+            </a:r>
+          </a:p>
+          <a:p>
+            <a:pPr algn="ctr"/>
+            <a:r>
+              <a:rPr lang="en-US" dirty="0"/>
+              <a:t>(Derived Class)</a:t>
+            </a:r>
+          </a:p>
+        </p:txBody>
+      </p:sp>
+      <p:sp>
+        <p:nvSpPr>
+          <p:cNvPr id="19" name="Rectangle 18">
+            <a:extLst>
+              <a:ext uri="{FF2B5EF4-FFF2-40B4-BE49-F238E27FC236}">
+                <a16:creationId xmlns:a16="http://schemas.microsoft.com/office/drawing/2014/main" id="{C8161777-02FA-0FEF-053A-3C5D2B578EE7}"/>
+              </a:ext>
+            </a:extLst>
+          </p:cNvPr>
+          <p:cNvSpPr/>
+          <p:nvPr/>
+        </p:nvSpPr>
+        <p:spPr>
+          <a:xfrm>
+            <a:off x="8233230" y="5145201"/>
+            <a:ext cx="1426028" cy="478972"/>
+          </a:xfrm>
+          <a:prstGeom prst="rect">
+            <a:avLst/>
+          </a:prstGeom>
+          <a:solidFill>
+            <a:srgbClr val="00B050"/>
+          </a:solidFill>
+        </p:spPr>
+        <p:style>
+          <a:lnRef idx="2">
+            <a:schemeClr val="accent1">
+              <a:shade val="50000"/>
+            </a:schemeClr>
+          </a:lnRef>
+          <a:fillRef idx="1">
+            <a:schemeClr val="accent1"/>
+          </a:fillRef>
+          <a:effectRef idx="0">
+            <a:schemeClr val="accent1"/>
+          </a:effectRef>
+          <a:fontRef idx="minor">
+            <a:schemeClr val="lt1"/>
+          </a:fontRef>
+        </p:style>
+        <p:txBody>
+          <a:bodyPr rtlCol="0" anchor="ctr"/>
+          <a:lstStyle/>
+          <a:p>
+            <a:pPr algn="ctr"/>
+            <a:r>
+              <a:rPr lang="en-US" dirty="0"/>
+              <a:t>CLASS C</a:t>
+            </a:r>
+          </a:p>
+        </p:txBody>
+      </p:sp>
+      <p:cxnSp>
+        <p:nvCxnSpPr>
+          <p:cNvPr id="24" name="Connector: Elbow 23">
+            <a:extLst>
+              <a:ext uri="{FF2B5EF4-FFF2-40B4-BE49-F238E27FC236}">
+                <a16:creationId xmlns:a16="http://schemas.microsoft.com/office/drawing/2014/main" id="{DB4A660F-79DD-9174-F6AB-3826C2F47FA2}"/>
+              </a:ext>
+            </a:extLst>
+          </p:cNvPr>
+          <p:cNvCxnSpPr>
+            <a:cxnSpLocks/>
+            <a:stCxn id="4" idx="1"/>
+            <a:endCxn id="11" idx="0"/>
+          </p:cNvCxnSpPr>
+          <p:nvPr/>
+        </p:nvCxnSpPr>
+        <p:spPr>
+          <a:xfrm rot="10800000" flipV="1">
+            <a:off x="2229757" y="3014719"/>
+            <a:ext cx="2284186" cy="1167890"/>
+          </a:xfrm>
+          <a:prstGeom prst="bentConnector2">
+            <a:avLst/>
+          </a:prstGeom>
+          <a:ln w="76200">
+            <a:solidFill>
+              <a:srgbClr val="00B050"/>
+            </a:solidFill>
+            <a:tailEnd type="triangle"/>
+          </a:ln>
+        </p:spPr>
+        <p:style>
+          <a:lnRef idx="1">
+            <a:schemeClr val="accent1"/>
+          </a:lnRef>
+          <a:fillRef idx="0">
+            <a:schemeClr val="accent1"/>
+          </a:fillRef>
+          <a:effectRef idx="0">
+            <a:schemeClr val="accent1"/>
+          </a:effectRef>
+          <a:fontRef idx="minor">
+            <a:schemeClr val="tx1"/>
+          </a:fontRef>
+        </p:style>
+      </p:cxnSp>
+      <p:cxnSp>
+        <p:nvCxnSpPr>
+          <p:cNvPr id="27" name="Connector: Elbow 26">
+            <a:extLst>
+              <a:ext uri="{FF2B5EF4-FFF2-40B4-BE49-F238E27FC236}">
+                <a16:creationId xmlns:a16="http://schemas.microsoft.com/office/drawing/2014/main" id="{34147826-870D-A8B3-C4FC-92774D3F85AB}"/>
+              </a:ext>
+            </a:extLst>
+          </p:cNvPr>
+          <p:cNvCxnSpPr>
+            <a:cxnSpLocks/>
+            <a:stCxn id="11" idx="3"/>
+            <a:endCxn id="5" idx="0"/>
+          </p:cNvCxnSpPr>
+          <p:nvPr/>
+        </p:nvCxnSpPr>
+        <p:spPr>
+          <a:xfrm flipV="1">
+            <a:off x="3149599" y="827314"/>
+            <a:ext cx="5029201" cy="3836591"/>
+          </a:xfrm>
+          <a:prstGeom prst="bentConnector4">
+            <a:avLst>
+              <a:gd name="adj1" fmla="val 67100"/>
+              <a:gd name="adj2" fmla="val 105958"/>
+            </a:avLst>
+          </a:prstGeom>
+          <a:ln>
+            <a:tailEnd type="triangle"/>
+          </a:ln>
+        </p:spPr>
+        <p:style>
+          <a:lnRef idx="1">
+            <a:schemeClr val="accent1"/>
+          </a:lnRef>
+          <a:fillRef idx="0">
+            <a:schemeClr val="accent1"/>
+          </a:fillRef>
+          <a:effectRef idx="0">
+            <a:schemeClr val="accent1"/>
+          </a:effectRef>
+          <a:fontRef idx="minor">
+            <a:schemeClr val="tx1"/>
+          </a:fontRef>
+        </p:style>
+      </p:cxnSp>
+      <p:cxnSp>
+        <p:nvCxnSpPr>
+          <p:cNvPr id="31" name="Connector: Elbow 30">
+            <a:extLst>
+              <a:ext uri="{FF2B5EF4-FFF2-40B4-BE49-F238E27FC236}">
+                <a16:creationId xmlns:a16="http://schemas.microsoft.com/office/drawing/2014/main" id="{A336A75E-40F1-9F0E-EB32-1241CA80AF5A}"/>
+              </a:ext>
+            </a:extLst>
+          </p:cNvPr>
+          <p:cNvCxnSpPr>
+            <a:cxnSpLocks/>
+            <a:stCxn id="11" idx="3"/>
+            <a:endCxn id="6" idx="2"/>
+          </p:cNvCxnSpPr>
+          <p:nvPr/>
+        </p:nvCxnSpPr>
+        <p:spPr>
+          <a:xfrm flipV="1">
+            <a:off x="3149599" y="2392363"/>
+            <a:ext cx="5029201" cy="2271542"/>
+          </a:xfrm>
+          <a:prstGeom prst="bentConnector2">
+            <a:avLst/>
+          </a:prstGeom>
+          <a:ln>
+            <a:tailEnd type="triangle"/>
+          </a:ln>
+        </p:spPr>
+        <p:style>
+          <a:lnRef idx="1">
+            <a:schemeClr val="accent1"/>
+          </a:lnRef>
+          <a:fillRef idx="0">
+            <a:schemeClr val="accent1"/>
+          </a:fillRef>
+          <a:effectRef idx="0">
+            <a:schemeClr val="accent1"/>
+          </a:effectRef>
+          <a:fontRef idx="minor">
+            <a:schemeClr val="tx1"/>
+          </a:fontRef>
+        </p:style>
+      </p:cxnSp>
+      <p:sp>
+        <p:nvSpPr>
+          <p:cNvPr id="43" name="Oval 42">
+            <a:extLst>
+              <a:ext uri="{FF2B5EF4-FFF2-40B4-BE49-F238E27FC236}">
+                <a16:creationId xmlns:a16="http://schemas.microsoft.com/office/drawing/2014/main" id="{5C3CCF31-2157-A03E-349B-09B542DCD181}"/>
+              </a:ext>
+            </a:extLst>
+          </p:cNvPr>
+          <p:cNvSpPr/>
+          <p:nvPr/>
+        </p:nvSpPr>
+        <p:spPr>
+          <a:xfrm>
+            <a:off x="1016000" y="1913391"/>
+            <a:ext cx="3231242" cy="762000"/>
+          </a:xfrm>
+          <a:prstGeom prst="ellipse">
+            <a:avLst/>
+          </a:prstGeom>
+        </p:spPr>
+        <p:style>
+          <a:lnRef idx="2">
+            <a:schemeClr val="accent1">
+              <a:shade val="50000"/>
+            </a:schemeClr>
+          </a:lnRef>
+          <a:fillRef idx="1">
+            <a:schemeClr val="accent1"/>
+          </a:fillRef>
+          <a:effectRef idx="0">
+            <a:schemeClr val="accent1"/>
+          </a:effectRef>
+          <a:fontRef idx="minor">
+            <a:schemeClr val="lt1"/>
+          </a:fontRef>
+        </p:style>
+        <p:txBody>
+          <a:bodyPr rtlCol="0" anchor="ctr"/>
+          <a:lstStyle/>
+          <a:p>
+            <a:pPr algn="ctr"/>
+            <a:r>
+              <a:rPr lang="en-US" sz="3200" dirty="0"/>
+              <a:t>Inheritance</a:t>
+            </a:r>
+          </a:p>
+        </p:txBody>
+      </p:sp>
+      <p:cxnSp>
+        <p:nvCxnSpPr>
+          <p:cNvPr id="45" name="Connector: Elbow 44">
+            <a:extLst>
+              <a:ext uri="{FF2B5EF4-FFF2-40B4-BE49-F238E27FC236}">
+                <a16:creationId xmlns:a16="http://schemas.microsoft.com/office/drawing/2014/main" id="{BEAE7AC9-69F4-5B22-79FD-633BC02BF017}"/>
+              </a:ext>
+            </a:extLst>
+          </p:cNvPr>
+          <p:cNvCxnSpPr>
+            <a:stCxn id="11" idx="2"/>
+            <a:endCxn id="19" idx="1"/>
+          </p:cNvCxnSpPr>
+          <p:nvPr/>
+        </p:nvCxnSpPr>
+        <p:spPr>
+          <a:xfrm rot="16200000" flipH="1">
+            <a:off x="5111750" y="2263206"/>
+            <a:ext cx="239487" cy="6003473"/>
+          </a:xfrm>
+          <a:prstGeom prst="bentConnector2">
+            <a:avLst/>
+          </a:prstGeom>
+          <a:ln>
+            <a:tailEnd type="triangle"/>
+          </a:ln>
+        </p:spPr>
+        <p:style>
+          <a:lnRef idx="1">
+            <a:schemeClr val="accent1"/>
+          </a:lnRef>
+          <a:fillRef idx="0">
+            <a:schemeClr val="accent1"/>
+          </a:fillRef>
+          <a:effectRef idx="0">
+            <a:schemeClr val="accent1"/>
+          </a:effectRef>
+          <a:fontRef idx="minor">
+            <a:schemeClr val="tx1"/>
+          </a:fontRef>
+        </p:style>
+      </p:cxnSp>
+      <p:sp>
+        <p:nvSpPr>
+          <p:cNvPr id="46" name="Oval 45">
+            <a:extLst>
+              <a:ext uri="{FF2B5EF4-FFF2-40B4-BE49-F238E27FC236}">
+                <a16:creationId xmlns:a16="http://schemas.microsoft.com/office/drawing/2014/main" id="{8827B469-1ED8-76FC-C9CE-FEAED92F55AF}"/>
+              </a:ext>
+            </a:extLst>
+          </p:cNvPr>
+          <p:cNvSpPr/>
+          <p:nvPr/>
+        </p:nvSpPr>
+        <p:spPr>
+          <a:xfrm>
+            <a:off x="6197600" y="5624173"/>
+            <a:ext cx="4789714" cy="868702"/>
+          </a:xfrm>
+          <a:prstGeom prst="ellipse">
+            <a:avLst/>
+          </a:prstGeom>
+        </p:spPr>
+        <p:style>
+          <a:lnRef idx="2">
+            <a:schemeClr val="accent1">
+              <a:shade val="50000"/>
+            </a:schemeClr>
+          </a:lnRef>
+          <a:fillRef idx="1">
+            <a:schemeClr val="accent1"/>
+          </a:fillRef>
+          <a:effectRef idx="0">
+            <a:schemeClr val="accent1"/>
+          </a:effectRef>
+          <a:fontRef idx="minor">
+            <a:schemeClr val="lt1"/>
+          </a:fontRef>
+        </p:style>
+        <p:txBody>
+          <a:bodyPr rtlCol="0" anchor="ctr"/>
+          <a:lstStyle/>
+          <a:p>
+            <a:pPr algn="ctr"/>
+            <a:r>
+              <a:rPr lang="en-US" sz="2400" dirty="0"/>
+              <a:t>Multi-Level Inheritance</a:t>
+            </a:r>
+          </a:p>
+        </p:txBody>
+      </p:sp>
+    </p:spTree>
+    <p:extLst>
+      <p:ext uri="{BB962C8B-B14F-4D97-AF65-F5344CB8AC3E}">
+        <p14:creationId xmlns:p14="http://schemas.microsoft.com/office/powerpoint/2010/main" val="3932599308"/>
+      </p:ext>
+    </p:extLst>
+  </p:cSld>
+  <p:clrMapOvr>
+    <a:masterClrMapping/>
+  </p:clrMapOvr>
+</p:sld>
+</file>
+
+<file path=ppt/slides/slide22.xml><?xml version="1.0" encoding="utf-8"?>
+<p:sld xmlns:a="http://schemas.openxmlformats.org/drawingml/2006/main" xmlns:r="http://schemas.openxmlformats.org/officeDocument/2006/relationships" xmlns:p="http://schemas.openxmlformats.org/presentationml/2006/main">
+  <p:cSld>
+    <p:spTree>
+      <p:nvGrpSpPr>
+        <p:cNvPr id="1" name=""/>
+        <p:cNvGrpSpPr/>
+        <p:nvPr/>
+      </p:nvGrpSpPr>
+      <p:grpSpPr>
+        <a:xfrm>
+          <a:off x="0" y="0"/>
+          <a:ext cx="0" cy="0"/>
+          <a:chOff x="0" y="0"/>
+          <a:chExt cx="0" cy="0"/>
+        </a:xfrm>
+      </p:grpSpPr>
+      <p:sp>
+        <p:nvSpPr>
+          <p:cNvPr id="2" name="Title 1">
+            <a:extLst>
+              <a:ext uri="{FF2B5EF4-FFF2-40B4-BE49-F238E27FC236}">
+                <a16:creationId xmlns:a16="http://schemas.microsoft.com/office/drawing/2014/main" id="{5CBEBDDC-7CF7-BC8B-8D0E-57A30633C959}"/>
+              </a:ext>
+            </a:extLst>
+          </p:cNvPr>
+          <p:cNvSpPr>
+            <a:spLocks noGrp="1"/>
+          </p:cNvSpPr>
+          <p:nvPr>
+            <p:ph type="title"/>
+          </p:nvPr>
+        </p:nvSpPr>
+        <p:spPr/>
+        <p:txBody>
+          <a:bodyPr/>
+          <a:lstStyle/>
+          <a:p>
+            <a:r>
+              <a:rPr lang="en-US" dirty="0"/>
+              <a:t>Inheritance in ADJS</a:t>
+            </a:r>
+          </a:p>
+        </p:txBody>
+      </p:sp>
+      <p:sp>
+        <p:nvSpPr>
           <p:cNvPr id="3" name="Content Placeholder 2">
             <a:extLst>
               <a:ext uri="{FF2B5EF4-FFF2-40B4-BE49-F238E27FC236}">
-                <a16:creationId xmlns:a16="http://schemas.microsoft.com/office/drawing/2014/main" id="{09B41FF0-9DA1-A60D-74A1-B6874910606C}"/>
+                <a16:creationId xmlns:a16="http://schemas.microsoft.com/office/drawing/2014/main" id="{95012F73-E8BB-B0D4-0C25-957ABE0A9D78}"/>
               </a:ext>
             </a:extLst>
           </p:cNvPr>
@@ -7432,17 +8126,100 @@
         </p:nvSpPr>
         <p:spPr/>
         <p:txBody>
-          <a:bodyPr/>
-          <a:lstStyle/>
-          <a:p>
-            <a:endParaRPr lang="en-US"/>
+          <a:bodyPr>
+            <a:normAutofit fontScale="92500" lnSpcReduction="20000"/>
+          </a:bodyPr>
+          <a:lstStyle/>
+          <a:p>
+            <a:pPr marL="0" indent="0">
+              <a:buNone/>
+            </a:pPr>
+            <a:r>
+              <a:rPr lang="en-US" dirty="0"/>
+              <a:t>Class employee{</a:t>
+            </a:r>
+          </a:p>
+          <a:p>
+            <a:pPr marL="0" indent="0">
+              <a:buNone/>
+            </a:pPr>
+            <a:r>
+              <a:rPr lang="en-US" dirty="0"/>
+              <a:t>//Properties &amp; methods</a:t>
+            </a:r>
+          </a:p>
+          <a:p>
+            <a:pPr marL="0" indent="0">
+              <a:buNone/>
+            </a:pPr>
+            <a:r>
+              <a:rPr lang="en-US" dirty="0"/>
+              <a:t>}</a:t>
+            </a:r>
+          </a:p>
+          <a:p>
+            <a:pPr marL="0" indent="0">
+              <a:buNone/>
+            </a:pPr>
+            <a:endParaRPr lang="en-US" dirty="0"/>
+          </a:p>
+          <a:p>
+            <a:pPr marL="0" indent="0">
+              <a:buNone/>
+            </a:pPr>
+            <a:r>
+              <a:rPr lang="en-US" dirty="0"/>
+              <a:t>Class Manager extends employee{</a:t>
+            </a:r>
+          </a:p>
+          <a:p>
+            <a:pPr marL="0" indent="0">
+              <a:buNone/>
+            </a:pPr>
+            <a:r>
+              <a:rPr lang="en-US" dirty="0"/>
+              <a:t>//Properties &amp; Methods</a:t>
+            </a:r>
+          </a:p>
+          <a:p>
+            <a:pPr marL="0" indent="0">
+              <a:buNone/>
+            </a:pPr>
+            <a:r>
+              <a:rPr lang="en-US" dirty="0"/>
+              <a:t>}</a:t>
+            </a:r>
+          </a:p>
+          <a:p>
+            <a:pPr marL="0" indent="0">
+              <a:buNone/>
+            </a:pPr>
+            <a:endParaRPr lang="en-US" dirty="0"/>
+          </a:p>
+          <a:p>
+            <a:pPr marL="0" indent="0">
+              <a:buNone/>
+            </a:pPr>
+            <a:r>
+              <a:rPr lang="en-US" dirty="0"/>
+              <a:t>Let salesman = new employee();</a:t>
+            </a:r>
+          </a:p>
+          <a:p>
+            <a:pPr marL="0" indent="0">
+              <a:buNone/>
+            </a:pPr>
+            <a:r>
+              <a:rPr lang="en-US" dirty="0"/>
+              <a:t>Let manager = new manger();</a:t>
+            </a:r>
           </a:p>
         </p:txBody>
       </p:sp>
     </p:spTree>
     <p:extLst>
       <p:ext uri="{BB962C8B-B14F-4D97-AF65-F5344CB8AC3E}">
-        <p14:creationId xmlns:p14="http://schemas.microsoft.com/office/powerpoint/2010/main" val="3932599308"/>
+        <p14:creationId xmlns:p14="http://schemas.microsoft.com/office/powerpoint/2010/main" val="3880217116"/>
       </p:ext>
     </p:extLst>
   </p:cSld>

--- a/AdvanceJavaScript.pptx
+++ b/AdvanceJavaScript.pptx
@@ -27,6 +27,8 @@
     <p:sldId id="275" r:id="rId21"/>
     <p:sldId id="276" r:id="rId22"/>
     <p:sldId id="277" r:id="rId23"/>
+    <p:sldId id="278" r:id="rId24"/>
+    <p:sldId id="279" r:id="rId25"/>
   </p:sldIdLst>
   <p:sldSz cx="12192000" cy="6858000"/>
   <p:notesSz cx="6858000" cy="9144000"/>
@@ -280,7 +282,7 @@
           <a:p>
             <a:fld id="{BC5A2644-DC23-4ADD-9DCB-84DBCEFE5469}" type="datetimeFigureOut">
               <a:rPr lang="en-US" smtClean="0"/>
-              <a:t>2/28/2023</a:t>
+              <a:t>3/2/2023</a:t>
             </a:fld>
             <a:endParaRPr lang="en-US"/>
           </a:p>
@@ -478,7 +480,7 @@
           <a:p>
             <a:fld id="{BC5A2644-DC23-4ADD-9DCB-84DBCEFE5469}" type="datetimeFigureOut">
               <a:rPr lang="en-US" smtClean="0"/>
-              <a:t>2/28/2023</a:t>
+              <a:t>3/2/2023</a:t>
             </a:fld>
             <a:endParaRPr lang="en-US"/>
           </a:p>
@@ -686,7 +688,7 @@
           <a:p>
             <a:fld id="{BC5A2644-DC23-4ADD-9DCB-84DBCEFE5469}" type="datetimeFigureOut">
               <a:rPr lang="en-US" smtClean="0"/>
-              <a:t>2/28/2023</a:t>
+              <a:t>3/2/2023</a:t>
             </a:fld>
             <a:endParaRPr lang="en-US"/>
           </a:p>
@@ -884,7 +886,7 @@
           <a:p>
             <a:fld id="{BC5A2644-DC23-4ADD-9DCB-84DBCEFE5469}" type="datetimeFigureOut">
               <a:rPr lang="en-US" smtClean="0"/>
-              <a:t>2/28/2023</a:t>
+              <a:t>3/2/2023</a:t>
             </a:fld>
             <a:endParaRPr lang="en-US"/>
           </a:p>
@@ -1159,7 +1161,7 @@
           <a:p>
             <a:fld id="{BC5A2644-DC23-4ADD-9DCB-84DBCEFE5469}" type="datetimeFigureOut">
               <a:rPr lang="en-US" smtClean="0"/>
-              <a:t>2/28/2023</a:t>
+              <a:t>3/2/2023</a:t>
             </a:fld>
             <a:endParaRPr lang="en-US"/>
           </a:p>
@@ -1424,7 +1426,7 @@
           <a:p>
             <a:fld id="{BC5A2644-DC23-4ADD-9DCB-84DBCEFE5469}" type="datetimeFigureOut">
               <a:rPr lang="en-US" smtClean="0"/>
-              <a:t>2/28/2023</a:t>
+              <a:t>3/2/2023</a:t>
             </a:fld>
             <a:endParaRPr lang="en-US"/>
           </a:p>
@@ -1836,7 +1838,7 @@
           <a:p>
             <a:fld id="{BC5A2644-DC23-4ADD-9DCB-84DBCEFE5469}" type="datetimeFigureOut">
               <a:rPr lang="en-US" smtClean="0"/>
-              <a:t>2/28/2023</a:t>
+              <a:t>3/2/2023</a:t>
             </a:fld>
             <a:endParaRPr lang="en-US"/>
           </a:p>
@@ -1977,7 +1979,7 @@
           <a:p>
             <a:fld id="{BC5A2644-DC23-4ADD-9DCB-84DBCEFE5469}" type="datetimeFigureOut">
               <a:rPr lang="en-US" smtClean="0"/>
-              <a:t>2/28/2023</a:t>
+              <a:t>3/2/2023</a:t>
             </a:fld>
             <a:endParaRPr lang="en-US"/>
           </a:p>
@@ -2090,7 +2092,7 @@
           <a:p>
             <a:fld id="{BC5A2644-DC23-4ADD-9DCB-84DBCEFE5469}" type="datetimeFigureOut">
               <a:rPr lang="en-US" smtClean="0"/>
-              <a:t>2/28/2023</a:t>
+              <a:t>3/2/2023</a:t>
             </a:fld>
             <a:endParaRPr lang="en-US"/>
           </a:p>
@@ -2401,7 +2403,7 @@
           <a:p>
             <a:fld id="{BC5A2644-DC23-4ADD-9DCB-84DBCEFE5469}" type="datetimeFigureOut">
               <a:rPr lang="en-US" smtClean="0"/>
-              <a:t>2/28/2023</a:t>
+              <a:t>3/2/2023</a:t>
             </a:fld>
             <a:endParaRPr lang="en-US"/>
           </a:p>
@@ -2689,7 +2691,7 @@
           <a:p>
             <a:fld id="{BC5A2644-DC23-4ADD-9DCB-84DBCEFE5469}" type="datetimeFigureOut">
               <a:rPr lang="en-US" smtClean="0"/>
-              <a:t>2/28/2023</a:t>
+              <a:t>3/2/2023</a:t>
             </a:fld>
             <a:endParaRPr lang="en-US"/>
           </a:p>
@@ -2930,7 +2932,7 @@
           <a:p>
             <a:fld id="{BC5A2644-DC23-4ADD-9DCB-84DBCEFE5469}" type="datetimeFigureOut">
               <a:rPr lang="en-US" smtClean="0"/>
-              <a:t>2/28/2023</a:t>
+              <a:t>3/2/2023</a:t>
             </a:fld>
             <a:endParaRPr lang="en-US"/>
           </a:p>
@@ -8229,6 +8231,1083 @@
 </p:sld>
 </file>
 
+<file path=ppt/slides/slide23.xml><?xml version="1.0" encoding="utf-8"?>
+<p:sld xmlns:a="http://schemas.openxmlformats.org/drawingml/2006/main" xmlns:r="http://schemas.openxmlformats.org/officeDocument/2006/relationships" xmlns:p="http://schemas.openxmlformats.org/presentationml/2006/main">
+  <p:cSld>
+    <p:spTree>
+      <p:nvGrpSpPr>
+        <p:cNvPr id="1" name=""/>
+        <p:cNvGrpSpPr/>
+        <p:nvPr/>
+      </p:nvGrpSpPr>
+      <p:grpSpPr>
+        <a:xfrm>
+          <a:off x="0" y="0"/>
+          <a:ext cx="0" cy="0"/>
+          <a:chOff x="0" y="0"/>
+          <a:chExt cx="0" cy="0"/>
+        </a:xfrm>
+      </p:grpSpPr>
+      <p:sp>
+        <p:nvSpPr>
+          <p:cNvPr id="2" name="Title 1">
+            <a:extLst>
+              <a:ext uri="{FF2B5EF4-FFF2-40B4-BE49-F238E27FC236}">
+                <a16:creationId xmlns:a16="http://schemas.microsoft.com/office/drawing/2014/main" id="{6AEBFF2B-D16A-17EA-748C-F3B16C609F20}"/>
+              </a:ext>
+            </a:extLst>
+          </p:cNvPr>
+          <p:cNvSpPr>
+            <a:spLocks noGrp="1"/>
+          </p:cNvSpPr>
+          <p:nvPr>
+            <p:ph type="title"/>
+          </p:nvPr>
+        </p:nvSpPr>
+        <p:spPr/>
+        <p:txBody>
+          <a:bodyPr/>
+          <a:lstStyle/>
+          <a:p>
+            <a:r>
+              <a:rPr lang="en-US" dirty="0"/>
+              <a:t>ADJS Modules</a:t>
+            </a:r>
+          </a:p>
+        </p:txBody>
+      </p:sp>
+      <p:sp>
+        <p:nvSpPr>
+          <p:cNvPr id="4" name="Rectangle 3">
+            <a:extLst>
+              <a:ext uri="{FF2B5EF4-FFF2-40B4-BE49-F238E27FC236}">
+                <a16:creationId xmlns:a16="http://schemas.microsoft.com/office/drawing/2014/main" id="{418E8EAF-68A8-4825-95C3-C6717927173D}"/>
+              </a:ext>
+            </a:extLst>
+          </p:cNvPr>
+          <p:cNvSpPr/>
+          <p:nvPr/>
+        </p:nvSpPr>
+        <p:spPr>
+          <a:xfrm>
+            <a:off x="2714170" y="2032000"/>
+            <a:ext cx="2351315" cy="3570514"/>
+          </a:xfrm>
+          <a:prstGeom prst="rect">
+            <a:avLst/>
+          </a:prstGeom>
+        </p:spPr>
+        <p:style>
+          <a:lnRef idx="2">
+            <a:schemeClr val="accent1">
+              <a:shade val="50000"/>
+            </a:schemeClr>
+          </a:lnRef>
+          <a:fillRef idx="1">
+            <a:schemeClr val="accent1"/>
+          </a:fillRef>
+          <a:effectRef idx="0">
+            <a:schemeClr val="accent1"/>
+          </a:effectRef>
+          <a:fontRef idx="minor">
+            <a:schemeClr val="lt1"/>
+          </a:fontRef>
+        </p:style>
+        <p:txBody>
+          <a:bodyPr rtlCol="0" anchor="ctr"/>
+          <a:lstStyle/>
+          <a:p>
+            <a:pPr algn="ctr"/>
+            <a:r>
+              <a:rPr lang="en-US" sz="4000" dirty="0"/>
+              <a:t>File1.js</a:t>
+            </a:r>
+          </a:p>
+        </p:txBody>
+      </p:sp>
+      <p:sp>
+        <p:nvSpPr>
+          <p:cNvPr id="5" name="TextBox 4">
+            <a:extLst>
+              <a:ext uri="{FF2B5EF4-FFF2-40B4-BE49-F238E27FC236}">
+                <a16:creationId xmlns:a16="http://schemas.microsoft.com/office/drawing/2014/main" id="{DE1B89DC-6576-D22D-BDF1-10458E1EFBD4}"/>
+              </a:ext>
+            </a:extLst>
+          </p:cNvPr>
+          <p:cNvSpPr txBox="1"/>
+          <p:nvPr/>
+        </p:nvSpPr>
+        <p:spPr>
+          <a:xfrm>
+            <a:off x="537029" y="2641600"/>
+            <a:ext cx="1321708" cy="461665"/>
+          </a:xfrm>
+          <a:prstGeom prst="rect">
+            <a:avLst/>
+          </a:prstGeom>
+          <a:noFill/>
+        </p:spPr>
+        <p:txBody>
+          <a:bodyPr wrap="none" rtlCol="0">
+            <a:spAutoFit/>
+          </a:bodyPr>
+          <a:lstStyle/>
+          <a:p>
+            <a:r>
+              <a:rPr lang="en-US" sz="2400" dirty="0"/>
+              <a:t>Variables</a:t>
+            </a:r>
+          </a:p>
+        </p:txBody>
+      </p:sp>
+      <p:sp>
+        <p:nvSpPr>
+          <p:cNvPr id="6" name="TextBox 5">
+            <a:extLst>
+              <a:ext uri="{FF2B5EF4-FFF2-40B4-BE49-F238E27FC236}">
+                <a16:creationId xmlns:a16="http://schemas.microsoft.com/office/drawing/2014/main" id="{1A6D40F5-69E2-33E4-6A70-F2D374D72493}"/>
+              </a:ext>
+            </a:extLst>
+          </p:cNvPr>
+          <p:cNvSpPr txBox="1"/>
+          <p:nvPr/>
+        </p:nvSpPr>
+        <p:spPr>
+          <a:xfrm>
+            <a:off x="537029" y="3523903"/>
+            <a:ext cx="1396536" cy="461665"/>
+          </a:xfrm>
+          <a:prstGeom prst="rect">
+            <a:avLst/>
+          </a:prstGeom>
+          <a:noFill/>
+        </p:spPr>
+        <p:txBody>
+          <a:bodyPr wrap="none" rtlCol="0">
+            <a:spAutoFit/>
+          </a:bodyPr>
+          <a:lstStyle/>
+          <a:p>
+            <a:r>
+              <a:rPr lang="en-US" sz="2400" dirty="0"/>
+              <a:t>Functions</a:t>
+            </a:r>
+          </a:p>
+        </p:txBody>
+      </p:sp>
+      <p:sp>
+        <p:nvSpPr>
+          <p:cNvPr id="7" name="TextBox 6">
+            <a:extLst>
+              <a:ext uri="{FF2B5EF4-FFF2-40B4-BE49-F238E27FC236}">
+                <a16:creationId xmlns:a16="http://schemas.microsoft.com/office/drawing/2014/main" id="{694CC2C8-2034-F645-E5DD-B069D306A10D}"/>
+              </a:ext>
+            </a:extLst>
+          </p:cNvPr>
+          <p:cNvSpPr txBox="1"/>
+          <p:nvPr/>
+        </p:nvSpPr>
+        <p:spPr>
+          <a:xfrm>
+            <a:off x="499615" y="4512497"/>
+            <a:ext cx="1080745" cy="461665"/>
+          </a:xfrm>
+          <a:prstGeom prst="rect">
+            <a:avLst/>
+          </a:prstGeom>
+          <a:noFill/>
+        </p:spPr>
+        <p:txBody>
+          <a:bodyPr wrap="none" rtlCol="0">
+            <a:spAutoFit/>
+          </a:bodyPr>
+          <a:lstStyle/>
+          <a:p>
+            <a:r>
+              <a:rPr lang="en-US" sz="2400" dirty="0"/>
+              <a:t>Classes</a:t>
+            </a:r>
+          </a:p>
+        </p:txBody>
+      </p:sp>
+      <p:cxnSp>
+        <p:nvCxnSpPr>
+          <p:cNvPr id="9" name="Straight Arrow Connector 8">
+            <a:extLst>
+              <a:ext uri="{FF2B5EF4-FFF2-40B4-BE49-F238E27FC236}">
+                <a16:creationId xmlns:a16="http://schemas.microsoft.com/office/drawing/2014/main" id="{B81EB0AC-BCF0-6E63-9255-926149EC3753}"/>
+              </a:ext>
+            </a:extLst>
+          </p:cNvPr>
+          <p:cNvCxnSpPr>
+            <a:stCxn id="4" idx="1"/>
+          </p:cNvCxnSpPr>
+          <p:nvPr/>
+        </p:nvCxnSpPr>
+        <p:spPr>
+          <a:xfrm flipH="1" flipV="1">
+            <a:off x="1235297" y="3103265"/>
+            <a:ext cx="1478873" cy="713992"/>
+          </a:xfrm>
+          <a:prstGeom prst="straightConnector1">
+            <a:avLst/>
+          </a:prstGeom>
+          <a:ln>
+            <a:tailEnd type="triangle"/>
+          </a:ln>
+        </p:spPr>
+        <p:style>
+          <a:lnRef idx="1">
+            <a:schemeClr val="accent1"/>
+          </a:lnRef>
+          <a:fillRef idx="0">
+            <a:schemeClr val="accent1"/>
+          </a:fillRef>
+          <a:effectRef idx="0">
+            <a:schemeClr val="accent1"/>
+          </a:effectRef>
+          <a:fontRef idx="minor">
+            <a:schemeClr val="tx1"/>
+          </a:fontRef>
+        </p:style>
+      </p:cxnSp>
+      <p:cxnSp>
+        <p:nvCxnSpPr>
+          <p:cNvPr id="11" name="Straight Arrow Connector 10">
+            <a:extLst>
+              <a:ext uri="{FF2B5EF4-FFF2-40B4-BE49-F238E27FC236}">
+                <a16:creationId xmlns:a16="http://schemas.microsoft.com/office/drawing/2014/main" id="{9BD804C1-7D28-2366-A7A9-83E0592EC851}"/>
+              </a:ext>
+            </a:extLst>
+          </p:cNvPr>
+          <p:cNvCxnSpPr>
+            <a:stCxn id="4" idx="1"/>
+            <a:endCxn id="6" idx="2"/>
+          </p:cNvCxnSpPr>
+          <p:nvPr/>
+        </p:nvCxnSpPr>
+        <p:spPr>
+          <a:xfrm flipH="1">
+            <a:off x="1235297" y="3817257"/>
+            <a:ext cx="1478873" cy="168311"/>
+          </a:xfrm>
+          <a:prstGeom prst="straightConnector1">
+            <a:avLst/>
+          </a:prstGeom>
+          <a:ln>
+            <a:tailEnd type="triangle"/>
+          </a:ln>
+        </p:spPr>
+        <p:style>
+          <a:lnRef idx="1">
+            <a:schemeClr val="accent1"/>
+          </a:lnRef>
+          <a:fillRef idx="0">
+            <a:schemeClr val="accent1"/>
+          </a:fillRef>
+          <a:effectRef idx="0">
+            <a:schemeClr val="accent1"/>
+          </a:effectRef>
+          <a:fontRef idx="minor">
+            <a:schemeClr val="tx1"/>
+          </a:fontRef>
+        </p:style>
+      </p:cxnSp>
+      <p:cxnSp>
+        <p:nvCxnSpPr>
+          <p:cNvPr id="13" name="Straight Arrow Connector 12">
+            <a:extLst>
+              <a:ext uri="{FF2B5EF4-FFF2-40B4-BE49-F238E27FC236}">
+                <a16:creationId xmlns:a16="http://schemas.microsoft.com/office/drawing/2014/main" id="{76803D71-73DC-C18C-51AD-D9ABCD923BE1}"/>
+              </a:ext>
+            </a:extLst>
+          </p:cNvPr>
+          <p:cNvCxnSpPr>
+            <a:stCxn id="4" idx="1"/>
+            <a:endCxn id="7" idx="3"/>
+          </p:cNvCxnSpPr>
+          <p:nvPr/>
+        </p:nvCxnSpPr>
+        <p:spPr>
+          <a:xfrm flipH="1">
+            <a:off x="1580360" y="3817257"/>
+            <a:ext cx="1133810" cy="926073"/>
+          </a:xfrm>
+          <a:prstGeom prst="straightConnector1">
+            <a:avLst/>
+          </a:prstGeom>
+          <a:ln>
+            <a:tailEnd type="triangle"/>
+          </a:ln>
+        </p:spPr>
+        <p:style>
+          <a:lnRef idx="1">
+            <a:schemeClr val="accent1"/>
+          </a:lnRef>
+          <a:fillRef idx="0">
+            <a:schemeClr val="accent1"/>
+          </a:fillRef>
+          <a:effectRef idx="0">
+            <a:schemeClr val="accent1"/>
+          </a:effectRef>
+          <a:fontRef idx="minor">
+            <a:schemeClr val="tx1"/>
+          </a:fontRef>
+        </p:style>
+      </p:cxnSp>
+      <p:sp>
+        <p:nvSpPr>
+          <p:cNvPr id="14" name="Rectangle 13">
+            <a:extLst>
+              <a:ext uri="{FF2B5EF4-FFF2-40B4-BE49-F238E27FC236}">
+                <a16:creationId xmlns:a16="http://schemas.microsoft.com/office/drawing/2014/main" id="{5466EC0B-4206-8FB8-27E3-32E40C607E3E}"/>
+              </a:ext>
+            </a:extLst>
+          </p:cNvPr>
+          <p:cNvSpPr/>
+          <p:nvPr/>
+        </p:nvSpPr>
+        <p:spPr>
+          <a:xfrm>
+            <a:off x="8135255" y="1969478"/>
+            <a:ext cx="2351315" cy="3570514"/>
+          </a:xfrm>
+          <a:prstGeom prst="rect">
+            <a:avLst/>
+          </a:prstGeom>
+        </p:spPr>
+        <p:style>
+          <a:lnRef idx="2">
+            <a:schemeClr val="accent1">
+              <a:shade val="50000"/>
+            </a:schemeClr>
+          </a:lnRef>
+          <a:fillRef idx="1">
+            <a:schemeClr val="accent1"/>
+          </a:fillRef>
+          <a:effectRef idx="0">
+            <a:schemeClr val="accent1"/>
+          </a:effectRef>
+          <a:fontRef idx="minor">
+            <a:schemeClr val="lt1"/>
+          </a:fontRef>
+        </p:style>
+        <p:txBody>
+          <a:bodyPr rtlCol="0" anchor="ctr"/>
+          <a:lstStyle/>
+          <a:p>
+            <a:pPr algn="ctr"/>
+            <a:r>
+              <a:rPr lang="en-US" sz="4000" dirty="0"/>
+              <a:t>File2.js</a:t>
+            </a:r>
+          </a:p>
+        </p:txBody>
+      </p:sp>
+      <p:sp>
+        <p:nvSpPr>
+          <p:cNvPr id="15" name="Arrow: Curved Up 14">
+            <a:extLst>
+              <a:ext uri="{FF2B5EF4-FFF2-40B4-BE49-F238E27FC236}">
+                <a16:creationId xmlns:a16="http://schemas.microsoft.com/office/drawing/2014/main" id="{3CCF3806-B1FF-476B-7F14-B59D980344DB}"/>
+              </a:ext>
+            </a:extLst>
+          </p:cNvPr>
+          <p:cNvSpPr/>
+          <p:nvPr/>
+        </p:nvSpPr>
+        <p:spPr>
+          <a:xfrm rot="10800000" flipH="1">
+            <a:off x="4891314" y="941757"/>
+            <a:ext cx="3831772" cy="1001486"/>
+          </a:xfrm>
+          <a:prstGeom prst="curvedUpArrow">
+            <a:avLst/>
+          </a:prstGeom>
+        </p:spPr>
+        <p:style>
+          <a:lnRef idx="2">
+            <a:schemeClr val="accent1">
+              <a:shade val="50000"/>
+            </a:schemeClr>
+          </a:lnRef>
+          <a:fillRef idx="1">
+            <a:schemeClr val="accent1"/>
+          </a:fillRef>
+          <a:effectRef idx="0">
+            <a:schemeClr val="accent1"/>
+          </a:effectRef>
+          <a:fontRef idx="minor">
+            <a:schemeClr val="lt1"/>
+          </a:fontRef>
+        </p:style>
+        <p:txBody>
+          <a:bodyPr rtlCol="0" anchor="ctr"/>
+          <a:lstStyle/>
+          <a:p>
+            <a:pPr algn="ctr"/>
+            <a:endParaRPr lang="en-US">
+              <a:solidFill>
+                <a:schemeClr val="tx1"/>
+              </a:solidFill>
+            </a:endParaRPr>
+          </a:p>
+        </p:txBody>
+      </p:sp>
+      <p:sp>
+        <p:nvSpPr>
+          <p:cNvPr id="16" name="TextBox 15">
+            <a:extLst>
+              <a:ext uri="{FF2B5EF4-FFF2-40B4-BE49-F238E27FC236}">
+                <a16:creationId xmlns:a16="http://schemas.microsoft.com/office/drawing/2014/main" id="{CE107C7F-4CAA-5009-61F4-114820F35C9B}"/>
+              </a:ext>
+            </a:extLst>
+          </p:cNvPr>
+          <p:cNvSpPr txBox="1"/>
+          <p:nvPr/>
+        </p:nvSpPr>
+        <p:spPr>
+          <a:xfrm>
+            <a:off x="6532124" y="1149808"/>
+            <a:ext cx="550151" cy="369332"/>
+          </a:xfrm>
+          <a:prstGeom prst="rect">
+            <a:avLst/>
+          </a:prstGeom>
+          <a:noFill/>
+        </p:spPr>
+        <p:txBody>
+          <a:bodyPr wrap="none" rtlCol="0">
+            <a:spAutoFit/>
+          </a:bodyPr>
+          <a:lstStyle/>
+          <a:p>
+            <a:r>
+              <a:rPr lang="en-US" dirty="0"/>
+              <a:t>USE</a:t>
+            </a:r>
+          </a:p>
+        </p:txBody>
+      </p:sp>
+      <p:sp>
+        <p:nvSpPr>
+          <p:cNvPr id="17" name="TextBox 16">
+            <a:extLst>
+              <a:ext uri="{FF2B5EF4-FFF2-40B4-BE49-F238E27FC236}">
+                <a16:creationId xmlns:a16="http://schemas.microsoft.com/office/drawing/2014/main" id="{91780033-BAE5-8A0B-439F-AFBF9A1F6B63}"/>
+              </a:ext>
+            </a:extLst>
+          </p:cNvPr>
+          <p:cNvSpPr txBox="1"/>
+          <p:nvPr/>
+        </p:nvSpPr>
+        <p:spPr>
+          <a:xfrm>
+            <a:off x="5849257" y="5539992"/>
+            <a:ext cx="1005403" cy="369332"/>
+          </a:xfrm>
+          <a:prstGeom prst="rect">
+            <a:avLst/>
+          </a:prstGeom>
+          <a:noFill/>
+        </p:spPr>
+        <p:txBody>
+          <a:bodyPr wrap="none" rtlCol="0">
+            <a:spAutoFit/>
+          </a:bodyPr>
+          <a:lstStyle/>
+          <a:p>
+            <a:r>
+              <a:rPr lang="en-US" dirty="0"/>
+              <a:t>Modules</a:t>
+            </a:r>
+          </a:p>
+        </p:txBody>
+      </p:sp>
+      <p:sp>
+        <p:nvSpPr>
+          <p:cNvPr id="18" name="TextBox 17">
+            <a:extLst>
+              <a:ext uri="{FF2B5EF4-FFF2-40B4-BE49-F238E27FC236}">
+                <a16:creationId xmlns:a16="http://schemas.microsoft.com/office/drawing/2014/main" id="{924302C2-A899-EC7A-88F4-789CF095089F}"/>
+              </a:ext>
+            </a:extLst>
+          </p:cNvPr>
+          <p:cNvSpPr txBox="1"/>
+          <p:nvPr/>
+        </p:nvSpPr>
+        <p:spPr>
+          <a:xfrm>
+            <a:off x="5328016" y="6308209"/>
+            <a:ext cx="797013" cy="369332"/>
+          </a:xfrm>
+          <a:prstGeom prst="rect">
+            <a:avLst/>
+          </a:prstGeom>
+          <a:noFill/>
+        </p:spPr>
+        <p:txBody>
+          <a:bodyPr wrap="none" rtlCol="0">
+            <a:spAutoFit/>
+          </a:bodyPr>
+          <a:lstStyle/>
+          <a:p>
+            <a:r>
+              <a:rPr lang="en-US" dirty="0"/>
+              <a:t>Export</a:t>
+            </a:r>
+          </a:p>
+        </p:txBody>
+      </p:sp>
+      <p:sp>
+        <p:nvSpPr>
+          <p:cNvPr id="19" name="TextBox 18">
+            <a:extLst>
+              <a:ext uri="{FF2B5EF4-FFF2-40B4-BE49-F238E27FC236}">
+                <a16:creationId xmlns:a16="http://schemas.microsoft.com/office/drawing/2014/main" id="{3B458437-D36F-FC2C-7B15-0903F90289CA}"/>
+              </a:ext>
+            </a:extLst>
+          </p:cNvPr>
+          <p:cNvSpPr txBox="1"/>
+          <p:nvPr/>
+        </p:nvSpPr>
+        <p:spPr>
+          <a:xfrm>
+            <a:off x="6683768" y="6308209"/>
+            <a:ext cx="827471" cy="369332"/>
+          </a:xfrm>
+          <a:prstGeom prst="rect">
+            <a:avLst/>
+          </a:prstGeom>
+          <a:noFill/>
+        </p:spPr>
+        <p:txBody>
+          <a:bodyPr wrap="none" rtlCol="0">
+            <a:spAutoFit/>
+          </a:bodyPr>
+          <a:lstStyle/>
+          <a:p>
+            <a:r>
+              <a:rPr lang="en-US" dirty="0"/>
+              <a:t>Import</a:t>
+            </a:r>
+          </a:p>
+        </p:txBody>
+      </p:sp>
+      <p:cxnSp>
+        <p:nvCxnSpPr>
+          <p:cNvPr id="21" name="Straight Arrow Connector 20">
+            <a:extLst>
+              <a:ext uri="{FF2B5EF4-FFF2-40B4-BE49-F238E27FC236}">
+                <a16:creationId xmlns:a16="http://schemas.microsoft.com/office/drawing/2014/main" id="{D310A6D1-38DF-279C-F011-DD8757E69D9A}"/>
+              </a:ext>
+            </a:extLst>
+          </p:cNvPr>
+          <p:cNvCxnSpPr>
+            <a:stCxn id="17" idx="2"/>
+            <a:endCxn id="18" idx="0"/>
+          </p:cNvCxnSpPr>
+          <p:nvPr/>
+        </p:nvCxnSpPr>
+        <p:spPr>
+          <a:xfrm flipH="1">
+            <a:off x="5726523" y="5909324"/>
+            <a:ext cx="625436" cy="398885"/>
+          </a:xfrm>
+          <a:prstGeom prst="straightConnector1">
+            <a:avLst/>
+          </a:prstGeom>
+          <a:ln>
+            <a:tailEnd type="triangle"/>
+          </a:ln>
+        </p:spPr>
+        <p:style>
+          <a:lnRef idx="1">
+            <a:schemeClr val="accent1"/>
+          </a:lnRef>
+          <a:fillRef idx="0">
+            <a:schemeClr val="accent1"/>
+          </a:fillRef>
+          <a:effectRef idx="0">
+            <a:schemeClr val="accent1"/>
+          </a:effectRef>
+          <a:fontRef idx="minor">
+            <a:schemeClr val="tx1"/>
+          </a:fontRef>
+        </p:style>
+      </p:cxnSp>
+      <p:cxnSp>
+        <p:nvCxnSpPr>
+          <p:cNvPr id="23" name="Straight Arrow Connector 22">
+            <a:extLst>
+              <a:ext uri="{FF2B5EF4-FFF2-40B4-BE49-F238E27FC236}">
+                <a16:creationId xmlns:a16="http://schemas.microsoft.com/office/drawing/2014/main" id="{5885CF07-C6A6-64C2-A2BB-C42DA5220DA5}"/>
+              </a:ext>
+            </a:extLst>
+          </p:cNvPr>
+          <p:cNvCxnSpPr>
+            <a:stCxn id="17" idx="2"/>
+            <a:endCxn id="19" idx="0"/>
+          </p:cNvCxnSpPr>
+          <p:nvPr/>
+        </p:nvCxnSpPr>
+        <p:spPr>
+          <a:xfrm>
+            <a:off x="6351959" y="5909324"/>
+            <a:ext cx="745545" cy="398885"/>
+          </a:xfrm>
+          <a:prstGeom prst="straightConnector1">
+            <a:avLst/>
+          </a:prstGeom>
+          <a:ln>
+            <a:tailEnd type="triangle"/>
+          </a:ln>
+        </p:spPr>
+        <p:style>
+          <a:lnRef idx="1">
+            <a:schemeClr val="accent1"/>
+          </a:lnRef>
+          <a:fillRef idx="0">
+            <a:schemeClr val="accent1"/>
+          </a:fillRef>
+          <a:effectRef idx="0">
+            <a:schemeClr val="accent1"/>
+          </a:effectRef>
+          <a:fontRef idx="minor">
+            <a:schemeClr val="tx1"/>
+          </a:fontRef>
+        </p:style>
+      </p:cxnSp>
+    </p:spTree>
+    <p:extLst>
+      <p:ext uri="{BB962C8B-B14F-4D97-AF65-F5344CB8AC3E}">
+        <p14:creationId xmlns:p14="http://schemas.microsoft.com/office/powerpoint/2010/main" val="1685757031"/>
+      </p:ext>
+    </p:extLst>
+  </p:cSld>
+  <p:clrMapOvr>
+    <a:masterClrMapping/>
+  </p:clrMapOvr>
+</p:sld>
+</file>
+
+<file path=ppt/slides/slide24.xml><?xml version="1.0" encoding="utf-8"?>
+<p:sld xmlns:a="http://schemas.openxmlformats.org/drawingml/2006/main" xmlns:r="http://schemas.openxmlformats.org/officeDocument/2006/relationships" xmlns:p="http://schemas.openxmlformats.org/presentationml/2006/main">
+  <p:cSld>
+    <p:spTree>
+      <p:nvGrpSpPr>
+        <p:cNvPr id="1" name=""/>
+        <p:cNvGrpSpPr/>
+        <p:nvPr/>
+      </p:nvGrpSpPr>
+      <p:grpSpPr>
+        <a:xfrm>
+          <a:off x="0" y="0"/>
+          <a:ext cx="0" cy="0"/>
+          <a:chOff x="0" y="0"/>
+          <a:chExt cx="0" cy="0"/>
+        </a:xfrm>
+      </p:grpSpPr>
+      <p:sp>
+        <p:nvSpPr>
+          <p:cNvPr id="3" name="Content Placeholder 2">
+            <a:extLst>
+              <a:ext uri="{FF2B5EF4-FFF2-40B4-BE49-F238E27FC236}">
+                <a16:creationId xmlns:a16="http://schemas.microsoft.com/office/drawing/2014/main" id="{95B66D25-8E3B-DBF9-4F3F-4403E99D108C}"/>
+              </a:ext>
+            </a:extLst>
+          </p:cNvPr>
+          <p:cNvSpPr>
+            <a:spLocks noGrp="1"/>
+          </p:cNvSpPr>
+          <p:nvPr>
+            <p:ph idx="1"/>
+          </p:nvPr>
+        </p:nvSpPr>
+        <p:spPr>
+          <a:xfrm>
+            <a:off x="838200" y="290286"/>
+            <a:ext cx="5257800" cy="5886677"/>
+          </a:xfrm>
+        </p:spPr>
+        <p:txBody>
+          <a:bodyPr/>
+          <a:lstStyle/>
+          <a:p>
+            <a:pPr marL="0" indent="0">
+              <a:buNone/>
+            </a:pPr>
+            <a:r>
+              <a:rPr lang="en-US" dirty="0"/>
+              <a:t>File1.js</a:t>
+            </a:r>
+          </a:p>
+          <a:p>
+            <a:pPr marL="0" indent="0">
+              <a:buNone/>
+            </a:pPr>
+            <a:endParaRPr lang="en-US" dirty="0"/>
+          </a:p>
+          <a:p>
+            <a:pPr marL="0" indent="0">
+              <a:buNone/>
+            </a:pPr>
+            <a:r>
+              <a:rPr lang="en-US" dirty="0"/>
+              <a:t>Export let name = “Ram Sharma”;</a:t>
+            </a:r>
+          </a:p>
+          <a:p>
+            <a:pPr marL="0" indent="0">
+              <a:buNone/>
+            </a:pPr>
+            <a:endParaRPr lang="en-US" dirty="0"/>
+          </a:p>
+          <a:p>
+            <a:pPr marL="0" indent="0">
+              <a:buNone/>
+            </a:pPr>
+            <a:r>
+              <a:rPr lang="en-US" dirty="0"/>
+              <a:t>Export Function hello(){</a:t>
+            </a:r>
+          </a:p>
+          <a:p>
+            <a:pPr marL="0" indent="0">
+              <a:buNone/>
+            </a:pPr>
+            <a:r>
+              <a:rPr lang="en-US" dirty="0"/>
+              <a:t>…</a:t>
+            </a:r>
+          </a:p>
+          <a:p>
+            <a:pPr marL="0" indent="0">
+              <a:buNone/>
+            </a:pPr>
+            <a:r>
+              <a:rPr lang="en-US" dirty="0"/>
+              <a:t>}</a:t>
+            </a:r>
+          </a:p>
+          <a:p>
+            <a:pPr marL="0" indent="0">
+              <a:buNone/>
+            </a:pPr>
+            <a:endParaRPr lang="en-US" dirty="0"/>
+          </a:p>
+          <a:p>
+            <a:pPr marL="0" indent="0">
+              <a:buNone/>
+            </a:pPr>
+            <a:r>
+              <a:rPr lang="en-US" dirty="0"/>
+              <a:t>Export Class user{</a:t>
+            </a:r>
+          </a:p>
+          <a:p>
+            <a:pPr marL="0" indent="0">
+              <a:buNone/>
+            </a:pPr>
+            <a:r>
+              <a:rPr lang="en-US" dirty="0"/>
+              <a:t>…</a:t>
+            </a:r>
+          </a:p>
+          <a:p>
+            <a:pPr marL="0" indent="0">
+              <a:buNone/>
+            </a:pPr>
+            <a:r>
+              <a:rPr lang="en-US" dirty="0"/>
+              <a:t>}</a:t>
+            </a:r>
+          </a:p>
+        </p:txBody>
+      </p:sp>
+      <p:sp>
+        <p:nvSpPr>
+          <p:cNvPr id="4" name="Content Placeholder 2">
+            <a:extLst>
+              <a:ext uri="{FF2B5EF4-FFF2-40B4-BE49-F238E27FC236}">
+                <a16:creationId xmlns:a16="http://schemas.microsoft.com/office/drawing/2014/main" id="{92B05C10-8046-ED27-88D2-ED97A8CEAE2E}"/>
+              </a:ext>
+            </a:extLst>
+          </p:cNvPr>
+          <p:cNvSpPr txBox="1">
+            <a:spLocks/>
+          </p:cNvSpPr>
+          <p:nvPr/>
+        </p:nvSpPr>
+        <p:spPr>
+          <a:xfrm>
+            <a:off x="6542315" y="290286"/>
+            <a:ext cx="5257800" cy="5886677"/>
+          </a:xfrm>
+          <a:prstGeom prst="rect">
+            <a:avLst/>
+          </a:prstGeom>
+        </p:spPr>
+        <p:txBody>
+          <a:bodyPr vert="horz" lIns="91440" tIns="45720" rIns="91440" bIns="45720" rtlCol="0">
+            <a:normAutofit/>
+          </a:bodyPr>
+          <a:lstStyle>
+            <a:lvl1pPr marL="228600" indent="-228600" algn="l" defTabSz="914400" rtl="0" eaLnBrk="1" latinLnBrk="0" hangingPunct="1">
+              <a:lnSpc>
+                <a:spcPct val="90000"/>
+              </a:lnSpc>
+              <a:spcBef>
+                <a:spcPts val="1000"/>
+              </a:spcBef>
+              <a:buFont typeface="Arial" panose="020B0604020202020204" pitchFamily="34" charset="0"/>
+              <a:buChar char="•"/>
+              <a:defRPr sz="2800" kern="1200">
+                <a:solidFill>
+                  <a:schemeClr val="tx1"/>
+                </a:solidFill>
+                <a:latin typeface="+mn-lt"/>
+                <a:ea typeface="+mn-ea"/>
+                <a:cs typeface="+mn-cs"/>
+              </a:defRPr>
+            </a:lvl1pPr>
+            <a:lvl2pPr marL="685800" indent="-228600" algn="l" defTabSz="914400" rtl="0" eaLnBrk="1" latinLnBrk="0" hangingPunct="1">
+              <a:lnSpc>
+                <a:spcPct val="90000"/>
+              </a:lnSpc>
+              <a:spcBef>
+                <a:spcPts val="500"/>
+              </a:spcBef>
+              <a:buFont typeface="Arial" panose="020B0604020202020204" pitchFamily="34" charset="0"/>
+              <a:buChar char="•"/>
+              <a:defRPr sz="2400" kern="1200">
+                <a:solidFill>
+                  <a:schemeClr val="tx1"/>
+                </a:solidFill>
+                <a:latin typeface="+mn-lt"/>
+                <a:ea typeface="+mn-ea"/>
+                <a:cs typeface="+mn-cs"/>
+              </a:defRPr>
+            </a:lvl2pPr>
+            <a:lvl3pPr marL="1143000" indent="-228600" algn="l" defTabSz="914400" rtl="0" eaLnBrk="1" latinLnBrk="0" hangingPunct="1">
+              <a:lnSpc>
+                <a:spcPct val="90000"/>
+              </a:lnSpc>
+              <a:spcBef>
+                <a:spcPts val="500"/>
+              </a:spcBef>
+              <a:buFont typeface="Arial" panose="020B0604020202020204" pitchFamily="34" charset="0"/>
+              <a:buChar char="•"/>
+              <a:defRPr sz="2000" kern="1200">
+                <a:solidFill>
+                  <a:schemeClr val="tx1"/>
+                </a:solidFill>
+                <a:latin typeface="+mn-lt"/>
+                <a:ea typeface="+mn-ea"/>
+                <a:cs typeface="+mn-cs"/>
+              </a:defRPr>
+            </a:lvl3pPr>
+            <a:lvl4pPr marL="1600200" indent="-228600" algn="l" defTabSz="914400" rtl="0" eaLnBrk="1" latinLnBrk="0" hangingPunct="1">
+              <a:lnSpc>
+                <a:spcPct val="90000"/>
+              </a:lnSpc>
+              <a:spcBef>
+                <a:spcPts val="500"/>
+              </a:spcBef>
+              <a:buFont typeface="Arial" panose="020B0604020202020204" pitchFamily="34" charset="0"/>
+              <a:buChar char="•"/>
+              <a:defRPr sz="1800" kern="1200">
+                <a:solidFill>
+                  <a:schemeClr val="tx1"/>
+                </a:solidFill>
+                <a:latin typeface="+mn-lt"/>
+                <a:ea typeface="+mn-ea"/>
+                <a:cs typeface="+mn-cs"/>
+              </a:defRPr>
+            </a:lvl4pPr>
+            <a:lvl5pPr marL="2057400" indent="-228600" algn="l" defTabSz="914400" rtl="0" eaLnBrk="1" latinLnBrk="0" hangingPunct="1">
+              <a:lnSpc>
+                <a:spcPct val="90000"/>
+              </a:lnSpc>
+              <a:spcBef>
+                <a:spcPts val="500"/>
+              </a:spcBef>
+              <a:buFont typeface="Arial" panose="020B0604020202020204" pitchFamily="34" charset="0"/>
+              <a:buChar char="•"/>
+              <a:defRPr sz="1800" kern="1200">
+                <a:solidFill>
+                  <a:schemeClr val="tx1"/>
+                </a:solidFill>
+                <a:latin typeface="+mn-lt"/>
+                <a:ea typeface="+mn-ea"/>
+                <a:cs typeface="+mn-cs"/>
+              </a:defRPr>
+            </a:lvl5pPr>
+            <a:lvl6pPr marL="2514600" indent="-228600" algn="l" defTabSz="914400" rtl="0" eaLnBrk="1" latinLnBrk="0" hangingPunct="1">
+              <a:lnSpc>
+                <a:spcPct val="90000"/>
+              </a:lnSpc>
+              <a:spcBef>
+                <a:spcPts val="500"/>
+              </a:spcBef>
+              <a:buFont typeface="Arial" panose="020B0604020202020204" pitchFamily="34" charset="0"/>
+              <a:buChar char="•"/>
+              <a:defRPr sz="1800" kern="1200">
+                <a:solidFill>
+                  <a:schemeClr val="tx1"/>
+                </a:solidFill>
+                <a:latin typeface="+mn-lt"/>
+                <a:ea typeface="+mn-ea"/>
+                <a:cs typeface="+mn-cs"/>
+              </a:defRPr>
+            </a:lvl6pPr>
+            <a:lvl7pPr marL="2971800" indent="-228600" algn="l" defTabSz="914400" rtl="0" eaLnBrk="1" latinLnBrk="0" hangingPunct="1">
+              <a:lnSpc>
+                <a:spcPct val="90000"/>
+              </a:lnSpc>
+              <a:spcBef>
+                <a:spcPts val="500"/>
+              </a:spcBef>
+              <a:buFont typeface="Arial" panose="020B0604020202020204" pitchFamily="34" charset="0"/>
+              <a:buChar char="•"/>
+              <a:defRPr sz="1800" kern="1200">
+                <a:solidFill>
+                  <a:schemeClr val="tx1"/>
+                </a:solidFill>
+                <a:latin typeface="+mn-lt"/>
+                <a:ea typeface="+mn-ea"/>
+                <a:cs typeface="+mn-cs"/>
+              </a:defRPr>
+            </a:lvl7pPr>
+            <a:lvl8pPr marL="3429000" indent="-228600" algn="l" defTabSz="914400" rtl="0" eaLnBrk="1" latinLnBrk="0" hangingPunct="1">
+              <a:lnSpc>
+                <a:spcPct val="90000"/>
+              </a:lnSpc>
+              <a:spcBef>
+                <a:spcPts val="500"/>
+              </a:spcBef>
+              <a:buFont typeface="Arial" panose="020B0604020202020204" pitchFamily="34" charset="0"/>
+              <a:buChar char="•"/>
+              <a:defRPr sz="1800" kern="1200">
+                <a:solidFill>
+                  <a:schemeClr val="tx1"/>
+                </a:solidFill>
+                <a:latin typeface="+mn-lt"/>
+                <a:ea typeface="+mn-ea"/>
+                <a:cs typeface="+mn-cs"/>
+              </a:defRPr>
+            </a:lvl8pPr>
+            <a:lvl9pPr marL="3886200" indent="-228600" algn="l" defTabSz="914400" rtl="0" eaLnBrk="1" latinLnBrk="0" hangingPunct="1">
+              <a:lnSpc>
+                <a:spcPct val="90000"/>
+              </a:lnSpc>
+              <a:spcBef>
+                <a:spcPts val="500"/>
+              </a:spcBef>
+              <a:buFont typeface="Arial" panose="020B0604020202020204" pitchFamily="34" charset="0"/>
+              <a:buChar char="•"/>
+              <a:defRPr sz="1800" kern="1200">
+                <a:solidFill>
+                  <a:schemeClr val="tx1"/>
+                </a:solidFill>
+                <a:latin typeface="+mn-lt"/>
+                <a:ea typeface="+mn-ea"/>
+                <a:cs typeface="+mn-cs"/>
+              </a:defRPr>
+            </a:lvl9pPr>
+          </a:lstStyle>
+          <a:p>
+            <a:pPr marL="0" indent="0">
+              <a:buFont typeface="Arial" panose="020B0604020202020204" pitchFamily="34" charset="0"/>
+              <a:buNone/>
+            </a:pPr>
+            <a:r>
+              <a:rPr lang="en-US" dirty="0"/>
+              <a:t>File2.js</a:t>
+            </a:r>
+          </a:p>
+          <a:p>
+            <a:pPr marL="0" indent="0">
+              <a:buFont typeface="Arial" panose="020B0604020202020204" pitchFamily="34" charset="0"/>
+              <a:buNone/>
+            </a:pPr>
+            <a:r>
+              <a:rPr lang="en-US" dirty="0"/>
+              <a:t>Import {name} from ‘./File1.js’</a:t>
+            </a:r>
+          </a:p>
+          <a:p>
+            <a:pPr marL="0" indent="0">
+              <a:buFont typeface="Arial" panose="020B0604020202020204" pitchFamily="34" charset="0"/>
+              <a:buNone/>
+            </a:pPr>
+            <a:r>
+              <a:rPr lang="en-US" dirty="0"/>
+              <a:t>Import {hello} from ‘./File1.js’</a:t>
+            </a:r>
+          </a:p>
+          <a:p>
+            <a:pPr marL="0" indent="0">
+              <a:buFont typeface="Arial" panose="020B0604020202020204" pitchFamily="34" charset="0"/>
+              <a:buNone/>
+            </a:pPr>
+            <a:r>
+              <a:rPr lang="en-US" dirty="0"/>
+              <a:t>Import {user} from ‘./File1.js’ </a:t>
+            </a:r>
+          </a:p>
+          <a:p>
+            <a:pPr marL="0" indent="0">
+              <a:buFont typeface="Arial" panose="020B0604020202020204" pitchFamily="34" charset="0"/>
+              <a:buNone/>
+            </a:pPr>
+            <a:endParaRPr lang="en-US" dirty="0"/>
+          </a:p>
+          <a:p>
+            <a:pPr marL="0" indent="0">
+              <a:buFont typeface="Arial" panose="020B0604020202020204" pitchFamily="34" charset="0"/>
+              <a:buNone/>
+            </a:pPr>
+            <a:r>
+              <a:rPr lang="en-US" dirty="0"/>
+              <a:t>Console.log(name);</a:t>
+            </a:r>
+          </a:p>
+          <a:p>
+            <a:pPr marL="0" indent="0">
+              <a:buFont typeface="Arial" panose="020B0604020202020204" pitchFamily="34" charset="0"/>
+              <a:buNone/>
+            </a:pPr>
+            <a:r>
+              <a:rPr lang="en-US" dirty="0"/>
+              <a:t>Hello();</a:t>
+            </a:r>
+          </a:p>
+          <a:p>
+            <a:pPr marL="0" indent="0">
+              <a:buFont typeface="Arial" panose="020B0604020202020204" pitchFamily="34" charset="0"/>
+              <a:buNone/>
+            </a:pPr>
+            <a:r>
+              <a:rPr lang="en-US" dirty="0"/>
+              <a:t>Let a = new user();</a:t>
+            </a:r>
+          </a:p>
+        </p:txBody>
+      </p:sp>
+    </p:spTree>
+    <p:extLst>
+      <p:ext uri="{BB962C8B-B14F-4D97-AF65-F5344CB8AC3E}">
+        <p14:creationId xmlns:p14="http://schemas.microsoft.com/office/powerpoint/2010/main" val="531760187"/>
+      </p:ext>
+    </p:extLst>
+  </p:cSld>
+  <p:clrMapOvr>
+    <a:masterClrMapping/>
+  </p:clrMapOvr>
+</p:sld>
+</file>
+
 <file path=ppt/slides/slide3.xml><?xml version="1.0" encoding="utf-8"?>
 <p:sld xmlns:a="http://schemas.openxmlformats.org/drawingml/2006/main" xmlns:r="http://schemas.openxmlformats.org/officeDocument/2006/relationships" xmlns:p="http://schemas.openxmlformats.org/presentationml/2006/main">
   <p:cSld>

--- a/AdvanceJavaScript.pptx
+++ b/AdvanceJavaScript.pptx
@@ -29,6 +29,16 @@
     <p:sldId id="277" r:id="rId23"/>
     <p:sldId id="278" r:id="rId24"/>
     <p:sldId id="279" r:id="rId25"/>
+    <p:sldId id="280" r:id="rId26"/>
+    <p:sldId id="281" r:id="rId27"/>
+    <p:sldId id="282" r:id="rId28"/>
+    <p:sldId id="283" r:id="rId29"/>
+    <p:sldId id="284" r:id="rId30"/>
+    <p:sldId id="285" r:id="rId31"/>
+    <p:sldId id="286" r:id="rId32"/>
+    <p:sldId id="287" r:id="rId33"/>
+    <p:sldId id="288" r:id="rId34"/>
+    <p:sldId id="289" r:id="rId35"/>
   </p:sldIdLst>
   <p:sldSz cx="12192000" cy="6858000"/>
   <p:notesSz cx="6858000" cy="9144000"/>
@@ -282,7 +292,7 @@
           <a:p>
             <a:fld id="{BC5A2644-DC23-4ADD-9DCB-84DBCEFE5469}" type="datetimeFigureOut">
               <a:rPr lang="en-US" smtClean="0"/>
-              <a:t>3/2/2023</a:t>
+              <a:t>3/10/2023</a:t>
             </a:fld>
             <a:endParaRPr lang="en-US"/>
           </a:p>
@@ -480,7 +490,7 @@
           <a:p>
             <a:fld id="{BC5A2644-DC23-4ADD-9DCB-84DBCEFE5469}" type="datetimeFigureOut">
               <a:rPr lang="en-US" smtClean="0"/>
-              <a:t>3/2/2023</a:t>
+              <a:t>3/10/2023</a:t>
             </a:fld>
             <a:endParaRPr lang="en-US"/>
           </a:p>
@@ -688,7 +698,7 @@
           <a:p>
             <a:fld id="{BC5A2644-DC23-4ADD-9DCB-84DBCEFE5469}" type="datetimeFigureOut">
               <a:rPr lang="en-US" smtClean="0"/>
-              <a:t>3/2/2023</a:t>
+              <a:t>3/10/2023</a:t>
             </a:fld>
             <a:endParaRPr lang="en-US"/>
           </a:p>
@@ -886,7 +896,7 @@
           <a:p>
             <a:fld id="{BC5A2644-DC23-4ADD-9DCB-84DBCEFE5469}" type="datetimeFigureOut">
               <a:rPr lang="en-US" smtClean="0"/>
-              <a:t>3/2/2023</a:t>
+              <a:t>3/10/2023</a:t>
             </a:fld>
             <a:endParaRPr lang="en-US"/>
           </a:p>
@@ -1161,7 +1171,7 @@
           <a:p>
             <a:fld id="{BC5A2644-DC23-4ADD-9DCB-84DBCEFE5469}" type="datetimeFigureOut">
               <a:rPr lang="en-US" smtClean="0"/>
-              <a:t>3/2/2023</a:t>
+              <a:t>3/10/2023</a:t>
             </a:fld>
             <a:endParaRPr lang="en-US"/>
           </a:p>
@@ -1426,7 +1436,7 @@
           <a:p>
             <a:fld id="{BC5A2644-DC23-4ADD-9DCB-84DBCEFE5469}" type="datetimeFigureOut">
               <a:rPr lang="en-US" smtClean="0"/>
-              <a:t>3/2/2023</a:t>
+              <a:t>3/10/2023</a:t>
             </a:fld>
             <a:endParaRPr lang="en-US"/>
           </a:p>
@@ -1838,7 +1848,7 @@
           <a:p>
             <a:fld id="{BC5A2644-DC23-4ADD-9DCB-84DBCEFE5469}" type="datetimeFigureOut">
               <a:rPr lang="en-US" smtClean="0"/>
-              <a:t>3/2/2023</a:t>
+              <a:t>3/10/2023</a:t>
             </a:fld>
             <a:endParaRPr lang="en-US"/>
           </a:p>
@@ -1979,7 +1989,7 @@
           <a:p>
             <a:fld id="{BC5A2644-DC23-4ADD-9DCB-84DBCEFE5469}" type="datetimeFigureOut">
               <a:rPr lang="en-US" smtClean="0"/>
-              <a:t>3/2/2023</a:t>
+              <a:t>3/10/2023</a:t>
             </a:fld>
             <a:endParaRPr lang="en-US"/>
           </a:p>
@@ -2092,7 +2102,7 @@
           <a:p>
             <a:fld id="{BC5A2644-DC23-4ADD-9DCB-84DBCEFE5469}" type="datetimeFigureOut">
               <a:rPr lang="en-US" smtClean="0"/>
-              <a:t>3/2/2023</a:t>
+              <a:t>3/10/2023</a:t>
             </a:fld>
             <a:endParaRPr lang="en-US"/>
           </a:p>
@@ -2403,7 +2413,7 @@
           <a:p>
             <a:fld id="{BC5A2644-DC23-4ADD-9DCB-84DBCEFE5469}" type="datetimeFigureOut">
               <a:rPr lang="en-US" smtClean="0"/>
-              <a:t>3/2/2023</a:t>
+              <a:t>3/10/2023</a:t>
             </a:fld>
             <a:endParaRPr lang="en-US"/>
           </a:p>
@@ -2691,7 +2701,7 @@
           <a:p>
             <a:fld id="{BC5A2644-DC23-4ADD-9DCB-84DBCEFE5469}" type="datetimeFigureOut">
               <a:rPr lang="en-US" smtClean="0"/>
-              <a:t>3/2/2023</a:t>
+              <a:t>3/10/2023</a:t>
             </a:fld>
             <a:endParaRPr lang="en-US"/>
           </a:p>
@@ -2932,7 +2942,7 @@
           <a:p>
             <a:fld id="{BC5A2644-DC23-4ADD-9DCB-84DBCEFE5469}" type="datetimeFigureOut">
               <a:rPr lang="en-US" smtClean="0"/>
-              <a:t>3/2/2023</a:t>
+              <a:t>3/10/2023</a:t>
             </a:fld>
             <a:endParaRPr lang="en-US"/>
           </a:p>
@@ -9308,6 +9318,2119 @@
 </p:sld>
 </file>
 
+<file path=ppt/slides/slide25.xml><?xml version="1.0" encoding="utf-8"?>
+<p:sld xmlns:a="http://schemas.openxmlformats.org/drawingml/2006/main" xmlns:r="http://schemas.openxmlformats.org/officeDocument/2006/relationships" xmlns:p="http://schemas.openxmlformats.org/presentationml/2006/main">
+  <p:cSld>
+    <p:spTree>
+      <p:nvGrpSpPr>
+        <p:cNvPr id="1" name=""/>
+        <p:cNvGrpSpPr/>
+        <p:nvPr/>
+      </p:nvGrpSpPr>
+      <p:grpSpPr>
+        <a:xfrm>
+          <a:off x="0" y="0"/>
+          <a:ext cx="0" cy="0"/>
+          <a:chOff x="0" y="0"/>
+          <a:chExt cx="0" cy="0"/>
+        </a:xfrm>
+      </p:grpSpPr>
+      <p:sp>
+        <p:nvSpPr>
+          <p:cNvPr id="2" name="Title 1">
+            <a:extLst>
+              <a:ext uri="{FF2B5EF4-FFF2-40B4-BE49-F238E27FC236}">
+                <a16:creationId xmlns:a16="http://schemas.microsoft.com/office/drawing/2014/main" id="{EC55192B-565A-E965-7500-B13BA891093B}"/>
+              </a:ext>
+            </a:extLst>
+          </p:cNvPr>
+          <p:cNvSpPr>
+            <a:spLocks noGrp="1"/>
+          </p:cNvSpPr>
+          <p:nvPr>
+            <p:ph type="title"/>
+          </p:nvPr>
+        </p:nvSpPr>
+        <p:spPr/>
+        <p:txBody>
+          <a:bodyPr/>
+          <a:lstStyle/>
+          <a:p>
+            <a:r>
+              <a:rPr lang="en-US" dirty="0"/>
+              <a:t>Promise?</a:t>
+            </a:r>
+          </a:p>
+        </p:txBody>
+      </p:sp>
+      <p:pic>
+        <p:nvPicPr>
+          <p:cNvPr id="5" name="Graphic 4" descr="Man">
+            <a:extLst>
+              <a:ext uri="{FF2B5EF4-FFF2-40B4-BE49-F238E27FC236}">
+                <a16:creationId xmlns:a16="http://schemas.microsoft.com/office/drawing/2014/main" id="{DC936A10-8C8A-F708-B3F6-6082B00D56D9}"/>
+              </a:ext>
+            </a:extLst>
+          </p:cNvPr>
+          <p:cNvPicPr>
+            <a:picLocks noChangeAspect="1"/>
+          </p:cNvPicPr>
+          <p:nvPr/>
+        </p:nvPicPr>
+        <p:blipFill>
+          <a:blip r:embed="rId2">
+            <a:extLst>
+              <a:ext uri="{28A0092B-C50C-407E-A947-70E740481C1C}">
+                <a14:useLocalDpi xmlns:a14="http://schemas.microsoft.com/office/drawing/2010/main" val="0"/>
+              </a:ext>
+              <a:ext uri="{96DAC541-7B7A-43D3-8B79-37D633B846F1}">
+                <asvg:svgBlip xmlns:asvg="http://schemas.microsoft.com/office/drawing/2016/SVG/main" r:embed="rId3"/>
+              </a:ext>
+            </a:extLst>
+          </a:blip>
+          <a:stretch>
+            <a:fillRect/>
+          </a:stretch>
+        </p:blipFill>
+        <p:spPr>
+          <a:xfrm>
+            <a:off x="2758870" y="1926771"/>
+            <a:ext cx="914400" cy="914400"/>
+          </a:xfrm>
+          <a:prstGeom prst="rect">
+            <a:avLst/>
+          </a:prstGeom>
+        </p:spPr>
+      </p:pic>
+      <p:pic>
+        <p:nvPicPr>
+          <p:cNvPr id="6" name="Graphic 5" descr="Man">
+            <a:extLst>
+              <a:ext uri="{FF2B5EF4-FFF2-40B4-BE49-F238E27FC236}">
+                <a16:creationId xmlns:a16="http://schemas.microsoft.com/office/drawing/2014/main" id="{9FC782BC-5005-0709-B39E-660B72E6814D}"/>
+              </a:ext>
+            </a:extLst>
+          </p:cNvPr>
+          <p:cNvPicPr>
+            <a:picLocks noChangeAspect="1"/>
+          </p:cNvPicPr>
+          <p:nvPr/>
+        </p:nvPicPr>
+        <p:blipFill>
+          <a:blip r:embed="rId2">
+            <a:extLst>
+              <a:ext uri="{28A0092B-C50C-407E-A947-70E740481C1C}">
+                <a14:useLocalDpi xmlns:a14="http://schemas.microsoft.com/office/drawing/2010/main" val="0"/>
+              </a:ext>
+              <a:ext uri="{96DAC541-7B7A-43D3-8B79-37D633B846F1}">
+                <asvg:svgBlip xmlns:asvg="http://schemas.microsoft.com/office/drawing/2016/SVG/main" r:embed="rId3"/>
+              </a:ext>
+            </a:extLst>
+          </a:blip>
+          <a:stretch>
+            <a:fillRect/>
+          </a:stretch>
+        </p:blipFill>
+        <p:spPr>
+          <a:xfrm>
+            <a:off x="8055431" y="1926771"/>
+            <a:ext cx="914400" cy="914400"/>
+          </a:xfrm>
+          <a:prstGeom prst="rect">
+            <a:avLst/>
+          </a:prstGeom>
+        </p:spPr>
+      </p:pic>
+      <p:sp>
+        <p:nvSpPr>
+          <p:cNvPr id="7" name="TextBox 6">
+            <a:extLst>
+              <a:ext uri="{FF2B5EF4-FFF2-40B4-BE49-F238E27FC236}">
+                <a16:creationId xmlns:a16="http://schemas.microsoft.com/office/drawing/2014/main" id="{9A2B7DC1-4EC7-B303-F486-C66A48981E97}"/>
+              </a:ext>
+            </a:extLst>
+          </p:cNvPr>
+          <p:cNvSpPr txBox="1"/>
+          <p:nvPr/>
+        </p:nvSpPr>
+        <p:spPr>
+          <a:xfrm>
+            <a:off x="2954427" y="2956894"/>
+            <a:ext cx="523285" cy="369332"/>
+          </a:xfrm>
+          <a:prstGeom prst="rect">
+            <a:avLst/>
+          </a:prstGeom>
+          <a:noFill/>
+        </p:spPr>
+        <p:txBody>
+          <a:bodyPr wrap="none" rtlCol="0">
+            <a:spAutoFit/>
+          </a:bodyPr>
+          <a:lstStyle/>
+          <a:p>
+            <a:r>
+              <a:rPr lang="en-US" dirty="0"/>
+              <a:t>You</a:t>
+            </a:r>
+          </a:p>
+        </p:txBody>
+      </p:sp>
+      <p:sp>
+        <p:nvSpPr>
+          <p:cNvPr id="8" name="TextBox 7">
+            <a:extLst>
+              <a:ext uri="{FF2B5EF4-FFF2-40B4-BE49-F238E27FC236}">
+                <a16:creationId xmlns:a16="http://schemas.microsoft.com/office/drawing/2014/main" id="{6365694C-8104-4603-1B27-78807862B46A}"/>
+              </a:ext>
+            </a:extLst>
+          </p:cNvPr>
+          <p:cNvSpPr txBox="1"/>
+          <p:nvPr/>
+        </p:nvSpPr>
+        <p:spPr>
+          <a:xfrm>
+            <a:off x="8250988" y="2956894"/>
+            <a:ext cx="1254254" cy="369332"/>
+          </a:xfrm>
+          <a:prstGeom prst="rect">
+            <a:avLst/>
+          </a:prstGeom>
+          <a:noFill/>
+        </p:spPr>
+        <p:txBody>
+          <a:bodyPr wrap="none" rtlCol="0">
+            <a:spAutoFit/>
+          </a:bodyPr>
+          <a:lstStyle/>
+          <a:p>
+            <a:r>
+              <a:rPr lang="en-US" dirty="0"/>
+              <a:t>Your Friend</a:t>
+            </a:r>
+          </a:p>
+        </p:txBody>
+      </p:sp>
+      <p:sp>
+        <p:nvSpPr>
+          <p:cNvPr id="9" name="Arrow: Curved Down 8">
+            <a:extLst>
+              <a:ext uri="{FF2B5EF4-FFF2-40B4-BE49-F238E27FC236}">
+                <a16:creationId xmlns:a16="http://schemas.microsoft.com/office/drawing/2014/main" id="{E7C0E7E8-AB6A-421E-F2F1-F15953393BC9}"/>
+              </a:ext>
+            </a:extLst>
+          </p:cNvPr>
+          <p:cNvSpPr/>
+          <p:nvPr/>
+        </p:nvSpPr>
+        <p:spPr>
+          <a:xfrm>
+            <a:off x="3477712" y="725714"/>
+            <a:ext cx="5201831" cy="1088572"/>
+          </a:xfrm>
+          <a:prstGeom prst="curvedDownArrow">
+            <a:avLst>
+              <a:gd name="adj1" fmla="val 15750"/>
+              <a:gd name="adj2" fmla="val 94478"/>
+              <a:gd name="adj3" fmla="val 29000"/>
+            </a:avLst>
+          </a:prstGeom>
+        </p:spPr>
+        <p:style>
+          <a:lnRef idx="2">
+            <a:schemeClr val="accent1">
+              <a:shade val="50000"/>
+            </a:schemeClr>
+          </a:lnRef>
+          <a:fillRef idx="1">
+            <a:schemeClr val="accent1"/>
+          </a:fillRef>
+          <a:effectRef idx="0">
+            <a:schemeClr val="accent1"/>
+          </a:effectRef>
+          <a:fontRef idx="minor">
+            <a:schemeClr val="lt1"/>
+          </a:fontRef>
+        </p:style>
+        <p:txBody>
+          <a:bodyPr rtlCol="0" anchor="ctr"/>
+          <a:lstStyle/>
+          <a:p>
+            <a:pPr algn="ctr"/>
+            <a:endParaRPr lang="en-US">
+              <a:solidFill>
+                <a:schemeClr val="tx1"/>
+              </a:solidFill>
+            </a:endParaRPr>
+          </a:p>
+        </p:txBody>
+      </p:sp>
+      <p:sp>
+        <p:nvSpPr>
+          <p:cNvPr id="10" name="TextBox 9">
+            <a:extLst>
+              <a:ext uri="{FF2B5EF4-FFF2-40B4-BE49-F238E27FC236}">
+                <a16:creationId xmlns:a16="http://schemas.microsoft.com/office/drawing/2014/main" id="{1D3190F3-05C5-0FE6-B999-07B30095F74E}"/>
+              </a:ext>
+            </a:extLst>
+          </p:cNvPr>
+          <p:cNvSpPr txBox="1"/>
+          <p:nvPr/>
+        </p:nvSpPr>
+        <p:spPr>
+          <a:xfrm>
+            <a:off x="5283200" y="1204686"/>
+            <a:ext cx="943976" cy="369332"/>
+          </a:xfrm>
+          <a:prstGeom prst="rect">
+            <a:avLst/>
+          </a:prstGeom>
+          <a:noFill/>
+        </p:spPr>
+        <p:txBody>
+          <a:bodyPr wrap="none" rtlCol="0">
+            <a:spAutoFit/>
+          </a:bodyPr>
+          <a:lstStyle/>
+          <a:p>
+            <a:r>
+              <a:rPr lang="en-US" dirty="0"/>
+              <a:t>Promise</a:t>
+            </a:r>
+          </a:p>
+        </p:txBody>
+      </p:sp>
+      <p:sp>
+        <p:nvSpPr>
+          <p:cNvPr id="11" name="Rectangle 10">
+            <a:extLst>
+              <a:ext uri="{FF2B5EF4-FFF2-40B4-BE49-F238E27FC236}">
+                <a16:creationId xmlns:a16="http://schemas.microsoft.com/office/drawing/2014/main" id="{D45A683E-2C05-F664-DFA5-C027C4AB4D1B}"/>
+              </a:ext>
+            </a:extLst>
+          </p:cNvPr>
+          <p:cNvSpPr/>
+          <p:nvPr/>
+        </p:nvSpPr>
+        <p:spPr>
+          <a:xfrm>
+            <a:off x="2410526" y="3777344"/>
+            <a:ext cx="1611086" cy="478972"/>
+          </a:xfrm>
+          <a:prstGeom prst="rect">
+            <a:avLst/>
+          </a:prstGeom>
+          <a:solidFill>
+            <a:srgbClr val="FFFF00"/>
+          </a:solidFill>
+        </p:spPr>
+        <p:style>
+          <a:lnRef idx="2">
+            <a:schemeClr val="accent1">
+              <a:shade val="50000"/>
+            </a:schemeClr>
+          </a:lnRef>
+          <a:fillRef idx="1">
+            <a:schemeClr val="accent1"/>
+          </a:fillRef>
+          <a:effectRef idx="0">
+            <a:schemeClr val="accent1"/>
+          </a:effectRef>
+          <a:fontRef idx="minor">
+            <a:schemeClr val="lt1"/>
+          </a:fontRef>
+        </p:style>
+        <p:txBody>
+          <a:bodyPr rtlCol="0" anchor="ctr"/>
+          <a:lstStyle/>
+          <a:p>
+            <a:pPr algn="ctr"/>
+            <a:r>
+              <a:rPr lang="en-US" dirty="0">
+                <a:solidFill>
+                  <a:sysClr val="windowText" lastClr="000000"/>
+                </a:solidFill>
+              </a:rPr>
+              <a:t>Pending</a:t>
+            </a:r>
+          </a:p>
+        </p:txBody>
+      </p:sp>
+      <p:sp>
+        <p:nvSpPr>
+          <p:cNvPr id="12" name="Rectangle 11">
+            <a:extLst>
+              <a:ext uri="{FF2B5EF4-FFF2-40B4-BE49-F238E27FC236}">
+                <a16:creationId xmlns:a16="http://schemas.microsoft.com/office/drawing/2014/main" id="{3F1DD6D6-C87C-B593-044D-B4825E781071}"/>
+              </a:ext>
+            </a:extLst>
+          </p:cNvPr>
+          <p:cNvSpPr/>
+          <p:nvPr/>
+        </p:nvSpPr>
+        <p:spPr>
+          <a:xfrm>
+            <a:off x="5066640" y="3802745"/>
+            <a:ext cx="1611086" cy="478972"/>
+          </a:xfrm>
+          <a:prstGeom prst="rect">
+            <a:avLst/>
+          </a:prstGeom>
+          <a:solidFill>
+            <a:srgbClr val="00B050"/>
+          </a:solidFill>
+        </p:spPr>
+        <p:style>
+          <a:lnRef idx="2">
+            <a:schemeClr val="accent1">
+              <a:shade val="50000"/>
+            </a:schemeClr>
+          </a:lnRef>
+          <a:fillRef idx="1">
+            <a:schemeClr val="accent1"/>
+          </a:fillRef>
+          <a:effectRef idx="0">
+            <a:schemeClr val="accent1"/>
+          </a:effectRef>
+          <a:fontRef idx="minor">
+            <a:schemeClr val="lt1"/>
+          </a:fontRef>
+        </p:style>
+        <p:txBody>
+          <a:bodyPr rtlCol="0" anchor="ctr"/>
+          <a:lstStyle/>
+          <a:p>
+            <a:pPr algn="ctr"/>
+            <a:r>
+              <a:rPr lang="en-US" dirty="0"/>
+              <a:t>Fulfilled</a:t>
+            </a:r>
+          </a:p>
+        </p:txBody>
+      </p:sp>
+      <p:sp>
+        <p:nvSpPr>
+          <p:cNvPr id="13" name="Rectangle 12">
+            <a:extLst>
+              <a:ext uri="{FF2B5EF4-FFF2-40B4-BE49-F238E27FC236}">
+                <a16:creationId xmlns:a16="http://schemas.microsoft.com/office/drawing/2014/main" id="{13197D71-206B-ADB4-9364-38B26412DEF6}"/>
+              </a:ext>
+            </a:extLst>
+          </p:cNvPr>
+          <p:cNvSpPr/>
+          <p:nvPr/>
+        </p:nvSpPr>
+        <p:spPr>
+          <a:xfrm>
+            <a:off x="5066640" y="5174342"/>
+            <a:ext cx="1611086" cy="478972"/>
+          </a:xfrm>
+          <a:prstGeom prst="rect">
+            <a:avLst/>
+          </a:prstGeom>
+          <a:solidFill>
+            <a:schemeClr val="accent1">
+              <a:lumMod val="40000"/>
+              <a:lumOff val="60000"/>
+            </a:schemeClr>
+          </a:solidFill>
+        </p:spPr>
+        <p:style>
+          <a:lnRef idx="2">
+            <a:schemeClr val="accent1">
+              <a:shade val="50000"/>
+            </a:schemeClr>
+          </a:lnRef>
+          <a:fillRef idx="1">
+            <a:schemeClr val="accent1"/>
+          </a:fillRef>
+          <a:effectRef idx="0">
+            <a:schemeClr val="accent1"/>
+          </a:effectRef>
+          <a:fontRef idx="minor">
+            <a:schemeClr val="lt1"/>
+          </a:fontRef>
+        </p:style>
+        <p:txBody>
+          <a:bodyPr rtlCol="0" anchor="ctr"/>
+          <a:lstStyle/>
+          <a:p>
+            <a:pPr algn="ctr"/>
+            <a:r>
+              <a:rPr lang="en-US" dirty="0">
+                <a:ln w="0"/>
+                <a:solidFill>
+                  <a:schemeClr val="tx1"/>
+                </a:solidFill>
+                <a:effectLst>
+                  <a:outerShdw blurRad="38100" dist="19050" dir="2700000" algn="tl" rotWithShape="0">
+                    <a:schemeClr val="dk1">
+                      <a:alpha val="40000"/>
+                    </a:schemeClr>
+                  </a:outerShdw>
+                </a:effectLst>
+              </a:rPr>
+              <a:t>Restaurant</a:t>
+            </a:r>
+          </a:p>
+        </p:txBody>
+      </p:sp>
+      <p:sp>
+        <p:nvSpPr>
+          <p:cNvPr id="14" name="Rectangle 13">
+            <a:extLst>
+              <a:ext uri="{FF2B5EF4-FFF2-40B4-BE49-F238E27FC236}">
+                <a16:creationId xmlns:a16="http://schemas.microsoft.com/office/drawing/2014/main" id="{54713C5D-504F-0E2D-0A7F-E952FBEA3C06}"/>
+              </a:ext>
+            </a:extLst>
+          </p:cNvPr>
+          <p:cNvSpPr/>
+          <p:nvPr/>
+        </p:nvSpPr>
+        <p:spPr>
+          <a:xfrm>
+            <a:off x="7894155" y="5174342"/>
+            <a:ext cx="2440015" cy="478972"/>
+          </a:xfrm>
+          <a:prstGeom prst="rect">
+            <a:avLst/>
+          </a:prstGeom>
+          <a:solidFill>
+            <a:schemeClr val="accent4">
+              <a:lumMod val="60000"/>
+              <a:lumOff val="40000"/>
+            </a:schemeClr>
+          </a:solidFill>
+        </p:spPr>
+        <p:style>
+          <a:lnRef idx="2">
+            <a:schemeClr val="accent1">
+              <a:shade val="50000"/>
+            </a:schemeClr>
+          </a:lnRef>
+          <a:fillRef idx="1">
+            <a:schemeClr val="accent1"/>
+          </a:fillRef>
+          <a:effectRef idx="0">
+            <a:schemeClr val="accent1"/>
+          </a:effectRef>
+          <a:fontRef idx="minor">
+            <a:schemeClr val="lt1"/>
+          </a:fontRef>
+        </p:style>
+        <p:txBody>
+          <a:bodyPr rtlCol="0" anchor="ctr"/>
+          <a:lstStyle/>
+          <a:p>
+            <a:pPr algn="ctr"/>
+            <a:r>
+              <a:rPr lang="en-US" dirty="0">
+                <a:ln w="0"/>
+                <a:solidFill>
+                  <a:schemeClr val="tx1"/>
+                </a:solidFill>
+                <a:effectLst>
+                  <a:outerShdw blurRad="38100" dist="19050" dir="2700000" algn="tl" rotWithShape="0">
+                    <a:schemeClr val="dk1">
+                      <a:alpha val="40000"/>
+                    </a:schemeClr>
+                  </a:outerShdw>
+                </a:effectLst>
+              </a:rPr>
+              <a:t>See You another day</a:t>
+            </a:r>
+          </a:p>
+        </p:txBody>
+      </p:sp>
+      <p:sp>
+        <p:nvSpPr>
+          <p:cNvPr id="15" name="Rectangle 14">
+            <a:extLst>
+              <a:ext uri="{FF2B5EF4-FFF2-40B4-BE49-F238E27FC236}">
+                <a16:creationId xmlns:a16="http://schemas.microsoft.com/office/drawing/2014/main" id="{37F95CB6-7BCD-1869-36CE-2F1B841404A7}"/>
+              </a:ext>
+            </a:extLst>
+          </p:cNvPr>
+          <p:cNvSpPr/>
+          <p:nvPr/>
+        </p:nvSpPr>
+        <p:spPr>
+          <a:xfrm>
+            <a:off x="7874000" y="3768270"/>
+            <a:ext cx="1611086" cy="478972"/>
+          </a:xfrm>
+          <a:prstGeom prst="rect">
+            <a:avLst/>
+          </a:prstGeom>
+          <a:solidFill>
+            <a:srgbClr val="FF0000"/>
+          </a:solidFill>
+        </p:spPr>
+        <p:style>
+          <a:lnRef idx="2">
+            <a:schemeClr val="accent1">
+              <a:shade val="50000"/>
+            </a:schemeClr>
+          </a:lnRef>
+          <a:fillRef idx="1">
+            <a:schemeClr val="accent1"/>
+          </a:fillRef>
+          <a:effectRef idx="0">
+            <a:schemeClr val="accent1"/>
+          </a:effectRef>
+          <a:fontRef idx="minor">
+            <a:schemeClr val="lt1"/>
+          </a:fontRef>
+        </p:style>
+        <p:txBody>
+          <a:bodyPr rtlCol="0" anchor="ctr"/>
+          <a:lstStyle/>
+          <a:p>
+            <a:pPr algn="ctr"/>
+            <a:r>
+              <a:rPr lang="en-US" dirty="0"/>
+              <a:t>Rejected</a:t>
+            </a:r>
+          </a:p>
+        </p:txBody>
+      </p:sp>
+      <p:cxnSp>
+        <p:nvCxnSpPr>
+          <p:cNvPr id="17" name="Straight Arrow Connector 16">
+            <a:extLst>
+              <a:ext uri="{FF2B5EF4-FFF2-40B4-BE49-F238E27FC236}">
+                <a16:creationId xmlns:a16="http://schemas.microsoft.com/office/drawing/2014/main" id="{1AABCDC7-1E83-C061-2463-C57E71BF6BC9}"/>
+              </a:ext>
+            </a:extLst>
+          </p:cNvPr>
+          <p:cNvCxnSpPr>
+            <a:stCxn id="12" idx="2"/>
+            <a:endCxn id="13" idx="0"/>
+          </p:cNvCxnSpPr>
+          <p:nvPr/>
+        </p:nvCxnSpPr>
+        <p:spPr>
+          <a:xfrm>
+            <a:off x="5872183" y="4281717"/>
+            <a:ext cx="0" cy="892625"/>
+          </a:xfrm>
+          <a:prstGeom prst="straightConnector1">
+            <a:avLst/>
+          </a:prstGeom>
+          <a:ln>
+            <a:tailEnd type="triangle"/>
+          </a:ln>
+        </p:spPr>
+        <p:style>
+          <a:lnRef idx="1">
+            <a:schemeClr val="accent1"/>
+          </a:lnRef>
+          <a:fillRef idx="0">
+            <a:schemeClr val="accent1"/>
+          </a:fillRef>
+          <a:effectRef idx="0">
+            <a:schemeClr val="accent1"/>
+          </a:effectRef>
+          <a:fontRef idx="minor">
+            <a:schemeClr val="tx1"/>
+          </a:fontRef>
+        </p:style>
+      </p:cxnSp>
+      <p:cxnSp>
+        <p:nvCxnSpPr>
+          <p:cNvPr id="19" name="Straight Arrow Connector 18">
+            <a:extLst>
+              <a:ext uri="{FF2B5EF4-FFF2-40B4-BE49-F238E27FC236}">
+                <a16:creationId xmlns:a16="http://schemas.microsoft.com/office/drawing/2014/main" id="{CA02D9BD-522B-25DC-4365-7DD262233AEE}"/>
+              </a:ext>
+            </a:extLst>
+          </p:cNvPr>
+          <p:cNvCxnSpPr>
+            <a:stCxn id="15" idx="2"/>
+            <a:endCxn id="14" idx="0"/>
+          </p:cNvCxnSpPr>
+          <p:nvPr/>
+        </p:nvCxnSpPr>
+        <p:spPr>
+          <a:xfrm>
+            <a:off x="8679543" y="4247242"/>
+            <a:ext cx="434620" cy="927100"/>
+          </a:xfrm>
+          <a:prstGeom prst="straightConnector1">
+            <a:avLst/>
+          </a:prstGeom>
+          <a:ln>
+            <a:tailEnd type="triangle"/>
+          </a:ln>
+        </p:spPr>
+        <p:style>
+          <a:lnRef idx="1">
+            <a:schemeClr val="accent1"/>
+          </a:lnRef>
+          <a:fillRef idx="0">
+            <a:schemeClr val="accent1"/>
+          </a:fillRef>
+          <a:effectRef idx="0">
+            <a:schemeClr val="accent1"/>
+          </a:effectRef>
+          <a:fontRef idx="minor">
+            <a:schemeClr val="tx1"/>
+          </a:fontRef>
+        </p:style>
+      </p:cxnSp>
+    </p:spTree>
+    <p:extLst>
+      <p:ext uri="{BB962C8B-B14F-4D97-AF65-F5344CB8AC3E}">
+        <p14:creationId xmlns:p14="http://schemas.microsoft.com/office/powerpoint/2010/main" val="1476740371"/>
+      </p:ext>
+    </p:extLst>
+  </p:cSld>
+  <p:clrMapOvr>
+    <a:masterClrMapping/>
+  </p:clrMapOvr>
+</p:sld>
+</file>
+
+<file path=ppt/slides/slide26.xml><?xml version="1.0" encoding="utf-8"?>
+<p:sld xmlns:a="http://schemas.openxmlformats.org/drawingml/2006/main" xmlns:r="http://schemas.openxmlformats.org/officeDocument/2006/relationships" xmlns:p="http://schemas.openxmlformats.org/presentationml/2006/main">
+  <p:cSld>
+    <p:spTree>
+      <p:nvGrpSpPr>
+        <p:cNvPr id="1" name=""/>
+        <p:cNvGrpSpPr/>
+        <p:nvPr/>
+      </p:nvGrpSpPr>
+      <p:grpSpPr>
+        <a:xfrm>
+          <a:off x="0" y="0"/>
+          <a:ext cx="0" cy="0"/>
+          <a:chOff x="0" y="0"/>
+          <a:chExt cx="0" cy="0"/>
+        </a:xfrm>
+      </p:grpSpPr>
+      <p:sp>
+        <p:nvSpPr>
+          <p:cNvPr id="4" name="Rectangle: Rounded Corners 3">
+            <a:extLst>
+              <a:ext uri="{FF2B5EF4-FFF2-40B4-BE49-F238E27FC236}">
+                <a16:creationId xmlns:a16="http://schemas.microsoft.com/office/drawing/2014/main" id="{03DBA377-A155-F7FF-49B4-96A6A69F7BA9}"/>
+              </a:ext>
+            </a:extLst>
+          </p:cNvPr>
+          <p:cNvSpPr/>
+          <p:nvPr/>
+        </p:nvSpPr>
+        <p:spPr>
+          <a:xfrm>
+            <a:off x="4238171" y="566057"/>
+            <a:ext cx="3222172" cy="1306286"/>
+          </a:xfrm>
+          <a:prstGeom prst="roundRect">
+            <a:avLst/>
+          </a:prstGeom>
+        </p:spPr>
+        <p:style>
+          <a:lnRef idx="2">
+            <a:schemeClr val="accent1">
+              <a:shade val="50000"/>
+            </a:schemeClr>
+          </a:lnRef>
+          <a:fillRef idx="1">
+            <a:schemeClr val="accent1"/>
+          </a:fillRef>
+          <a:effectRef idx="0">
+            <a:schemeClr val="accent1"/>
+          </a:effectRef>
+          <a:fontRef idx="minor">
+            <a:schemeClr val="lt1"/>
+          </a:fontRef>
+        </p:style>
+        <p:txBody>
+          <a:bodyPr rtlCol="0" anchor="ctr"/>
+          <a:lstStyle/>
+          <a:p>
+            <a:pPr algn="ctr"/>
+            <a:r>
+              <a:rPr lang="en-US" sz="3600" dirty="0"/>
+              <a:t>Promise()</a:t>
+            </a:r>
+          </a:p>
+        </p:txBody>
+      </p:sp>
+      <p:sp>
+        <p:nvSpPr>
+          <p:cNvPr id="5" name="Rectangle 4">
+            <a:extLst>
+              <a:ext uri="{FF2B5EF4-FFF2-40B4-BE49-F238E27FC236}">
+                <a16:creationId xmlns:a16="http://schemas.microsoft.com/office/drawing/2014/main" id="{75B7DA1A-CA73-8158-AD32-C2CE6DD27722}"/>
+              </a:ext>
+            </a:extLst>
+          </p:cNvPr>
+          <p:cNvSpPr/>
+          <p:nvPr/>
+        </p:nvSpPr>
+        <p:spPr>
+          <a:xfrm>
+            <a:off x="1669143" y="2786743"/>
+            <a:ext cx="2569028" cy="827314"/>
+          </a:xfrm>
+          <a:prstGeom prst="rect">
+            <a:avLst/>
+          </a:prstGeom>
+          <a:solidFill>
+            <a:srgbClr val="00B050"/>
+          </a:solidFill>
+        </p:spPr>
+        <p:style>
+          <a:lnRef idx="2">
+            <a:schemeClr val="accent1">
+              <a:shade val="50000"/>
+            </a:schemeClr>
+          </a:lnRef>
+          <a:fillRef idx="1">
+            <a:schemeClr val="accent1"/>
+          </a:fillRef>
+          <a:effectRef idx="0">
+            <a:schemeClr val="accent1"/>
+          </a:effectRef>
+          <a:fontRef idx="minor">
+            <a:schemeClr val="lt1"/>
+          </a:fontRef>
+        </p:style>
+        <p:txBody>
+          <a:bodyPr rtlCol="0" anchor="ctr"/>
+          <a:lstStyle/>
+          <a:p>
+            <a:pPr algn="ctr"/>
+            <a:r>
+              <a:rPr lang="en-US" sz="3200" dirty="0"/>
+              <a:t>Resolve()</a:t>
+            </a:r>
+          </a:p>
+        </p:txBody>
+      </p:sp>
+      <p:sp>
+        <p:nvSpPr>
+          <p:cNvPr id="6" name="Rectangle 5">
+            <a:extLst>
+              <a:ext uri="{FF2B5EF4-FFF2-40B4-BE49-F238E27FC236}">
+                <a16:creationId xmlns:a16="http://schemas.microsoft.com/office/drawing/2014/main" id="{AF934647-D097-E156-ADD5-F0723A2592FD}"/>
+              </a:ext>
+            </a:extLst>
+          </p:cNvPr>
+          <p:cNvSpPr/>
+          <p:nvPr/>
+        </p:nvSpPr>
+        <p:spPr>
+          <a:xfrm>
+            <a:off x="8200573" y="2786743"/>
+            <a:ext cx="2569028" cy="827314"/>
+          </a:xfrm>
+          <a:prstGeom prst="rect">
+            <a:avLst/>
+          </a:prstGeom>
+          <a:solidFill>
+            <a:srgbClr val="FF0000"/>
+          </a:solidFill>
+        </p:spPr>
+        <p:style>
+          <a:lnRef idx="2">
+            <a:schemeClr val="accent1">
+              <a:shade val="50000"/>
+            </a:schemeClr>
+          </a:lnRef>
+          <a:fillRef idx="1">
+            <a:schemeClr val="accent1"/>
+          </a:fillRef>
+          <a:effectRef idx="0">
+            <a:schemeClr val="accent1"/>
+          </a:effectRef>
+          <a:fontRef idx="minor">
+            <a:schemeClr val="lt1"/>
+          </a:fontRef>
+        </p:style>
+        <p:txBody>
+          <a:bodyPr rtlCol="0" anchor="ctr"/>
+          <a:lstStyle/>
+          <a:p>
+            <a:pPr algn="ctr"/>
+            <a:r>
+              <a:rPr lang="en-US" sz="3600" dirty="0"/>
+              <a:t>Reject()</a:t>
+            </a:r>
+          </a:p>
+        </p:txBody>
+      </p:sp>
+      <p:sp>
+        <p:nvSpPr>
+          <p:cNvPr id="7" name="Rectangle 6">
+            <a:extLst>
+              <a:ext uri="{FF2B5EF4-FFF2-40B4-BE49-F238E27FC236}">
+                <a16:creationId xmlns:a16="http://schemas.microsoft.com/office/drawing/2014/main" id="{8463C7EF-EDCB-C698-B68F-FD6EC0F8ACAB}"/>
+              </a:ext>
+            </a:extLst>
+          </p:cNvPr>
+          <p:cNvSpPr/>
+          <p:nvPr/>
+        </p:nvSpPr>
+        <p:spPr>
+          <a:xfrm>
+            <a:off x="1669143" y="4397829"/>
+            <a:ext cx="2569028" cy="827314"/>
+          </a:xfrm>
+          <a:prstGeom prst="rect">
+            <a:avLst/>
+          </a:prstGeom>
+          <a:solidFill>
+            <a:srgbClr val="7030A0"/>
+          </a:solidFill>
+        </p:spPr>
+        <p:style>
+          <a:lnRef idx="2">
+            <a:schemeClr val="accent1">
+              <a:shade val="50000"/>
+            </a:schemeClr>
+          </a:lnRef>
+          <a:fillRef idx="1">
+            <a:schemeClr val="accent1"/>
+          </a:fillRef>
+          <a:effectRef idx="0">
+            <a:schemeClr val="accent1"/>
+          </a:effectRef>
+          <a:fontRef idx="minor">
+            <a:schemeClr val="lt1"/>
+          </a:fontRef>
+        </p:style>
+        <p:txBody>
+          <a:bodyPr rtlCol="0" anchor="ctr"/>
+          <a:lstStyle/>
+          <a:p>
+            <a:pPr algn="ctr"/>
+            <a:r>
+              <a:rPr lang="en-US" sz="3200" dirty="0"/>
+              <a:t>Then()</a:t>
+            </a:r>
+          </a:p>
+        </p:txBody>
+      </p:sp>
+      <p:sp>
+        <p:nvSpPr>
+          <p:cNvPr id="8" name="Rectangle 7">
+            <a:extLst>
+              <a:ext uri="{FF2B5EF4-FFF2-40B4-BE49-F238E27FC236}">
+                <a16:creationId xmlns:a16="http://schemas.microsoft.com/office/drawing/2014/main" id="{671D679D-4779-AF9A-0154-4CFAB13EBA6A}"/>
+              </a:ext>
+            </a:extLst>
+          </p:cNvPr>
+          <p:cNvSpPr/>
+          <p:nvPr/>
+        </p:nvSpPr>
+        <p:spPr>
+          <a:xfrm>
+            <a:off x="8200572" y="4397829"/>
+            <a:ext cx="2569028" cy="827314"/>
+          </a:xfrm>
+          <a:prstGeom prst="rect">
+            <a:avLst/>
+          </a:prstGeom>
+          <a:solidFill>
+            <a:srgbClr val="7030A0"/>
+          </a:solidFill>
+        </p:spPr>
+        <p:style>
+          <a:lnRef idx="2">
+            <a:schemeClr val="accent1">
+              <a:shade val="50000"/>
+            </a:schemeClr>
+          </a:lnRef>
+          <a:fillRef idx="1">
+            <a:schemeClr val="accent1"/>
+          </a:fillRef>
+          <a:effectRef idx="0">
+            <a:schemeClr val="accent1"/>
+          </a:effectRef>
+          <a:fontRef idx="minor">
+            <a:schemeClr val="lt1"/>
+          </a:fontRef>
+        </p:style>
+        <p:txBody>
+          <a:bodyPr rtlCol="0" anchor="ctr"/>
+          <a:lstStyle/>
+          <a:p>
+            <a:pPr algn="ctr"/>
+            <a:r>
+              <a:rPr lang="en-US" sz="3200" dirty="0"/>
+              <a:t>Catch()</a:t>
+            </a:r>
+          </a:p>
+        </p:txBody>
+      </p:sp>
+      <p:cxnSp>
+        <p:nvCxnSpPr>
+          <p:cNvPr id="10" name="Straight Arrow Connector 9">
+            <a:extLst>
+              <a:ext uri="{FF2B5EF4-FFF2-40B4-BE49-F238E27FC236}">
+                <a16:creationId xmlns:a16="http://schemas.microsoft.com/office/drawing/2014/main" id="{17E42041-C733-A08B-B5CB-A12BCAB6A451}"/>
+              </a:ext>
+            </a:extLst>
+          </p:cNvPr>
+          <p:cNvCxnSpPr>
+            <a:stCxn id="4" idx="2"/>
+            <a:endCxn id="5" idx="0"/>
+          </p:cNvCxnSpPr>
+          <p:nvPr/>
+        </p:nvCxnSpPr>
+        <p:spPr>
+          <a:xfrm flipH="1">
+            <a:off x="2953657" y="1872343"/>
+            <a:ext cx="2895600" cy="914400"/>
+          </a:xfrm>
+          <a:prstGeom prst="straightConnector1">
+            <a:avLst/>
+          </a:prstGeom>
+          <a:ln>
+            <a:tailEnd type="triangle"/>
+          </a:ln>
+        </p:spPr>
+        <p:style>
+          <a:lnRef idx="1">
+            <a:schemeClr val="accent1"/>
+          </a:lnRef>
+          <a:fillRef idx="0">
+            <a:schemeClr val="accent1"/>
+          </a:fillRef>
+          <a:effectRef idx="0">
+            <a:schemeClr val="accent1"/>
+          </a:effectRef>
+          <a:fontRef idx="minor">
+            <a:schemeClr val="tx1"/>
+          </a:fontRef>
+        </p:style>
+      </p:cxnSp>
+      <p:cxnSp>
+        <p:nvCxnSpPr>
+          <p:cNvPr id="12" name="Straight Arrow Connector 11">
+            <a:extLst>
+              <a:ext uri="{FF2B5EF4-FFF2-40B4-BE49-F238E27FC236}">
+                <a16:creationId xmlns:a16="http://schemas.microsoft.com/office/drawing/2014/main" id="{FC9B309B-DC6C-12F1-462E-1B84B20EBC2E}"/>
+              </a:ext>
+            </a:extLst>
+          </p:cNvPr>
+          <p:cNvCxnSpPr>
+            <a:stCxn id="4" idx="2"/>
+          </p:cNvCxnSpPr>
+          <p:nvPr/>
+        </p:nvCxnSpPr>
+        <p:spPr>
+          <a:xfrm>
+            <a:off x="5849257" y="1872343"/>
+            <a:ext cx="3831772" cy="914400"/>
+          </a:xfrm>
+          <a:prstGeom prst="straightConnector1">
+            <a:avLst/>
+          </a:prstGeom>
+          <a:ln>
+            <a:tailEnd type="triangle"/>
+          </a:ln>
+        </p:spPr>
+        <p:style>
+          <a:lnRef idx="1">
+            <a:schemeClr val="accent1"/>
+          </a:lnRef>
+          <a:fillRef idx="0">
+            <a:schemeClr val="accent1"/>
+          </a:fillRef>
+          <a:effectRef idx="0">
+            <a:schemeClr val="accent1"/>
+          </a:effectRef>
+          <a:fontRef idx="minor">
+            <a:schemeClr val="tx1"/>
+          </a:fontRef>
+        </p:style>
+      </p:cxnSp>
+    </p:spTree>
+    <p:extLst>
+      <p:ext uri="{BB962C8B-B14F-4D97-AF65-F5344CB8AC3E}">
+        <p14:creationId xmlns:p14="http://schemas.microsoft.com/office/powerpoint/2010/main" val="3765625869"/>
+      </p:ext>
+    </p:extLst>
+  </p:cSld>
+  <p:clrMapOvr>
+    <a:masterClrMapping/>
+  </p:clrMapOvr>
+</p:sld>
+</file>
+
+<file path=ppt/slides/slide27.xml><?xml version="1.0" encoding="utf-8"?>
+<p:sld xmlns:a="http://schemas.openxmlformats.org/drawingml/2006/main" xmlns:r="http://schemas.openxmlformats.org/officeDocument/2006/relationships" xmlns:p="http://schemas.openxmlformats.org/presentationml/2006/main">
+  <p:cSld>
+    <p:spTree>
+      <p:nvGrpSpPr>
+        <p:cNvPr id="1" name=""/>
+        <p:cNvGrpSpPr/>
+        <p:nvPr/>
+      </p:nvGrpSpPr>
+      <p:grpSpPr>
+        <a:xfrm>
+          <a:off x="0" y="0"/>
+          <a:ext cx="0" cy="0"/>
+          <a:chOff x="0" y="0"/>
+          <a:chExt cx="0" cy="0"/>
+        </a:xfrm>
+      </p:grpSpPr>
+      <p:sp>
+        <p:nvSpPr>
+          <p:cNvPr id="2" name="Title 1">
+            <a:extLst>
+              <a:ext uri="{FF2B5EF4-FFF2-40B4-BE49-F238E27FC236}">
+                <a16:creationId xmlns:a16="http://schemas.microsoft.com/office/drawing/2014/main" id="{52580BA3-AF03-6C35-0482-F0182FB5A2B2}"/>
+              </a:ext>
+            </a:extLst>
+          </p:cNvPr>
+          <p:cNvSpPr>
+            <a:spLocks noGrp="1"/>
+          </p:cNvSpPr>
+          <p:nvPr>
+            <p:ph type="title"/>
+          </p:nvPr>
+        </p:nvSpPr>
+        <p:spPr/>
+        <p:txBody>
+          <a:bodyPr/>
+          <a:lstStyle/>
+          <a:p>
+            <a:r>
+              <a:rPr lang="en-US" dirty="0"/>
+              <a:t>Promise Syntax</a:t>
+            </a:r>
+          </a:p>
+        </p:txBody>
+      </p:sp>
+      <p:sp>
+        <p:nvSpPr>
+          <p:cNvPr id="3" name="Content Placeholder 2">
+            <a:extLst>
+              <a:ext uri="{FF2B5EF4-FFF2-40B4-BE49-F238E27FC236}">
+                <a16:creationId xmlns:a16="http://schemas.microsoft.com/office/drawing/2014/main" id="{655F773F-662A-827D-E36C-A3E67F95E218}"/>
+              </a:ext>
+            </a:extLst>
+          </p:cNvPr>
+          <p:cNvSpPr>
+            <a:spLocks noGrp="1"/>
+          </p:cNvSpPr>
+          <p:nvPr>
+            <p:ph idx="1"/>
+          </p:nvPr>
+        </p:nvSpPr>
+        <p:spPr>
+          <a:xfrm>
+            <a:off x="117930" y="1555978"/>
+            <a:ext cx="4991100" cy="5062536"/>
+          </a:xfrm>
+        </p:spPr>
+        <p:txBody>
+          <a:bodyPr/>
+          <a:lstStyle/>
+          <a:p>
+            <a:pPr marL="0" indent="0">
+              <a:buNone/>
+            </a:pPr>
+            <a:r>
+              <a:rPr lang="en-US" dirty="0"/>
+              <a:t>Let prom = new Promise();</a:t>
+            </a:r>
+          </a:p>
+          <a:p>
+            <a:pPr marL="0" indent="0">
+              <a:buNone/>
+            </a:pPr>
+            <a:r>
+              <a:rPr lang="en-US" dirty="0"/>
+              <a:t>Let prom = new Promise(function(){</a:t>
+            </a:r>
+            <a:br>
+              <a:rPr lang="en-US" dirty="0"/>
+            </a:br>
+            <a:r>
+              <a:rPr lang="en-US" dirty="0"/>
+              <a:t>});</a:t>
+            </a:r>
+          </a:p>
+          <a:p>
+            <a:pPr marL="0" indent="0">
+              <a:buNone/>
+            </a:pPr>
+            <a:r>
+              <a:rPr lang="en-US" dirty="0"/>
+              <a:t>Let prom = new Promise(function(</a:t>
+            </a:r>
+            <a:r>
+              <a:rPr lang="en-US" dirty="0" err="1"/>
+              <a:t>resolve,reject</a:t>
+            </a:r>
+            <a:r>
+              <a:rPr lang="en-US" dirty="0"/>
+              <a:t>){</a:t>
+            </a:r>
+          </a:p>
+          <a:p>
+            <a:pPr marL="0" indent="0">
+              <a:buNone/>
+            </a:pPr>
+            <a:r>
+              <a:rPr lang="en-US" dirty="0"/>
+              <a:t>});</a:t>
+            </a:r>
+          </a:p>
+        </p:txBody>
+      </p:sp>
+    </p:spTree>
+    <p:extLst>
+      <p:ext uri="{BB962C8B-B14F-4D97-AF65-F5344CB8AC3E}">
+        <p14:creationId xmlns:p14="http://schemas.microsoft.com/office/powerpoint/2010/main" val="3387680510"/>
+      </p:ext>
+    </p:extLst>
+  </p:cSld>
+  <p:clrMapOvr>
+    <a:masterClrMapping/>
+  </p:clrMapOvr>
+</p:sld>
+</file>
+
+<file path=ppt/slides/slide28.xml><?xml version="1.0" encoding="utf-8"?>
+<p:sld xmlns:a="http://schemas.openxmlformats.org/drawingml/2006/main" xmlns:r="http://schemas.openxmlformats.org/officeDocument/2006/relationships" xmlns:p="http://schemas.openxmlformats.org/presentationml/2006/main">
+  <p:cSld>
+    <p:spTree>
+      <p:nvGrpSpPr>
+        <p:cNvPr id="1" name=""/>
+        <p:cNvGrpSpPr/>
+        <p:nvPr/>
+      </p:nvGrpSpPr>
+      <p:grpSpPr>
+        <a:xfrm>
+          <a:off x="0" y="0"/>
+          <a:ext cx="0" cy="0"/>
+          <a:chOff x="0" y="0"/>
+          <a:chExt cx="0" cy="0"/>
+        </a:xfrm>
+      </p:grpSpPr>
+      <p:sp>
+        <p:nvSpPr>
+          <p:cNvPr id="3" name="Content Placeholder 2">
+            <a:extLst>
+              <a:ext uri="{FF2B5EF4-FFF2-40B4-BE49-F238E27FC236}">
+                <a16:creationId xmlns:a16="http://schemas.microsoft.com/office/drawing/2014/main" id="{765118B9-9C33-323C-6BEA-D6CD94E88D7C}"/>
+              </a:ext>
+            </a:extLst>
+          </p:cNvPr>
+          <p:cNvSpPr>
+            <a:spLocks noGrp="1"/>
+          </p:cNvSpPr>
+          <p:nvPr>
+            <p:ph idx="1"/>
+          </p:nvPr>
+        </p:nvSpPr>
+        <p:spPr>
+          <a:xfrm>
+            <a:off x="838200" y="261257"/>
+            <a:ext cx="7362371" cy="5915706"/>
+          </a:xfrm>
+        </p:spPr>
+        <p:txBody>
+          <a:bodyPr/>
+          <a:lstStyle/>
+          <a:p>
+            <a:pPr marL="0" indent="0">
+              <a:buNone/>
+            </a:pPr>
+            <a:r>
+              <a:rPr lang="en-US" dirty="0"/>
+              <a:t>Let prom = new Promise(function(resolve, reject){</a:t>
+            </a:r>
+          </a:p>
+          <a:p>
+            <a:pPr marL="0" indent="0">
+              <a:buNone/>
+            </a:pPr>
+            <a:r>
+              <a:rPr lang="en-US" dirty="0"/>
+              <a:t>If(condition){</a:t>
+            </a:r>
+          </a:p>
+          <a:p>
+            <a:pPr marL="0" indent="0">
+              <a:buNone/>
+            </a:pPr>
+            <a:r>
+              <a:rPr lang="en-US" dirty="0"/>
+              <a:t>Resolve(“Here is a Success.”);</a:t>
+            </a:r>
+          </a:p>
+          <a:p>
+            <a:pPr marL="0" indent="0">
+              <a:buNone/>
+            </a:pPr>
+            <a:r>
+              <a:rPr lang="en-US" dirty="0"/>
+              <a:t>Else{</a:t>
+            </a:r>
+          </a:p>
+          <a:p>
+            <a:pPr marL="0" indent="0">
+              <a:buNone/>
+            </a:pPr>
+            <a:r>
+              <a:rPr lang="en-US" dirty="0"/>
+              <a:t>Reject(“Here is a Failure”);</a:t>
+            </a:r>
+          </a:p>
+          <a:p>
+            <a:pPr marL="0" indent="0">
+              <a:buNone/>
+            </a:pPr>
+            <a:r>
+              <a:rPr lang="en-US" dirty="0"/>
+              <a:t>}</a:t>
+            </a:r>
+          </a:p>
+          <a:p>
+            <a:pPr marL="0" indent="0">
+              <a:buNone/>
+            </a:pPr>
+            <a:r>
+              <a:rPr lang="en-US" dirty="0"/>
+              <a:t>});</a:t>
+            </a:r>
+          </a:p>
+          <a:p>
+            <a:pPr marL="0" indent="0">
+              <a:buNone/>
+            </a:pPr>
+            <a:endParaRPr lang="en-US" dirty="0"/>
+          </a:p>
+          <a:p>
+            <a:pPr marL="0" indent="0">
+              <a:buNone/>
+            </a:pPr>
+            <a:r>
+              <a:rPr lang="en-US" dirty="0" err="1"/>
+              <a:t>Prom.then</a:t>
+            </a:r>
+            <a:r>
+              <a:rPr lang="en-US" dirty="0"/>
+              <a:t>(</a:t>
+            </a:r>
+            <a:r>
+              <a:rPr lang="en-US" dirty="0" err="1"/>
+              <a:t>onfulfilment</a:t>
+            </a:r>
+            <a:r>
+              <a:rPr lang="en-US" dirty="0"/>
+              <a:t>);</a:t>
+            </a:r>
+          </a:p>
+          <a:p>
+            <a:pPr marL="0" indent="0">
+              <a:buNone/>
+            </a:pPr>
+            <a:r>
+              <a:rPr lang="en-US" dirty="0" err="1"/>
+              <a:t>Prom.catch</a:t>
+            </a:r>
+            <a:r>
+              <a:rPr lang="en-US" dirty="0"/>
+              <a:t>(</a:t>
+            </a:r>
+            <a:r>
+              <a:rPr lang="en-US" dirty="0" err="1"/>
+              <a:t>onRejection</a:t>
+            </a:r>
+            <a:r>
+              <a:rPr lang="en-US" dirty="0"/>
+              <a:t>);</a:t>
+            </a:r>
+          </a:p>
+        </p:txBody>
+      </p:sp>
+      <p:sp>
+        <p:nvSpPr>
+          <p:cNvPr id="4" name="TextBox 3">
+            <a:extLst>
+              <a:ext uri="{FF2B5EF4-FFF2-40B4-BE49-F238E27FC236}">
+                <a16:creationId xmlns:a16="http://schemas.microsoft.com/office/drawing/2014/main" id="{39BB12F7-ACCB-96F3-66C4-598C02055670}"/>
+              </a:ext>
+            </a:extLst>
+          </p:cNvPr>
+          <p:cNvSpPr txBox="1"/>
+          <p:nvPr/>
+        </p:nvSpPr>
+        <p:spPr>
+          <a:xfrm>
+            <a:off x="6720114" y="1349829"/>
+            <a:ext cx="2938946" cy="2031325"/>
+          </a:xfrm>
+          <a:prstGeom prst="rect">
+            <a:avLst/>
+          </a:prstGeom>
+          <a:noFill/>
+        </p:spPr>
+        <p:txBody>
+          <a:bodyPr wrap="none" rtlCol="0">
+            <a:spAutoFit/>
+          </a:bodyPr>
+          <a:lstStyle/>
+          <a:p>
+            <a:r>
+              <a:rPr lang="en-US" dirty="0"/>
+              <a:t>Let </a:t>
+            </a:r>
+            <a:r>
+              <a:rPr lang="en-US" dirty="0" err="1"/>
+              <a:t>onfulfilment</a:t>
+            </a:r>
+            <a:r>
+              <a:rPr lang="en-US" dirty="0"/>
+              <a:t> = (result) =&gt;{</a:t>
+            </a:r>
+          </a:p>
+          <a:p>
+            <a:r>
+              <a:rPr lang="en-US" dirty="0"/>
+              <a:t>Console.log(result);</a:t>
+            </a:r>
+          </a:p>
+          <a:p>
+            <a:r>
+              <a:rPr lang="en-US" dirty="0"/>
+              <a:t>}</a:t>
+            </a:r>
+          </a:p>
+          <a:p>
+            <a:endParaRPr lang="en-US" dirty="0"/>
+          </a:p>
+          <a:p>
+            <a:r>
+              <a:rPr lang="en-US" dirty="0"/>
+              <a:t>Let </a:t>
+            </a:r>
+            <a:r>
+              <a:rPr lang="en-US" dirty="0" err="1"/>
+              <a:t>onRejection</a:t>
+            </a:r>
+            <a:r>
+              <a:rPr lang="en-US" dirty="0"/>
+              <a:t> = (error) =&gt;{</a:t>
+            </a:r>
+          </a:p>
+          <a:p>
+            <a:r>
+              <a:rPr lang="en-US" dirty="0"/>
+              <a:t>Console.log(error);</a:t>
+            </a:r>
+          </a:p>
+          <a:p>
+            <a:r>
+              <a:rPr lang="en-US" dirty="0"/>
+              <a:t>}</a:t>
+            </a:r>
+          </a:p>
+        </p:txBody>
+      </p:sp>
+    </p:spTree>
+    <p:extLst>
+      <p:ext uri="{BB962C8B-B14F-4D97-AF65-F5344CB8AC3E}">
+        <p14:creationId xmlns:p14="http://schemas.microsoft.com/office/powerpoint/2010/main" val="12344816"/>
+      </p:ext>
+    </p:extLst>
+  </p:cSld>
+  <p:clrMapOvr>
+    <a:masterClrMapping/>
+  </p:clrMapOvr>
+</p:sld>
+</file>
+
+<file path=ppt/slides/slide29.xml><?xml version="1.0" encoding="utf-8"?>
+<p:sld xmlns:a="http://schemas.openxmlformats.org/drawingml/2006/main" xmlns:r="http://schemas.openxmlformats.org/officeDocument/2006/relationships" xmlns:p="http://schemas.openxmlformats.org/presentationml/2006/main">
+  <p:cSld>
+    <p:spTree>
+      <p:nvGrpSpPr>
+        <p:cNvPr id="1" name=""/>
+        <p:cNvGrpSpPr/>
+        <p:nvPr/>
+      </p:nvGrpSpPr>
+      <p:grpSpPr>
+        <a:xfrm>
+          <a:off x="0" y="0"/>
+          <a:ext cx="0" cy="0"/>
+          <a:chOff x="0" y="0"/>
+          <a:chExt cx="0" cy="0"/>
+        </a:xfrm>
+      </p:grpSpPr>
+      <p:sp>
+        <p:nvSpPr>
+          <p:cNvPr id="2" name="Title 1">
+            <a:extLst>
+              <a:ext uri="{FF2B5EF4-FFF2-40B4-BE49-F238E27FC236}">
+                <a16:creationId xmlns:a16="http://schemas.microsoft.com/office/drawing/2014/main" id="{6DD06D41-3E51-6180-38BE-0C434AF5248A}"/>
+              </a:ext>
+            </a:extLst>
+          </p:cNvPr>
+          <p:cNvSpPr>
+            <a:spLocks noGrp="1"/>
+          </p:cNvSpPr>
+          <p:nvPr>
+            <p:ph type="title"/>
+          </p:nvPr>
+        </p:nvSpPr>
+        <p:spPr>
+          <a:xfrm>
+            <a:off x="838200" y="406513"/>
+            <a:ext cx="10515600" cy="1325563"/>
+          </a:xfrm>
+        </p:spPr>
+        <p:txBody>
+          <a:bodyPr/>
+          <a:lstStyle/>
+          <a:p>
+            <a:r>
+              <a:rPr lang="en-US" dirty="0" err="1"/>
+              <a:t>Promise.all</a:t>
+            </a:r>
+            <a:r>
+              <a:rPr lang="en-US" dirty="0"/>
+              <a:t>()</a:t>
+            </a:r>
+          </a:p>
+        </p:txBody>
+      </p:sp>
+      <p:sp>
+        <p:nvSpPr>
+          <p:cNvPr id="4" name="Rectangle: Rounded Corners 3">
+            <a:extLst>
+              <a:ext uri="{FF2B5EF4-FFF2-40B4-BE49-F238E27FC236}">
+                <a16:creationId xmlns:a16="http://schemas.microsoft.com/office/drawing/2014/main" id="{B576DDCD-AB47-5C36-4E36-A3F8336F0449}"/>
+              </a:ext>
+            </a:extLst>
+          </p:cNvPr>
+          <p:cNvSpPr/>
+          <p:nvPr/>
+        </p:nvSpPr>
+        <p:spPr>
+          <a:xfrm>
+            <a:off x="4649016" y="3066789"/>
+            <a:ext cx="2574654" cy="931899"/>
+          </a:xfrm>
+          <a:prstGeom prst="roundRect">
+            <a:avLst/>
+          </a:prstGeom>
+        </p:spPr>
+        <p:style>
+          <a:lnRef idx="2">
+            <a:schemeClr val="accent1">
+              <a:shade val="50000"/>
+            </a:schemeClr>
+          </a:lnRef>
+          <a:fillRef idx="1">
+            <a:schemeClr val="accent1"/>
+          </a:fillRef>
+          <a:effectRef idx="0">
+            <a:schemeClr val="accent1"/>
+          </a:effectRef>
+          <a:fontRef idx="minor">
+            <a:schemeClr val="lt1"/>
+          </a:fontRef>
+        </p:style>
+        <p:txBody>
+          <a:bodyPr rtlCol="0" anchor="ctr"/>
+          <a:lstStyle/>
+          <a:p>
+            <a:pPr algn="ctr"/>
+            <a:r>
+              <a:rPr lang="en-US" sz="2800" dirty="0" err="1"/>
+              <a:t>Promise.all</a:t>
+            </a:r>
+            <a:r>
+              <a:rPr lang="en-US" sz="2800" dirty="0"/>
+              <a:t>()</a:t>
+            </a:r>
+          </a:p>
+        </p:txBody>
+      </p:sp>
+      <p:sp>
+        <p:nvSpPr>
+          <p:cNvPr id="5" name="Rectangle 4">
+            <a:extLst>
+              <a:ext uri="{FF2B5EF4-FFF2-40B4-BE49-F238E27FC236}">
+                <a16:creationId xmlns:a16="http://schemas.microsoft.com/office/drawing/2014/main" id="{D5964180-5686-AACA-E8F7-E3A63E287D18}"/>
+              </a:ext>
+            </a:extLst>
+          </p:cNvPr>
+          <p:cNvSpPr/>
+          <p:nvPr/>
+        </p:nvSpPr>
+        <p:spPr>
+          <a:xfrm>
+            <a:off x="2460171" y="4443540"/>
+            <a:ext cx="2052764" cy="590202"/>
+          </a:xfrm>
+          <a:prstGeom prst="rect">
+            <a:avLst/>
+          </a:prstGeom>
+          <a:solidFill>
+            <a:srgbClr val="00B050"/>
+          </a:solidFill>
+        </p:spPr>
+        <p:style>
+          <a:lnRef idx="2">
+            <a:schemeClr val="accent1">
+              <a:shade val="50000"/>
+            </a:schemeClr>
+          </a:lnRef>
+          <a:fillRef idx="1">
+            <a:schemeClr val="accent1"/>
+          </a:fillRef>
+          <a:effectRef idx="0">
+            <a:schemeClr val="accent1"/>
+          </a:effectRef>
+          <a:fontRef idx="minor">
+            <a:schemeClr val="lt1"/>
+          </a:fontRef>
+        </p:style>
+        <p:txBody>
+          <a:bodyPr rtlCol="0" anchor="ctr"/>
+          <a:lstStyle/>
+          <a:p>
+            <a:pPr algn="ctr"/>
+            <a:r>
+              <a:rPr lang="en-US" sz="3200" dirty="0"/>
+              <a:t>Resolve()</a:t>
+            </a:r>
+          </a:p>
+        </p:txBody>
+      </p:sp>
+      <p:sp>
+        <p:nvSpPr>
+          <p:cNvPr id="6" name="Rectangle 5">
+            <a:extLst>
+              <a:ext uri="{FF2B5EF4-FFF2-40B4-BE49-F238E27FC236}">
+                <a16:creationId xmlns:a16="http://schemas.microsoft.com/office/drawing/2014/main" id="{62CC7475-1EE6-C70A-F46F-B9237D2249AA}"/>
+              </a:ext>
+            </a:extLst>
+          </p:cNvPr>
+          <p:cNvSpPr/>
+          <p:nvPr/>
+        </p:nvSpPr>
+        <p:spPr>
+          <a:xfrm>
+            <a:off x="7679065" y="4443540"/>
+            <a:ext cx="2052764" cy="590202"/>
+          </a:xfrm>
+          <a:prstGeom prst="rect">
+            <a:avLst/>
+          </a:prstGeom>
+          <a:solidFill>
+            <a:srgbClr val="FF0000"/>
+          </a:solidFill>
+        </p:spPr>
+        <p:style>
+          <a:lnRef idx="2">
+            <a:schemeClr val="accent1">
+              <a:shade val="50000"/>
+            </a:schemeClr>
+          </a:lnRef>
+          <a:fillRef idx="1">
+            <a:schemeClr val="accent1"/>
+          </a:fillRef>
+          <a:effectRef idx="0">
+            <a:schemeClr val="accent1"/>
+          </a:effectRef>
+          <a:fontRef idx="minor">
+            <a:schemeClr val="lt1"/>
+          </a:fontRef>
+        </p:style>
+        <p:txBody>
+          <a:bodyPr rtlCol="0" anchor="ctr"/>
+          <a:lstStyle/>
+          <a:p>
+            <a:pPr algn="ctr"/>
+            <a:r>
+              <a:rPr lang="en-US" sz="3600" dirty="0"/>
+              <a:t>Reject()</a:t>
+            </a:r>
+          </a:p>
+        </p:txBody>
+      </p:sp>
+      <p:sp>
+        <p:nvSpPr>
+          <p:cNvPr id="7" name="Rectangle 6">
+            <a:extLst>
+              <a:ext uri="{FF2B5EF4-FFF2-40B4-BE49-F238E27FC236}">
+                <a16:creationId xmlns:a16="http://schemas.microsoft.com/office/drawing/2014/main" id="{D7F972E3-7719-E328-D278-B0768B26B4D9}"/>
+              </a:ext>
+            </a:extLst>
+          </p:cNvPr>
+          <p:cNvSpPr/>
+          <p:nvPr/>
+        </p:nvSpPr>
+        <p:spPr>
+          <a:xfrm>
+            <a:off x="2460171" y="5592882"/>
+            <a:ext cx="2052764" cy="590202"/>
+          </a:xfrm>
+          <a:prstGeom prst="rect">
+            <a:avLst/>
+          </a:prstGeom>
+          <a:solidFill>
+            <a:srgbClr val="7030A0"/>
+          </a:solidFill>
+        </p:spPr>
+        <p:style>
+          <a:lnRef idx="2">
+            <a:schemeClr val="accent1">
+              <a:shade val="50000"/>
+            </a:schemeClr>
+          </a:lnRef>
+          <a:fillRef idx="1">
+            <a:schemeClr val="accent1"/>
+          </a:fillRef>
+          <a:effectRef idx="0">
+            <a:schemeClr val="accent1"/>
+          </a:effectRef>
+          <a:fontRef idx="minor">
+            <a:schemeClr val="lt1"/>
+          </a:fontRef>
+        </p:style>
+        <p:txBody>
+          <a:bodyPr rtlCol="0" anchor="ctr"/>
+          <a:lstStyle/>
+          <a:p>
+            <a:pPr algn="ctr"/>
+            <a:r>
+              <a:rPr lang="en-US" sz="3200" dirty="0"/>
+              <a:t>Then()</a:t>
+            </a:r>
+          </a:p>
+        </p:txBody>
+      </p:sp>
+      <p:sp>
+        <p:nvSpPr>
+          <p:cNvPr id="8" name="Rectangle 7">
+            <a:extLst>
+              <a:ext uri="{FF2B5EF4-FFF2-40B4-BE49-F238E27FC236}">
+                <a16:creationId xmlns:a16="http://schemas.microsoft.com/office/drawing/2014/main" id="{A169ACE0-BBFD-8850-D774-5BF6C6C51085}"/>
+              </a:ext>
+            </a:extLst>
+          </p:cNvPr>
+          <p:cNvSpPr/>
+          <p:nvPr/>
+        </p:nvSpPr>
+        <p:spPr>
+          <a:xfrm>
+            <a:off x="7679064" y="5592882"/>
+            <a:ext cx="2052764" cy="590202"/>
+          </a:xfrm>
+          <a:prstGeom prst="rect">
+            <a:avLst/>
+          </a:prstGeom>
+          <a:solidFill>
+            <a:srgbClr val="7030A0"/>
+          </a:solidFill>
+        </p:spPr>
+        <p:style>
+          <a:lnRef idx="2">
+            <a:schemeClr val="accent1">
+              <a:shade val="50000"/>
+            </a:schemeClr>
+          </a:lnRef>
+          <a:fillRef idx="1">
+            <a:schemeClr val="accent1"/>
+          </a:fillRef>
+          <a:effectRef idx="0">
+            <a:schemeClr val="accent1"/>
+          </a:effectRef>
+          <a:fontRef idx="minor">
+            <a:schemeClr val="lt1"/>
+          </a:fontRef>
+        </p:style>
+        <p:txBody>
+          <a:bodyPr rtlCol="0" anchor="ctr"/>
+          <a:lstStyle/>
+          <a:p>
+            <a:pPr algn="ctr"/>
+            <a:r>
+              <a:rPr lang="en-US" sz="3200" dirty="0"/>
+              <a:t>Catch()</a:t>
+            </a:r>
+          </a:p>
+        </p:txBody>
+      </p:sp>
+      <p:cxnSp>
+        <p:nvCxnSpPr>
+          <p:cNvPr id="9" name="Straight Arrow Connector 8">
+            <a:extLst>
+              <a:ext uri="{FF2B5EF4-FFF2-40B4-BE49-F238E27FC236}">
+                <a16:creationId xmlns:a16="http://schemas.microsoft.com/office/drawing/2014/main" id="{911AD48C-4CE0-57BF-4C30-7B4FABCE54E0}"/>
+              </a:ext>
+            </a:extLst>
+          </p:cNvPr>
+          <p:cNvCxnSpPr>
+            <a:stCxn id="4" idx="2"/>
+            <a:endCxn id="5" idx="0"/>
+          </p:cNvCxnSpPr>
+          <p:nvPr/>
+        </p:nvCxnSpPr>
+        <p:spPr>
+          <a:xfrm flipH="1">
+            <a:off x="3486553" y="3998688"/>
+            <a:ext cx="2449790" cy="444852"/>
+          </a:xfrm>
+          <a:prstGeom prst="straightConnector1">
+            <a:avLst/>
+          </a:prstGeom>
+          <a:ln>
+            <a:tailEnd type="triangle"/>
+          </a:ln>
+        </p:spPr>
+        <p:style>
+          <a:lnRef idx="1">
+            <a:schemeClr val="accent1"/>
+          </a:lnRef>
+          <a:fillRef idx="0">
+            <a:schemeClr val="accent1"/>
+          </a:fillRef>
+          <a:effectRef idx="0">
+            <a:schemeClr val="accent1"/>
+          </a:effectRef>
+          <a:fontRef idx="minor">
+            <a:schemeClr val="tx1"/>
+          </a:fontRef>
+        </p:style>
+      </p:cxnSp>
+      <p:cxnSp>
+        <p:nvCxnSpPr>
+          <p:cNvPr id="10" name="Straight Arrow Connector 9">
+            <a:extLst>
+              <a:ext uri="{FF2B5EF4-FFF2-40B4-BE49-F238E27FC236}">
+                <a16:creationId xmlns:a16="http://schemas.microsoft.com/office/drawing/2014/main" id="{E55DEEA3-390E-2CD5-E129-5E35FA5D1D43}"/>
+              </a:ext>
+            </a:extLst>
+          </p:cNvPr>
+          <p:cNvCxnSpPr>
+            <a:stCxn id="4" idx="2"/>
+          </p:cNvCxnSpPr>
+          <p:nvPr/>
+        </p:nvCxnSpPr>
+        <p:spPr>
+          <a:xfrm>
+            <a:off x="5936343" y="3998688"/>
+            <a:ext cx="3061751" cy="652329"/>
+          </a:xfrm>
+          <a:prstGeom prst="straightConnector1">
+            <a:avLst/>
+          </a:prstGeom>
+          <a:ln>
+            <a:tailEnd type="triangle"/>
+          </a:ln>
+        </p:spPr>
+        <p:style>
+          <a:lnRef idx="1">
+            <a:schemeClr val="accent1"/>
+          </a:lnRef>
+          <a:fillRef idx="0">
+            <a:schemeClr val="accent1"/>
+          </a:fillRef>
+          <a:effectRef idx="0">
+            <a:schemeClr val="accent1"/>
+          </a:effectRef>
+          <a:fontRef idx="minor">
+            <a:schemeClr val="tx1"/>
+          </a:fontRef>
+        </p:style>
+      </p:cxnSp>
+      <p:sp>
+        <p:nvSpPr>
+          <p:cNvPr id="13" name="Rectangle: Rounded Corners 12">
+            <a:extLst>
+              <a:ext uri="{FF2B5EF4-FFF2-40B4-BE49-F238E27FC236}">
+                <a16:creationId xmlns:a16="http://schemas.microsoft.com/office/drawing/2014/main" id="{EA186E48-43F8-AE8B-862D-52973B5C368D}"/>
+              </a:ext>
+            </a:extLst>
+          </p:cNvPr>
+          <p:cNvSpPr/>
+          <p:nvPr/>
+        </p:nvSpPr>
+        <p:spPr>
+          <a:xfrm>
+            <a:off x="1172844" y="1423098"/>
+            <a:ext cx="2574654" cy="931899"/>
+          </a:xfrm>
+          <a:prstGeom prst="roundRect">
+            <a:avLst/>
+          </a:prstGeom>
+        </p:spPr>
+        <p:style>
+          <a:lnRef idx="2">
+            <a:schemeClr val="accent1">
+              <a:shade val="50000"/>
+            </a:schemeClr>
+          </a:lnRef>
+          <a:fillRef idx="1">
+            <a:schemeClr val="accent1"/>
+          </a:fillRef>
+          <a:effectRef idx="0">
+            <a:schemeClr val="accent1"/>
+          </a:effectRef>
+          <a:fontRef idx="minor">
+            <a:schemeClr val="lt1"/>
+          </a:fontRef>
+        </p:style>
+        <p:txBody>
+          <a:bodyPr rtlCol="0" anchor="ctr"/>
+          <a:lstStyle/>
+          <a:p>
+            <a:pPr algn="ctr"/>
+            <a:r>
+              <a:rPr lang="en-US" sz="3600" dirty="0"/>
+              <a:t>Promise()</a:t>
+            </a:r>
+          </a:p>
+        </p:txBody>
+      </p:sp>
+      <p:sp>
+        <p:nvSpPr>
+          <p:cNvPr id="15" name="Rectangle: Rounded Corners 14">
+            <a:extLst>
+              <a:ext uri="{FF2B5EF4-FFF2-40B4-BE49-F238E27FC236}">
+                <a16:creationId xmlns:a16="http://schemas.microsoft.com/office/drawing/2014/main" id="{F8A533FD-4C03-ED1B-5A31-CF0AC708946A}"/>
+              </a:ext>
+            </a:extLst>
+          </p:cNvPr>
+          <p:cNvSpPr/>
+          <p:nvPr/>
+        </p:nvSpPr>
+        <p:spPr>
+          <a:xfrm>
+            <a:off x="9127489" y="1363795"/>
+            <a:ext cx="2574654" cy="931899"/>
+          </a:xfrm>
+          <a:prstGeom prst="roundRect">
+            <a:avLst/>
+          </a:prstGeom>
+        </p:spPr>
+        <p:style>
+          <a:lnRef idx="2">
+            <a:schemeClr val="accent1">
+              <a:shade val="50000"/>
+            </a:schemeClr>
+          </a:lnRef>
+          <a:fillRef idx="1">
+            <a:schemeClr val="accent1"/>
+          </a:fillRef>
+          <a:effectRef idx="0">
+            <a:schemeClr val="accent1"/>
+          </a:effectRef>
+          <a:fontRef idx="minor">
+            <a:schemeClr val="lt1"/>
+          </a:fontRef>
+        </p:style>
+        <p:txBody>
+          <a:bodyPr rtlCol="0" anchor="ctr"/>
+          <a:lstStyle/>
+          <a:p>
+            <a:pPr algn="ctr"/>
+            <a:r>
+              <a:rPr lang="en-US" sz="3600" dirty="0"/>
+              <a:t>Promise()</a:t>
+            </a:r>
+          </a:p>
+        </p:txBody>
+      </p:sp>
+      <p:sp>
+        <p:nvSpPr>
+          <p:cNvPr id="16" name="Rectangle: Rounded Corners 15">
+            <a:extLst>
+              <a:ext uri="{FF2B5EF4-FFF2-40B4-BE49-F238E27FC236}">
+                <a16:creationId xmlns:a16="http://schemas.microsoft.com/office/drawing/2014/main" id="{E7F3B7E2-B0AE-7635-915F-EBDF5F54E598}"/>
+              </a:ext>
+            </a:extLst>
+          </p:cNvPr>
+          <p:cNvSpPr/>
+          <p:nvPr/>
+        </p:nvSpPr>
+        <p:spPr>
+          <a:xfrm>
+            <a:off x="5295718" y="1420661"/>
+            <a:ext cx="2574654" cy="931899"/>
+          </a:xfrm>
+          <a:prstGeom prst="roundRect">
+            <a:avLst/>
+          </a:prstGeom>
+        </p:spPr>
+        <p:style>
+          <a:lnRef idx="2">
+            <a:schemeClr val="accent1">
+              <a:shade val="50000"/>
+            </a:schemeClr>
+          </a:lnRef>
+          <a:fillRef idx="1">
+            <a:schemeClr val="accent1"/>
+          </a:fillRef>
+          <a:effectRef idx="0">
+            <a:schemeClr val="accent1"/>
+          </a:effectRef>
+          <a:fontRef idx="minor">
+            <a:schemeClr val="lt1"/>
+          </a:fontRef>
+        </p:style>
+        <p:txBody>
+          <a:bodyPr rtlCol="0" anchor="ctr"/>
+          <a:lstStyle/>
+          <a:p>
+            <a:pPr algn="ctr"/>
+            <a:r>
+              <a:rPr lang="en-US" sz="3600" dirty="0"/>
+              <a:t>Promise()</a:t>
+            </a:r>
+          </a:p>
+        </p:txBody>
+      </p:sp>
+      <p:cxnSp>
+        <p:nvCxnSpPr>
+          <p:cNvPr id="18" name="Straight Arrow Connector 17">
+            <a:extLst>
+              <a:ext uri="{FF2B5EF4-FFF2-40B4-BE49-F238E27FC236}">
+                <a16:creationId xmlns:a16="http://schemas.microsoft.com/office/drawing/2014/main" id="{EBFD0275-4A1B-DAC2-D08D-3C8C48CC0A7A}"/>
+              </a:ext>
+            </a:extLst>
+          </p:cNvPr>
+          <p:cNvCxnSpPr>
+            <a:stCxn id="13" idx="2"/>
+          </p:cNvCxnSpPr>
+          <p:nvPr/>
+        </p:nvCxnSpPr>
+        <p:spPr>
+          <a:xfrm>
+            <a:off x="2460171" y="2354997"/>
+            <a:ext cx="3214915" cy="504316"/>
+          </a:xfrm>
+          <a:prstGeom prst="straightConnector1">
+            <a:avLst/>
+          </a:prstGeom>
+          <a:ln>
+            <a:tailEnd type="triangle"/>
+          </a:ln>
+        </p:spPr>
+        <p:style>
+          <a:lnRef idx="1">
+            <a:schemeClr val="accent1"/>
+          </a:lnRef>
+          <a:fillRef idx="0">
+            <a:schemeClr val="accent1"/>
+          </a:fillRef>
+          <a:effectRef idx="0">
+            <a:schemeClr val="accent1"/>
+          </a:effectRef>
+          <a:fontRef idx="minor">
+            <a:schemeClr val="tx1"/>
+          </a:fontRef>
+        </p:style>
+      </p:cxnSp>
+      <p:cxnSp>
+        <p:nvCxnSpPr>
+          <p:cNvPr id="20" name="Straight Arrow Connector 19">
+            <a:extLst>
+              <a:ext uri="{FF2B5EF4-FFF2-40B4-BE49-F238E27FC236}">
+                <a16:creationId xmlns:a16="http://schemas.microsoft.com/office/drawing/2014/main" id="{70ED0F9A-A17C-1A54-FA9B-DAFB4970F961}"/>
+              </a:ext>
+            </a:extLst>
+          </p:cNvPr>
+          <p:cNvCxnSpPr>
+            <a:stCxn id="16" idx="2"/>
+            <a:endCxn id="4" idx="0"/>
+          </p:cNvCxnSpPr>
+          <p:nvPr/>
+        </p:nvCxnSpPr>
+        <p:spPr>
+          <a:xfrm flipH="1">
+            <a:off x="5936343" y="2352560"/>
+            <a:ext cx="646702" cy="714229"/>
+          </a:xfrm>
+          <a:prstGeom prst="straightConnector1">
+            <a:avLst/>
+          </a:prstGeom>
+          <a:ln>
+            <a:tailEnd type="triangle"/>
+          </a:ln>
+        </p:spPr>
+        <p:style>
+          <a:lnRef idx="1">
+            <a:schemeClr val="accent1"/>
+          </a:lnRef>
+          <a:fillRef idx="0">
+            <a:schemeClr val="accent1"/>
+          </a:fillRef>
+          <a:effectRef idx="0">
+            <a:schemeClr val="accent1"/>
+          </a:effectRef>
+          <a:fontRef idx="minor">
+            <a:schemeClr val="tx1"/>
+          </a:fontRef>
+        </p:style>
+      </p:cxnSp>
+      <p:cxnSp>
+        <p:nvCxnSpPr>
+          <p:cNvPr id="22" name="Straight Arrow Connector 21">
+            <a:extLst>
+              <a:ext uri="{FF2B5EF4-FFF2-40B4-BE49-F238E27FC236}">
+                <a16:creationId xmlns:a16="http://schemas.microsoft.com/office/drawing/2014/main" id="{030CA81F-53B8-F6D6-E489-A3A6B09FA111}"/>
+              </a:ext>
+            </a:extLst>
+          </p:cNvPr>
+          <p:cNvCxnSpPr>
+            <a:stCxn id="15" idx="2"/>
+          </p:cNvCxnSpPr>
+          <p:nvPr/>
+        </p:nvCxnSpPr>
+        <p:spPr>
+          <a:xfrm flipH="1">
+            <a:off x="5936343" y="2295694"/>
+            <a:ext cx="4478473" cy="563619"/>
+          </a:xfrm>
+          <a:prstGeom prst="straightConnector1">
+            <a:avLst/>
+          </a:prstGeom>
+          <a:ln>
+            <a:tailEnd type="triangle"/>
+          </a:ln>
+        </p:spPr>
+        <p:style>
+          <a:lnRef idx="1">
+            <a:schemeClr val="accent1"/>
+          </a:lnRef>
+          <a:fillRef idx="0">
+            <a:schemeClr val="accent1"/>
+          </a:fillRef>
+          <a:effectRef idx="0">
+            <a:schemeClr val="accent1"/>
+          </a:effectRef>
+          <a:fontRef idx="minor">
+            <a:schemeClr val="tx1"/>
+          </a:fontRef>
+        </p:style>
+      </p:cxnSp>
+    </p:spTree>
+    <p:extLst>
+      <p:ext uri="{BB962C8B-B14F-4D97-AF65-F5344CB8AC3E}">
+        <p14:creationId xmlns:p14="http://schemas.microsoft.com/office/powerpoint/2010/main" val="2629242180"/>
+      </p:ext>
+    </p:extLst>
+  </p:cSld>
+  <p:clrMapOvr>
+    <a:masterClrMapping/>
+  </p:clrMapOvr>
+</p:sld>
+</file>
+
 <file path=ppt/slides/slide3.xml><?xml version="1.0" encoding="utf-8"?>
 <p:sld xmlns:a="http://schemas.openxmlformats.org/drawingml/2006/main" xmlns:r="http://schemas.openxmlformats.org/officeDocument/2006/relationships" xmlns:p="http://schemas.openxmlformats.org/presentationml/2006/main">
   <p:cSld>
@@ -9388,6 +11511,1211 @@
     <p:extLst>
       <p:ext uri="{BB962C8B-B14F-4D97-AF65-F5344CB8AC3E}">
         <p14:creationId xmlns:p14="http://schemas.microsoft.com/office/powerpoint/2010/main" val="3424646238"/>
+      </p:ext>
+    </p:extLst>
+  </p:cSld>
+  <p:clrMapOvr>
+    <a:masterClrMapping/>
+  </p:clrMapOvr>
+</p:sld>
+</file>
+
+<file path=ppt/slides/slide30.xml><?xml version="1.0" encoding="utf-8"?>
+<p:sld xmlns:a="http://schemas.openxmlformats.org/drawingml/2006/main" xmlns:r="http://schemas.openxmlformats.org/officeDocument/2006/relationships" xmlns:p="http://schemas.openxmlformats.org/presentationml/2006/main">
+  <p:cSld>
+    <p:spTree>
+      <p:nvGrpSpPr>
+        <p:cNvPr id="1" name=""/>
+        <p:cNvGrpSpPr/>
+        <p:nvPr/>
+      </p:nvGrpSpPr>
+      <p:grpSpPr>
+        <a:xfrm>
+          <a:off x="0" y="0"/>
+          <a:ext cx="0" cy="0"/>
+          <a:chOff x="0" y="0"/>
+          <a:chExt cx="0" cy="0"/>
+        </a:xfrm>
+      </p:grpSpPr>
+      <p:sp>
+        <p:nvSpPr>
+          <p:cNvPr id="2" name="Title 1">
+            <a:extLst>
+              <a:ext uri="{FF2B5EF4-FFF2-40B4-BE49-F238E27FC236}">
+                <a16:creationId xmlns:a16="http://schemas.microsoft.com/office/drawing/2014/main" id="{CD07C21A-CF6F-4D1F-3780-BC76EF922A35}"/>
+              </a:ext>
+            </a:extLst>
+          </p:cNvPr>
+          <p:cNvSpPr>
+            <a:spLocks noGrp="1"/>
+          </p:cNvSpPr>
+          <p:nvPr>
+            <p:ph type="title"/>
+          </p:nvPr>
+        </p:nvSpPr>
+        <p:spPr>
+          <a:xfrm>
+            <a:off x="838200" y="365125"/>
+            <a:ext cx="10515600" cy="970189"/>
+          </a:xfrm>
+        </p:spPr>
+        <p:txBody>
+          <a:bodyPr/>
+          <a:lstStyle/>
+          <a:p>
+            <a:r>
+              <a:rPr lang="en-US" dirty="0"/>
+              <a:t>Syntax</a:t>
+            </a:r>
+          </a:p>
+        </p:txBody>
+      </p:sp>
+      <p:sp>
+        <p:nvSpPr>
+          <p:cNvPr id="3" name="Content Placeholder 2">
+            <a:extLst>
+              <a:ext uri="{FF2B5EF4-FFF2-40B4-BE49-F238E27FC236}">
+                <a16:creationId xmlns:a16="http://schemas.microsoft.com/office/drawing/2014/main" id="{FBEB6C44-28DF-17E1-C5BE-D5C8AF84287A}"/>
+              </a:ext>
+            </a:extLst>
+          </p:cNvPr>
+          <p:cNvSpPr>
+            <a:spLocks noGrp="1"/>
+          </p:cNvSpPr>
+          <p:nvPr>
+            <p:ph idx="1"/>
+          </p:nvPr>
+        </p:nvSpPr>
+        <p:spPr>
+          <a:xfrm>
+            <a:off x="838200" y="1335314"/>
+            <a:ext cx="10515600" cy="4841649"/>
+          </a:xfrm>
+        </p:spPr>
+        <p:txBody>
+          <a:bodyPr>
+            <a:normAutofit lnSpcReduction="10000"/>
+          </a:bodyPr>
+          <a:lstStyle/>
+          <a:p>
+            <a:pPr marL="0" indent="0">
+              <a:buNone/>
+            </a:pPr>
+            <a:r>
+              <a:rPr lang="en-US" sz="2400" dirty="0"/>
+              <a:t>Let p1= new Promise(function(</a:t>
+            </a:r>
+            <a:r>
+              <a:rPr lang="en-US" sz="2400" dirty="0" err="1"/>
+              <a:t>resolve,reject</a:t>
+            </a:r>
+            <a:r>
+              <a:rPr lang="en-US" sz="2400" dirty="0"/>
+              <a:t>){</a:t>
+            </a:r>
+          </a:p>
+          <a:p>
+            <a:pPr marL="0" indent="0">
+              <a:buNone/>
+            </a:pPr>
+            <a:r>
+              <a:rPr lang="en-US" sz="2400" dirty="0"/>
+              <a:t>Console.log(“First Promise”):</a:t>
+            </a:r>
+          </a:p>
+          <a:p>
+            <a:pPr marL="0" indent="0">
+              <a:buNone/>
+            </a:pPr>
+            <a:r>
+              <a:rPr lang="en-US" sz="2400" dirty="0"/>
+              <a:t>Resolve(“First”);</a:t>
+            </a:r>
+          </a:p>
+          <a:p>
+            <a:pPr marL="0" indent="0">
+              <a:buNone/>
+            </a:pPr>
+            <a:r>
+              <a:rPr lang="en-US" sz="2400" dirty="0"/>
+              <a:t>}</a:t>
+            </a:r>
+          </a:p>
+          <a:p>
+            <a:pPr marL="0" indent="0">
+              <a:buNone/>
+            </a:pPr>
+            <a:endParaRPr lang="en-US" sz="2400" dirty="0"/>
+          </a:p>
+          <a:p>
+            <a:pPr marL="0" indent="0">
+              <a:buNone/>
+            </a:pPr>
+            <a:r>
+              <a:rPr lang="en-US" sz="2400" dirty="0"/>
+              <a:t>Let p2= new Promise(function(</a:t>
+            </a:r>
+            <a:r>
+              <a:rPr lang="en-US" sz="2400" dirty="0" err="1"/>
+              <a:t>resolve,reject</a:t>
+            </a:r>
+            <a:r>
+              <a:rPr lang="en-US" sz="2400" dirty="0"/>
+              <a:t>){</a:t>
+            </a:r>
+          </a:p>
+          <a:p>
+            <a:pPr marL="0" indent="0">
+              <a:buNone/>
+            </a:pPr>
+            <a:r>
+              <a:rPr lang="en-US" sz="2400" dirty="0"/>
+              <a:t>Console.log(“Second Promise”):</a:t>
+            </a:r>
+          </a:p>
+          <a:p>
+            <a:pPr marL="0" indent="0">
+              <a:buNone/>
+            </a:pPr>
+            <a:r>
+              <a:rPr lang="en-US" sz="2400" dirty="0"/>
+              <a:t>Resolve(“Second”);</a:t>
+            </a:r>
+          </a:p>
+          <a:p>
+            <a:pPr marL="0" indent="0">
+              <a:buNone/>
+            </a:pPr>
+            <a:r>
+              <a:rPr lang="en-US" sz="2400" dirty="0"/>
+              <a:t>}</a:t>
+            </a:r>
+          </a:p>
+          <a:p>
+            <a:pPr marL="0" indent="0">
+              <a:buNone/>
+            </a:pPr>
+            <a:endParaRPr lang="en-US" sz="2400" dirty="0"/>
+          </a:p>
+          <a:p>
+            <a:pPr marL="0" indent="0">
+              <a:buNone/>
+            </a:pPr>
+            <a:r>
+              <a:rPr lang="en-US" sz="2400" dirty="0" err="1"/>
+              <a:t>Promise.all</a:t>
+            </a:r>
+            <a:r>
+              <a:rPr lang="en-US" sz="2400" dirty="0"/>
+              <a:t>([p1,p2]).then().catch();</a:t>
+            </a:r>
+          </a:p>
+        </p:txBody>
+      </p:sp>
+    </p:spTree>
+    <p:extLst>
+      <p:ext uri="{BB962C8B-B14F-4D97-AF65-F5344CB8AC3E}">
+        <p14:creationId xmlns:p14="http://schemas.microsoft.com/office/powerpoint/2010/main" val="849423248"/>
+      </p:ext>
+    </p:extLst>
+  </p:cSld>
+  <p:clrMapOvr>
+    <a:masterClrMapping/>
+  </p:clrMapOvr>
+</p:sld>
+</file>
+
+<file path=ppt/slides/slide31.xml><?xml version="1.0" encoding="utf-8"?>
+<p:sld xmlns:a="http://schemas.openxmlformats.org/drawingml/2006/main" xmlns:r="http://schemas.openxmlformats.org/officeDocument/2006/relationships" xmlns:p="http://schemas.openxmlformats.org/presentationml/2006/main">
+  <p:cSld>
+    <p:spTree>
+      <p:nvGrpSpPr>
+        <p:cNvPr id="1" name=""/>
+        <p:cNvGrpSpPr/>
+        <p:nvPr/>
+      </p:nvGrpSpPr>
+      <p:grpSpPr>
+        <a:xfrm>
+          <a:off x="0" y="0"/>
+          <a:ext cx="0" cy="0"/>
+          <a:chOff x="0" y="0"/>
+          <a:chExt cx="0" cy="0"/>
+        </a:xfrm>
+      </p:grpSpPr>
+      <p:sp>
+        <p:nvSpPr>
+          <p:cNvPr id="2" name="Title 1">
+            <a:extLst>
+              <a:ext uri="{FF2B5EF4-FFF2-40B4-BE49-F238E27FC236}">
+                <a16:creationId xmlns:a16="http://schemas.microsoft.com/office/drawing/2014/main" id="{98E83C01-3313-E092-7178-504B94EABCC2}"/>
+              </a:ext>
+            </a:extLst>
+          </p:cNvPr>
+          <p:cNvSpPr>
+            <a:spLocks noGrp="1"/>
+          </p:cNvSpPr>
+          <p:nvPr>
+            <p:ph type="title"/>
+          </p:nvPr>
+        </p:nvSpPr>
+        <p:spPr/>
+        <p:txBody>
+          <a:bodyPr/>
+          <a:lstStyle/>
+          <a:p>
+            <a:r>
+              <a:rPr lang="en-US" dirty="0"/>
+              <a:t>Array of Objects</a:t>
+            </a:r>
+          </a:p>
+        </p:txBody>
+      </p:sp>
+      <p:sp>
+        <p:nvSpPr>
+          <p:cNvPr id="3" name="Content Placeholder 2">
+            <a:extLst>
+              <a:ext uri="{FF2B5EF4-FFF2-40B4-BE49-F238E27FC236}">
+                <a16:creationId xmlns:a16="http://schemas.microsoft.com/office/drawing/2014/main" id="{80649C1D-2C1F-4225-9DEE-19365203C72D}"/>
+              </a:ext>
+            </a:extLst>
+          </p:cNvPr>
+          <p:cNvSpPr>
+            <a:spLocks noGrp="1"/>
+          </p:cNvSpPr>
+          <p:nvPr>
+            <p:ph idx="1"/>
+          </p:nvPr>
+        </p:nvSpPr>
+        <p:spPr/>
+        <p:txBody>
+          <a:bodyPr/>
+          <a:lstStyle/>
+          <a:p>
+            <a:pPr marL="0" indent="0">
+              <a:buNone/>
+            </a:pPr>
+            <a:r>
+              <a:rPr lang="en-US" dirty="0"/>
+              <a:t>Var student = [</a:t>
+            </a:r>
+          </a:p>
+          <a:p>
+            <a:pPr marL="0" indent="0">
+              <a:buNone/>
+            </a:pPr>
+            <a:r>
+              <a:rPr lang="en-US" dirty="0"/>
+              <a:t>		{Name:”Ram”,Age:15},</a:t>
+            </a:r>
+          </a:p>
+          <a:p>
+            <a:pPr marL="0" indent="0">
+              <a:buNone/>
+            </a:pPr>
+            <a:r>
+              <a:rPr lang="en-US" dirty="0"/>
+              <a:t>		{Name:”Karam”,Age:25},</a:t>
+            </a:r>
+          </a:p>
+          <a:p>
+            <a:pPr marL="0" indent="0">
+              <a:buNone/>
+            </a:pPr>
+            <a:r>
+              <a:rPr lang="en-US" dirty="0"/>
+              <a:t>		{Name:”Shyam”,Age:35}];</a:t>
+            </a:r>
+          </a:p>
+          <a:p>
+            <a:pPr marL="0" indent="0">
+              <a:buNone/>
+            </a:pPr>
+            <a:endParaRPr lang="en-US" dirty="0"/>
+          </a:p>
+        </p:txBody>
+      </p:sp>
+    </p:spTree>
+    <p:extLst>
+      <p:ext uri="{BB962C8B-B14F-4D97-AF65-F5344CB8AC3E}">
+        <p14:creationId xmlns:p14="http://schemas.microsoft.com/office/powerpoint/2010/main" val="1683002880"/>
+      </p:ext>
+    </p:extLst>
+  </p:cSld>
+  <p:clrMapOvr>
+    <a:masterClrMapping/>
+  </p:clrMapOvr>
+</p:sld>
+</file>
+
+<file path=ppt/slides/slide32.xml><?xml version="1.0" encoding="utf-8"?>
+<p:sld xmlns:a="http://schemas.openxmlformats.org/drawingml/2006/main" xmlns:r="http://schemas.openxmlformats.org/officeDocument/2006/relationships" xmlns:p="http://schemas.openxmlformats.org/presentationml/2006/main">
+  <p:cSld>
+    <p:spTree>
+      <p:nvGrpSpPr>
+        <p:cNvPr id="1" name=""/>
+        <p:cNvGrpSpPr/>
+        <p:nvPr/>
+      </p:nvGrpSpPr>
+      <p:grpSpPr>
+        <a:xfrm>
+          <a:off x="0" y="0"/>
+          <a:ext cx="0" cy="0"/>
+          <a:chOff x="0" y="0"/>
+          <a:chExt cx="0" cy="0"/>
+        </a:xfrm>
+      </p:grpSpPr>
+      <p:sp>
+        <p:nvSpPr>
+          <p:cNvPr id="2" name="Title 1">
+            <a:extLst>
+              <a:ext uri="{FF2B5EF4-FFF2-40B4-BE49-F238E27FC236}">
+                <a16:creationId xmlns:a16="http://schemas.microsoft.com/office/drawing/2014/main" id="{363CCA29-AA5D-59D3-662E-25E62BF2A916}"/>
+              </a:ext>
+            </a:extLst>
+          </p:cNvPr>
+          <p:cNvSpPr>
+            <a:spLocks noGrp="1"/>
+          </p:cNvSpPr>
+          <p:nvPr>
+            <p:ph type="title"/>
+          </p:nvPr>
+        </p:nvSpPr>
+        <p:spPr/>
+        <p:txBody>
+          <a:bodyPr/>
+          <a:lstStyle/>
+          <a:p>
+            <a:r>
+              <a:rPr lang="en-US" dirty="0"/>
+              <a:t>Const variable with Array &amp; objects</a:t>
+            </a:r>
+          </a:p>
+        </p:txBody>
+      </p:sp>
+      <p:sp>
+        <p:nvSpPr>
+          <p:cNvPr id="3" name="Content Placeholder 2">
+            <a:extLst>
+              <a:ext uri="{FF2B5EF4-FFF2-40B4-BE49-F238E27FC236}">
+                <a16:creationId xmlns:a16="http://schemas.microsoft.com/office/drawing/2014/main" id="{46DABC06-E595-3D62-D1B9-AB954BF73C73}"/>
+              </a:ext>
+            </a:extLst>
+          </p:cNvPr>
+          <p:cNvSpPr>
+            <a:spLocks noGrp="1"/>
+          </p:cNvSpPr>
+          <p:nvPr>
+            <p:ph idx="1"/>
+          </p:nvPr>
+        </p:nvSpPr>
+        <p:spPr/>
+        <p:txBody>
+          <a:bodyPr/>
+          <a:lstStyle/>
+          <a:p>
+            <a:endParaRPr lang="en-US"/>
+          </a:p>
+        </p:txBody>
+      </p:sp>
+    </p:spTree>
+    <p:extLst>
+      <p:ext uri="{BB962C8B-B14F-4D97-AF65-F5344CB8AC3E}">
+        <p14:creationId xmlns:p14="http://schemas.microsoft.com/office/powerpoint/2010/main" val="3771722486"/>
+      </p:ext>
+    </p:extLst>
+  </p:cSld>
+  <p:clrMapOvr>
+    <a:masterClrMapping/>
+  </p:clrMapOvr>
+</p:sld>
+</file>
+
+<file path=ppt/slides/slide33.xml><?xml version="1.0" encoding="utf-8"?>
+<p:sld xmlns:a="http://schemas.openxmlformats.org/drawingml/2006/main" xmlns:r="http://schemas.openxmlformats.org/officeDocument/2006/relationships" xmlns:p="http://schemas.openxmlformats.org/presentationml/2006/main">
+  <p:cSld>
+    <p:spTree>
+      <p:nvGrpSpPr>
+        <p:cNvPr id="1" name=""/>
+        <p:cNvGrpSpPr/>
+        <p:nvPr/>
+      </p:nvGrpSpPr>
+      <p:grpSpPr>
+        <a:xfrm>
+          <a:off x="0" y="0"/>
+          <a:ext cx="0" cy="0"/>
+          <a:chOff x="0" y="0"/>
+          <a:chExt cx="0" cy="0"/>
+        </a:xfrm>
+      </p:grpSpPr>
+      <p:sp>
+        <p:nvSpPr>
+          <p:cNvPr id="2" name="Title 1">
+            <a:extLst>
+              <a:ext uri="{FF2B5EF4-FFF2-40B4-BE49-F238E27FC236}">
+                <a16:creationId xmlns:a16="http://schemas.microsoft.com/office/drawing/2014/main" id="{5A5B27C4-354F-BAF9-57F2-F7A3CE12D8C9}"/>
+              </a:ext>
+            </a:extLst>
+          </p:cNvPr>
+          <p:cNvSpPr>
+            <a:spLocks noGrp="1"/>
+          </p:cNvSpPr>
+          <p:nvPr>
+            <p:ph type="title"/>
+          </p:nvPr>
+        </p:nvSpPr>
+        <p:spPr/>
+        <p:txBody>
+          <a:bodyPr/>
+          <a:lstStyle/>
+          <a:p>
+            <a:r>
+              <a:rPr lang="en-US" dirty="0"/>
+              <a:t>For/in Loop</a:t>
+            </a:r>
+          </a:p>
+        </p:txBody>
+      </p:sp>
+      <p:sp>
+        <p:nvSpPr>
+          <p:cNvPr id="3" name="Content Placeholder 2">
+            <a:extLst>
+              <a:ext uri="{FF2B5EF4-FFF2-40B4-BE49-F238E27FC236}">
+                <a16:creationId xmlns:a16="http://schemas.microsoft.com/office/drawing/2014/main" id="{68FE156C-A686-D5D3-59A7-79804FC49D07}"/>
+              </a:ext>
+            </a:extLst>
+          </p:cNvPr>
+          <p:cNvSpPr>
+            <a:spLocks noGrp="1"/>
+          </p:cNvSpPr>
+          <p:nvPr>
+            <p:ph idx="1"/>
+          </p:nvPr>
+        </p:nvSpPr>
+        <p:spPr/>
+        <p:txBody>
+          <a:bodyPr/>
+          <a:lstStyle/>
+          <a:p>
+            <a:pPr marL="0" indent="0">
+              <a:buNone/>
+            </a:pPr>
+            <a:r>
+              <a:rPr lang="en-US" dirty="0"/>
+              <a:t>While loop</a:t>
+            </a:r>
+          </a:p>
+          <a:p>
+            <a:pPr marL="0" indent="0">
+              <a:buNone/>
+            </a:pPr>
+            <a:r>
+              <a:rPr lang="en-US" dirty="0"/>
+              <a:t>Do/while loop</a:t>
+            </a:r>
+          </a:p>
+          <a:p>
+            <a:pPr marL="0" indent="0">
+              <a:buNone/>
+            </a:pPr>
+            <a:r>
+              <a:rPr lang="en-US" dirty="0"/>
+              <a:t>For loop</a:t>
+            </a:r>
+          </a:p>
+          <a:p>
+            <a:pPr marL="0" indent="0">
+              <a:buNone/>
+            </a:pPr>
+            <a:r>
+              <a:rPr lang="en-US" dirty="0"/>
+              <a:t>For Each</a:t>
+            </a:r>
+          </a:p>
+          <a:p>
+            <a:pPr marL="0" indent="0">
+              <a:buNone/>
+            </a:pPr>
+            <a:r>
+              <a:rPr lang="en-US" dirty="0"/>
+              <a:t>For/in loop</a:t>
+            </a:r>
+          </a:p>
+        </p:txBody>
+      </p:sp>
+    </p:spTree>
+    <p:extLst>
+      <p:ext uri="{BB962C8B-B14F-4D97-AF65-F5344CB8AC3E}">
+        <p14:creationId xmlns:p14="http://schemas.microsoft.com/office/powerpoint/2010/main" val="1721617722"/>
+      </p:ext>
+    </p:extLst>
+  </p:cSld>
+  <p:clrMapOvr>
+    <a:masterClrMapping/>
+  </p:clrMapOvr>
+</p:sld>
+</file>
+
+<file path=ppt/slides/slide34.xml><?xml version="1.0" encoding="utf-8"?>
+<p:sld xmlns:a="http://schemas.openxmlformats.org/drawingml/2006/main" xmlns:r="http://schemas.openxmlformats.org/officeDocument/2006/relationships" xmlns:p="http://schemas.openxmlformats.org/presentationml/2006/main">
+  <p:cSld>
+    <p:spTree>
+      <p:nvGrpSpPr>
+        <p:cNvPr id="1" name=""/>
+        <p:cNvGrpSpPr/>
+        <p:nvPr/>
+      </p:nvGrpSpPr>
+      <p:grpSpPr>
+        <a:xfrm>
+          <a:off x="0" y="0"/>
+          <a:ext cx="0" cy="0"/>
+          <a:chOff x="0" y="0"/>
+          <a:chExt cx="0" cy="0"/>
+        </a:xfrm>
+      </p:grpSpPr>
+      <p:sp>
+        <p:nvSpPr>
+          <p:cNvPr id="2" name="Title 1">
+            <a:extLst>
+              <a:ext uri="{FF2B5EF4-FFF2-40B4-BE49-F238E27FC236}">
+                <a16:creationId xmlns:a16="http://schemas.microsoft.com/office/drawing/2014/main" id="{0E766A60-7588-F35F-CF17-835ACC70A7D7}"/>
+              </a:ext>
+            </a:extLst>
+          </p:cNvPr>
+          <p:cNvSpPr>
+            <a:spLocks noGrp="1"/>
+          </p:cNvSpPr>
+          <p:nvPr>
+            <p:ph type="title"/>
+          </p:nvPr>
+        </p:nvSpPr>
+        <p:spPr/>
+        <p:txBody>
+          <a:bodyPr/>
+          <a:lstStyle/>
+          <a:p>
+            <a:endParaRPr lang="en-US"/>
+          </a:p>
+        </p:txBody>
+      </p:sp>
+      <p:sp>
+        <p:nvSpPr>
+          <p:cNvPr id="3" name="Content Placeholder 2">
+            <a:extLst>
+              <a:ext uri="{FF2B5EF4-FFF2-40B4-BE49-F238E27FC236}">
+                <a16:creationId xmlns:a16="http://schemas.microsoft.com/office/drawing/2014/main" id="{1A327774-F209-16D0-D5C8-99CB52B92367}"/>
+              </a:ext>
+            </a:extLst>
+          </p:cNvPr>
+          <p:cNvSpPr>
+            <a:spLocks noGrp="1"/>
+          </p:cNvSpPr>
+          <p:nvPr>
+            <p:ph idx="1"/>
+          </p:nvPr>
+        </p:nvSpPr>
+        <p:spPr>
+          <a:xfrm>
+            <a:off x="838200" y="1825625"/>
+            <a:ext cx="4749800" cy="4351338"/>
+          </a:xfrm>
+        </p:spPr>
+        <p:txBody>
+          <a:bodyPr/>
+          <a:lstStyle/>
+          <a:p>
+            <a:pPr marL="0" indent="0">
+              <a:buNone/>
+            </a:pPr>
+            <a:r>
+              <a:rPr lang="en-US" dirty="0"/>
+              <a:t>Var a = { </a:t>
+            </a:r>
+          </a:p>
+          <a:p>
+            <a:pPr marL="0" indent="0">
+              <a:buNone/>
+            </a:pPr>
+            <a:r>
+              <a:rPr lang="en-US" dirty="0"/>
+              <a:t>	</a:t>
+            </a:r>
+            <a:r>
+              <a:rPr lang="en-US" dirty="0" err="1"/>
+              <a:t>firstName</a:t>
+            </a:r>
+            <a:r>
+              <a:rPr lang="en-US" dirty="0"/>
+              <a:t> : “Ram”,</a:t>
+            </a:r>
+          </a:p>
+          <a:p>
+            <a:pPr marL="0" indent="0">
+              <a:buNone/>
+            </a:pPr>
+            <a:r>
+              <a:rPr lang="en-US" dirty="0"/>
+              <a:t>	</a:t>
+            </a:r>
+            <a:r>
+              <a:rPr lang="en-US" dirty="0" err="1"/>
+              <a:t>lastName</a:t>
+            </a:r>
+            <a:r>
+              <a:rPr lang="en-US" dirty="0"/>
+              <a:t>: “Sharma”,</a:t>
+            </a:r>
+          </a:p>
+          <a:p>
+            <a:pPr marL="0" indent="0">
+              <a:buNone/>
+            </a:pPr>
+            <a:r>
+              <a:rPr lang="en-US" dirty="0"/>
+              <a:t>	age:18,</a:t>
+            </a:r>
+          </a:p>
+          <a:p>
+            <a:pPr marL="0" indent="0">
+              <a:buNone/>
+            </a:pPr>
+            <a:r>
+              <a:rPr lang="en-US" dirty="0"/>
+              <a:t>	</a:t>
+            </a:r>
+            <a:r>
+              <a:rPr lang="en-US" dirty="0" err="1"/>
+              <a:t>country:”India</a:t>
+            </a:r>
+            <a:r>
+              <a:rPr lang="en-US" dirty="0"/>
+              <a:t>”</a:t>
+            </a:r>
+          </a:p>
+          <a:p>
+            <a:pPr marL="0" indent="0">
+              <a:buNone/>
+            </a:pPr>
+            <a:r>
+              <a:rPr lang="en-US" dirty="0"/>
+              <a:t>};</a:t>
+            </a:r>
+          </a:p>
+          <a:p>
+            <a:pPr marL="0" indent="0">
+              <a:buNone/>
+            </a:pPr>
+            <a:endParaRPr lang="en-US" dirty="0"/>
+          </a:p>
+        </p:txBody>
+      </p:sp>
+      <p:sp>
+        <p:nvSpPr>
+          <p:cNvPr id="4" name="Content Placeholder 2">
+            <a:extLst>
+              <a:ext uri="{FF2B5EF4-FFF2-40B4-BE49-F238E27FC236}">
+                <a16:creationId xmlns:a16="http://schemas.microsoft.com/office/drawing/2014/main" id="{AB8D29C2-6A6C-8E84-4E0E-41F262FFFC8A}"/>
+              </a:ext>
+            </a:extLst>
+          </p:cNvPr>
+          <p:cNvSpPr txBox="1">
+            <a:spLocks/>
+          </p:cNvSpPr>
+          <p:nvPr/>
+        </p:nvSpPr>
+        <p:spPr>
+          <a:xfrm>
+            <a:off x="6096000" y="1825625"/>
+            <a:ext cx="4749800" cy="2514146"/>
+          </a:xfrm>
+          <a:prstGeom prst="rect">
+            <a:avLst/>
+          </a:prstGeom>
+        </p:spPr>
+        <p:txBody>
+          <a:bodyPr vert="horz" lIns="91440" tIns="45720" rIns="91440" bIns="45720" rtlCol="0">
+            <a:normAutofit/>
+          </a:bodyPr>
+          <a:lstStyle>
+            <a:lvl1pPr marL="228600" indent="-228600" algn="l" defTabSz="914400" rtl="0" eaLnBrk="1" latinLnBrk="0" hangingPunct="1">
+              <a:lnSpc>
+                <a:spcPct val="90000"/>
+              </a:lnSpc>
+              <a:spcBef>
+                <a:spcPts val="1000"/>
+              </a:spcBef>
+              <a:buFont typeface="Arial" panose="020B0604020202020204" pitchFamily="34" charset="0"/>
+              <a:buChar char="•"/>
+              <a:defRPr sz="2800" kern="1200">
+                <a:solidFill>
+                  <a:schemeClr val="tx1"/>
+                </a:solidFill>
+                <a:latin typeface="+mn-lt"/>
+                <a:ea typeface="+mn-ea"/>
+                <a:cs typeface="+mn-cs"/>
+              </a:defRPr>
+            </a:lvl1pPr>
+            <a:lvl2pPr marL="685800" indent="-228600" algn="l" defTabSz="914400" rtl="0" eaLnBrk="1" latinLnBrk="0" hangingPunct="1">
+              <a:lnSpc>
+                <a:spcPct val="90000"/>
+              </a:lnSpc>
+              <a:spcBef>
+                <a:spcPts val="500"/>
+              </a:spcBef>
+              <a:buFont typeface="Arial" panose="020B0604020202020204" pitchFamily="34" charset="0"/>
+              <a:buChar char="•"/>
+              <a:defRPr sz="2400" kern="1200">
+                <a:solidFill>
+                  <a:schemeClr val="tx1"/>
+                </a:solidFill>
+                <a:latin typeface="+mn-lt"/>
+                <a:ea typeface="+mn-ea"/>
+                <a:cs typeface="+mn-cs"/>
+              </a:defRPr>
+            </a:lvl2pPr>
+            <a:lvl3pPr marL="1143000" indent="-228600" algn="l" defTabSz="914400" rtl="0" eaLnBrk="1" latinLnBrk="0" hangingPunct="1">
+              <a:lnSpc>
+                <a:spcPct val="90000"/>
+              </a:lnSpc>
+              <a:spcBef>
+                <a:spcPts val="500"/>
+              </a:spcBef>
+              <a:buFont typeface="Arial" panose="020B0604020202020204" pitchFamily="34" charset="0"/>
+              <a:buChar char="•"/>
+              <a:defRPr sz="2000" kern="1200">
+                <a:solidFill>
+                  <a:schemeClr val="tx1"/>
+                </a:solidFill>
+                <a:latin typeface="+mn-lt"/>
+                <a:ea typeface="+mn-ea"/>
+                <a:cs typeface="+mn-cs"/>
+              </a:defRPr>
+            </a:lvl3pPr>
+            <a:lvl4pPr marL="1600200" indent="-228600" algn="l" defTabSz="914400" rtl="0" eaLnBrk="1" latinLnBrk="0" hangingPunct="1">
+              <a:lnSpc>
+                <a:spcPct val="90000"/>
+              </a:lnSpc>
+              <a:spcBef>
+                <a:spcPts val="500"/>
+              </a:spcBef>
+              <a:buFont typeface="Arial" panose="020B0604020202020204" pitchFamily="34" charset="0"/>
+              <a:buChar char="•"/>
+              <a:defRPr sz="1800" kern="1200">
+                <a:solidFill>
+                  <a:schemeClr val="tx1"/>
+                </a:solidFill>
+                <a:latin typeface="+mn-lt"/>
+                <a:ea typeface="+mn-ea"/>
+                <a:cs typeface="+mn-cs"/>
+              </a:defRPr>
+            </a:lvl4pPr>
+            <a:lvl5pPr marL="2057400" indent="-228600" algn="l" defTabSz="914400" rtl="0" eaLnBrk="1" latinLnBrk="0" hangingPunct="1">
+              <a:lnSpc>
+                <a:spcPct val="90000"/>
+              </a:lnSpc>
+              <a:spcBef>
+                <a:spcPts val="500"/>
+              </a:spcBef>
+              <a:buFont typeface="Arial" panose="020B0604020202020204" pitchFamily="34" charset="0"/>
+              <a:buChar char="•"/>
+              <a:defRPr sz="1800" kern="1200">
+                <a:solidFill>
+                  <a:schemeClr val="tx1"/>
+                </a:solidFill>
+                <a:latin typeface="+mn-lt"/>
+                <a:ea typeface="+mn-ea"/>
+                <a:cs typeface="+mn-cs"/>
+              </a:defRPr>
+            </a:lvl5pPr>
+            <a:lvl6pPr marL="2514600" indent="-228600" algn="l" defTabSz="914400" rtl="0" eaLnBrk="1" latinLnBrk="0" hangingPunct="1">
+              <a:lnSpc>
+                <a:spcPct val="90000"/>
+              </a:lnSpc>
+              <a:spcBef>
+                <a:spcPts val="500"/>
+              </a:spcBef>
+              <a:buFont typeface="Arial" panose="020B0604020202020204" pitchFamily="34" charset="0"/>
+              <a:buChar char="•"/>
+              <a:defRPr sz="1800" kern="1200">
+                <a:solidFill>
+                  <a:schemeClr val="tx1"/>
+                </a:solidFill>
+                <a:latin typeface="+mn-lt"/>
+                <a:ea typeface="+mn-ea"/>
+                <a:cs typeface="+mn-cs"/>
+              </a:defRPr>
+            </a:lvl6pPr>
+            <a:lvl7pPr marL="2971800" indent="-228600" algn="l" defTabSz="914400" rtl="0" eaLnBrk="1" latinLnBrk="0" hangingPunct="1">
+              <a:lnSpc>
+                <a:spcPct val="90000"/>
+              </a:lnSpc>
+              <a:spcBef>
+                <a:spcPts val="500"/>
+              </a:spcBef>
+              <a:buFont typeface="Arial" panose="020B0604020202020204" pitchFamily="34" charset="0"/>
+              <a:buChar char="•"/>
+              <a:defRPr sz="1800" kern="1200">
+                <a:solidFill>
+                  <a:schemeClr val="tx1"/>
+                </a:solidFill>
+                <a:latin typeface="+mn-lt"/>
+                <a:ea typeface="+mn-ea"/>
+                <a:cs typeface="+mn-cs"/>
+              </a:defRPr>
+            </a:lvl7pPr>
+            <a:lvl8pPr marL="3429000" indent="-228600" algn="l" defTabSz="914400" rtl="0" eaLnBrk="1" latinLnBrk="0" hangingPunct="1">
+              <a:lnSpc>
+                <a:spcPct val="90000"/>
+              </a:lnSpc>
+              <a:spcBef>
+                <a:spcPts val="500"/>
+              </a:spcBef>
+              <a:buFont typeface="Arial" panose="020B0604020202020204" pitchFamily="34" charset="0"/>
+              <a:buChar char="•"/>
+              <a:defRPr sz="1800" kern="1200">
+                <a:solidFill>
+                  <a:schemeClr val="tx1"/>
+                </a:solidFill>
+                <a:latin typeface="+mn-lt"/>
+                <a:ea typeface="+mn-ea"/>
+                <a:cs typeface="+mn-cs"/>
+              </a:defRPr>
+            </a:lvl8pPr>
+            <a:lvl9pPr marL="3886200" indent="-228600" algn="l" defTabSz="914400" rtl="0" eaLnBrk="1" latinLnBrk="0" hangingPunct="1">
+              <a:lnSpc>
+                <a:spcPct val="90000"/>
+              </a:lnSpc>
+              <a:spcBef>
+                <a:spcPts val="500"/>
+              </a:spcBef>
+              <a:buFont typeface="Arial" panose="020B0604020202020204" pitchFamily="34" charset="0"/>
+              <a:buChar char="•"/>
+              <a:defRPr sz="1800" kern="1200">
+                <a:solidFill>
+                  <a:schemeClr val="tx1"/>
+                </a:solidFill>
+                <a:latin typeface="+mn-lt"/>
+                <a:ea typeface="+mn-ea"/>
+                <a:cs typeface="+mn-cs"/>
+              </a:defRPr>
+            </a:lvl9pPr>
+          </a:lstStyle>
+          <a:p>
+            <a:pPr marL="0" indent="0">
+              <a:buFont typeface="Arial" panose="020B0604020202020204" pitchFamily="34" charset="0"/>
+              <a:buNone/>
+            </a:pPr>
+            <a:r>
+              <a:rPr lang="en-US" dirty="0"/>
+              <a:t>console.log(</a:t>
+            </a:r>
+            <a:r>
+              <a:rPr lang="en-US" dirty="0" err="1"/>
+              <a:t>a.firstName</a:t>
+            </a:r>
+            <a:r>
+              <a:rPr lang="en-US" dirty="0"/>
+              <a:t>);</a:t>
+            </a:r>
+          </a:p>
+          <a:p>
+            <a:pPr marL="0" indent="0">
+              <a:buNone/>
+            </a:pPr>
+            <a:r>
+              <a:rPr lang="en-US" dirty="0"/>
+              <a:t>console.log(</a:t>
+            </a:r>
+            <a:r>
+              <a:rPr lang="en-US" dirty="0" err="1"/>
+              <a:t>a.lastName</a:t>
+            </a:r>
+            <a:r>
+              <a:rPr lang="en-US" dirty="0"/>
+              <a:t>);</a:t>
+            </a:r>
+          </a:p>
+          <a:p>
+            <a:pPr marL="0" indent="0">
+              <a:buNone/>
+            </a:pPr>
+            <a:r>
+              <a:rPr lang="en-US" dirty="0"/>
+              <a:t>Console.log(</a:t>
+            </a:r>
+            <a:r>
+              <a:rPr lang="en-US" dirty="0" err="1"/>
+              <a:t>a.age</a:t>
+            </a:r>
+            <a:r>
+              <a:rPr lang="en-US" dirty="0"/>
+              <a:t>);</a:t>
+            </a:r>
+          </a:p>
+          <a:p>
+            <a:pPr marL="0" indent="0">
+              <a:buNone/>
+            </a:pPr>
+            <a:r>
+              <a:rPr lang="en-US" dirty="0"/>
+              <a:t>Console.log(</a:t>
+            </a:r>
+            <a:r>
+              <a:rPr lang="en-US" dirty="0" err="1"/>
+              <a:t>a.country</a:t>
+            </a:r>
+            <a:r>
+              <a:rPr lang="en-US" dirty="0"/>
+              <a:t>);</a:t>
+            </a:r>
+          </a:p>
+          <a:p>
+            <a:pPr marL="0" indent="0">
+              <a:buNone/>
+            </a:pPr>
+            <a:endParaRPr lang="en-US" dirty="0"/>
+          </a:p>
+          <a:p>
+            <a:pPr marL="0" indent="0">
+              <a:buNone/>
+            </a:pPr>
+            <a:endParaRPr lang="en-US" dirty="0"/>
+          </a:p>
+          <a:p>
+            <a:pPr marL="0" indent="0">
+              <a:buFont typeface="Arial" panose="020B0604020202020204" pitchFamily="34" charset="0"/>
+              <a:buNone/>
+            </a:pPr>
+            <a:endParaRPr lang="en-US" dirty="0"/>
+          </a:p>
+        </p:txBody>
+      </p:sp>
+      <p:sp>
+        <p:nvSpPr>
+          <p:cNvPr id="5" name="Content Placeholder 2">
+            <a:extLst>
+              <a:ext uri="{FF2B5EF4-FFF2-40B4-BE49-F238E27FC236}">
+                <a16:creationId xmlns:a16="http://schemas.microsoft.com/office/drawing/2014/main" id="{C51ECA4F-5A4F-DB7B-FC4E-FDB1A1A9B6DD}"/>
+              </a:ext>
+            </a:extLst>
+          </p:cNvPr>
+          <p:cNvSpPr txBox="1">
+            <a:spLocks/>
+          </p:cNvSpPr>
+          <p:nvPr/>
+        </p:nvSpPr>
+        <p:spPr>
+          <a:xfrm>
+            <a:off x="6270171" y="3978729"/>
+            <a:ext cx="4749800" cy="2514146"/>
+          </a:xfrm>
+          <a:prstGeom prst="rect">
+            <a:avLst/>
+          </a:prstGeom>
+        </p:spPr>
+        <p:txBody>
+          <a:bodyPr vert="horz" lIns="91440" tIns="45720" rIns="91440" bIns="45720" rtlCol="0">
+            <a:normAutofit/>
+          </a:bodyPr>
+          <a:lstStyle>
+            <a:lvl1pPr marL="228600" indent="-228600" algn="l" defTabSz="914400" rtl="0" eaLnBrk="1" latinLnBrk="0" hangingPunct="1">
+              <a:lnSpc>
+                <a:spcPct val="90000"/>
+              </a:lnSpc>
+              <a:spcBef>
+                <a:spcPts val="1000"/>
+              </a:spcBef>
+              <a:buFont typeface="Arial" panose="020B0604020202020204" pitchFamily="34" charset="0"/>
+              <a:buChar char="•"/>
+              <a:defRPr sz="2800" kern="1200">
+                <a:solidFill>
+                  <a:schemeClr val="tx1"/>
+                </a:solidFill>
+                <a:latin typeface="+mn-lt"/>
+                <a:ea typeface="+mn-ea"/>
+                <a:cs typeface="+mn-cs"/>
+              </a:defRPr>
+            </a:lvl1pPr>
+            <a:lvl2pPr marL="685800" indent="-228600" algn="l" defTabSz="914400" rtl="0" eaLnBrk="1" latinLnBrk="0" hangingPunct="1">
+              <a:lnSpc>
+                <a:spcPct val="90000"/>
+              </a:lnSpc>
+              <a:spcBef>
+                <a:spcPts val="500"/>
+              </a:spcBef>
+              <a:buFont typeface="Arial" panose="020B0604020202020204" pitchFamily="34" charset="0"/>
+              <a:buChar char="•"/>
+              <a:defRPr sz="2400" kern="1200">
+                <a:solidFill>
+                  <a:schemeClr val="tx1"/>
+                </a:solidFill>
+                <a:latin typeface="+mn-lt"/>
+                <a:ea typeface="+mn-ea"/>
+                <a:cs typeface="+mn-cs"/>
+              </a:defRPr>
+            </a:lvl2pPr>
+            <a:lvl3pPr marL="1143000" indent="-228600" algn="l" defTabSz="914400" rtl="0" eaLnBrk="1" latinLnBrk="0" hangingPunct="1">
+              <a:lnSpc>
+                <a:spcPct val="90000"/>
+              </a:lnSpc>
+              <a:spcBef>
+                <a:spcPts val="500"/>
+              </a:spcBef>
+              <a:buFont typeface="Arial" panose="020B0604020202020204" pitchFamily="34" charset="0"/>
+              <a:buChar char="•"/>
+              <a:defRPr sz="2000" kern="1200">
+                <a:solidFill>
+                  <a:schemeClr val="tx1"/>
+                </a:solidFill>
+                <a:latin typeface="+mn-lt"/>
+                <a:ea typeface="+mn-ea"/>
+                <a:cs typeface="+mn-cs"/>
+              </a:defRPr>
+            </a:lvl3pPr>
+            <a:lvl4pPr marL="1600200" indent="-228600" algn="l" defTabSz="914400" rtl="0" eaLnBrk="1" latinLnBrk="0" hangingPunct="1">
+              <a:lnSpc>
+                <a:spcPct val="90000"/>
+              </a:lnSpc>
+              <a:spcBef>
+                <a:spcPts val="500"/>
+              </a:spcBef>
+              <a:buFont typeface="Arial" panose="020B0604020202020204" pitchFamily="34" charset="0"/>
+              <a:buChar char="•"/>
+              <a:defRPr sz="1800" kern="1200">
+                <a:solidFill>
+                  <a:schemeClr val="tx1"/>
+                </a:solidFill>
+                <a:latin typeface="+mn-lt"/>
+                <a:ea typeface="+mn-ea"/>
+                <a:cs typeface="+mn-cs"/>
+              </a:defRPr>
+            </a:lvl4pPr>
+            <a:lvl5pPr marL="2057400" indent="-228600" algn="l" defTabSz="914400" rtl="0" eaLnBrk="1" latinLnBrk="0" hangingPunct="1">
+              <a:lnSpc>
+                <a:spcPct val="90000"/>
+              </a:lnSpc>
+              <a:spcBef>
+                <a:spcPts val="500"/>
+              </a:spcBef>
+              <a:buFont typeface="Arial" panose="020B0604020202020204" pitchFamily="34" charset="0"/>
+              <a:buChar char="•"/>
+              <a:defRPr sz="1800" kern="1200">
+                <a:solidFill>
+                  <a:schemeClr val="tx1"/>
+                </a:solidFill>
+                <a:latin typeface="+mn-lt"/>
+                <a:ea typeface="+mn-ea"/>
+                <a:cs typeface="+mn-cs"/>
+              </a:defRPr>
+            </a:lvl5pPr>
+            <a:lvl6pPr marL="2514600" indent="-228600" algn="l" defTabSz="914400" rtl="0" eaLnBrk="1" latinLnBrk="0" hangingPunct="1">
+              <a:lnSpc>
+                <a:spcPct val="90000"/>
+              </a:lnSpc>
+              <a:spcBef>
+                <a:spcPts val="500"/>
+              </a:spcBef>
+              <a:buFont typeface="Arial" panose="020B0604020202020204" pitchFamily="34" charset="0"/>
+              <a:buChar char="•"/>
+              <a:defRPr sz="1800" kern="1200">
+                <a:solidFill>
+                  <a:schemeClr val="tx1"/>
+                </a:solidFill>
+                <a:latin typeface="+mn-lt"/>
+                <a:ea typeface="+mn-ea"/>
+                <a:cs typeface="+mn-cs"/>
+              </a:defRPr>
+            </a:lvl6pPr>
+            <a:lvl7pPr marL="2971800" indent="-228600" algn="l" defTabSz="914400" rtl="0" eaLnBrk="1" latinLnBrk="0" hangingPunct="1">
+              <a:lnSpc>
+                <a:spcPct val="90000"/>
+              </a:lnSpc>
+              <a:spcBef>
+                <a:spcPts val="500"/>
+              </a:spcBef>
+              <a:buFont typeface="Arial" panose="020B0604020202020204" pitchFamily="34" charset="0"/>
+              <a:buChar char="•"/>
+              <a:defRPr sz="1800" kern="1200">
+                <a:solidFill>
+                  <a:schemeClr val="tx1"/>
+                </a:solidFill>
+                <a:latin typeface="+mn-lt"/>
+                <a:ea typeface="+mn-ea"/>
+                <a:cs typeface="+mn-cs"/>
+              </a:defRPr>
+            </a:lvl7pPr>
+            <a:lvl8pPr marL="3429000" indent="-228600" algn="l" defTabSz="914400" rtl="0" eaLnBrk="1" latinLnBrk="0" hangingPunct="1">
+              <a:lnSpc>
+                <a:spcPct val="90000"/>
+              </a:lnSpc>
+              <a:spcBef>
+                <a:spcPts val="500"/>
+              </a:spcBef>
+              <a:buFont typeface="Arial" panose="020B0604020202020204" pitchFamily="34" charset="0"/>
+              <a:buChar char="•"/>
+              <a:defRPr sz="1800" kern="1200">
+                <a:solidFill>
+                  <a:schemeClr val="tx1"/>
+                </a:solidFill>
+                <a:latin typeface="+mn-lt"/>
+                <a:ea typeface="+mn-ea"/>
+                <a:cs typeface="+mn-cs"/>
+              </a:defRPr>
+            </a:lvl8pPr>
+            <a:lvl9pPr marL="3886200" indent="-228600" algn="l" defTabSz="914400" rtl="0" eaLnBrk="1" latinLnBrk="0" hangingPunct="1">
+              <a:lnSpc>
+                <a:spcPct val="90000"/>
+              </a:lnSpc>
+              <a:spcBef>
+                <a:spcPts val="500"/>
+              </a:spcBef>
+              <a:buFont typeface="Arial" panose="020B0604020202020204" pitchFamily="34" charset="0"/>
+              <a:buChar char="•"/>
+              <a:defRPr sz="1800" kern="1200">
+                <a:solidFill>
+                  <a:schemeClr val="tx1"/>
+                </a:solidFill>
+                <a:latin typeface="+mn-lt"/>
+                <a:ea typeface="+mn-ea"/>
+                <a:cs typeface="+mn-cs"/>
+              </a:defRPr>
+            </a:lvl9pPr>
+          </a:lstStyle>
+          <a:p>
+            <a:pPr marL="0" indent="0">
+              <a:buFont typeface="Arial" panose="020B0604020202020204" pitchFamily="34" charset="0"/>
+              <a:buNone/>
+            </a:pPr>
+            <a:r>
+              <a:rPr lang="en-US" dirty="0"/>
+              <a:t>For(var I in a){</a:t>
+            </a:r>
+          </a:p>
+          <a:p>
+            <a:pPr marL="0" indent="0">
+              <a:buFont typeface="Arial" panose="020B0604020202020204" pitchFamily="34" charset="0"/>
+              <a:buNone/>
+            </a:pPr>
+            <a:r>
+              <a:rPr lang="en-US"/>
+              <a:t>Statement </a:t>
+            </a:r>
+          </a:p>
+          <a:p>
+            <a:pPr marL="0" indent="0">
+              <a:buFont typeface="Arial" panose="020B0604020202020204" pitchFamily="34" charset="0"/>
+              <a:buNone/>
+            </a:pPr>
+            <a:r>
+              <a:rPr lang="en-US" dirty="0"/>
+              <a:t>}</a:t>
+            </a:r>
+          </a:p>
+        </p:txBody>
+      </p:sp>
+    </p:spTree>
+    <p:extLst>
+      <p:ext uri="{BB962C8B-B14F-4D97-AF65-F5344CB8AC3E}">
+        <p14:creationId xmlns:p14="http://schemas.microsoft.com/office/powerpoint/2010/main" val="327809616"/>
       </p:ext>
     </p:extLst>
   </p:cSld>

--- a/AdvanceJavaScript.pptx
+++ b/AdvanceJavaScript.pptx
@@ -39,6 +39,14 @@
     <p:sldId id="287" r:id="rId33"/>
     <p:sldId id="288" r:id="rId34"/>
     <p:sldId id="289" r:id="rId35"/>
+    <p:sldId id="290" r:id="rId36"/>
+    <p:sldId id="291" r:id="rId37"/>
+    <p:sldId id="292" r:id="rId38"/>
+    <p:sldId id="293" r:id="rId39"/>
+    <p:sldId id="294" r:id="rId40"/>
+    <p:sldId id="295" r:id="rId41"/>
+    <p:sldId id="296" r:id="rId42"/>
+    <p:sldId id="297" r:id="rId43"/>
   </p:sldIdLst>
   <p:sldSz cx="12192000" cy="6858000"/>
   <p:notesSz cx="6858000" cy="9144000"/>
@@ -292,7 +300,7 @@
           <a:p>
             <a:fld id="{BC5A2644-DC23-4ADD-9DCB-84DBCEFE5469}" type="datetimeFigureOut">
               <a:rPr lang="en-US" smtClean="0"/>
-              <a:t>3/10/2023</a:t>
+              <a:t>3/16/2023</a:t>
             </a:fld>
             <a:endParaRPr lang="en-US"/>
           </a:p>
@@ -490,7 +498,7 @@
           <a:p>
             <a:fld id="{BC5A2644-DC23-4ADD-9DCB-84DBCEFE5469}" type="datetimeFigureOut">
               <a:rPr lang="en-US" smtClean="0"/>
-              <a:t>3/10/2023</a:t>
+              <a:t>3/16/2023</a:t>
             </a:fld>
             <a:endParaRPr lang="en-US"/>
           </a:p>
@@ -698,7 +706,7 @@
           <a:p>
             <a:fld id="{BC5A2644-DC23-4ADD-9DCB-84DBCEFE5469}" type="datetimeFigureOut">
               <a:rPr lang="en-US" smtClean="0"/>
-              <a:t>3/10/2023</a:t>
+              <a:t>3/16/2023</a:t>
             </a:fld>
             <a:endParaRPr lang="en-US"/>
           </a:p>
@@ -896,7 +904,7 @@
           <a:p>
             <a:fld id="{BC5A2644-DC23-4ADD-9DCB-84DBCEFE5469}" type="datetimeFigureOut">
               <a:rPr lang="en-US" smtClean="0"/>
-              <a:t>3/10/2023</a:t>
+              <a:t>3/16/2023</a:t>
             </a:fld>
             <a:endParaRPr lang="en-US"/>
           </a:p>
@@ -1171,7 +1179,7 @@
           <a:p>
             <a:fld id="{BC5A2644-DC23-4ADD-9DCB-84DBCEFE5469}" type="datetimeFigureOut">
               <a:rPr lang="en-US" smtClean="0"/>
-              <a:t>3/10/2023</a:t>
+              <a:t>3/16/2023</a:t>
             </a:fld>
             <a:endParaRPr lang="en-US"/>
           </a:p>
@@ -1436,7 +1444,7 @@
           <a:p>
             <a:fld id="{BC5A2644-DC23-4ADD-9DCB-84DBCEFE5469}" type="datetimeFigureOut">
               <a:rPr lang="en-US" smtClean="0"/>
-              <a:t>3/10/2023</a:t>
+              <a:t>3/16/2023</a:t>
             </a:fld>
             <a:endParaRPr lang="en-US"/>
           </a:p>
@@ -1848,7 +1856,7 @@
           <a:p>
             <a:fld id="{BC5A2644-DC23-4ADD-9DCB-84DBCEFE5469}" type="datetimeFigureOut">
               <a:rPr lang="en-US" smtClean="0"/>
-              <a:t>3/10/2023</a:t>
+              <a:t>3/16/2023</a:t>
             </a:fld>
             <a:endParaRPr lang="en-US"/>
           </a:p>
@@ -1989,7 +1997,7 @@
           <a:p>
             <a:fld id="{BC5A2644-DC23-4ADD-9DCB-84DBCEFE5469}" type="datetimeFigureOut">
               <a:rPr lang="en-US" smtClean="0"/>
-              <a:t>3/10/2023</a:t>
+              <a:t>3/16/2023</a:t>
             </a:fld>
             <a:endParaRPr lang="en-US"/>
           </a:p>
@@ -2102,7 +2110,7 @@
           <a:p>
             <a:fld id="{BC5A2644-DC23-4ADD-9DCB-84DBCEFE5469}" type="datetimeFigureOut">
               <a:rPr lang="en-US" smtClean="0"/>
-              <a:t>3/10/2023</a:t>
+              <a:t>3/16/2023</a:t>
             </a:fld>
             <a:endParaRPr lang="en-US"/>
           </a:p>
@@ -2413,7 +2421,7 @@
           <a:p>
             <a:fld id="{BC5A2644-DC23-4ADD-9DCB-84DBCEFE5469}" type="datetimeFigureOut">
               <a:rPr lang="en-US" smtClean="0"/>
-              <a:t>3/10/2023</a:t>
+              <a:t>3/16/2023</a:t>
             </a:fld>
             <a:endParaRPr lang="en-US"/>
           </a:p>
@@ -2701,7 +2709,7 @@
           <a:p>
             <a:fld id="{BC5A2644-DC23-4ADD-9DCB-84DBCEFE5469}" type="datetimeFigureOut">
               <a:rPr lang="en-US" smtClean="0"/>
-              <a:t>3/10/2023</a:t>
+              <a:t>3/16/2023</a:t>
             </a:fld>
             <a:endParaRPr lang="en-US"/>
           </a:p>
@@ -2942,7 +2950,7 @@
           <a:p>
             <a:fld id="{BC5A2644-DC23-4ADD-9DCB-84DBCEFE5469}" type="datetimeFigureOut">
               <a:rPr lang="en-US" smtClean="0"/>
-              <a:t>3/10/2023</a:t>
+              <a:t>3/16/2023</a:t>
             </a:fld>
             <a:endParaRPr lang="en-US"/>
           </a:p>
@@ -12725,6 +12733,1920 @@
 </p:sld>
 </file>
 
+<file path=ppt/slides/slide35.xml><?xml version="1.0" encoding="utf-8"?>
+<p:sld xmlns:a="http://schemas.openxmlformats.org/drawingml/2006/main" xmlns:r="http://schemas.openxmlformats.org/officeDocument/2006/relationships" xmlns:p="http://schemas.openxmlformats.org/presentationml/2006/main">
+  <p:cSld>
+    <p:spTree>
+      <p:nvGrpSpPr>
+        <p:cNvPr id="1" name=""/>
+        <p:cNvGrpSpPr/>
+        <p:nvPr/>
+      </p:nvGrpSpPr>
+      <p:grpSpPr>
+        <a:xfrm>
+          <a:off x="0" y="0"/>
+          <a:ext cx="0" cy="0"/>
+          <a:chOff x="0" y="0"/>
+          <a:chExt cx="0" cy="0"/>
+        </a:xfrm>
+      </p:grpSpPr>
+      <p:sp>
+        <p:nvSpPr>
+          <p:cNvPr id="2" name="Title 1">
+            <a:extLst>
+              <a:ext uri="{FF2B5EF4-FFF2-40B4-BE49-F238E27FC236}">
+                <a16:creationId xmlns:a16="http://schemas.microsoft.com/office/drawing/2014/main" id="{FF33342B-DFE9-7B30-4CD7-B1E474CAF467}"/>
+              </a:ext>
+            </a:extLst>
+          </p:cNvPr>
+          <p:cNvSpPr>
+            <a:spLocks noGrp="1"/>
+          </p:cNvSpPr>
+          <p:nvPr>
+            <p:ph type="title"/>
+          </p:nvPr>
+        </p:nvSpPr>
+        <p:spPr>
+          <a:xfrm>
+            <a:off x="5288643" y="103868"/>
+            <a:ext cx="1614714" cy="1325563"/>
+          </a:xfrm>
+        </p:spPr>
+        <p:txBody>
+          <a:bodyPr/>
+          <a:lstStyle/>
+          <a:p>
+            <a:r>
+              <a:rPr lang="en-US" dirty="0"/>
+              <a:t>Ajax</a:t>
+            </a:r>
+          </a:p>
+        </p:txBody>
+      </p:sp>
+      <p:sp>
+        <p:nvSpPr>
+          <p:cNvPr id="4" name="Title 1">
+            <a:extLst>
+              <a:ext uri="{FF2B5EF4-FFF2-40B4-BE49-F238E27FC236}">
+                <a16:creationId xmlns:a16="http://schemas.microsoft.com/office/drawing/2014/main" id="{46CA4308-2923-13B7-B2BF-0398ED1A7735}"/>
+              </a:ext>
+            </a:extLst>
+          </p:cNvPr>
+          <p:cNvSpPr txBox="1">
+            <a:spLocks/>
+          </p:cNvSpPr>
+          <p:nvPr/>
+        </p:nvSpPr>
+        <p:spPr>
+          <a:xfrm>
+            <a:off x="324758" y="2103437"/>
+            <a:ext cx="3434442" cy="1325563"/>
+          </a:xfrm>
+          <a:prstGeom prst="rect">
+            <a:avLst/>
+          </a:prstGeom>
+        </p:spPr>
+        <p:txBody>
+          <a:bodyPr vert="horz" lIns="91440" tIns="45720" rIns="91440" bIns="45720" rtlCol="0" anchor="ctr">
+            <a:normAutofit/>
+          </a:bodyPr>
+          <a:lstStyle>
+            <a:lvl1pPr algn="l" defTabSz="914400" rtl="0" eaLnBrk="1" latinLnBrk="0" hangingPunct="1">
+              <a:lnSpc>
+                <a:spcPct val="90000"/>
+              </a:lnSpc>
+              <a:spcBef>
+                <a:spcPct val="0"/>
+              </a:spcBef>
+              <a:buNone/>
+              <a:defRPr sz="4400" kern="1200">
+                <a:solidFill>
+                  <a:schemeClr val="tx1"/>
+                </a:solidFill>
+                <a:latin typeface="+mj-lt"/>
+                <a:ea typeface="+mj-ea"/>
+                <a:cs typeface="+mj-cs"/>
+              </a:defRPr>
+            </a:lvl1pPr>
+          </a:lstStyle>
+          <a:p>
+            <a:r>
+              <a:rPr lang="en-US" dirty="0"/>
+              <a:t>Asynchronous</a:t>
+            </a:r>
+          </a:p>
+        </p:txBody>
+      </p:sp>
+      <p:sp>
+        <p:nvSpPr>
+          <p:cNvPr id="5" name="Title 1">
+            <a:extLst>
+              <a:ext uri="{FF2B5EF4-FFF2-40B4-BE49-F238E27FC236}">
+                <a16:creationId xmlns:a16="http://schemas.microsoft.com/office/drawing/2014/main" id="{FDC247C7-6798-B056-6583-2DD272699C3B}"/>
+              </a:ext>
+            </a:extLst>
+          </p:cNvPr>
+          <p:cNvSpPr txBox="1">
+            <a:spLocks/>
+          </p:cNvSpPr>
+          <p:nvPr/>
+        </p:nvSpPr>
+        <p:spPr>
+          <a:xfrm>
+            <a:off x="4805135" y="2103434"/>
+            <a:ext cx="1614714" cy="1325563"/>
+          </a:xfrm>
+          <a:prstGeom prst="rect">
+            <a:avLst/>
+          </a:prstGeom>
+        </p:spPr>
+        <p:txBody>
+          <a:bodyPr vert="horz" lIns="91440" tIns="45720" rIns="91440" bIns="45720" rtlCol="0" anchor="ctr">
+            <a:normAutofit/>
+          </a:bodyPr>
+          <a:lstStyle>
+            <a:lvl1pPr algn="l" defTabSz="914400" rtl="0" eaLnBrk="1" latinLnBrk="0" hangingPunct="1">
+              <a:lnSpc>
+                <a:spcPct val="90000"/>
+              </a:lnSpc>
+              <a:spcBef>
+                <a:spcPct val="0"/>
+              </a:spcBef>
+              <a:buNone/>
+              <a:defRPr sz="4400" kern="1200">
+                <a:solidFill>
+                  <a:schemeClr val="tx1"/>
+                </a:solidFill>
+                <a:latin typeface="+mj-lt"/>
+                <a:ea typeface="+mj-ea"/>
+                <a:cs typeface="+mj-cs"/>
+              </a:defRPr>
+            </a:lvl1pPr>
+          </a:lstStyle>
+          <a:p>
+            <a:r>
+              <a:rPr lang="en-US" sz="2800" dirty="0"/>
+              <a:t>JavaScript</a:t>
+            </a:r>
+          </a:p>
+        </p:txBody>
+      </p:sp>
+      <p:sp>
+        <p:nvSpPr>
+          <p:cNvPr id="6" name="Title 1">
+            <a:extLst>
+              <a:ext uri="{FF2B5EF4-FFF2-40B4-BE49-F238E27FC236}">
+                <a16:creationId xmlns:a16="http://schemas.microsoft.com/office/drawing/2014/main" id="{96724D11-AD50-F7A4-D5D2-18E694F3E2BA}"/>
+              </a:ext>
+            </a:extLst>
+          </p:cNvPr>
+          <p:cNvSpPr txBox="1">
+            <a:spLocks/>
+          </p:cNvSpPr>
+          <p:nvPr/>
+        </p:nvSpPr>
+        <p:spPr>
+          <a:xfrm>
+            <a:off x="10252528" y="2103436"/>
+            <a:ext cx="1614714" cy="1325563"/>
+          </a:xfrm>
+          <a:prstGeom prst="rect">
+            <a:avLst/>
+          </a:prstGeom>
+        </p:spPr>
+        <p:txBody>
+          <a:bodyPr vert="horz" lIns="91440" tIns="45720" rIns="91440" bIns="45720" rtlCol="0" anchor="ctr">
+            <a:normAutofit/>
+          </a:bodyPr>
+          <a:lstStyle>
+            <a:lvl1pPr algn="l" defTabSz="914400" rtl="0" eaLnBrk="1" latinLnBrk="0" hangingPunct="1">
+              <a:lnSpc>
+                <a:spcPct val="90000"/>
+              </a:lnSpc>
+              <a:spcBef>
+                <a:spcPct val="0"/>
+              </a:spcBef>
+              <a:buNone/>
+              <a:defRPr sz="4400" kern="1200">
+                <a:solidFill>
+                  <a:schemeClr val="tx1"/>
+                </a:solidFill>
+                <a:latin typeface="+mj-lt"/>
+                <a:ea typeface="+mj-ea"/>
+                <a:cs typeface="+mj-cs"/>
+              </a:defRPr>
+            </a:lvl1pPr>
+          </a:lstStyle>
+          <a:p>
+            <a:r>
+              <a:rPr lang="en-US" dirty="0"/>
+              <a:t>XML</a:t>
+            </a:r>
+          </a:p>
+        </p:txBody>
+      </p:sp>
+      <p:sp>
+        <p:nvSpPr>
+          <p:cNvPr id="7" name="Title 1">
+            <a:extLst>
+              <a:ext uri="{FF2B5EF4-FFF2-40B4-BE49-F238E27FC236}">
+                <a16:creationId xmlns:a16="http://schemas.microsoft.com/office/drawing/2014/main" id="{F6989367-2C1C-46B9-A68D-35105710FD04}"/>
+              </a:ext>
+            </a:extLst>
+          </p:cNvPr>
+          <p:cNvSpPr txBox="1">
+            <a:spLocks/>
+          </p:cNvSpPr>
+          <p:nvPr/>
+        </p:nvSpPr>
+        <p:spPr>
+          <a:xfrm>
+            <a:off x="7465785" y="2103435"/>
+            <a:ext cx="1614714" cy="1325563"/>
+          </a:xfrm>
+          <a:prstGeom prst="rect">
+            <a:avLst/>
+          </a:prstGeom>
+        </p:spPr>
+        <p:txBody>
+          <a:bodyPr vert="horz" lIns="91440" tIns="45720" rIns="91440" bIns="45720" rtlCol="0" anchor="ctr">
+            <a:normAutofit/>
+          </a:bodyPr>
+          <a:lstStyle>
+            <a:lvl1pPr algn="l" defTabSz="914400" rtl="0" eaLnBrk="1" latinLnBrk="0" hangingPunct="1">
+              <a:lnSpc>
+                <a:spcPct val="90000"/>
+              </a:lnSpc>
+              <a:spcBef>
+                <a:spcPct val="0"/>
+              </a:spcBef>
+              <a:buNone/>
+              <a:defRPr sz="4400" kern="1200">
+                <a:solidFill>
+                  <a:schemeClr val="tx1"/>
+                </a:solidFill>
+                <a:latin typeface="+mj-lt"/>
+                <a:ea typeface="+mj-ea"/>
+                <a:cs typeface="+mj-cs"/>
+              </a:defRPr>
+            </a:lvl1pPr>
+          </a:lstStyle>
+          <a:p>
+            <a:r>
+              <a:rPr lang="en-US" dirty="0"/>
+              <a:t>and</a:t>
+            </a:r>
+          </a:p>
+        </p:txBody>
+      </p:sp>
+      <p:sp>
+        <p:nvSpPr>
+          <p:cNvPr id="8" name="TextBox 7">
+            <a:extLst>
+              <a:ext uri="{FF2B5EF4-FFF2-40B4-BE49-F238E27FC236}">
+                <a16:creationId xmlns:a16="http://schemas.microsoft.com/office/drawing/2014/main" id="{7E14619B-681A-30E9-23F3-8699CDE67CF4}"/>
+              </a:ext>
+            </a:extLst>
+          </p:cNvPr>
+          <p:cNvSpPr txBox="1"/>
+          <p:nvPr/>
+        </p:nvSpPr>
+        <p:spPr>
+          <a:xfrm>
+            <a:off x="12069" y="4615543"/>
+            <a:ext cx="11556240" cy="646331"/>
+          </a:xfrm>
+          <a:prstGeom prst="rect">
+            <a:avLst/>
+          </a:prstGeom>
+          <a:noFill/>
+        </p:spPr>
+        <p:txBody>
+          <a:bodyPr wrap="none" rtlCol="0">
+            <a:spAutoFit/>
+          </a:bodyPr>
+          <a:lstStyle/>
+          <a:p>
+            <a:r>
+              <a:rPr lang="en-US" sz="3600" dirty="0"/>
+              <a:t>AJAX is a technique for creating fast and dynamic web pages.</a:t>
+            </a:r>
+          </a:p>
+        </p:txBody>
+      </p:sp>
+    </p:spTree>
+    <p:extLst>
+      <p:ext uri="{BB962C8B-B14F-4D97-AF65-F5344CB8AC3E}">
+        <p14:creationId xmlns:p14="http://schemas.microsoft.com/office/powerpoint/2010/main" val="2904978516"/>
+      </p:ext>
+    </p:extLst>
+  </p:cSld>
+  <p:clrMapOvr>
+    <a:masterClrMapping/>
+  </p:clrMapOvr>
+</p:sld>
+</file>
+
+<file path=ppt/slides/slide36.xml><?xml version="1.0" encoding="utf-8"?>
+<p:sld xmlns:a="http://schemas.openxmlformats.org/drawingml/2006/main" xmlns:r="http://schemas.openxmlformats.org/officeDocument/2006/relationships" xmlns:p="http://schemas.openxmlformats.org/presentationml/2006/main">
+  <p:cSld>
+    <p:spTree>
+      <p:nvGrpSpPr>
+        <p:cNvPr id="1" name=""/>
+        <p:cNvGrpSpPr/>
+        <p:nvPr/>
+      </p:nvGrpSpPr>
+      <p:grpSpPr>
+        <a:xfrm>
+          <a:off x="0" y="0"/>
+          <a:ext cx="0" cy="0"/>
+          <a:chOff x="0" y="0"/>
+          <a:chExt cx="0" cy="0"/>
+        </a:xfrm>
+      </p:grpSpPr>
+      <p:sp>
+        <p:nvSpPr>
+          <p:cNvPr id="2" name="Title 1">
+            <a:extLst>
+              <a:ext uri="{FF2B5EF4-FFF2-40B4-BE49-F238E27FC236}">
+                <a16:creationId xmlns:a16="http://schemas.microsoft.com/office/drawing/2014/main" id="{6F44C8EF-F566-A793-6F94-A449667EC965}"/>
+              </a:ext>
+            </a:extLst>
+          </p:cNvPr>
+          <p:cNvSpPr>
+            <a:spLocks noGrp="1"/>
+          </p:cNvSpPr>
+          <p:nvPr>
+            <p:ph type="title"/>
+          </p:nvPr>
+        </p:nvSpPr>
+        <p:spPr/>
+        <p:txBody>
+          <a:bodyPr/>
+          <a:lstStyle/>
+          <a:p>
+            <a:r>
+              <a:rPr lang="en-US" dirty="0"/>
+              <a:t>How Ajax Work?</a:t>
+            </a:r>
+          </a:p>
+        </p:txBody>
+      </p:sp>
+      <p:pic>
+        <p:nvPicPr>
+          <p:cNvPr id="5" name="Graphic 4" descr="Computer">
+            <a:extLst>
+              <a:ext uri="{FF2B5EF4-FFF2-40B4-BE49-F238E27FC236}">
+                <a16:creationId xmlns:a16="http://schemas.microsoft.com/office/drawing/2014/main" id="{C9FC40E4-2955-CCB4-596C-788CC80E488E}"/>
+              </a:ext>
+            </a:extLst>
+          </p:cNvPr>
+          <p:cNvPicPr>
+            <a:picLocks noChangeAspect="1"/>
+          </p:cNvPicPr>
+          <p:nvPr/>
+        </p:nvPicPr>
+        <p:blipFill>
+          <a:blip r:embed="rId2">
+            <a:extLst>
+              <a:ext uri="{28A0092B-C50C-407E-A947-70E740481C1C}">
+                <a14:useLocalDpi xmlns:a14="http://schemas.microsoft.com/office/drawing/2010/main" val="0"/>
+              </a:ext>
+              <a:ext uri="{96DAC541-7B7A-43D3-8B79-37D633B846F1}">
+                <asvg:svgBlip xmlns:asvg="http://schemas.microsoft.com/office/drawing/2016/SVG/main" r:embed="rId3"/>
+              </a:ext>
+            </a:extLst>
+          </a:blip>
+          <a:stretch>
+            <a:fillRect/>
+          </a:stretch>
+        </p:blipFill>
+        <p:spPr>
+          <a:xfrm>
+            <a:off x="1852971" y="2514600"/>
+            <a:ext cx="2036858" cy="2036858"/>
+          </a:xfrm>
+          <a:prstGeom prst="rect">
+            <a:avLst/>
+          </a:prstGeom>
+        </p:spPr>
+      </p:pic>
+      <p:pic>
+        <p:nvPicPr>
+          <p:cNvPr id="7" name="Graphic 6" descr="Server">
+            <a:extLst>
+              <a:ext uri="{FF2B5EF4-FFF2-40B4-BE49-F238E27FC236}">
+                <a16:creationId xmlns:a16="http://schemas.microsoft.com/office/drawing/2014/main" id="{BF85DC2F-F221-C6BC-E613-F57558A88DE1}"/>
+              </a:ext>
+            </a:extLst>
+          </p:cNvPr>
+          <p:cNvPicPr>
+            <a:picLocks noChangeAspect="1"/>
+          </p:cNvPicPr>
+          <p:nvPr/>
+        </p:nvPicPr>
+        <p:blipFill>
+          <a:blip r:embed="rId4">
+            <a:extLst>
+              <a:ext uri="{28A0092B-C50C-407E-A947-70E740481C1C}">
+                <a14:useLocalDpi xmlns:a14="http://schemas.microsoft.com/office/drawing/2010/main" val="0"/>
+              </a:ext>
+              <a:ext uri="{96DAC541-7B7A-43D3-8B79-37D633B846F1}">
+                <asvg:svgBlip xmlns:asvg="http://schemas.microsoft.com/office/drawing/2016/SVG/main" r:embed="rId5"/>
+              </a:ext>
+            </a:extLst>
+          </a:blip>
+          <a:stretch>
+            <a:fillRect/>
+          </a:stretch>
+        </p:blipFill>
+        <p:spPr>
+          <a:xfrm>
+            <a:off x="8967428" y="2514599"/>
+            <a:ext cx="2036857" cy="2036857"/>
+          </a:xfrm>
+          <a:prstGeom prst="rect">
+            <a:avLst/>
+          </a:prstGeom>
+        </p:spPr>
+      </p:pic>
+      <p:sp>
+        <p:nvSpPr>
+          <p:cNvPr id="8" name="Arrow: Right 7">
+            <a:extLst>
+              <a:ext uri="{FF2B5EF4-FFF2-40B4-BE49-F238E27FC236}">
+                <a16:creationId xmlns:a16="http://schemas.microsoft.com/office/drawing/2014/main" id="{2C04B40D-276D-B3F2-0762-1499A7D81A50}"/>
+              </a:ext>
+            </a:extLst>
+          </p:cNvPr>
+          <p:cNvSpPr/>
+          <p:nvPr/>
+        </p:nvSpPr>
+        <p:spPr>
+          <a:xfrm>
+            <a:off x="4804229" y="2830286"/>
+            <a:ext cx="3831771" cy="598714"/>
+          </a:xfrm>
+          <a:prstGeom prst="rightArrow">
+            <a:avLst/>
+          </a:prstGeom>
+        </p:spPr>
+        <p:style>
+          <a:lnRef idx="2">
+            <a:schemeClr val="accent1">
+              <a:shade val="50000"/>
+            </a:schemeClr>
+          </a:lnRef>
+          <a:fillRef idx="1">
+            <a:schemeClr val="accent1"/>
+          </a:fillRef>
+          <a:effectRef idx="0">
+            <a:schemeClr val="accent1"/>
+          </a:effectRef>
+          <a:fontRef idx="minor">
+            <a:schemeClr val="lt1"/>
+          </a:fontRef>
+        </p:style>
+        <p:txBody>
+          <a:bodyPr rtlCol="0" anchor="ctr"/>
+          <a:lstStyle/>
+          <a:p>
+            <a:pPr algn="ctr"/>
+            <a:endParaRPr lang="en-US"/>
+          </a:p>
+        </p:txBody>
+      </p:sp>
+      <p:sp>
+        <p:nvSpPr>
+          <p:cNvPr id="9" name="TextBox 8">
+            <a:extLst>
+              <a:ext uri="{FF2B5EF4-FFF2-40B4-BE49-F238E27FC236}">
+                <a16:creationId xmlns:a16="http://schemas.microsoft.com/office/drawing/2014/main" id="{88CAEEF2-2CA5-68E1-0C20-A38878B2D53E}"/>
+              </a:ext>
+            </a:extLst>
+          </p:cNvPr>
+          <p:cNvSpPr txBox="1"/>
+          <p:nvPr/>
+        </p:nvSpPr>
+        <p:spPr>
+          <a:xfrm>
+            <a:off x="5936343" y="2514599"/>
+            <a:ext cx="944297" cy="369332"/>
+          </a:xfrm>
+          <a:prstGeom prst="rect">
+            <a:avLst/>
+          </a:prstGeom>
+          <a:noFill/>
+        </p:spPr>
+        <p:txBody>
+          <a:bodyPr wrap="none" rtlCol="0">
+            <a:spAutoFit/>
+          </a:bodyPr>
+          <a:lstStyle/>
+          <a:p>
+            <a:r>
+              <a:rPr lang="en-US" dirty="0"/>
+              <a:t>Request</a:t>
+            </a:r>
+          </a:p>
+        </p:txBody>
+      </p:sp>
+      <p:sp>
+        <p:nvSpPr>
+          <p:cNvPr id="10" name="Arrow: Right 9">
+            <a:extLst>
+              <a:ext uri="{FF2B5EF4-FFF2-40B4-BE49-F238E27FC236}">
+                <a16:creationId xmlns:a16="http://schemas.microsoft.com/office/drawing/2014/main" id="{B93FF374-64E5-38C1-2C49-B45CDCD350DB}"/>
+              </a:ext>
+            </a:extLst>
+          </p:cNvPr>
+          <p:cNvSpPr/>
+          <p:nvPr/>
+        </p:nvSpPr>
+        <p:spPr>
+          <a:xfrm rot="10800000">
+            <a:off x="4804229" y="3675967"/>
+            <a:ext cx="3831771" cy="598714"/>
+          </a:xfrm>
+          <a:prstGeom prst="rightArrow">
+            <a:avLst/>
+          </a:prstGeom>
+        </p:spPr>
+        <p:style>
+          <a:lnRef idx="2">
+            <a:schemeClr val="accent1">
+              <a:shade val="50000"/>
+            </a:schemeClr>
+          </a:lnRef>
+          <a:fillRef idx="1">
+            <a:schemeClr val="accent1"/>
+          </a:fillRef>
+          <a:effectRef idx="0">
+            <a:schemeClr val="accent1"/>
+          </a:effectRef>
+          <a:fontRef idx="minor">
+            <a:schemeClr val="lt1"/>
+          </a:fontRef>
+        </p:style>
+        <p:txBody>
+          <a:bodyPr rtlCol="0" anchor="ctr"/>
+          <a:lstStyle/>
+          <a:p>
+            <a:pPr algn="ctr"/>
+            <a:endParaRPr lang="en-US"/>
+          </a:p>
+        </p:txBody>
+      </p:sp>
+      <p:sp>
+        <p:nvSpPr>
+          <p:cNvPr id="11" name="TextBox 10">
+            <a:extLst>
+              <a:ext uri="{FF2B5EF4-FFF2-40B4-BE49-F238E27FC236}">
+                <a16:creationId xmlns:a16="http://schemas.microsoft.com/office/drawing/2014/main" id="{1EF03197-CAD9-43B4-334E-98839BB7D2FC}"/>
+              </a:ext>
+            </a:extLst>
+          </p:cNvPr>
+          <p:cNvSpPr txBox="1"/>
+          <p:nvPr/>
+        </p:nvSpPr>
+        <p:spPr>
+          <a:xfrm>
+            <a:off x="5976617" y="4090015"/>
+            <a:ext cx="1081515" cy="369332"/>
+          </a:xfrm>
+          <a:prstGeom prst="rect">
+            <a:avLst/>
+          </a:prstGeom>
+          <a:noFill/>
+        </p:spPr>
+        <p:txBody>
+          <a:bodyPr wrap="none" rtlCol="0">
+            <a:spAutoFit/>
+          </a:bodyPr>
+          <a:lstStyle/>
+          <a:p>
+            <a:r>
+              <a:rPr lang="en-US" dirty="0"/>
+              <a:t>Response</a:t>
+            </a:r>
+          </a:p>
+        </p:txBody>
+      </p:sp>
+      <p:sp>
+        <p:nvSpPr>
+          <p:cNvPr id="12" name="TextBox 11">
+            <a:extLst>
+              <a:ext uri="{FF2B5EF4-FFF2-40B4-BE49-F238E27FC236}">
+                <a16:creationId xmlns:a16="http://schemas.microsoft.com/office/drawing/2014/main" id="{0F7746F9-EEEE-C2D5-B2EB-A2228D6E9C57}"/>
+              </a:ext>
+            </a:extLst>
+          </p:cNvPr>
+          <p:cNvSpPr txBox="1"/>
+          <p:nvPr/>
+        </p:nvSpPr>
+        <p:spPr>
+          <a:xfrm>
+            <a:off x="2017486" y="2220686"/>
+            <a:ext cx="1776192" cy="369332"/>
+          </a:xfrm>
+          <a:prstGeom prst="rect">
+            <a:avLst/>
+          </a:prstGeom>
+          <a:noFill/>
+        </p:spPr>
+        <p:txBody>
+          <a:bodyPr wrap="none" rtlCol="0">
+            <a:spAutoFit/>
+          </a:bodyPr>
+          <a:lstStyle/>
+          <a:p>
+            <a:r>
+              <a:rPr lang="en-US" dirty="0" err="1"/>
+              <a:t>XMLHttpRequest</a:t>
+            </a:r>
+            <a:endParaRPr lang="en-US" dirty="0"/>
+          </a:p>
+        </p:txBody>
+      </p:sp>
+      <p:sp>
+        <p:nvSpPr>
+          <p:cNvPr id="13" name="TextBox 12">
+            <a:extLst>
+              <a:ext uri="{FF2B5EF4-FFF2-40B4-BE49-F238E27FC236}">
+                <a16:creationId xmlns:a16="http://schemas.microsoft.com/office/drawing/2014/main" id="{E995F830-D93D-5314-0B5B-3199725552B8}"/>
+              </a:ext>
+            </a:extLst>
+          </p:cNvPr>
+          <p:cNvSpPr txBox="1"/>
+          <p:nvPr/>
+        </p:nvSpPr>
+        <p:spPr>
+          <a:xfrm>
+            <a:off x="9097760" y="2129329"/>
+            <a:ext cx="785664" cy="369332"/>
+          </a:xfrm>
+          <a:prstGeom prst="rect">
+            <a:avLst/>
+          </a:prstGeom>
+          <a:noFill/>
+        </p:spPr>
+        <p:txBody>
+          <a:bodyPr wrap="none" rtlCol="0">
+            <a:spAutoFit/>
+          </a:bodyPr>
+          <a:lstStyle/>
+          <a:p>
+            <a:r>
+              <a:rPr lang="en-US" dirty="0"/>
+              <a:t>Server</a:t>
+            </a:r>
+          </a:p>
+        </p:txBody>
+      </p:sp>
+      <p:sp>
+        <p:nvSpPr>
+          <p:cNvPr id="14" name="TextBox 13">
+            <a:extLst>
+              <a:ext uri="{FF2B5EF4-FFF2-40B4-BE49-F238E27FC236}">
+                <a16:creationId xmlns:a16="http://schemas.microsoft.com/office/drawing/2014/main" id="{10346918-8A4B-FB3C-C6FE-4F6EFC7F1AF7}"/>
+              </a:ext>
+            </a:extLst>
+          </p:cNvPr>
+          <p:cNvSpPr txBox="1"/>
+          <p:nvPr/>
+        </p:nvSpPr>
+        <p:spPr>
+          <a:xfrm>
+            <a:off x="1852971" y="4833257"/>
+            <a:ext cx="1691810" cy="1384995"/>
+          </a:xfrm>
+          <a:prstGeom prst="rect">
+            <a:avLst/>
+          </a:prstGeom>
+          <a:noFill/>
+        </p:spPr>
+        <p:txBody>
+          <a:bodyPr wrap="none" rtlCol="0">
+            <a:spAutoFit/>
+          </a:bodyPr>
+          <a:lstStyle/>
+          <a:p>
+            <a:r>
+              <a:rPr lang="en-US" sz="2800" dirty="0"/>
+              <a:t>Text File</a:t>
+            </a:r>
+          </a:p>
+          <a:p>
+            <a:r>
+              <a:rPr lang="en-US" sz="2800" dirty="0"/>
+              <a:t>XML Data</a:t>
+            </a:r>
+          </a:p>
+          <a:p>
+            <a:r>
+              <a:rPr lang="en-US" sz="2800" dirty="0"/>
+              <a:t>JSON Data</a:t>
+            </a:r>
+          </a:p>
+        </p:txBody>
+      </p:sp>
+    </p:spTree>
+    <p:extLst>
+      <p:ext uri="{BB962C8B-B14F-4D97-AF65-F5344CB8AC3E}">
+        <p14:creationId xmlns:p14="http://schemas.microsoft.com/office/powerpoint/2010/main" val="1480972688"/>
+      </p:ext>
+    </p:extLst>
+  </p:cSld>
+  <p:clrMapOvr>
+    <a:masterClrMapping/>
+  </p:clrMapOvr>
+</p:sld>
+</file>
+
+<file path=ppt/slides/slide37.xml><?xml version="1.0" encoding="utf-8"?>
+<p:sld xmlns:a="http://schemas.openxmlformats.org/drawingml/2006/main" xmlns:r="http://schemas.openxmlformats.org/officeDocument/2006/relationships" xmlns:p="http://schemas.openxmlformats.org/presentationml/2006/main">
+  <p:cSld>
+    <p:spTree>
+      <p:nvGrpSpPr>
+        <p:cNvPr id="1" name=""/>
+        <p:cNvGrpSpPr/>
+        <p:nvPr/>
+      </p:nvGrpSpPr>
+      <p:grpSpPr>
+        <a:xfrm>
+          <a:off x="0" y="0"/>
+          <a:ext cx="0" cy="0"/>
+          <a:chOff x="0" y="0"/>
+          <a:chExt cx="0" cy="0"/>
+        </a:xfrm>
+      </p:grpSpPr>
+      <p:sp>
+        <p:nvSpPr>
+          <p:cNvPr id="2" name="Title 1">
+            <a:extLst>
+              <a:ext uri="{FF2B5EF4-FFF2-40B4-BE49-F238E27FC236}">
+                <a16:creationId xmlns:a16="http://schemas.microsoft.com/office/drawing/2014/main" id="{6F44C8EF-F566-A793-6F94-A449667EC965}"/>
+              </a:ext>
+            </a:extLst>
+          </p:cNvPr>
+          <p:cNvSpPr>
+            <a:spLocks noGrp="1"/>
+          </p:cNvSpPr>
+          <p:nvPr>
+            <p:ph type="title"/>
+          </p:nvPr>
+        </p:nvSpPr>
+        <p:spPr/>
+        <p:txBody>
+          <a:bodyPr/>
+          <a:lstStyle/>
+          <a:p>
+            <a:r>
+              <a:rPr lang="en-US" dirty="0"/>
+              <a:t>How Ajax Work?</a:t>
+            </a:r>
+          </a:p>
+        </p:txBody>
+      </p:sp>
+      <p:pic>
+        <p:nvPicPr>
+          <p:cNvPr id="5" name="Graphic 4" descr="Computer">
+            <a:extLst>
+              <a:ext uri="{FF2B5EF4-FFF2-40B4-BE49-F238E27FC236}">
+                <a16:creationId xmlns:a16="http://schemas.microsoft.com/office/drawing/2014/main" id="{C9FC40E4-2955-CCB4-596C-788CC80E488E}"/>
+              </a:ext>
+            </a:extLst>
+          </p:cNvPr>
+          <p:cNvPicPr>
+            <a:picLocks noChangeAspect="1"/>
+          </p:cNvPicPr>
+          <p:nvPr/>
+        </p:nvPicPr>
+        <p:blipFill>
+          <a:blip r:embed="rId2">
+            <a:extLst>
+              <a:ext uri="{28A0092B-C50C-407E-A947-70E740481C1C}">
+                <a14:useLocalDpi xmlns:a14="http://schemas.microsoft.com/office/drawing/2010/main" val="0"/>
+              </a:ext>
+              <a:ext uri="{96DAC541-7B7A-43D3-8B79-37D633B846F1}">
+                <asvg:svgBlip xmlns:asvg="http://schemas.microsoft.com/office/drawing/2016/SVG/main" r:embed="rId3"/>
+              </a:ext>
+            </a:extLst>
+          </a:blip>
+          <a:stretch>
+            <a:fillRect/>
+          </a:stretch>
+        </p:blipFill>
+        <p:spPr>
+          <a:xfrm>
+            <a:off x="1852972" y="1774371"/>
+            <a:ext cx="2036858" cy="2036858"/>
+          </a:xfrm>
+          <a:prstGeom prst="rect">
+            <a:avLst/>
+          </a:prstGeom>
+        </p:spPr>
+      </p:pic>
+      <p:pic>
+        <p:nvPicPr>
+          <p:cNvPr id="7" name="Graphic 6" descr="Server">
+            <a:extLst>
+              <a:ext uri="{FF2B5EF4-FFF2-40B4-BE49-F238E27FC236}">
+                <a16:creationId xmlns:a16="http://schemas.microsoft.com/office/drawing/2014/main" id="{BF85DC2F-F221-C6BC-E613-F57558A88DE1}"/>
+              </a:ext>
+            </a:extLst>
+          </p:cNvPr>
+          <p:cNvPicPr>
+            <a:picLocks noChangeAspect="1"/>
+          </p:cNvPicPr>
+          <p:nvPr/>
+        </p:nvPicPr>
+        <p:blipFill>
+          <a:blip r:embed="rId4">
+            <a:extLst>
+              <a:ext uri="{28A0092B-C50C-407E-A947-70E740481C1C}">
+                <a14:useLocalDpi xmlns:a14="http://schemas.microsoft.com/office/drawing/2010/main" val="0"/>
+              </a:ext>
+              <a:ext uri="{96DAC541-7B7A-43D3-8B79-37D633B846F1}">
+                <asvg:svgBlip xmlns:asvg="http://schemas.microsoft.com/office/drawing/2016/SVG/main" r:embed="rId5"/>
+              </a:ext>
+            </a:extLst>
+          </a:blip>
+          <a:stretch>
+            <a:fillRect/>
+          </a:stretch>
+        </p:blipFill>
+        <p:spPr>
+          <a:xfrm>
+            <a:off x="8967429" y="1774370"/>
+            <a:ext cx="2036857" cy="2036857"/>
+          </a:xfrm>
+          <a:prstGeom prst="rect">
+            <a:avLst/>
+          </a:prstGeom>
+        </p:spPr>
+      </p:pic>
+      <p:sp>
+        <p:nvSpPr>
+          <p:cNvPr id="8" name="Arrow: Right 7">
+            <a:extLst>
+              <a:ext uri="{FF2B5EF4-FFF2-40B4-BE49-F238E27FC236}">
+                <a16:creationId xmlns:a16="http://schemas.microsoft.com/office/drawing/2014/main" id="{2C04B40D-276D-B3F2-0762-1499A7D81A50}"/>
+              </a:ext>
+            </a:extLst>
+          </p:cNvPr>
+          <p:cNvSpPr/>
+          <p:nvPr/>
+        </p:nvSpPr>
+        <p:spPr>
+          <a:xfrm>
+            <a:off x="4804230" y="2090057"/>
+            <a:ext cx="3831771" cy="598714"/>
+          </a:xfrm>
+          <a:prstGeom prst="rightArrow">
+            <a:avLst/>
+          </a:prstGeom>
+        </p:spPr>
+        <p:style>
+          <a:lnRef idx="2">
+            <a:schemeClr val="accent1">
+              <a:shade val="50000"/>
+            </a:schemeClr>
+          </a:lnRef>
+          <a:fillRef idx="1">
+            <a:schemeClr val="accent1"/>
+          </a:fillRef>
+          <a:effectRef idx="0">
+            <a:schemeClr val="accent1"/>
+          </a:effectRef>
+          <a:fontRef idx="minor">
+            <a:schemeClr val="lt1"/>
+          </a:fontRef>
+        </p:style>
+        <p:txBody>
+          <a:bodyPr rtlCol="0" anchor="ctr"/>
+          <a:lstStyle/>
+          <a:p>
+            <a:pPr algn="ctr"/>
+            <a:endParaRPr lang="en-US"/>
+          </a:p>
+        </p:txBody>
+      </p:sp>
+      <p:sp>
+        <p:nvSpPr>
+          <p:cNvPr id="9" name="TextBox 8">
+            <a:extLst>
+              <a:ext uri="{FF2B5EF4-FFF2-40B4-BE49-F238E27FC236}">
+                <a16:creationId xmlns:a16="http://schemas.microsoft.com/office/drawing/2014/main" id="{88CAEEF2-2CA5-68E1-0C20-A38878B2D53E}"/>
+              </a:ext>
+            </a:extLst>
+          </p:cNvPr>
+          <p:cNvSpPr txBox="1"/>
+          <p:nvPr/>
+        </p:nvSpPr>
+        <p:spPr>
+          <a:xfrm>
+            <a:off x="5936344" y="1774370"/>
+            <a:ext cx="944297" cy="369332"/>
+          </a:xfrm>
+          <a:prstGeom prst="rect">
+            <a:avLst/>
+          </a:prstGeom>
+          <a:noFill/>
+        </p:spPr>
+        <p:txBody>
+          <a:bodyPr wrap="none" rtlCol="0">
+            <a:spAutoFit/>
+          </a:bodyPr>
+          <a:lstStyle/>
+          <a:p>
+            <a:r>
+              <a:rPr lang="en-US" dirty="0"/>
+              <a:t>Request</a:t>
+            </a:r>
+          </a:p>
+        </p:txBody>
+      </p:sp>
+      <p:sp>
+        <p:nvSpPr>
+          <p:cNvPr id="10" name="Arrow: Right 9">
+            <a:extLst>
+              <a:ext uri="{FF2B5EF4-FFF2-40B4-BE49-F238E27FC236}">
+                <a16:creationId xmlns:a16="http://schemas.microsoft.com/office/drawing/2014/main" id="{B93FF374-64E5-38C1-2C49-B45CDCD350DB}"/>
+              </a:ext>
+            </a:extLst>
+          </p:cNvPr>
+          <p:cNvSpPr/>
+          <p:nvPr/>
+        </p:nvSpPr>
+        <p:spPr>
+          <a:xfrm rot="10800000">
+            <a:off x="4804230" y="2935738"/>
+            <a:ext cx="3831771" cy="598714"/>
+          </a:xfrm>
+          <a:prstGeom prst="rightArrow">
+            <a:avLst/>
+          </a:prstGeom>
+        </p:spPr>
+        <p:style>
+          <a:lnRef idx="2">
+            <a:schemeClr val="accent1">
+              <a:shade val="50000"/>
+            </a:schemeClr>
+          </a:lnRef>
+          <a:fillRef idx="1">
+            <a:schemeClr val="accent1"/>
+          </a:fillRef>
+          <a:effectRef idx="0">
+            <a:schemeClr val="accent1"/>
+          </a:effectRef>
+          <a:fontRef idx="minor">
+            <a:schemeClr val="lt1"/>
+          </a:fontRef>
+        </p:style>
+        <p:txBody>
+          <a:bodyPr rtlCol="0" anchor="ctr"/>
+          <a:lstStyle/>
+          <a:p>
+            <a:pPr algn="ctr"/>
+            <a:endParaRPr lang="en-US"/>
+          </a:p>
+        </p:txBody>
+      </p:sp>
+      <p:sp>
+        <p:nvSpPr>
+          <p:cNvPr id="11" name="TextBox 10">
+            <a:extLst>
+              <a:ext uri="{FF2B5EF4-FFF2-40B4-BE49-F238E27FC236}">
+                <a16:creationId xmlns:a16="http://schemas.microsoft.com/office/drawing/2014/main" id="{1EF03197-CAD9-43B4-334E-98839BB7D2FC}"/>
+              </a:ext>
+            </a:extLst>
+          </p:cNvPr>
+          <p:cNvSpPr txBox="1"/>
+          <p:nvPr/>
+        </p:nvSpPr>
+        <p:spPr>
+          <a:xfrm>
+            <a:off x="5976618" y="3349786"/>
+            <a:ext cx="1081515" cy="369332"/>
+          </a:xfrm>
+          <a:prstGeom prst="rect">
+            <a:avLst/>
+          </a:prstGeom>
+          <a:noFill/>
+        </p:spPr>
+        <p:txBody>
+          <a:bodyPr wrap="none" rtlCol="0">
+            <a:spAutoFit/>
+          </a:bodyPr>
+          <a:lstStyle/>
+          <a:p>
+            <a:r>
+              <a:rPr lang="en-US" dirty="0"/>
+              <a:t>Response</a:t>
+            </a:r>
+          </a:p>
+        </p:txBody>
+      </p:sp>
+      <p:sp>
+        <p:nvSpPr>
+          <p:cNvPr id="12" name="TextBox 11">
+            <a:extLst>
+              <a:ext uri="{FF2B5EF4-FFF2-40B4-BE49-F238E27FC236}">
+                <a16:creationId xmlns:a16="http://schemas.microsoft.com/office/drawing/2014/main" id="{0F7746F9-EEEE-C2D5-B2EB-A2228D6E9C57}"/>
+              </a:ext>
+            </a:extLst>
+          </p:cNvPr>
+          <p:cNvSpPr txBox="1"/>
+          <p:nvPr/>
+        </p:nvSpPr>
+        <p:spPr>
+          <a:xfrm>
+            <a:off x="2017487" y="1480457"/>
+            <a:ext cx="1776192" cy="369332"/>
+          </a:xfrm>
+          <a:prstGeom prst="rect">
+            <a:avLst/>
+          </a:prstGeom>
+          <a:noFill/>
+        </p:spPr>
+        <p:txBody>
+          <a:bodyPr wrap="none" rtlCol="0">
+            <a:spAutoFit/>
+          </a:bodyPr>
+          <a:lstStyle/>
+          <a:p>
+            <a:r>
+              <a:rPr lang="en-US" dirty="0" err="1"/>
+              <a:t>XMLHttpRequest</a:t>
+            </a:r>
+            <a:endParaRPr lang="en-US" dirty="0"/>
+          </a:p>
+        </p:txBody>
+      </p:sp>
+      <p:sp>
+        <p:nvSpPr>
+          <p:cNvPr id="13" name="TextBox 12">
+            <a:extLst>
+              <a:ext uri="{FF2B5EF4-FFF2-40B4-BE49-F238E27FC236}">
+                <a16:creationId xmlns:a16="http://schemas.microsoft.com/office/drawing/2014/main" id="{E995F830-D93D-5314-0B5B-3199725552B8}"/>
+              </a:ext>
+            </a:extLst>
+          </p:cNvPr>
+          <p:cNvSpPr txBox="1"/>
+          <p:nvPr/>
+        </p:nvSpPr>
+        <p:spPr>
+          <a:xfrm>
+            <a:off x="9097761" y="1389100"/>
+            <a:ext cx="785664" cy="369332"/>
+          </a:xfrm>
+          <a:prstGeom prst="rect">
+            <a:avLst/>
+          </a:prstGeom>
+          <a:noFill/>
+        </p:spPr>
+        <p:txBody>
+          <a:bodyPr wrap="none" rtlCol="0">
+            <a:spAutoFit/>
+          </a:bodyPr>
+          <a:lstStyle/>
+          <a:p>
+            <a:r>
+              <a:rPr lang="en-US" dirty="0"/>
+              <a:t>Server</a:t>
+            </a:r>
+          </a:p>
+        </p:txBody>
+      </p:sp>
+      <p:sp>
+        <p:nvSpPr>
+          <p:cNvPr id="14" name="TextBox 13">
+            <a:extLst>
+              <a:ext uri="{FF2B5EF4-FFF2-40B4-BE49-F238E27FC236}">
+                <a16:creationId xmlns:a16="http://schemas.microsoft.com/office/drawing/2014/main" id="{10346918-8A4B-FB3C-C6FE-4F6EFC7F1AF7}"/>
+              </a:ext>
+            </a:extLst>
+          </p:cNvPr>
+          <p:cNvSpPr txBox="1"/>
+          <p:nvPr/>
+        </p:nvSpPr>
+        <p:spPr>
+          <a:xfrm>
+            <a:off x="1852972" y="4093028"/>
+            <a:ext cx="1748940" cy="1384995"/>
+          </a:xfrm>
+          <a:prstGeom prst="rect">
+            <a:avLst/>
+          </a:prstGeom>
+          <a:noFill/>
+        </p:spPr>
+        <p:txBody>
+          <a:bodyPr wrap="none" rtlCol="0">
+            <a:spAutoFit/>
+          </a:bodyPr>
+          <a:lstStyle/>
+          <a:p>
+            <a:pPr algn="ctr"/>
+            <a:r>
+              <a:rPr lang="en-US" sz="2800" dirty="0" err="1"/>
+              <a:t>readyState</a:t>
+            </a:r>
+            <a:endParaRPr lang="en-US" sz="2800" dirty="0"/>
+          </a:p>
+          <a:p>
+            <a:pPr algn="ctr"/>
+            <a:r>
+              <a:rPr lang="en-US" sz="2800" dirty="0"/>
+              <a:t>5</a:t>
+            </a:r>
+          </a:p>
+          <a:p>
+            <a:pPr algn="ctr"/>
+            <a:r>
+              <a:rPr lang="en-US" sz="2800" dirty="0"/>
+              <a:t>Steps</a:t>
+            </a:r>
+          </a:p>
+        </p:txBody>
+      </p:sp>
+      <p:sp>
+        <p:nvSpPr>
+          <p:cNvPr id="3" name="TextBox 2">
+            <a:extLst>
+              <a:ext uri="{FF2B5EF4-FFF2-40B4-BE49-F238E27FC236}">
+                <a16:creationId xmlns:a16="http://schemas.microsoft.com/office/drawing/2014/main" id="{1E07CF50-B759-7C44-C609-98C71985CF2A}"/>
+              </a:ext>
+            </a:extLst>
+          </p:cNvPr>
+          <p:cNvSpPr txBox="1"/>
+          <p:nvPr/>
+        </p:nvSpPr>
+        <p:spPr>
+          <a:xfrm>
+            <a:off x="5534021" y="4133166"/>
+            <a:ext cx="6657979" cy="2246769"/>
+          </a:xfrm>
+          <a:prstGeom prst="rect">
+            <a:avLst/>
+          </a:prstGeom>
+          <a:noFill/>
+        </p:spPr>
+        <p:txBody>
+          <a:bodyPr wrap="square" rtlCol="0">
+            <a:spAutoFit/>
+          </a:bodyPr>
+          <a:lstStyle/>
+          <a:p>
+            <a:r>
+              <a:rPr lang="en-US" sz="2800" dirty="0"/>
+              <a:t>0: request not initialized</a:t>
+            </a:r>
+          </a:p>
+          <a:p>
+            <a:r>
+              <a:rPr lang="en-US" sz="2800" dirty="0"/>
+              <a:t>1: server connection established</a:t>
+            </a:r>
+          </a:p>
+          <a:p>
+            <a:r>
+              <a:rPr lang="en-US" sz="2800" dirty="0"/>
+              <a:t>2: request received</a:t>
+            </a:r>
+          </a:p>
+          <a:p>
+            <a:r>
+              <a:rPr lang="en-US" sz="2800" dirty="0"/>
+              <a:t>3: processing request</a:t>
+            </a:r>
+          </a:p>
+          <a:p>
+            <a:r>
+              <a:rPr lang="en-US" sz="2800" dirty="0"/>
+              <a:t>4: request finished and response is ready</a:t>
+            </a:r>
+          </a:p>
+        </p:txBody>
+      </p:sp>
+    </p:spTree>
+    <p:extLst>
+      <p:ext uri="{BB962C8B-B14F-4D97-AF65-F5344CB8AC3E}">
+        <p14:creationId xmlns:p14="http://schemas.microsoft.com/office/powerpoint/2010/main" val="192554618"/>
+      </p:ext>
+    </p:extLst>
+  </p:cSld>
+  <p:clrMapOvr>
+    <a:masterClrMapping/>
+  </p:clrMapOvr>
+</p:sld>
+</file>
+
+<file path=ppt/slides/slide38.xml><?xml version="1.0" encoding="utf-8"?>
+<p:sld xmlns:a="http://schemas.openxmlformats.org/drawingml/2006/main" xmlns:r="http://schemas.openxmlformats.org/officeDocument/2006/relationships" xmlns:p="http://schemas.openxmlformats.org/presentationml/2006/main">
+  <p:cSld>
+    <p:spTree>
+      <p:nvGrpSpPr>
+        <p:cNvPr id="1" name=""/>
+        <p:cNvGrpSpPr/>
+        <p:nvPr/>
+      </p:nvGrpSpPr>
+      <p:grpSpPr>
+        <a:xfrm>
+          <a:off x="0" y="0"/>
+          <a:ext cx="0" cy="0"/>
+          <a:chOff x="0" y="0"/>
+          <a:chExt cx="0" cy="0"/>
+        </a:xfrm>
+      </p:grpSpPr>
+      <p:sp>
+        <p:nvSpPr>
+          <p:cNvPr id="2" name="Title 1">
+            <a:extLst>
+              <a:ext uri="{FF2B5EF4-FFF2-40B4-BE49-F238E27FC236}">
+                <a16:creationId xmlns:a16="http://schemas.microsoft.com/office/drawing/2014/main" id="{6F44C8EF-F566-A793-6F94-A449667EC965}"/>
+              </a:ext>
+            </a:extLst>
+          </p:cNvPr>
+          <p:cNvSpPr>
+            <a:spLocks noGrp="1"/>
+          </p:cNvSpPr>
+          <p:nvPr>
+            <p:ph type="title"/>
+          </p:nvPr>
+        </p:nvSpPr>
+        <p:spPr/>
+        <p:txBody>
+          <a:bodyPr/>
+          <a:lstStyle/>
+          <a:p>
+            <a:r>
+              <a:rPr lang="en-US" dirty="0"/>
+              <a:t>How Ajax Work?</a:t>
+            </a:r>
+          </a:p>
+        </p:txBody>
+      </p:sp>
+      <p:pic>
+        <p:nvPicPr>
+          <p:cNvPr id="5" name="Graphic 4" descr="Computer">
+            <a:extLst>
+              <a:ext uri="{FF2B5EF4-FFF2-40B4-BE49-F238E27FC236}">
+                <a16:creationId xmlns:a16="http://schemas.microsoft.com/office/drawing/2014/main" id="{C9FC40E4-2955-CCB4-596C-788CC80E488E}"/>
+              </a:ext>
+            </a:extLst>
+          </p:cNvPr>
+          <p:cNvPicPr>
+            <a:picLocks noChangeAspect="1"/>
+          </p:cNvPicPr>
+          <p:nvPr/>
+        </p:nvPicPr>
+        <p:blipFill>
+          <a:blip r:embed="rId2">
+            <a:extLst>
+              <a:ext uri="{28A0092B-C50C-407E-A947-70E740481C1C}">
+                <a14:useLocalDpi xmlns:a14="http://schemas.microsoft.com/office/drawing/2010/main" val="0"/>
+              </a:ext>
+              <a:ext uri="{96DAC541-7B7A-43D3-8B79-37D633B846F1}">
+                <asvg:svgBlip xmlns:asvg="http://schemas.microsoft.com/office/drawing/2016/SVG/main" r:embed="rId3"/>
+              </a:ext>
+            </a:extLst>
+          </a:blip>
+          <a:stretch>
+            <a:fillRect/>
+          </a:stretch>
+        </p:blipFill>
+        <p:spPr>
+          <a:xfrm>
+            <a:off x="1852972" y="1774371"/>
+            <a:ext cx="2036858" cy="2036858"/>
+          </a:xfrm>
+          <a:prstGeom prst="rect">
+            <a:avLst/>
+          </a:prstGeom>
+        </p:spPr>
+      </p:pic>
+      <p:pic>
+        <p:nvPicPr>
+          <p:cNvPr id="7" name="Graphic 6" descr="Server">
+            <a:extLst>
+              <a:ext uri="{FF2B5EF4-FFF2-40B4-BE49-F238E27FC236}">
+                <a16:creationId xmlns:a16="http://schemas.microsoft.com/office/drawing/2014/main" id="{BF85DC2F-F221-C6BC-E613-F57558A88DE1}"/>
+              </a:ext>
+            </a:extLst>
+          </p:cNvPr>
+          <p:cNvPicPr>
+            <a:picLocks noChangeAspect="1"/>
+          </p:cNvPicPr>
+          <p:nvPr/>
+        </p:nvPicPr>
+        <p:blipFill>
+          <a:blip r:embed="rId4">
+            <a:extLst>
+              <a:ext uri="{28A0092B-C50C-407E-A947-70E740481C1C}">
+                <a14:useLocalDpi xmlns:a14="http://schemas.microsoft.com/office/drawing/2010/main" val="0"/>
+              </a:ext>
+              <a:ext uri="{96DAC541-7B7A-43D3-8B79-37D633B846F1}">
+                <asvg:svgBlip xmlns:asvg="http://schemas.microsoft.com/office/drawing/2016/SVG/main" r:embed="rId5"/>
+              </a:ext>
+            </a:extLst>
+          </a:blip>
+          <a:stretch>
+            <a:fillRect/>
+          </a:stretch>
+        </p:blipFill>
+        <p:spPr>
+          <a:xfrm>
+            <a:off x="8967429" y="1774370"/>
+            <a:ext cx="2036857" cy="2036857"/>
+          </a:xfrm>
+          <a:prstGeom prst="rect">
+            <a:avLst/>
+          </a:prstGeom>
+        </p:spPr>
+      </p:pic>
+      <p:sp>
+        <p:nvSpPr>
+          <p:cNvPr id="8" name="Arrow: Right 7">
+            <a:extLst>
+              <a:ext uri="{FF2B5EF4-FFF2-40B4-BE49-F238E27FC236}">
+                <a16:creationId xmlns:a16="http://schemas.microsoft.com/office/drawing/2014/main" id="{2C04B40D-276D-B3F2-0762-1499A7D81A50}"/>
+              </a:ext>
+            </a:extLst>
+          </p:cNvPr>
+          <p:cNvSpPr/>
+          <p:nvPr/>
+        </p:nvSpPr>
+        <p:spPr>
+          <a:xfrm>
+            <a:off x="4804230" y="2090057"/>
+            <a:ext cx="3831771" cy="598714"/>
+          </a:xfrm>
+          <a:prstGeom prst="rightArrow">
+            <a:avLst/>
+          </a:prstGeom>
+        </p:spPr>
+        <p:style>
+          <a:lnRef idx="2">
+            <a:schemeClr val="accent1">
+              <a:shade val="50000"/>
+            </a:schemeClr>
+          </a:lnRef>
+          <a:fillRef idx="1">
+            <a:schemeClr val="accent1"/>
+          </a:fillRef>
+          <a:effectRef idx="0">
+            <a:schemeClr val="accent1"/>
+          </a:effectRef>
+          <a:fontRef idx="minor">
+            <a:schemeClr val="lt1"/>
+          </a:fontRef>
+        </p:style>
+        <p:txBody>
+          <a:bodyPr rtlCol="0" anchor="ctr"/>
+          <a:lstStyle/>
+          <a:p>
+            <a:pPr algn="ctr"/>
+            <a:endParaRPr lang="en-US"/>
+          </a:p>
+        </p:txBody>
+      </p:sp>
+      <p:sp>
+        <p:nvSpPr>
+          <p:cNvPr id="9" name="TextBox 8">
+            <a:extLst>
+              <a:ext uri="{FF2B5EF4-FFF2-40B4-BE49-F238E27FC236}">
+                <a16:creationId xmlns:a16="http://schemas.microsoft.com/office/drawing/2014/main" id="{88CAEEF2-2CA5-68E1-0C20-A38878B2D53E}"/>
+              </a:ext>
+            </a:extLst>
+          </p:cNvPr>
+          <p:cNvSpPr txBox="1"/>
+          <p:nvPr/>
+        </p:nvSpPr>
+        <p:spPr>
+          <a:xfrm>
+            <a:off x="5936344" y="1774370"/>
+            <a:ext cx="944297" cy="369332"/>
+          </a:xfrm>
+          <a:prstGeom prst="rect">
+            <a:avLst/>
+          </a:prstGeom>
+          <a:noFill/>
+        </p:spPr>
+        <p:txBody>
+          <a:bodyPr wrap="none" rtlCol="0">
+            <a:spAutoFit/>
+          </a:bodyPr>
+          <a:lstStyle/>
+          <a:p>
+            <a:r>
+              <a:rPr lang="en-US" dirty="0"/>
+              <a:t>Request</a:t>
+            </a:r>
+          </a:p>
+        </p:txBody>
+      </p:sp>
+      <p:sp>
+        <p:nvSpPr>
+          <p:cNvPr id="10" name="Arrow: Right 9">
+            <a:extLst>
+              <a:ext uri="{FF2B5EF4-FFF2-40B4-BE49-F238E27FC236}">
+                <a16:creationId xmlns:a16="http://schemas.microsoft.com/office/drawing/2014/main" id="{B93FF374-64E5-38C1-2C49-B45CDCD350DB}"/>
+              </a:ext>
+            </a:extLst>
+          </p:cNvPr>
+          <p:cNvSpPr/>
+          <p:nvPr/>
+        </p:nvSpPr>
+        <p:spPr>
+          <a:xfrm rot="10800000">
+            <a:off x="4804230" y="2935738"/>
+            <a:ext cx="3831771" cy="598714"/>
+          </a:xfrm>
+          <a:prstGeom prst="rightArrow">
+            <a:avLst/>
+          </a:prstGeom>
+        </p:spPr>
+        <p:style>
+          <a:lnRef idx="2">
+            <a:schemeClr val="accent1">
+              <a:shade val="50000"/>
+            </a:schemeClr>
+          </a:lnRef>
+          <a:fillRef idx="1">
+            <a:schemeClr val="accent1"/>
+          </a:fillRef>
+          <a:effectRef idx="0">
+            <a:schemeClr val="accent1"/>
+          </a:effectRef>
+          <a:fontRef idx="minor">
+            <a:schemeClr val="lt1"/>
+          </a:fontRef>
+        </p:style>
+        <p:txBody>
+          <a:bodyPr rtlCol="0" anchor="ctr"/>
+          <a:lstStyle/>
+          <a:p>
+            <a:pPr algn="ctr"/>
+            <a:endParaRPr lang="en-US"/>
+          </a:p>
+        </p:txBody>
+      </p:sp>
+      <p:sp>
+        <p:nvSpPr>
+          <p:cNvPr id="11" name="TextBox 10">
+            <a:extLst>
+              <a:ext uri="{FF2B5EF4-FFF2-40B4-BE49-F238E27FC236}">
+                <a16:creationId xmlns:a16="http://schemas.microsoft.com/office/drawing/2014/main" id="{1EF03197-CAD9-43B4-334E-98839BB7D2FC}"/>
+              </a:ext>
+            </a:extLst>
+          </p:cNvPr>
+          <p:cNvSpPr txBox="1"/>
+          <p:nvPr/>
+        </p:nvSpPr>
+        <p:spPr>
+          <a:xfrm>
+            <a:off x="5976618" y="3349786"/>
+            <a:ext cx="1081515" cy="369332"/>
+          </a:xfrm>
+          <a:prstGeom prst="rect">
+            <a:avLst/>
+          </a:prstGeom>
+          <a:noFill/>
+        </p:spPr>
+        <p:txBody>
+          <a:bodyPr wrap="none" rtlCol="0">
+            <a:spAutoFit/>
+          </a:bodyPr>
+          <a:lstStyle/>
+          <a:p>
+            <a:r>
+              <a:rPr lang="en-US" dirty="0"/>
+              <a:t>Response</a:t>
+            </a:r>
+          </a:p>
+        </p:txBody>
+      </p:sp>
+      <p:sp>
+        <p:nvSpPr>
+          <p:cNvPr id="12" name="TextBox 11">
+            <a:extLst>
+              <a:ext uri="{FF2B5EF4-FFF2-40B4-BE49-F238E27FC236}">
+                <a16:creationId xmlns:a16="http://schemas.microsoft.com/office/drawing/2014/main" id="{0F7746F9-EEEE-C2D5-B2EB-A2228D6E9C57}"/>
+              </a:ext>
+            </a:extLst>
+          </p:cNvPr>
+          <p:cNvSpPr txBox="1"/>
+          <p:nvPr/>
+        </p:nvSpPr>
+        <p:spPr>
+          <a:xfrm>
+            <a:off x="2017487" y="1480457"/>
+            <a:ext cx="1776192" cy="369332"/>
+          </a:xfrm>
+          <a:prstGeom prst="rect">
+            <a:avLst/>
+          </a:prstGeom>
+          <a:noFill/>
+        </p:spPr>
+        <p:txBody>
+          <a:bodyPr wrap="none" rtlCol="0">
+            <a:spAutoFit/>
+          </a:bodyPr>
+          <a:lstStyle/>
+          <a:p>
+            <a:r>
+              <a:rPr lang="en-US" dirty="0" err="1"/>
+              <a:t>XMLHttpRequest</a:t>
+            </a:r>
+            <a:endParaRPr lang="en-US" dirty="0"/>
+          </a:p>
+        </p:txBody>
+      </p:sp>
+      <p:sp>
+        <p:nvSpPr>
+          <p:cNvPr id="13" name="TextBox 12">
+            <a:extLst>
+              <a:ext uri="{FF2B5EF4-FFF2-40B4-BE49-F238E27FC236}">
+                <a16:creationId xmlns:a16="http://schemas.microsoft.com/office/drawing/2014/main" id="{E995F830-D93D-5314-0B5B-3199725552B8}"/>
+              </a:ext>
+            </a:extLst>
+          </p:cNvPr>
+          <p:cNvSpPr txBox="1"/>
+          <p:nvPr/>
+        </p:nvSpPr>
+        <p:spPr>
+          <a:xfrm>
+            <a:off x="9097761" y="1389100"/>
+            <a:ext cx="785664" cy="369332"/>
+          </a:xfrm>
+          <a:prstGeom prst="rect">
+            <a:avLst/>
+          </a:prstGeom>
+          <a:noFill/>
+        </p:spPr>
+        <p:txBody>
+          <a:bodyPr wrap="none" rtlCol="0">
+            <a:spAutoFit/>
+          </a:bodyPr>
+          <a:lstStyle/>
+          <a:p>
+            <a:r>
+              <a:rPr lang="en-US" dirty="0"/>
+              <a:t>Server</a:t>
+            </a:r>
+          </a:p>
+        </p:txBody>
+      </p:sp>
+      <p:sp>
+        <p:nvSpPr>
+          <p:cNvPr id="14" name="TextBox 13">
+            <a:extLst>
+              <a:ext uri="{FF2B5EF4-FFF2-40B4-BE49-F238E27FC236}">
+                <a16:creationId xmlns:a16="http://schemas.microsoft.com/office/drawing/2014/main" id="{10346918-8A4B-FB3C-C6FE-4F6EFC7F1AF7}"/>
+              </a:ext>
+            </a:extLst>
+          </p:cNvPr>
+          <p:cNvSpPr txBox="1"/>
+          <p:nvPr/>
+        </p:nvSpPr>
+        <p:spPr>
+          <a:xfrm>
+            <a:off x="2185307" y="4093028"/>
+            <a:ext cx="3446236" cy="1815882"/>
+          </a:xfrm>
+          <a:prstGeom prst="rect">
+            <a:avLst/>
+          </a:prstGeom>
+          <a:noFill/>
+        </p:spPr>
+        <p:txBody>
+          <a:bodyPr wrap="square" rtlCol="0">
+            <a:spAutoFit/>
+          </a:bodyPr>
+          <a:lstStyle/>
+          <a:p>
+            <a:pPr algn="ctr"/>
+            <a:r>
+              <a:rPr lang="en-US" sz="2800" dirty="0"/>
+              <a:t>Status</a:t>
+            </a:r>
+          </a:p>
+          <a:p>
+            <a:pPr algn="ctr"/>
+            <a:r>
+              <a:rPr lang="en-US" sz="2800" dirty="0"/>
+              <a:t>200: “OK”</a:t>
+            </a:r>
+          </a:p>
+          <a:p>
+            <a:pPr algn="ctr"/>
+            <a:r>
+              <a:rPr lang="en-US" sz="2800" dirty="0"/>
+              <a:t>403: “Forbidden”</a:t>
+            </a:r>
+          </a:p>
+          <a:p>
+            <a:pPr algn="ctr"/>
+            <a:r>
+              <a:rPr lang="en-US" sz="2800" dirty="0"/>
+              <a:t>404: “Not Found”</a:t>
+            </a:r>
+          </a:p>
+        </p:txBody>
+      </p:sp>
+      <p:sp>
+        <p:nvSpPr>
+          <p:cNvPr id="3" name="TextBox 2">
+            <a:extLst>
+              <a:ext uri="{FF2B5EF4-FFF2-40B4-BE49-F238E27FC236}">
+                <a16:creationId xmlns:a16="http://schemas.microsoft.com/office/drawing/2014/main" id="{1E07CF50-B759-7C44-C609-98C71985CF2A}"/>
+              </a:ext>
+            </a:extLst>
+          </p:cNvPr>
+          <p:cNvSpPr txBox="1"/>
+          <p:nvPr/>
+        </p:nvSpPr>
+        <p:spPr>
+          <a:xfrm>
+            <a:off x="8461829" y="4133166"/>
+            <a:ext cx="3730171" cy="1384995"/>
+          </a:xfrm>
+          <a:prstGeom prst="rect">
+            <a:avLst/>
+          </a:prstGeom>
+          <a:noFill/>
+        </p:spPr>
+        <p:txBody>
+          <a:bodyPr wrap="square" rtlCol="0">
+            <a:spAutoFit/>
+          </a:bodyPr>
+          <a:lstStyle/>
+          <a:p>
+            <a:r>
+              <a:rPr lang="en-US" sz="2800" dirty="0" err="1"/>
+              <a:t>responseText</a:t>
+            </a:r>
+            <a:endParaRPr lang="en-US" sz="2800" dirty="0"/>
+          </a:p>
+          <a:p>
+            <a:r>
+              <a:rPr lang="en-US" sz="2800" dirty="0"/>
+              <a:t>OR</a:t>
+            </a:r>
+          </a:p>
+          <a:p>
+            <a:r>
+              <a:rPr lang="en-US" sz="2800" dirty="0" err="1"/>
+              <a:t>responseXML</a:t>
+            </a:r>
+            <a:endParaRPr lang="en-US" sz="2800" dirty="0"/>
+          </a:p>
+        </p:txBody>
+      </p:sp>
+    </p:spTree>
+    <p:extLst>
+      <p:ext uri="{BB962C8B-B14F-4D97-AF65-F5344CB8AC3E}">
+        <p14:creationId xmlns:p14="http://schemas.microsoft.com/office/powerpoint/2010/main" val="788861124"/>
+      </p:ext>
+    </p:extLst>
+  </p:cSld>
+  <p:clrMapOvr>
+    <a:masterClrMapping/>
+  </p:clrMapOvr>
+</p:sld>
+</file>
+
+<file path=ppt/slides/slide39.xml><?xml version="1.0" encoding="utf-8"?>
+<p:sld xmlns:a="http://schemas.openxmlformats.org/drawingml/2006/main" xmlns:r="http://schemas.openxmlformats.org/officeDocument/2006/relationships" xmlns:p="http://schemas.openxmlformats.org/presentationml/2006/main">
+  <p:cSld>
+    <p:spTree>
+      <p:nvGrpSpPr>
+        <p:cNvPr id="1" name=""/>
+        <p:cNvGrpSpPr/>
+        <p:nvPr/>
+      </p:nvGrpSpPr>
+      <p:grpSpPr>
+        <a:xfrm>
+          <a:off x="0" y="0"/>
+          <a:ext cx="0" cy="0"/>
+          <a:chOff x="0" y="0"/>
+          <a:chExt cx="0" cy="0"/>
+        </a:xfrm>
+      </p:grpSpPr>
+      <p:sp>
+        <p:nvSpPr>
+          <p:cNvPr id="2" name="Title 1">
+            <a:extLst>
+              <a:ext uri="{FF2B5EF4-FFF2-40B4-BE49-F238E27FC236}">
+                <a16:creationId xmlns:a16="http://schemas.microsoft.com/office/drawing/2014/main" id="{B949F9DF-6CD7-AB74-20D6-D72B4127B38F}"/>
+              </a:ext>
+            </a:extLst>
+          </p:cNvPr>
+          <p:cNvSpPr>
+            <a:spLocks noGrp="1"/>
+          </p:cNvSpPr>
+          <p:nvPr>
+            <p:ph type="title"/>
+          </p:nvPr>
+        </p:nvSpPr>
+        <p:spPr/>
+        <p:txBody>
+          <a:bodyPr/>
+          <a:lstStyle/>
+          <a:p>
+            <a:r>
+              <a:rPr lang="en-US" dirty="0"/>
+              <a:t>Ajax Syntax:</a:t>
+            </a:r>
+          </a:p>
+        </p:txBody>
+      </p:sp>
+      <p:sp>
+        <p:nvSpPr>
+          <p:cNvPr id="3" name="Content Placeholder 2">
+            <a:extLst>
+              <a:ext uri="{FF2B5EF4-FFF2-40B4-BE49-F238E27FC236}">
+                <a16:creationId xmlns:a16="http://schemas.microsoft.com/office/drawing/2014/main" id="{1ACF9D5A-1C82-9E32-0E96-E5233BB3565E}"/>
+              </a:ext>
+            </a:extLst>
+          </p:cNvPr>
+          <p:cNvSpPr>
+            <a:spLocks noGrp="1"/>
+          </p:cNvSpPr>
+          <p:nvPr>
+            <p:ph idx="1"/>
+          </p:nvPr>
+        </p:nvSpPr>
+        <p:spPr/>
+        <p:txBody>
+          <a:bodyPr>
+            <a:normAutofit lnSpcReduction="10000"/>
+          </a:bodyPr>
+          <a:lstStyle/>
+          <a:p>
+            <a:pPr marL="0" indent="0">
+              <a:buNone/>
+            </a:pPr>
+            <a:r>
+              <a:rPr lang="en-US" dirty="0"/>
+              <a:t>Var </a:t>
+            </a:r>
+            <a:r>
+              <a:rPr lang="en-US" dirty="0" err="1"/>
+              <a:t>xhttp</a:t>
+            </a:r>
+            <a:r>
+              <a:rPr lang="en-US" dirty="0"/>
+              <a:t> = new </a:t>
+            </a:r>
+            <a:r>
+              <a:rPr lang="en-US" dirty="0" err="1"/>
+              <a:t>XMLHttpRequest</a:t>
+            </a:r>
+            <a:r>
+              <a:rPr lang="en-US" dirty="0"/>
+              <a:t>();</a:t>
+            </a:r>
+          </a:p>
+          <a:p>
+            <a:pPr marL="0" indent="0">
+              <a:buNone/>
+            </a:pPr>
+            <a:r>
+              <a:rPr lang="en-US" dirty="0" err="1"/>
+              <a:t>Xhttp.onreadystatechange</a:t>
+            </a:r>
+            <a:r>
+              <a:rPr lang="en-US" dirty="0"/>
+              <a:t> = function(){</a:t>
+            </a:r>
+          </a:p>
+          <a:p>
+            <a:pPr marL="0" indent="0">
+              <a:buNone/>
+            </a:pPr>
+            <a:r>
+              <a:rPr lang="en-US" dirty="0"/>
+              <a:t>If (</a:t>
+            </a:r>
+            <a:r>
+              <a:rPr lang="en-US" dirty="0" err="1"/>
+              <a:t>this.readyState</a:t>
+            </a:r>
+            <a:r>
+              <a:rPr lang="en-US" dirty="0"/>
+              <a:t> == 4 &amp;&amp; </a:t>
+            </a:r>
+            <a:r>
+              <a:rPr lang="en-US" dirty="0" err="1"/>
+              <a:t>this.status</a:t>
+            </a:r>
+            <a:r>
+              <a:rPr lang="en-US" dirty="0"/>
+              <a:t> == 200){</a:t>
+            </a:r>
+          </a:p>
+          <a:p>
+            <a:pPr marL="0" indent="0">
+              <a:buNone/>
+            </a:pPr>
+            <a:r>
+              <a:rPr lang="en-US" dirty="0"/>
+              <a:t>	</a:t>
+            </a:r>
+            <a:r>
+              <a:rPr lang="en-US" dirty="0" err="1"/>
+              <a:t>document.getElementById</a:t>
+            </a:r>
+            <a:r>
+              <a:rPr lang="en-US" dirty="0"/>
+              <a:t>(“demo”).</a:t>
+            </a:r>
+            <a:r>
+              <a:rPr lang="en-US" dirty="0" err="1"/>
+              <a:t>innerHTML</a:t>
+            </a:r>
+            <a:r>
+              <a:rPr lang="en-US" dirty="0"/>
+              <a:t> = </a:t>
+            </a:r>
+            <a:r>
+              <a:rPr lang="en-US" dirty="0" err="1"/>
+              <a:t>this.responseText</a:t>
+            </a:r>
+            <a:r>
+              <a:rPr lang="en-US" dirty="0"/>
+              <a:t>;</a:t>
+            </a:r>
+          </a:p>
+          <a:p>
+            <a:pPr marL="0" indent="0">
+              <a:buNone/>
+            </a:pPr>
+            <a:r>
+              <a:rPr lang="en-US" dirty="0"/>
+              <a:t>}</a:t>
+            </a:r>
+          </a:p>
+          <a:p>
+            <a:pPr marL="0" indent="0">
+              <a:buNone/>
+            </a:pPr>
+            <a:r>
+              <a:rPr lang="en-US" dirty="0"/>
+              <a:t>};</a:t>
+            </a:r>
+          </a:p>
+          <a:p>
+            <a:pPr marL="0" indent="0">
+              <a:buNone/>
+            </a:pPr>
+            <a:r>
+              <a:rPr lang="en-US" dirty="0" err="1"/>
+              <a:t>xhttp.open</a:t>
+            </a:r>
+            <a:r>
+              <a:rPr lang="en-US" dirty="0"/>
+              <a:t>(“</a:t>
+            </a:r>
+            <a:r>
+              <a:rPr lang="en-US" dirty="0" err="1"/>
+              <a:t>GET”,”filename.txt”,true</a:t>
+            </a:r>
+            <a:r>
+              <a:rPr lang="en-US" dirty="0"/>
+              <a:t>);</a:t>
+            </a:r>
+          </a:p>
+          <a:p>
+            <a:pPr marL="0" indent="0">
+              <a:buNone/>
+            </a:pPr>
+            <a:r>
+              <a:rPr lang="en-US" dirty="0" err="1"/>
+              <a:t>xhttp.send</a:t>
+            </a:r>
+            <a:r>
+              <a:rPr lang="en-US" dirty="0"/>
+              <a:t>();</a:t>
+            </a:r>
+          </a:p>
+        </p:txBody>
+      </p:sp>
+    </p:spTree>
+    <p:extLst>
+      <p:ext uri="{BB962C8B-B14F-4D97-AF65-F5344CB8AC3E}">
+        <p14:creationId xmlns:p14="http://schemas.microsoft.com/office/powerpoint/2010/main" val="1646577002"/>
+      </p:ext>
+    </p:extLst>
+  </p:cSld>
+  <p:clrMapOvr>
+    <a:masterClrMapping/>
+  </p:clrMapOvr>
+</p:sld>
+</file>
+
 <file path=ppt/slides/slide4.xml><?xml version="1.0" encoding="utf-8"?>
 <p:sld xmlns:a="http://schemas.openxmlformats.org/drawingml/2006/main" xmlns:r="http://schemas.openxmlformats.org/officeDocument/2006/relationships" xmlns:p="http://schemas.openxmlformats.org/presentationml/2006/main">
   <p:cSld>
@@ -13519,6 +15441,873 @@
     <p:extLst>
       <p:ext uri="{BB962C8B-B14F-4D97-AF65-F5344CB8AC3E}">
         <p14:creationId xmlns:p14="http://schemas.microsoft.com/office/powerpoint/2010/main" val="3638533955"/>
+      </p:ext>
+    </p:extLst>
+  </p:cSld>
+  <p:clrMapOvr>
+    <a:masterClrMapping/>
+  </p:clrMapOvr>
+</p:sld>
+</file>
+
+<file path=ppt/slides/slide40.xml><?xml version="1.0" encoding="utf-8"?>
+<p:sld xmlns:a="http://schemas.openxmlformats.org/drawingml/2006/main" xmlns:r="http://schemas.openxmlformats.org/officeDocument/2006/relationships" xmlns:p="http://schemas.openxmlformats.org/presentationml/2006/main">
+  <p:cSld>
+    <p:spTree>
+      <p:nvGrpSpPr>
+        <p:cNvPr id="1" name=""/>
+        <p:cNvGrpSpPr/>
+        <p:nvPr/>
+      </p:nvGrpSpPr>
+      <p:grpSpPr>
+        <a:xfrm>
+          <a:off x="0" y="0"/>
+          <a:ext cx="0" cy="0"/>
+          <a:chOff x="0" y="0"/>
+          <a:chExt cx="0" cy="0"/>
+        </a:xfrm>
+      </p:grpSpPr>
+      <p:sp>
+        <p:nvSpPr>
+          <p:cNvPr id="2" name="Title 1">
+            <a:extLst>
+              <a:ext uri="{FF2B5EF4-FFF2-40B4-BE49-F238E27FC236}">
+                <a16:creationId xmlns:a16="http://schemas.microsoft.com/office/drawing/2014/main" id="{48C78309-AF7E-4F05-19A1-6F24E403C820}"/>
+              </a:ext>
+            </a:extLst>
+          </p:cNvPr>
+          <p:cNvSpPr>
+            <a:spLocks noGrp="1"/>
+          </p:cNvSpPr>
+          <p:nvPr>
+            <p:ph type="title"/>
+          </p:nvPr>
+        </p:nvSpPr>
+        <p:spPr/>
+        <p:txBody>
+          <a:bodyPr/>
+          <a:lstStyle/>
+          <a:p>
+            <a:r>
+              <a:rPr lang="en-US" dirty="0"/>
+              <a:t>Fetch()</a:t>
+            </a:r>
+          </a:p>
+        </p:txBody>
+      </p:sp>
+      <p:sp>
+        <p:nvSpPr>
+          <p:cNvPr id="3" name="Content Placeholder 2">
+            <a:extLst>
+              <a:ext uri="{FF2B5EF4-FFF2-40B4-BE49-F238E27FC236}">
+                <a16:creationId xmlns:a16="http://schemas.microsoft.com/office/drawing/2014/main" id="{D9012189-483D-C1BC-A6F3-A47FE01C3C4F}"/>
+              </a:ext>
+            </a:extLst>
+          </p:cNvPr>
+          <p:cNvSpPr>
+            <a:spLocks noGrp="1"/>
+          </p:cNvSpPr>
+          <p:nvPr>
+            <p:ph idx="1"/>
+          </p:nvPr>
+        </p:nvSpPr>
+        <p:spPr>
+          <a:xfrm>
+            <a:off x="838200" y="1825625"/>
+            <a:ext cx="3312886" cy="4351338"/>
+          </a:xfrm>
+        </p:spPr>
+        <p:txBody>
+          <a:bodyPr/>
+          <a:lstStyle/>
+          <a:p>
+            <a:r>
+              <a:rPr lang="en-US" dirty="0"/>
+              <a:t>AJAX</a:t>
+            </a:r>
+          </a:p>
+          <a:p>
+            <a:pPr lvl="1"/>
+            <a:r>
+              <a:rPr lang="en-US" dirty="0"/>
+              <a:t>$.ajax();</a:t>
+            </a:r>
+          </a:p>
+          <a:p>
+            <a:pPr lvl="1"/>
+            <a:r>
+              <a:rPr lang="en-US" dirty="0"/>
+              <a:t>$.get();</a:t>
+            </a:r>
+          </a:p>
+          <a:p>
+            <a:pPr lvl="1"/>
+            <a:r>
+              <a:rPr lang="en-US" dirty="0"/>
+              <a:t>$.post();</a:t>
+            </a:r>
+          </a:p>
+          <a:p>
+            <a:pPr lvl="1"/>
+            <a:endParaRPr lang="en-US" dirty="0"/>
+          </a:p>
+          <a:p>
+            <a:r>
+              <a:rPr lang="en-US" dirty="0"/>
+              <a:t>JavaScript</a:t>
+            </a:r>
+          </a:p>
+          <a:p>
+            <a:pPr lvl="1"/>
+            <a:r>
+              <a:rPr lang="en-US" dirty="0" err="1"/>
+              <a:t>XMLHttpRequest</a:t>
+            </a:r>
+            <a:endParaRPr lang="en-US" dirty="0"/>
+          </a:p>
+        </p:txBody>
+      </p:sp>
+      <p:sp>
+        <p:nvSpPr>
+          <p:cNvPr id="4" name="Content Placeholder 2">
+            <a:extLst>
+              <a:ext uri="{FF2B5EF4-FFF2-40B4-BE49-F238E27FC236}">
+                <a16:creationId xmlns:a16="http://schemas.microsoft.com/office/drawing/2014/main" id="{1758C736-FB3F-E21B-12A9-8FA8A7BDCD0E}"/>
+              </a:ext>
+            </a:extLst>
+          </p:cNvPr>
+          <p:cNvSpPr txBox="1">
+            <a:spLocks/>
+          </p:cNvSpPr>
+          <p:nvPr/>
+        </p:nvSpPr>
+        <p:spPr>
+          <a:xfrm>
+            <a:off x="7021286" y="1825625"/>
+            <a:ext cx="3312886" cy="3443061"/>
+          </a:xfrm>
+          <a:prstGeom prst="rect">
+            <a:avLst/>
+          </a:prstGeom>
+        </p:spPr>
+        <p:txBody>
+          <a:bodyPr vert="horz" lIns="91440" tIns="45720" rIns="91440" bIns="45720" rtlCol="0">
+            <a:normAutofit/>
+          </a:bodyPr>
+          <a:lstStyle>
+            <a:lvl1pPr marL="228600" indent="-228600" algn="l" defTabSz="914400" rtl="0" eaLnBrk="1" latinLnBrk="0" hangingPunct="1">
+              <a:lnSpc>
+                <a:spcPct val="90000"/>
+              </a:lnSpc>
+              <a:spcBef>
+                <a:spcPts val="1000"/>
+              </a:spcBef>
+              <a:buFont typeface="Arial" panose="020B0604020202020204" pitchFamily="34" charset="0"/>
+              <a:buChar char="•"/>
+              <a:defRPr sz="2800" kern="1200">
+                <a:solidFill>
+                  <a:schemeClr val="tx1"/>
+                </a:solidFill>
+                <a:latin typeface="+mn-lt"/>
+                <a:ea typeface="+mn-ea"/>
+                <a:cs typeface="+mn-cs"/>
+              </a:defRPr>
+            </a:lvl1pPr>
+            <a:lvl2pPr marL="685800" indent="-228600" algn="l" defTabSz="914400" rtl="0" eaLnBrk="1" latinLnBrk="0" hangingPunct="1">
+              <a:lnSpc>
+                <a:spcPct val="90000"/>
+              </a:lnSpc>
+              <a:spcBef>
+                <a:spcPts val="500"/>
+              </a:spcBef>
+              <a:buFont typeface="Arial" panose="020B0604020202020204" pitchFamily="34" charset="0"/>
+              <a:buChar char="•"/>
+              <a:defRPr sz="2400" kern="1200">
+                <a:solidFill>
+                  <a:schemeClr val="tx1"/>
+                </a:solidFill>
+                <a:latin typeface="+mn-lt"/>
+                <a:ea typeface="+mn-ea"/>
+                <a:cs typeface="+mn-cs"/>
+              </a:defRPr>
+            </a:lvl2pPr>
+            <a:lvl3pPr marL="1143000" indent="-228600" algn="l" defTabSz="914400" rtl="0" eaLnBrk="1" latinLnBrk="0" hangingPunct="1">
+              <a:lnSpc>
+                <a:spcPct val="90000"/>
+              </a:lnSpc>
+              <a:spcBef>
+                <a:spcPts val="500"/>
+              </a:spcBef>
+              <a:buFont typeface="Arial" panose="020B0604020202020204" pitchFamily="34" charset="0"/>
+              <a:buChar char="•"/>
+              <a:defRPr sz="2000" kern="1200">
+                <a:solidFill>
+                  <a:schemeClr val="tx1"/>
+                </a:solidFill>
+                <a:latin typeface="+mn-lt"/>
+                <a:ea typeface="+mn-ea"/>
+                <a:cs typeface="+mn-cs"/>
+              </a:defRPr>
+            </a:lvl3pPr>
+            <a:lvl4pPr marL="1600200" indent="-228600" algn="l" defTabSz="914400" rtl="0" eaLnBrk="1" latinLnBrk="0" hangingPunct="1">
+              <a:lnSpc>
+                <a:spcPct val="90000"/>
+              </a:lnSpc>
+              <a:spcBef>
+                <a:spcPts val="500"/>
+              </a:spcBef>
+              <a:buFont typeface="Arial" panose="020B0604020202020204" pitchFamily="34" charset="0"/>
+              <a:buChar char="•"/>
+              <a:defRPr sz="1800" kern="1200">
+                <a:solidFill>
+                  <a:schemeClr val="tx1"/>
+                </a:solidFill>
+                <a:latin typeface="+mn-lt"/>
+                <a:ea typeface="+mn-ea"/>
+                <a:cs typeface="+mn-cs"/>
+              </a:defRPr>
+            </a:lvl4pPr>
+            <a:lvl5pPr marL="2057400" indent="-228600" algn="l" defTabSz="914400" rtl="0" eaLnBrk="1" latinLnBrk="0" hangingPunct="1">
+              <a:lnSpc>
+                <a:spcPct val="90000"/>
+              </a:lnSpc>
+              <a:spcBef>
+                <a:spcPts val="500"/>
+              </a:spcBef>
+              <a:buFont typeface="Arial" panose="020B0604020202020204" pitchFamily="34" charset="0"/>
+              <a:buChar char="•"/>
+              <a:defRPr sz="1800" kern="1200">
+                <a:solidFill>
+                  <a:schemeClr val="tx1"/>
+                </a:solidFill>
+                <a:latin typeface="+mn-lt"/>
+                <a:ea typeface="+mn-ea"/>
+                <a:cs typeface="+mn-cs"/>
+              </a:defRPr>
+            </a:lvl5pPr>
+            <a:lvl6pPr marL="2514600" indent="-228600" algn="l" defTabSz="914400" rtl="0" eaLnBrk="1" latinLnBrk="0" hangingPunct="1">
+              <a:lnSpc>
+                <a:spcPct val="90000"/>
+              </a:lnSpc>
+              <a:spcBef>
+                <a:spcPts val="500"/>
+              </a:spcBef>
+              <a:buFont typeface="Arial" panose="020B0604020202020204" pitchFamily="34" charset="0"/>
+              <a:buChar char="•"/>
+              <a:defRPr sz="1800" kern="1200">
+                <a:solidFill>
+                  <a:schemeClr val="tx1"/>
+                </a:solidFill>
+                <a:latin typeface="+mn-lt"/>
+                <a:ea typeface="+mn-ea"/>
+                <a:cs typeface="+mn-cs"/>
+              </a:defRPr>
+            </a:lvl6pPr>
+            <a:lvl7pPr marL="2971800" indent="-228600" algn="l" defTabSz="914400" rtl="0" eaLnBrk="1" latinLnBrk="0" hangingPunct="1">
+              <a:lnSpc>
+                <a:spcPct val="90000"/>
+              </a:lnSpc>
+              <a:spcBef>
+                <a:spcPts val="500"/>
+              </a:spcBef>
+              <a:buFont typeface="Arial" panose="020B0604020202020204" pitchFamily="34" charset="0"/>
+              <a:buChar char="•"/>
+              <a:defRPr sz="1800" kern="1200">
+                <a:solidFill>
+                  <a:schemeClr val="tx1"/>
+                </a:solidFill>
+                <a:latin typeface="+mn-lt"/>
+                <a:ea typeface="+mn-ea"/>
+                <a:cs typeface="+mn-cs"/>
+              </a:defRPr>
+            </a:lvl7pPr>
+            <a:lvl8pPr marL="3429000" indent="-228600" algn="l" defTabSz="914400" rtl="0" eaLnBrk="1" latinLnBrk="0" hangingPunct="1">
+              <a:lnSpc>
+                <a:spcPct val="90000"/>
+              </a:lnSpc>
+              <a:spcBef>
+                <a:spcPts val="500"/>
+              </a:spcBef>
+              <a:buFont typeface="Arial" panose="020B0604020202020204" pitchFamily="34" charset="0"/>
+              <a:buChar char="•"/>
+              <a:defRPr sz="1800" kern="1200">
+                <a:solidFill>
+                  <a:schemeClr val="tx1"/>
+                </a:solidFill>
+                <a:latin typeface="+mn-lt"/>
+                <a:ea typeface="+mn-ea"/>
+                <a:cs typeface="+mn-cs"/>
+              </a:defRPr>
+            </a:lvl8pPr>
+            <a:lvl9pPr marL="3886200" indent="-228600" algn="l" defTabSz="914400" rtl="0" eaLnBrk="1" latinLnBrk="0" hangingPunct="1">
+              <a:lnSpc>
+                <a:spcPct val="90000"/>
+              </a:lnSpc>
+              <a:spcBef>
+                <a:spcPts val="500"/>
+              </a:spcBef>
+              <a:buFont typeface="Arial" panose="020B0604020202020204" pitchFamily="34" charset="0"/>
+              <a:buChar char="•"/>
+              <a:defRPr sz="1800" kern="1200">
+                <a:solidFill>
+                  <a:schemeClr val="tx1"/>
+                </a:solidFill>
+                <a:latin typeface="+mn-lt"/>
+                <a:ea typeface="+mn-ea"/>
+                <a:cs typeface="+mn-cs"/>
+              </a:defRPr>
+            </a:lvl9pPr>
+          </a:lstStyle>
+          <a:p>
+            <a:r>
+              <a:rPr lang="en-US" dirty="0"/>
+              <a:t>JavaScript ES^</a:t>
+            </a:r>
+          </a:p>
+          <a:p>
+            <a:endParaRPr lang="en-US" dirty="0"/>
+          </a:p>
+          <a:p>
+            <a:r>
+              <a:rPr lang="en-US" dirty="0"/>
+              <a:t>Fetch()</a:t>
+            </a:r>
+          </a:p>
+          <a:p>
+            <a:pPr lvl="1"/>
+            <a:r>
+              <a:rPr lang="en-US" dirty="0"/>
+              <a:t>Insert</a:t>
+            </a:r>
+          </a:p>
+          <a:p>
+            <a:pPr lvl="1"/>
+            <a:r>
+              <a:rPr lang="en-US" dirty="0"/>
+              <a:t>Update</a:t>
+            </a:r>
+          </a:p>
+          <a:p>
+            <a:pPr lvl="1"/>
+            <a:r>
+              <a:rPr lang="en-US" dirty="0"/>
+              <a:t>Read</a:t>
+            </a:r>
+          </a:p>
+          <a:p>
+            <a:pPr lvl="1"/>
+            <a:r>
+              <a:rPr lang="en-US" dirty="0"/>
+              <a:t>delete</a:t>
+            </a:r>
+          </a:p>
+        </p:txBody>
+      </p:sp>
+    </p:spTree>
+    <p:extLst>
+      <p:ext uri="{BB962C8B-B14F-4D97-AF65-F5344CB8AC3E}">
+        <p14:creationId xmlns:p14="http://schemas.microsoft.com/office/powerpoint/2010/main" val="343825027"/>
+      </p:ext>
+    </p:extLst>
+  </p:cSld>
+  <p:clrMapOvr>
+    <a:masterClrMapping/>
+  </p:clrMapOvr>
+</p:sld>
+</file>
+
+<file path=ppt/slides/slide41.xml><?xml version="1.0" encoding="utf-8"?>
+<p:sld xmlns:a="http://schemas.openxmlformats.org/drawingml/2006/main" xmlns:r="http://schemas.openxmlformats.org/officeDocument/2006/relationships" xmlns:p="http://schemas.openxmlformats.org/presentationml/2006/main">
+  <p:cSld>
+    <p:spTree>
+      <p:nvGrpSpPr>
+        <p:cNvPr id="1" name=""/>
+        <p:cNvGrpSpPr/>
+        <p:nvPr/>
+      </p:nvGrpSpPr>
+      <p:grpSpPr>
+        <a:xfrm>
+          <a:off x="0" y="0"/>
+          <a:ext cx="0" cy="0"/>
+          <a:chOff x="0" y="0"/>
+          <a:chExt cx="0" cy="0"/>
+        </a:xfrm>
+      </p:grpSpPr>
+      <p:sp>
+        <p:nvSpPr>
+          <p:cNvPr id="2" name="Title 1">
+            <a:extLst>
+              <a:ext uri="{FF2B5EF4-FFF2-40B4-BE49-F238E27FC236}">
+                <a16:creationId xmlns:a16="http://schemas.microsoft.com/office/drawing/2014/main" id="{F67C111B-72E7-8746-C551-D55F24255304}"/>
+              </a:ext>
+            </a:extLst>
+          </p:cNvPr>
+          <p:cNvSpPr>
+            <a:spLocks noGrp="1"/>
+          </p:cNvSpPr>
+          <p:nvPr>
+            <p:ph type="title"/>
+          </p:nvPr>
+        </p:nvSpPr>
+        <p:spPr/>
+        <p:txBody>
+          <a:bodyPr/>
+          <a:lstStyle/>
+          <a:p>
+            <a:r>
+              <a:rPr lang="en-US" dirty="0"/>
+              <a:t>Fetch() Syntax:</a:t>
+            </a:r>
+          </a:p>
+        </p:txBody>
+      </p:sp>
+      <p:sp>
+        <p:nvSpPr>
+          <p:cNvPr id="3" name="Content Placeholder 2">
+            <a:extLst>
+              <a:ext uri="{FF2B5EF4-FFF2-40B4-BE49-F238E27FC236}">
+                <a16:creationId xmlns:a16="http://schemas.microsoft.com/office/drawing/2014/main" id="{C93D022C-C7B2-8A07-E67E-99E530E095B8}"/>
+              </a:ext>
+            </a:extLst>
+          </p:cNvPr>
+          <p:cNvSpPr>
+            <a:spLocks noGrp="1"/>
+          </p:cNvSpPr>
+          <p:nvPr>
+            <p:ph idx="1"/>
+          </p:nvPr>
+        </p:nvSpPr>
+        <p:spPr/>
+        <p:txBody>
+          <a:bodyPr/>
+          <a:lstStyle/>
+          <a:p>
+            <a:pPr marL="0" indent="0">
+              <a:buNone/>
+            </a:pPr>
+            <a:r>
+              <a:rPr lang="en-US" dirty="0"/>
+              <a:t>Fetch();</a:t>
+            </a:r>
+          </a:p>
+          <a:p>
+            <a:pPr marL="0" indent="0">
+              <a:buNone/>
+            </a:pPr>
+            <a:endParaRPr lang="en-US" dirty="0"/>
+          </a:p>
+          <a:p>
+            <a:pPr marL="0" indent="0">
+              <a:buNone/>
+            </a:pPr>
+            <a:r>
+              <a:rPr lang="en-US" dirty="0"/>
+              <a:t>Fetch(file/URL); 			-------------</a:t>
+            </a:r>
+            <a:r>
+              <a:rPr lang="en-US" dirty="0">
+                <a:sym typeface="Wingdings" panose="05000000000000000000" pitchFamily="2" charset="2"/>
+              </a:rPr>
+              <a:t> Promise</a:t>
+            </a:r>
+          </a:p>
+          <a:p>
+            <a:pPr marL="0" indent="0">
+              <a:buNone/>
+            </a:pPr>
+            <a:r>
+              <a:rPr lang="en-US" dirty="0">
+                <a:sym typeface="Wingdings" panose="05000000000000000000" pitchFamily="2" charset="2"/>
+              </a:rPr>
+              <a:t>Fetch(file/URL).then();		-----------Promise</a:t>
+            </a:r>
+          </a:p>
+          <a:p>
+            <a:pPr marL="0" indent="0">
+              <a:buNone/>
+            </a:pPr>
+            <a:endParaRPr lang="en-US" dirty="0">
+              <a:sym typeface="Wingdings" panose="05000000000000000000" pitchFamily="2" charset="2"/>
+            </a:endParaRPr>
+          </a:p>
+          <a:p>
+            <a:pPr marL="0" indent="0">
+              <a:buNone/>
+            </a:pPr>
+            <a:r>
+              <a:rPr lang="en-US" dirty="0">
+                <a:sym typeface="Wingdings" panose="05000000000000000000" pitchFamily="2" charset="2"/>
+              </a:rPr>
+              <a:t>Fetch(file/URL).then(function(response){</a:t>
+            </a:r>
+          </a:p>
+          <a:p>
+            <a:pPr marL="0" indent="0">
+              <a:buNone/>
+            </a:pPr>
+            <a:r>
+              <a:rPr lang="en-US" dirty="0">
+                <a:sym typeface="Wingdings" panose="05000000000000000000" pitchFamily="2" charset="2"/>
+              </a:rPr>
+              <a:t>Return </a:t>
+            </a:r>
+            <a:r>
+              <a:rPr lang="en-US" dirty="0" err="1">
+                <a:sym typeface="Wingdings" panose="05000000000000000000" pitchFamily="2" charset="2"/>
+              </a:rPr>
+              <a:t>response.data</a:t>
+            </a:r>
+            <a:r>
+              <a:rPr lang="en-US" dirty="0">
+                <a:sym typeface="Wingdings" panose="05000000000000000000" pitchFamily="2" charset="2"/>
+              </a:rPr>
+              <a:t>;</a:t>
+            </a:r>
+          </a:p>
+          <a:p>
+            <a:pPr marL="0" indent="0">
+              <a:buNone/>
+            </a:pPr>
+            <a:r>
+              <a:rPr lang="en-US" dirty="0">
+                <a:sym typeface="Wingdings" panose="05000000000000000000" pitchFamily="2" charset="2"/>
+              </a:rPr>
+              <a:t>}</a:t>
+            </a:r>
+            <a:endParaRPr lang="en-US" dirty="0"/>
+          </a:p>
+          <a:p>
+            <a:pPr marL="0" indent="0">
+              <a:buNone/>
+            </a:pPr>
+            <a:endParaRPr lang="en-US" dirty="0"/>
+          </a:p>
+        </p:txBody>
+      </p:sp>
+      <p:cxnSp>
+        <p:nvCxnSpPr>
+          <p:cNvPr id="5" name="Straight Arrow Connector 4">
+            <a:extLst>
+              <a:ext uri="{FF2B5EF4-FFF2-40B4-BE49-F238E27FC236}">
+                <a16:creationId xmlns:a16="http://schemas.microsoft.com/office/drawing/2014/main" id="{50BE2EAC-C7BD-48CF-925A-81C6479F5D24}"/>
+              </a:ext>
+            </a:extLst>
+          </p:cNvPr>
+          <p:cNvCxnSpPr/>
+          <p:nvPr/>
+        </p:nvCxnSpPr>
+        <p:spPr>
+          <a:xfrm flipH="1">
+            <a:off x="2975429" y="5297714"/>
+            <a:ext cx="783771" cy="879249"/>
+          </a:xfrm>
+          <a:prstGeom prst="straightConnector1">
+            <a:avLst/>
+          </a:prstGeom>
+          <a:ln>
+            <a:tailEnd type="triangle"/>
+          </a:ln>
+        </p:spPr>
+        <p:style>
+          <a:lnRef idx="1">
+            <a:schemeClr val="accent1"/>
+          </a:lnRef>
+          <a:fillRef idx="0">
+            <a:schemeClr val="accent1"/>
+          </a:fillRef>
+          <a:effectRef idx="0">
+            <a:schemeClr val="accent1"/>
+          </a:effectRef>
+          <a:fontRef idx="minor">
+            <a:schemeClr val="tx1"/>
+          </a:fontRef>
+        </p:style>
+      </p:cxnSp>
+      <p:cxnSp>
+        <p:nvCxnSpPr>
+          <p:cNvPr id="7" name="Straight Arrow Connector 6">
+            <a:extLst>
+              <a:ext uri="{FF2B5EF4-FFF2-40B4-BE49-F238E27FC236}">
+                <a16:creationId xmlns:a16="http://schemas.microsoft.com/office/drawing/2014/main" id="{919E2211-562D-1A20-0E8A-FF79B3AAD83C}"/>
+              </a:ext>
+            </a:extLst>
+          </p:cNvPr>
+          <p:cNvCxnSpPr/>
+          <p:nvPr/>
+        </p:nvCxnSpPr>
+        <p:spPr>
+          <a:xfrm>
+            <a:off x="3759200" y="5297714"/>
+            <a:ext cx="696686" cy="696686"/>
+          </a:xfrm>
+          <a:prstGeom prst="straightConnector1">
+            <a:avLst/>
+          </a:prstGeom>
+          <a:ln>
+            <a:tailEnd type="triangle"/>
+          </a:ln>
+        </p:spPr>
+        <p:style>
+          <a:lnRef idx="1">
+            <a:schemeClr val="accent1"/>
+          </a:lnRef>
+          <a:fillRef idx="0">
+            <a:schemeClr val="accent1"/>
+          </a:fillRef>
+          <a:effectRef idx="0">
+            <a:schemeClr val="accent1"/>
+          </a:effectRef>
+          <a:fontRef idx="minor">
+            <a:schemeClr val="tx1"/>
+          </a:fontRef>
+        </p:style>
+      </p:cxnSp>
+      <p:sp>
+        <p:nvSpPr>
+          <p:cNvPr id="8" name="TextBox 7">
+            <a:extLst>
+              <a:ext uri="{FF2B5EF4-FFF2-40B4-BE49-F238E27FC236}">
+                <a16:creationId xmlns:a16="http://schemas.microsoft.com/office/drawing/2014/main" id="{316C15DF-25CF-472A-7AE1-3CF09128DC92}"/>
+              </a:ext>
+            </a:extLst>
+          </p:cNvPr>
+          <p:cNvSpPr txBox="1"/>
+          <p:nvPr/>
+        </p:nvSpPr>
+        <p:spPr>
+          <a:xfrm>
+            <a:off x="2757714" y="6386286"/>
+            <a:ext cx="706412" cy="369332"/>
+          </a:xfrm>
+          <a:prstGeom prst="rect">
+            <a:avLst/>
+          </a:prstGeom>
+          <a:noFill/>
+        </p:spPr>
+        <p:txBody>
+          <a:bodyPr wrap="none" rtlCol="0">
+            <a:spAutoFit/>
+          </a:bodyPr>
+          <a:lstStyle/>
+          <a:p>
+            <a:r>
+              <a:rPr lang="en-US" dirty="0"/>
+              <a:t>Text()</a:t>
+            </a:r>
+          </a:p>
+        </p:txBody>
+      </p:sp>
+      <p:sp>
+        <p:nvSpPr>
+          <p:cNvPr id="9" name="TextBox 8">
+            <a:extLst>
+              <a:ext uri="{FF2B5EF4-FFF2-40B4-BE49-F238E27FC236}">
+                <a16:creationId xmlns:a16="http://schemas.microsoft.com/office/drawing/2014/main" id="{4E326F77-8F7B-5189-3324-9867A0F0A329}"/>
+              </a:ext>
+            </a:extLst>
+          </p:cNvPr>
+          <p:cNvSpPr txBox="1"/>
+          <p:nvPr/>
+        </p:nvSpPr>
+        <p:spPr>
+          <a:xfrm>
+            <a:off x="4151086" y="6123543"/>
+            <a:ext cx="732893" cy="369332"/>
+          </a:xfrm>
+          <a:prstGeom prst="rect">
+            <a:avLst/>
+          </a:prstGeom>
+          <a:noFill/>
+        </p:spPr>
+        <p:txBody>
+          <a:bodyPr wrap="none" rtlCol="0">
+            <a:spAutoFit/>
+          </a:bodyPr>
+          <a:lstStyle/>
+          <a:p>
+            <a:r>
+              <a:rPr lang="en-US" dirty="0" err="1"/>
+              <a:t>Json</a:t>
+            </a:r>
+            <a:r>
+              <a:rPr lang="en-US" dirty="0"/>
+              <a:t>()</a:t>
+            </a:r>
+          </a:p>
+        </p:txBody>
+      </p:sp>
+    </p:spTree>
+    <p:extLst>
+      <p:ext uri="{BB962C8B-B14F-4D97-AF65-F5344CB8AC3E}">
+        <p14:creationId xmlns:p14="http://schemas.microsoft.com/office/powerpoint/2010/main" val="280685682"/>
+      </p:ext>
+    </p:extLst>
+  </p:cSld>
+  <p:clrMapOvr>
+    <a:masterClrMapping/>
+  </p:clrMapOvr>
+</p:sld>
+</file>
+
+<file path=ppt/slides/slide42.xml><?xml version="1.0" encoding="utf-8"?>
+<p:sld xmlns:a="http://schemas.openxmlformats.org/drawingml/2006/main" xmlns:r="http://schemas.openxmlformats.org/officeDocument/2006/relationships" xmlns:p="http://schemas.openxmlformats.org/presentationml/2006/main">
+  <p:cSld>
+    <p:spTree>
+      <p:nvGrpSpPr>
+        <p:cNvPr id="1" name=""/>
+        <p:cNvGrpSpPr/>
+        <p:nvPr/>
+      </p:nvGrpSpPr>
+      <p:grpSpPr>
+        <a:xfrm>
+          <a:off x="0" y="0"/>
+          <a:ext cx="0" cy="0"/>
+          <a:chOff x="0" y="0"/>
+          <a:chExt cx="0" cy="0"/>
+        </a:xfrm>
+      </p:grpSpPr>
+      <p:sp>
+        <p:nvSpPr>
+          <p:cNvPr id="2" name="Title 1">
+            <a:extLst>
+              <a:ext uri="{FF2B5EF4-FFF2-40B4-BE49-F238E27FC236}">
+                <a16:creationId xmlns:a16="http://schemas.microsoft.com/office/drawing/2014/main" id="{D536ABA8-59DB-6ACE-BB73-6D7972C26B4F}"/>
+              </a:ext>
+            </a:extLst>
+          </p:cNvPr>
+          <p:cNvSpPr>
+            <a:spLocks noGrp="1"/>
+          </p:cNvSpPr>
+          <p:nvPr>
+            <p:ph type="title"/>
+          </p:nvPr>
+        </p:nvSpPr>
+        <p:spPr/>
+        <p:txBody>
+          <a:bodyPr/>
+          <a:lstStyle/>
+          <a:p>
+            <a:r>
+              <a:rPr lang="en-US" dirty="0"/>
+              <a:t>Fetch()</a:t>
+            </a:r>
+          </a:p>
+        </p:txBody>
+      </p:sp>
+      <p:sp>
+        <p:nvSpPr>
+          <p:cNvPr id="3" name="Content Placeholder 2">
+            <a:extLst>
+              <a:ext uri="{FF2B5EF4-FFF2-40B4-BE49-F238E27FC236}">
+                <a16:creationId xmlns:a16="http://schemas.microsoft.com/office/drawing/2014/main" id="{F08A2F6A-5E3C-5A72-FA2D-9FF4F03F4FE3}"/>
+              </a:ext>
+            </a:extLst>
+          </p:cNvPr>
+          <p:cNvSpPr>
+            <a:spLocks noGrp="1"/>
+          </p:cNvSpPr>
+          <p:nvPr>
+            <p:ph idx="1"/>
+          </p:nvPr>
+        </p:nvSpPr>
+        <p:spPr/>
+        <p:txBody>
+          <a:bodyPr>
+            <a:normAutofit lnSpcReduction="10000"/>
+          </a:bodyPr>
+          <a:lstStyle/>
+          <a:p>
+            <a:pPr marL="0" indent="0">
+              <a:buNone/>
+            </a:pPr>
+            <a:r>
+              <a:rPr lang="en-US" dirty="0"/>
+              <a:t>Fetch(file/URL).then(function(response){</a:t>
+            </a:r>
+          </a:p>
+          <a:p>
+            <a:pPr marL="0" indent="0">
+              <a:buNone/>
+            </a:pPr>
+            <a:r>
+              <a:rPr lang="en-US" dirty="0"/>
+              <a:t>Return </a:t>
+            </a:r>
+            <a:r>
+              <a:rPr lang="en-US" dirty="0" err="1"/>
+              <a:t>response.data</a:t>
+            </a:r>
+            <a:r>
+              <a:rPr lang="en-US" dirty="0"/>
+              <a:t>;</a:t>
+            </a:r>
+          </a:p>
+          <a:p>
+            <a:pPr marL="0" indent="0">
+              <a:buNone/>
+            </a:pPr>
+            <a:r>
+              <a:rPr lang="en-US" dirty="0"/>
+              <a:t>}).then(function(result){</a:t>
+            </a:r>
+          </a:p>
+          <a:p>
+            <a:pPr marL="0" indent="0">
+              <a:buNone/>
+            </a:pPr>
+            <a:r>
+              <a:rPr lang="en-US" dirty="0"/>
+              <a:t>Console.log(result);</a:t>
+            </a:r>
+          </a:p>
+          <a:p>
+            <a:pPr marL="0" indent="0">
+              <a:buNone/>
+            </a:pPr>
+            <a:r>
+              <a:rPr lang="en-US" dirty="0"/>
+              <a:t>}).catch(function(error){</a:t>
+            </a:r>
+          </a:p>
+          <a:p>
+            <a:pPr marL="0" indent="0">
+              <a:buNone/>
+            </a:pPr>
+            <a:r>
+              <a:rPr lang="en-US" dirty="0"/>
+              <a:t>Console.log(error);</a:t>
+            </a:r>
+          </a:p>
+          <a:p>
+            <a:pPr marL="0" indent="0">
+              <a:buNone/>
+            </a:pPr>
+            <a:r>
+              <a:rPr lang="en-US" dirty="0"/>
+              <a:t>});</a:t>
+            </a:r>
+          </a:p>
+          <a:p>
+            <a:pPr marL="0" indent="0">
+              <a:buNone/>
+            </a:pPr>
+            <a:endParaRPr lang="en-US" dirty="0"/>
+          </a:p>
+          <a:p>
+            <a:pPr marL="0" indent="0">
+              <a:buNone/>
+            </a:pPr>
+            <a:r>
+              <a:rPr lang="en-US" dirty="0"/>
+              <a:t>Fetch() method works on Live Server.</a:t>
+            </a:r>
+          </a:p>
+        </p:txBody>
+      </p:sp>
+    </p:spTree>
+    <p:extLst>
+      <p:ext uri="{BB962C8B-B14F-4D97-AF65-F5344CB8AC3E}">
+        <p14:creationId xmlns:p14="http://schemas.microsoft.com/office/powerpoint/2010/main" val="2263041575"/>
       </p:ext>
     </p:extLst>
   </p:cSld>

--- a/AdvanceJavaScript.pptx
+++ b/AdvanceJavaScript.pptx
@@ -47,6 +47,7 @@
     <p:sldId id="295" r:id="rId41"/>
     <p:sldId id="296" r:id="rId42"/>
     <p:sldId id="297" r:id="rId43"/>
+    <p:sldId id="298" r:id="rId44"/>
   </p:sldIdLst>
   <p:sldSz cx="12192000" cy="6858000"/>
   <p:notesSz cx="6858000" cy="9144000"/>
@@ -300,7 +301,7 @@
           <a:p>
             <a:fld id="{BC5A2644-DC23-4ADD-9DCB-84DBCEFE5469}" type="datetimeFigureOut">
               <a:rPr lang="en-US" smtClean="0"/>
-              <a:t>3/16/2023</a:t>
+              <a:t>3/17/2023</a:t>
             </a:fld>
             <a:endParaRPr lang="en-US"/>
           </a:p>
@@ -498,7 +499,7 @@
           <a:p>
             <a:fld id="{BC5A2644-DC23-4ADD-9DCB-84DBCEFE5469}" type="datetimeFigureOut">
               <a:rPr lang="en-US" smtClean="0"/>
-              <a:t>3/16/2023</a:t>
+              <a:t>3/17/2023</a:t>
             </a:fld>
             <a:endParaRPr lang="en-US"/>
           </a:p>
@@ -706,7 +707,7 @@
           <a:p>
             <a:fld id="{BC5A2644-DC23-4ADD-9DCB-84DBCEFE5469}" type="datetimeFigureOut">
               <a:rPr lang="en-US" smtClean="0"/>
-              <a:t>3/16/2023</a:t>
+              <a:t>3/17/2023</a:t>
             </a:fld>
             <a:endParaRPr lang="en-US"/>
           </a:p>
@@ -904,7 +905,7 @@
           <a:p>
             <a:fld id="{BC5A2644-DC23-4ADD-9DCB-84DBCEFE5469}" type="datetimeFigureOut">
               <a:rPr lang="en-US" smtClean="0"/>
-              <a:t>3/16/2023</a:t>
+              <a:t>3/17/2023</a:t>
             </a:fld>
             <a:endParaRPr lang="en-US"/>
           </a:p>
@@ -1179,7 +1180,7 @@
           <a:p>
             <a:fld id="{BC5A2644-DC23-4ADD-9DCB-84DBCEFE5469}" type="datetimeFigureOut">
               <a:rPr lang="en-US" smtClean="0"/>
-              <a:t>3/16/2023</a:t>
+              <a:t>3/17/2023</a:t>
             </a:fld>
             <a:endParaRPr lang="en-US"/>
           </a:p>
@@ -1444,7 +1445,7 @@
           <a:p>
             <a:fld id="{BC5A2644-DC23-4ADD-9DCB-84DBCEFE5469}" type="datetimeFigureOut">
               <a:rPr lang="en-US" smtClean="0"/>
-              <a:t>3/16/2023</a:t>
+              <a:t>3/17/2023</a:t>
             </a:fld>
             <a:endParaRPr lang="en-US"/>
           </a:p>
@@ -1856,7 +1857,7 @@
           <a:p>
             <a:fld id="{BC5A2644-DC23-4ADD-9DCB-84DBCEFE5469}" type="datetimeFigureOut">
               <a:rPr lang="en-US" smtClean="0"/>
-              <a:t>3/16/2023</a:t>
+              <a:t>3/17/2023</a:t>
             </a:fld>
             <a:endParaRPr lang="en-US"/>
           </a:p>
@@ -1997,7 +1998,7 @@
           <a:p>
             <a:fld id="{BC5A2644-DC23-4ADD-9DCB-84DBCEFE5469}" type="datetimeFigureOut">
               <a:rPr lang="en-US" smtClean="0"/>
-              <a:t>3/16/2023</a:t>
+              <a:t>3/17/2023</a:t>
             </a:fld>
             <a:endParaRPr lang="en-US"/>
           </a:p>
@@ -2110,7 +2111,7 @@
           <a:p>
             <a:fld id="{BC5A2644-DC23-4ADD-9DCB-84DBCEFE5469}" type="datetimeFigureOut">
               <a:rPr lang="en-US" smtClean="0"/>
-              <a:t>3/16/2023</a:t>
+              <a:t>3/17/2023</a:t>
             </a:fld>
             <a:endParaRPr lang="en-US"/>
           </a:p>
@@ -2421,7 +2422,7 @@
           <a:p>
             <a:fld id="{BC5A2644-DC23-4ADD-9DCB-84DBCEFE5469}" type="datetimeFigureOut">
               <a:rPr lang="en-US" smtClean="0"/>
-              <a:t>3/16/2023</a:t>
+              <a:t>3/17/2023</a:t>
             </a:fld>
             <a:endParaRPr lang="en-US"/>
           </a:p>
@@ -2709,7 +2710,7 @@
           <a:p>
             <a:fld id="{BC5A2644-DC23-4ADD-9DCB-84DBCEFE5469}" type="datetimeFigureOut">
               <a:rPr lang="en-US" smtClean="0"/>
-              <a:t>3/16/2023</a:t>
+              <a:t>3/17/2023</a:t>
             </a:fld>
             <a:endParaRPr lang="en-US"/>
           </a:p>
@@ -2950,7 +2951,7 @@
           <a:p>
             <a:fld id="{BC5A2644-DC23-4ADD-9DCB-84DBCEFE5469}" type="datetimeFigureOut">
               <a:rPr lang="en-US" smtClean="0"/>
-              <a:t>3/16/2023</a:t>
+              <a:t>3/17/2023</a:t>
             </a:fld>
             <a:endParaRPr lang="en-US"/>
           </a:p>
@@ -15761,7 +15762,7 @@
           <a:p>
             <a:r>
               <a:rPr lang="en-US" dirty="0"/>
-              <a:t>JavaScript ES^</a:t>
+              <a:t>JavaScript ES6</a:t>
             </a:r>
           </a:p>
           <a:p>
@@ -16308,6 +16309,188 @@
     <p:extLst>
       <p:ext uri="{BB962C8B-B14F-4D97-AF65-F5344CB8AC3E}">
         <p14:creationId xmlns:p14="http://schemas.microsoft.com/office/powerpoint/2010/main" val="2263041575"/>
+      </p:ext>
+    </p:extLst>
+  </p:cSld>
+  <p:clrMapOvr>
+    <a:masterClrMapping/>
+  </p:clrMapOvr>
+</p:sld>
+</file>
+
+<file path=ppt/slides/slide43.xml><?xml version="1.0" encoding="utf-8"?>
+<p:sld xmlns:a="http://schemas.openxmlformats.org/drawingml/2006/main" xmlns:r="http://schemas.openxmlformats.org/officeDocument/2006/relationships" xmlns:p="http://schemas.openxmlformats.org/presentationml/2006/main">
+  <p:cSld>
+    <p:spTree>
+      <p:nvGrpSpPr>
+        <p:cNvPr id="1" name=""/>
+        <p:cNvGrpSpPr/>
+        <p:nvPr/>
+      </p:nvGrpSpPr>
+      <p:grpSpPr>
+        <a:xfrm>
+          <a:off x="0" y="0"/>
+          <a:ext cx="0" cy="0"/>
+          <a:chOff x="0" y="0"/>
+          <a:chExt cx="0" cy="0"/>
+        </a:xfrm>
+      </p:grpSpPr>
+      <p:sp>
+        <p:nvSpPr>
+          <p:cNvPr id="2" name="Title 1">
+            <a:extLst>
+              <a:ext uri="{FF2B5EF4-FFF2-40B4-BE49-F238E27FC236}">
+                <a16:creationId xmlns:a16="http://schemas.microsoft.com/office/drawing/2014/main" id="{9F1B33CB-1EB8-6A00-B211-BBE4462B90DC}"/>
+              </a:ext>
+            </a:extLst>
+          </p:cNvPr>
+          <p:cNvSpPr>
+            <a:spLocks noGrp="1"/>
+          </p:cNvSpPr>
+          <p:nvPr>
+            <p:ph type="title"/>
+          </p:nvPr>
+        </p:nvSpPr>
+        <p:spPr/>
+        <p:txBody>
+          <a:bodyPr/>
+          <a:lstStyle/>
+          <a:p>
+            <a:r>
+              <a:rPr lang="en-US" dirty="0"/>
+              <a:t>Fetch()- Insert, Update, Delete</a:t>
+            </a:r>
+          </a:p>
+        </p:txBody>
+      </p:sp>
+      <p:sp>
+        <p:nvSpPr>
+          <p:cNvPr id="3" name="Content Placeholder 2">
+            <a:extLst>
+              <a:ext uri="{FF2B5EF4-FFF2-40B4-BE49-F238E27FC236}">
+                <a16:creationId xmlns:a16="http://schemas.microsoft.com/office/drawing/2014/main" id="{6EB38A05-28A0-E2CC-5E4B-8B952219912B}"/>
+              </a:ext>
+            </a:extLst>
+          </p:cNvPr>
+          <p:cNvSpPr>
+            <a:spLocks noGrp="1"/>
+          </p:cNvSpPr>
+          <p:nvPr>
+            <p:ph idx="1"/>
+          </p:nvPr>
+        </p:nvSpPr>
+        <p:spPr/>
+        <p:txBody>
+          <a:bodyPr/>
+          <a:lstStyle/>
+          <a:p>
+            <a:pPr marL="0" indent="0">
+              <a:buNone/>
+            </a:pPr>
+            <a:r>
+              <a:rPr lang="en-US" dirty="0"/>
+              <a:t>Fetch(file/URL,{</a:t>
+            </a:r>
+          </a:p>
+          <a:p>
+            <a:pPr marL="0" indent="0">
+              <a:buNone/>
+            </a:pPr>
+            <a:r>
+              <a:rPr lang="en-US" dirty="0"/>
+              <a:t>	method: “POST” ========</a:t>
+            </a:r>
+            <a:r>
+              <a:rPr lang="en-US" dirty="0">
+                <a:sym typeface="Wingdings" panose="05000000000000000000" pitchFamily="2" charset="2"/>
+              </a:rPr>
+              <a:t> “PUT”,”DELETE”,”GET”</a:t>
+            </a:r>
+          </a:p>
+          <a:p>
+            <a:pPr marL="0" indent="0">
+              <a:buNone/>
+            </a:pPr>
+            <a:r>
+              <a:rPr lang="en-US" dirty="0">
+                <a:sym typeface="Wingdings" panose="05000000000000000000" pitchFamily="2" charset="2"/>
+              </a:rPr>
+              <a:t>	body: data, =========== Form Data / JSON Data/ Text</a:t>
+            </a:r>
+          </a:p>
+          <a:p>
+            <a:pPr marL="0" indent="0">
+              <a:buNone/>
+            </a:pPr>
+            <a:r>
+              <a:rPr lang="en-US" dirty="0">
+                <a:sym typeface="Wingdings" panose="05000000000000000000" pitchFamily="2" charset="2"/>
+              </a:rPr>
+              <a:t>	Header:{</a:t>
+            </a:r>
+          </a:p>
+          <a:p>
+            <a:pPr marL="0" indent="0">
+              <a:buNone/>
+            </a:pPr>
+            <a:r>
+              <a:rPr lang="en-US" dirty="0">
+                <a:sym typeface="Wingdings" panose="05000000000000000000" pitchFamily="2" charset="2"/>
+              </a:rPr>
+              <a:t>		‘Content-Type’: ‘application/</a:t>
+            </a:r>
+            <a:r>
+              <a:rPr lang="en-US" dirty="0" err="1">
+                <a:sym typeface="Wingdings" panose="05000000000000000000" pitchFamily="2" charset="2"/>
+              </a:rPr>
+              <a:t>json</a:t>
+            </a:r>
+            <a:r>
+              <a:rPr lang="en-US" dirty="0">
+                <a:sym typeface="Wingdings" panose="05000000000000000000" pitchFamily="2" charset="2"/>
+              </a:rPr>
+              <a:t>’’application/x-www-form-</a:t>
+            </a:r>
+            <a:r>
+              <a:rPr lang="en-US" dirty="0" err="1">
+                <a:sym typeface="Wingdings" panose="05000000000000000000" pitchFamily="2" charset="2"/>
+              </a:rPr>
+              <a:t>urlencoded</a:t>
+            </a:r>
+            <a:r>
+              <a:rPr lang="en-US" dirty="0">
+                <a:sym typeface="Wingdings" panose="05000000000000000000" pitchFamily="2" charset="2"/>
+              </a:rPr>
+              <a:t>’</a:t>
+            </a:r>
+          </a:p>
+          <a:p>
+            <a:pPr marL="0" indent="0">
+              <a:buNone/>
+            </a:pPr>
+            <a:r>
+              <a:rPr lang="en-US" dirty="0">
+                <a:sym typeface="Wingdings" panose="05000000000000000000" pitchFamily="2" charset="2"/>
+              </a:rPr>
+              <a:t>	}</a:t>
+            </a:r>
+            <a:endParaRPr lang="en-US" dirty="0"/>
+          </a:p>
+          <a:p>
+            <a:pPr marL="0" indent="0">
+              <a:buNone/>
+            </a:pPr>
+            <a:r>
+              <a:rPr lang="en-US" dirty="0"/>
+              <a:t>});</a:t>
+            </a:r>
+          </a:p>
+        </p:txBody>
+      </p:sp>
+    </p:spTree>
+    <p:extLst>
+      <p:ext uri="{BB962C8B-B14F-4D97-AF65-F5344CB8AC3E}">
+        <p14:creationId xmlns:p14="http://schemas.microsoft.com/office/powerpoint/2010/main" val="3810280114"/>
       </p:ext>
     </p:extLst>
   </p:cSld>
